--- a/documentation/presentation_qdocs.pptx
+++ b/documentation/presentation_qdocs.pptx
@@ -1785,7 +1785,7 @@
             <a:fld id="{AF277DBB-4E58-4C67-A2CD-2F1D5D299867}" type="slidenum">
               <a:rPr lang="it-IT" altLang="en-US"/>
               <a:pPr/>
-              <a:t>25</a:t>
+              <a:t>19</a:t>
             </a:fld>
             <a:endParaRPr lang="it-IT" altLang="en-US"/>
           </a:p>
@@ -2486,38 +2486,38 @@
           <a:p>
             <a:pPr lvl="0"/>
             <a:r>
-              <a:rPr lang="it-IT"/>
+              <a:rPr lang="it-IT" dirty="0"/>
               <a:t>Fare clic per modificare gli stili del testo dello schema</a:t>
             </a:r>
           </a:p>
           <a:p>
             <a:pPr lvl="1"/>
             <a:r>
-              <a:rPr lang="it-IT"/>
+              <a:rPr lang="it-IT" dirty="0"/>
               <a:t>Secondo livello</a:t>
             </a:r>
           </a:p>
           <a:p>
             <a:pPr lvl="2"/>
             <a:r>
-              <a:rPr lang="it-IT"/>
+              <a:rPr lang="it-IT" dirty="0"/>
               <a:t>Terzo livello</a:t>
             </a:r>
           </a:p>
           <a:p>
             <a:pPr lvl="3"/>
             <a:r>
-              <a:rPr lang="it-IT"/>
+              <a:rPr lang="it-IT" dirty="0"/>
               <a:t>Quarto livello</a:t>
             </a:r>
           </a:p>
           <a:p>
             <a:pPr lvl="4"/>
             <a:r>
-              <a:rPr lang="it-IT"/>
+              <a:rPr lang="it-IT" dirty="0"/>
               <a:t>Quinto livello</a:t>
             </a:r>
-            <a:endParaRPr lang="en-GB"/>
+            <a:endParaRPr lang="en-GB" dirty="0"/>
           </a:p>
         </p:txBody>
       </p:sp>
@@ -2551,7 +2551,7 @@
               <a:pPr/>
               <a:t>‹N›</a:t>
             </a:fld>
-            <a:endParaRPr lang="it-IT" altLang="en-US"/>
+            <a:endParaRPr lang="it-IT" altLang="en-US" dirty="0"/>
           </a:p>
         </p:txBody>
       </p:sp>
@@ -5600,24 +5600,34 @@
               <a:buChar char="•"/>
             </a:pPr>
             <a:r>
-              <a:rPr lang="en-GB" sz="2800" dirty="0" err="1">
+              <a:rPr lang="en-GB" sz="2800" dirty="0">
                 <a:solidFill>
                   <a:srgbClr val="003F6E"/>
                 </a:solidFill>
                 <a:latin typeface="Calibri"/>
                 <a:cs typeface="Calibri"/>
               </a:rPr>
-              <a:t>targetSdkVersion</a:t>
-            </a:r>
-            <a:r>
-              <a:rPr lang="en-GB" sz="2800" dirty="0">
+              <a:t>Target </a:t>
+            </a:r>
+            <a:r>
+              <a:rPr lang="en-GB" sz="2800" dirty="0" err="1">
                 <a:solidFill>
                   <a:srgbClr val="003F6E"/>
                 </a:solidFill>
                 <a:latin typeface="Calibri"/>
                 <a:cs typeface="Calibri"/>
               </a:rPr>
-              <a:t> = 28</a:t>
+              <a:t>Sdk</a:t>
+            </a:r>
+            <a:r>
+              <a:rPr lang="en-GB" sz="2800" dirty="0">
+                <a:solidFill>
+                  <a:srgbClr val="003F6E"/>
+                </a:solidFill>
+                <a:latin typeface="Calibri"/>
+                <a:cs typeface="Calibri"/>
+              </a:rPr>
+              <a:t> Version = 28</a:t>
             </a:r>
           </a:p>
           <a:p>
@@ -5655,24 +5665,34 @@
               <a:buChar char="•"/>
             </a:pPr>
             <a:r>
-              <a:rPr lang="en-GB" sz="2800" dirty="0" err="1">
+              <a:rPr lang="en-GB" sz="2800" dirty="0">
                 <a:solidFill>
                   <a:srgbClr val="003F6E"/>
                 </a:solidFill>
                 <a:latin typeface="Calibri"/>
                 <a:cs typeface="Calibri"/>
               </a:rPr>
-              <a:t>minSdkVersion</a:t>
-            </a:r>
-            <a:r>
-              <a:rPr lang="en-GB" sz="2800" dirty="0">
+              <a:t>Minimum </a:t>
+            </a:r>
+            <a:r>
+              <a:rPr lang="en-GB" sz="2800" dirty="0" err="1">
                 <a:solidFill>
                   <a:srgbClr val="003F6E"/>
                 </a:solidFill>
                 <a:latin typeface="Calibri"/>
                 <a:cs typeface="Calibri"/>
               </a:rPr>
-              <a:t> = 23</a:t>
+              <a:t>Sdk</a:t>
+            </a:r>
+            <a:r>
+              <a:rPr lang="en-GB" sz="2800" dirty="0">
+                <a:solidFill>
+                  <a:srgbClr val="003F6E"/>
+                </a:solidFill>
+                <a:latin typeface="Calibri"/>
+                <a:cs typeface="Calibri"/>
+              </a:rPr>
+              <a:t> Version = 23</a:t>
             </a:r>
             <a:endParaRPr lang="en-GB" dirty="0">
               <a:cs typeface="Arial"/>
@@ -5848,14 +5868,24 @@
           <a:p>
             <a:pPr algn="l"/>
             <a:r>
-              <a:rPr lang="it-IT" sz="2800">
+              <a:rPr lang="it-IT" sz="2800" dirty="0" err="1">
                 <a:solidFill>
                   <a:srgbClr val="003F6E"/>
                 </a:solidFill>
                 <a:latin typeface="Calibri"/>
                 <a:cs typeface="Calibri"/>
               </a:rPr>
-              <a:t>Approximate devices coverage of 62.6% </a:t>
+              <a:t>Approximate</a:t>
+            </a:r>
+            <a:r>
+              <a:rPr lang="it-IT" sz="2800" dirty="0">
+                <a:solidFill>
+                  <a:srgbClr val="003F6E"/>
+                </a:solidFill>
+                <a:latin typeface="Calibri"/>
+                <a:cs typeface="Calibri"/>
+              </a:rPr>
+              <a:t> devices coverage of 62.6% </a:t>
             </a:r>
           </a:p>
         </p:txBody>
@@ -5934,11 +5964,14 @@
         </p:nvSpPr>
         <p:spPr bwMode="auto">
           <a:xfrm>
-            <a:off x="4345020" y="3161776"/>
-            <a:ext cx="484631" cy="642611"/>
+            <a:off x="4345020" y="3281167"/>
+            <a:ext cx="484631" cy="523220"/>
           </a:xfrm>
           <a:prstGeom prst="downArrow">
-            <a:avLst/>
+            <a:avLst>
+              <a:gd name="adj1" fmla="val 29035"/>
+              <a:gd name="adj2" fmla="val 50000"/>
+            </a:avLst>
           </a:prstGeom>
           <a:solidFill>
             <a:srgbClr val="00B050"/>
@@ -5948,13 +5981,6 @@
           </a:ln>
           <a:effectLst/>
           <a:extLst>
-            <a:ext uri="{909E8E84-426E-40DD-AFC4-6F175D3DCCD1}">
-              <a14:hiddenFill xmlns:a14="http://schemas.microsoft.com/office/drawing/2010/main">
-                <a:solidFill>
-                  <a:schemeClr val="accent1"/>
-                </a:solidFill>
-              </a14:hiddenFill>
-            </a:ext>
             <a:ext uri="{91240B29-F687-4F45-9708-019B960494DF}">
               <a14:hiddenLine xmlns:a14="http://schemas.microsoft.com/office/drawing/2010/main" w="9525" cap="flat" cmpd="sng" algn="ctr">
                 <a:solidFill>
@@ -6010,6 +6036,119 @@
               </a:solidFill>
               <a:effectLst/>
               <a:latin typeface="Arial" panose="020B0604020202020204" pitchFamily="34" charset="0"/>
+            </a:endParaRPr>
+          </a:p>
+        </p:txBody>
+      </p:sp>
+      <p:sp>
+        <p:nvSpPr>
+          <p:cNvPr id="9" name="Rettangolo 8">
+            <a:extLst>
+              <a:ext uri="{FF2B5EF4-FFF2-40B4-BE49-F238E27FC236}">
+                <a16:creationId xmlns:a16="http://schemas.microsoft.com/office/drawing/2014/main" id="{0B2EC7DE-4F8B-443D-9D13-24607B89E1CF}"/>
+              </a:ext>
+            </a:extLst>
+          </p:cNvPr>
+          <p:cNvSpPr/>
+          <p:nvPr/>
+        </p:nvSpPr>
+        <p:spPr bwMode="auto">
+          <a:xfrm>
+            <a:off x="251520" y="6613524"/>
+            <a:ext cx="4374292" cy="244475"/>
+          </a:xfrm>
+          <a:prstGeom prst="rect">
+            <a:avLst/>
+          </a:prstGeom>
+          <a:solidFill>
+            <a:schemeClr val="bg1"/>
+          </a:solidFill>
+          <a:ln>
+            <a:noFill/>
+          </a:ln>
+          <a:effectLst/>
+        </p:spPr>
+        <p:txBody>
+          <a:bodyPr vert="horz" wrap="square" lIns="0" tIns="0" rIns="0" bIns="0" numCol="1" rtlCol="0" anchor="t" anchorCtr="0" compatLnSpc="1">
+            <a:prstTxWarp prst="textNoShape">
+              <a:avLst/>
+            </a:prstTxWarp>
+          </a:bodyPr>
+          <a:lstStyle/>
+          <a:p>
+            <a:pPr marL="0" marR="0" indent="0" algn="ctr" defTabSz="914400" rtl="0" eaLnBrk="0" fontAlgn="base" latinLnBrk="0" hangingPunct="0">
+              <a:lnSpc>
+                <a:spcPct val="100000"/>
+              </a:lnSpc>
+              <a:spcBef>
+                <a:spcPct val="20000"/>
+              </a:spcBef>
+              <a:spcAft>
+                <a:spcPct val="0"/>
+              </a:spcAft>
+              <a:buClrTx/>
+              <a:buSzTx/>
+              <a:buFontTx/>
+              <a:buNone/>
+              <a:tabLst/>
+            </a:pPr>
+            <a:r>
+              <a:rPr lang="en-GB" sz="1400" dirty="0">
+                <a:ln>
+                  <a:solidFill>
+                    <a:srgbClr val="003366"/>
+                  </a:solidFill>
+                </a:ln>
+                <a:solidFill>
+                  <a:srgbClr val="003366"/>
+                </a:solidFill>
+                <a:latin typeface="Calibri" panose="020F0502020204030204" pitchFamily="34" charset="0"/>
+                <a:cs typeface="Calibri" panose="020F0502020204030204" pitchFamily="34" charset="0"/>
+              </a:rPr>
+              <a:t>Lamparelli Andrea, </a:t>
+            </a:r>
+            <a:r>
+              <a:rPr lang="en-GB" sz="1400" dirty="0" err="1">
+                <a:ln>
+                  <a:solidFill>
+                    <a:srgbClr val="003366"/>
+                  </a:solidFill>
+                </a:ln>
+                <a:solidFill>
+                  <a:srgbClr val="003366"/>
+                </a:solidFill>
+                <a:latin typeface="Calibri" panose="020F0502020204030204" pitchFamily="34" charset="0"/>
+                <a:cs typeface="Calibri" panose="020F0502020204030204" pitchFamily="34" charset="0"/>
+              </a:rPr>
+              <a:t>Chittò</a:t>
+            </a:r>
+            <a:r>
+              <a:rPr lang="en-GB" sz="1400" dirty="0">
+                <a:ln>
+                  <a:solidFill>
+                    <a:srgbClr val="003366"/>
+                  </a:solidFill>
+                </a:ln>
+                <a:solidFill>
+                  <a:srgbClr val="003366"/>
+                </a:solidFill>
+                <a:latin typeface="Calibri" panose="020F0502020204030204" pitchFamily="34" charset="0"/>
+                <a:cs typeface="Calibri" panose="020F0502020204030204" pitchFamily="34" charset="0"/>
+              </a:rPr>
+              <a:t> Pietro</a:t>
+            </a:r>
+            <a:endParaRPr kumimoji="0" lang="en-GB" sz="1400" i="0" u="none" strike="noStrike" cap="none" normalizeH="0" baseline="0" dirty="0">
+              <a:ln>
+                <a:solidFill>
+                  <a:srgbClr val="003366"/>
+                </a:solidFill>
+              </a:ln>
+              <a:solidFill>
+                <a:srgbClr val="003366"/>
+              </a:solidFill>
+              <a:effectLst/>
+              <a:latin typeface="Calibri" panose="020F0502020204030204" pitchFamily="34" charset="0"/>
+              <a:cs typeface="Calibri" panose="020F0502020204030204" pitchFamily="34" charset="0"/>
             </a:endParaRPr>
           </a:p>
         </p:txBody>
@@ -6244,22 +6383,15 @@
           <a:p>
             <a:pPr algn="l"/>
             <a:r>
-              <a:rPr lang="it-IT" sz="2800" b="1">
+              <a:rPr lang="it-IT" sz="2800" b="1" dirty="0">
                 <a:solidFill>
                   <a:srgbClr val="003F6E"/>
                 </a:solidFill>
                 <a:latin typeface="Calibri"/>
                 <a:cs typeface="Calibri"/>
               </a:rPr>
-              <a:t>  TYPE                              REASON</a:t>
-            </a:r>
-            <a:endParaRPr lang="it-IT" sz="2800" b="1" dirty="0">
-              <a:solidFill>
-                <a:srgbClr val="003F6E"/>
-              </a:solidFill>
-              <a:latin typeface="Calibri"/>
-              <a:cs typeface="Calibri"/>
-            </a:endParaRPr>
+              <a:t>   TYPE                                    REASON</a:t>
+            </a:r>
           </a:p>
         </p:txBody>
       </p:sp>
@@ -6295,114 +6427,310 @@
           <a:lstStyle/>
           <a:p>
             <a:r>
-              <a:rPr lang="it-IT" sz="2800" dirty="0" err="1">
+              <a:rPr lang="it-IT" sz="2800" dirty="0">
                 <a:solidFill>
                   <a:srgbClr val="003F6E"/>
                 </a:solidFill>
                 <a:latin typeface="Calibri"/>
                 <a:cs typeface="Calibri"/>
               </a:rPr>
-              <a:t>Qr</a:t>
-            </a:r>
-            <a:r>
-              <a:rPr lang="it-IT" sz="2800" dirty="0">
+              <a:t>QR-code </a:t>
+            </a:r>
+            <a:r>
+              <a:rPr lang="it-IT" sz="2800" dirty="0" err="1">
                 <a:solidFill>
                   <a:srgbClr val="003F6E"/>
                 </a:solidFill>
                 <a:latin typeface="Calibri"/>
                 <a:cs typeface="Calibri"/>
               </a:rPr>
-              <a:t>-code </a:t>
-            </a:r>
-            <a:r>
-              <a:rPr lang="it-IT" sz="2800" dirty="0" err="1">
+              <a:t>scan</a:t>
+            </a:r>
+            <a:endParaRPr lang="it-IT" sz="2800" dirty="0">
+              <a:solidFill>
+                <a:srgbClr val="003F6E"/>
+              </a:solidFill>
+              <a:latin typeface="Calibri"/>
+              <a:cs typeface="Calibri"/>
+            </a:endParaRPr>
+          </a:p>
+          <a:p>
+            <a:r>
+              <a:rPr lang="it-IT" sz="2800" dirty="0">
                 <a:solidFill>
                   <a:srgbClr val="003F6E"/>
                 </a:solidFill>
                 <a:latin typeface="Calibri"/>
                 <a:cs typeface="Calibri"/>
               </a:rPr>
-              <a:t>scan</a:t>
-            </a:r>
-          </a:p>
-          <a:p>
-            <a:r>
-              <a:rPr lang="it-IT" sz="2800" dirty="0">
+              <a:t>Save files offline</a:t>
+            </a:r>
+          </a:p>
+          <a:p>
+            <a:r>
+              <a:rPr lang="it-IT" sz="2800" dirty="0" err="1">
                 <a:solidFill>
                   <a:srgbClr val="003F6E"/>
                 </a:solidFill>
                 <a:latin typeface="Calibri"/>
                 <a:cs typeface="Calibri"/>
               </a:rPr>
-              <a:t>Save files offline</a:t>
-            </a:r>
-          </a:p>
-          <a:p>
-            <a:r>
-              <a:rPr lang="it-IT" sz="2800" dirty="0" err="1">
+              <a:t>Retrieve</a:t>
+            </a:r>
+            <a:r>
+              <a:rPr lang="it-IT" sz="2800" dirty="0">
                 <a:solidFill>
                   <a:srgbClr val="003F6E"/>
                 </a:solidFill>
                 <a:latin typeface="Calibri"/>
                 <a:cs typeface="Calibri"/>
               </a:rPr>
-              <a:t>Retrieve</a:t>
-            </a:r>
-            <a:r>
-              <a:rPr lang="it-IT" sz="2800" dirty="0">
+              <a:t> offline files</a:t>
+            </a:r>
+          </a:p>
+          <a:p>
+            <a:r>
+              <a:rPr lang="it-IT" sz="2800" dirty="0" err="1">
                 <a:solidFill>
                   <a:srgbClr val="003F6E"/>
                 </a:solidFill>
                 <a:latin typeface="Calibri"/>
                 <a:cs typeface="Calibri"/>
               </a:rPr>
-              <a:t> offline files</a:t>
-            </a:r>
-          </a:p>
-          <a:p>
-            <a:r>
-              <a:rPr lang="it-IT" sz="2800" dirty="0" err="1">
+              <a:t>Is</a:t>
+            </a:r>
+            <a:r>
+              <a:rPr lang="it-IT" sz="2800" dirty="0">
                 <a:solidFill>
                   <a:srgbClr val="003F6E"/>
                 </a:solidFill>
                 <a:latin typeface="Calibri"/>
                 <a:cs typeface="Calibri"/>
               </a:rPr>
-              <a:t>Is</a:t>
-            </a:r>
-            <a:r>
-              <a:rPr lang="it-IT" sz="2800" dirty="0">
+              <a:t> connection </a:t>
+            </a:r>
+            <a:r>
+              <a:rPr lang="it-IT" sz="2800" dirty="0" err="1">
                 <a:solidFill>
                   <a:srgbClr val="003F6E"/>
                 </a:solidFill>
                 <a:latin typeface="Calibri"/>
                 <a:cs typeface="Calibri"/>
               </a:rPr>
-              <a:t> connection </a:t>
-            </a:r>
-            <a:r>
-              <a:rPr lang="it-IT" sz="2800" dirty="0" err="1">
+              <a:t>available</a:t>
+            </a:r>
+            <a:r>
+              <a:rPr lang="it-IT" sz="2800" dirty="0">
                 <a:solidFill>
                   <a:srgbClr val="003F6E"/>
                 </a:solidFill>
                 <a:latin typeface="Calibri"/>
                 <a:cs typeface="Calibri"/>
               </a:rPr>
-              <a:t>available</a:t>
-            </a:r>
-            <a:r>
-              <a:rPr lang="it-IT" sz="2800" dirty="0">
-                <a:solidFill>
-                  <a:srgbClr val="003F6E"/>
-                </a:solidFill>
-                <a:latin typeface="Calibri"/>
-                <a:cs typeface="Calibri"/>
-              </a:rPr>
               <a:t>?</a:t>
             </a:r>
           </a:p>
         </p:txBody>
       </p:sp>
+      <p:sp>
+        <p:nvSpPr>
+          <p:cNvPr id="7" name="Rettangolo 6">
+            <a:extLst>
+              <a:ext uri="{FF2B5EF4-FFF2-40B4-BE49-F238E27FC236}">
+                <a16:creationId xmlns:a16="http://schemas.microsoft.com/office/drawing/2014/main" id="{F6BC424D-9B05-4937-97CE-55F8F9963E21}"/>
+              </a:ext>
+            </a:extLst>
+          </p:cNvPr>
+          <p:cNvSpPr/>
+          <p:nvPr/>
+        </p:nvSpPr>
+        <p:spPr bwMode="auto">
+          <a:xfrm>
+            <a:off x="251520" y="6613524"/>
+            <a:ext cx="4374292" cy="244475"/>
+          </a:xfrm>
+          <a:prstGeom prst="rect">
+            <a:avLst/>
+          </a:prstGeom>
+          <a:solidFill>
+            <a:schemeClr val="bg1"/>
+          </a:solidFill>
+          <a:ln>
+            <a:noFill/>
+          </a:ln>
+          <a:effectLst/>
+        </p:spPr>
+        <p:txBody>
+          <a:bodyPr vert="horz" wrap="square" lIns="0" tIns="0" rIns="0" bIns="0" numCol="1" rtlCol="0" anchor="t" anchorCtr="0" compatLnSpc="1">
+            <a:prstTxWarp prst="textNoShape">
+              <a:avLst/>
+            </a:prstTxWarp>
+          </a:bodyPr>
+          <a:lstStyle/>
+          <a:p>
+            <a:pPr marL="0" marR="0" indent="0" algn="ctr" defTabSz="914400" rtl="0" eaLnBrk="0" fontAlgn="base" latinLnBrk="0" hangingPunct="0">
+              <a:lnSpc>
+                <a:spcPct val="100000"/>
+              </a:lnSpc>
+              <a:spcBef>
+                <a:spcPct val="20000"/>
+              </a:spcBef>
+              <a:spcAft>
+                <a:spcPct val="0"/>
+              </a:spcAft>
+              <a:buClrTx/>
+              <a:buSzTx/>
+              <a:buFontTx/>
+              <a:buNone/>
+              <a:tabLst/>
+            </a:pPr>
+            <a:r>
+              <a:rPr lang="en-GB" sz="1400" dirty="0">
+                <a:ln>
+                  <a:solidFill>
+                    <a:srgbClr val="003366"/>
+                  </a:solidFill>
+                </a:ln>
+                <a:solidFill>
+                  <a:srgbClr val="003366"/>
+                </a:solidFill>
+                <a:latin typeface="Calibri" panose="020F0502020204030204" pitchFamily="34" charset="0"/>
+                <a:cs typeface="Calibri" panose="020F0502020204030204" pitchFamily="34" charset="0"/>
+              </a:rPr>
+              <a:t>Lamparelli Andrea, </a:t>
+            </a:r>
+            <a:r>
+              <a:rPr lang="en-GB" sz="1400" dirty="0" err="1">
+                <a:ln>
+                  <a:solidFill>
+                    <a:srgbClr val="003366"/>
+                  </a:solidFill>
+                </a:ln>
+                <a:solidFill>
+                  <a:srgbClr val="003366"/>
+                </a:solidFill>
+                <a:latin typeface="Calibri" panose="020F0502020204030204" pitchFamily="34" charset="0"/>
+                <a:cs typeface="Calibri" panose="020F0502020204030204" pitchFamily="34" charset="0"/>
+              </a:rPr>
+              <a:t>Chittò</a:t>
+            </a:r>
+            <a:r>
+              <a:rPr lang="en-GB" sz="1400" dirty="0">
+                <a:ln>
+                  <a:solidFill>
+                    <a:srgbClr val="003366"/>
+                  </a:solidFill>
+                </a:ln>
+                <a:solidFill>
+                  <a:srgbClr val="003366"/>
+                </a:solidFill>
+                <a:latin typeface="Calibri" panose="020F0502020204030204" pitchFamily="34" charset="0"/>
+                <a:cs typeface="Calibri" panose="020F0502020204030204" pitchFamily="34" charset="0"/>
+              </a:rPr>
+              <a:t> Pietro</a:t>
+            </a:r>
+            <a:endParaRPr kumimoji="0" lang="en-GB" sz="1400" i="0" u="none" strike="noStrike" cap="none" normalizeH="0" baseline="0" dirty="0">
+              <a:ln>
+                <a:solidFill>
+                  <a:srgbClr val="003366"/>
+                </a:solidFill>
+              </a:ln>
+              <a:solidFill>
+                <a:srgbClr val="003366"/>
+              </a:solidFill>
+              <a:effectLst/>
+              <a:latin typeface="Calibri" panose="020F0502020204030204" pitchFamily="34" charset="0"/>
+              <a:cs typeface="Calibri" panose="020F0502020204030204" pitchFamily="34" charset="0"/>
+            </a:endParaRPr>
+          </a:p>
+        </p:txBody>
+      </p:sp>
+      <p:cxnSp>
+        <p:nvCxnSpPr>
+          <p:cNvPr id="8" name="Connettore diritto 7">
+            <a:extLst>
+              <a:ext uri="{FF2B5EF4-FFF2-40B4-BE49-F238E27FC236}">
+                <a16:creationId xmlns:a16="http://schemas.microsoft.com/office/drawing/2014/main" id="{E46D9630-547A-4AC8-A5B3-0C9BDA1BD110}"/>
+              </a:ext>
+            </a:extLst>
+          </p:cNvPr>
+          <p:cNvCxnSpPr>
+            <a:cxnSpLocks/>
+          </p:cNvCxnSpPr>
+          <p:nvPr/>
+        </p:nvCxnSpPr>
+        <p:spPr bwMode="auto">
+          <a:xfrm>
+            <a:off x="755576" y="1988840"/>
+            <a:ext cx="7632848" cy="0"/>
+          </a:xfrm>
+          <a:prstGeom prst="line">
+            <a:avLst/>
+          </a:prstGeom>
+          <a:ln>
+            <a:solidFill>
+              <a:srgbClr val="003366"/>
+            </a:solidFill>
+          </a:ln>
+        </p:spPr>
+        <p:style>
+          <a:lnRef idx="1">
+            <a:schemeClr val="dk1"/>
+          </a:lnRef>
+          <a:fillRef idx="0">
+            <a:schemeClr val="dk1"/>
+          </a:fillRef>
+          <a:effectRef idx="0">
+            <a:schemeClr val="dk1"/>
+          </a:effectRef>
+          <a:fontRef idx="minor">
+            <a:schemeClr val="tx1"/>
+          </a:fontRef>
+        </p:style>
+      </p:cxnSp>
+      <p:cxnSp>
+        <p:nvCxnSpPr>
+          <p:cNvPr id="14" name="Connettore diritto 13">
+            <a:extLst>
+              <a:ext uri="{FF2B5EF4-FFF2-40B4-BE49-F238E27FC236}">
+                <a16:creationId xmlns:a16="http://schemas.microsoft.com/office/drawing/2014/main" id="{8EB3C8DF-B7BB-4CE5-B2C9-2292E08E955E}"/>
+              </a:ext>
+            </a:extLst>
+          </p:cNvPr>
+          <p:cNvCxnSpPr>
+            <a:cxnSpLocks/>
+          </p:cNvCxnSpPr>
+          <p:nvPr/>
+        </p:nvCxnSpPr>
+        <p:spPr bwMode="auto">
+          <a:xfrm>
+            <a:off x="4355976" y="1196752"/>
+            <a:ext cx="0" cy="3528392"/>
+          </a:xfrm>
+          <a:prstGeom prst="line">
+            <a:avLst/>
+          </a:prstGeom>
+          <a:ln>
+            <a:solidFill>
+              <a:srgbClr val="003366"/>
+            </a:solidFill>
+          </a:ln>
+        </p:spPr>
+        <p:style>
+          <a:lnRef idx="1">
+            <a:schemeClr val="dk1"/>
+          </a:lnRef>
+          <a:fillRef idx="0">
+            <a:schemeClr val="dk1"/>
+          </a:fillRef>
+          <a:effectRef idx="0">
+            <a:schemeClr val="dk1"/>
+          </a:effectRef>
+          <a:fontRef idx="minor">
+            <a:schemeClr val="tx1"/>
+          </a:fontRef>
+        </p:style>
+      </p:cxnSp>
     </p:spTree>
     <p:extLst>
       <p:ext uri="{BB962C8B-B14F-4D97-AF65-F5344CB8AC3E}">
@@ -6719,6 +7047,119 @@
           </a:prstGeom>
         </p:spPr>
       </p:pic>
+      <p:sp>
+        <p:nvSpPr>
+          <p:cNvPr id="6" name="Rettangolo 5">
+            <a:extLst>
+              <a:ext uri="{FF2B5EF4-FFF2-40B4-BE49-F238E27FC236}">
+                <a16:creationId xmlns:a16="http://schemas.microsoft.com/office/drawing/2014/main" id="{66A32BC0-4C48-4B6C-98F0-5AC3B9E2C901}"/>
+              </a:ext>
+            </a:extLst>
+          </p:cNvPr>
+          <p:cNvSpPr/>
+          <p:nvPr/>
+        </p:nvSpPr>
+        <p:spPr bwMode="auto">
+          <a:xfrm>
+            <a:off x="251520" y="6613524"/>
+            <a:ext cx="4374292" cy="244475"/>
+          </a:xfrm>
+          <a:prstGeom prst="rect">
+            <a:avLst/>
+          </a:prstGeom>
+          <a:solidFill>
+            <a:schemeClr val="bg1"/>
+          </a:solidFill>
+          <a:ln>
+            <a:noFill/>
+          </a:ln>
+          <a:effectLst/>
+        </p:spPr>
+        <p:txBody>
+          <a:bodyPr vert="horz" wrap="square" lIns="0" tIns="0" rIns="0" bIns="0" numCol="1" rtlCol="0" anchor="t" anchorCtr="0" compatLnSpc="1">
+            <a:prstTxWarp prst="textNoShape">
+              <a:avLst/>
+            </a:prstTxWarp>
+          </a:bodyPr>
+          <a:lstStyle/>
+          <a:p>
+            <a:pPr marL="0" marR="0" indent="0" algn="ctr" defTabSz="914400" rtl="0" eaLnBrk="0" fontAlgn="base" latinLnBrk="0" hangingPunct="0">
+              <a:lnSpc>
+                <a:spcPct val="100000"/>
+              </a:lnSpc>
+              <a:spcBef>
+                <a:spcPct val="20000"/>
+              </a:spcBef>
+              <a:spcAft>
+                <a:spcPct val="0"/>
+              </a:spcAft>
+              <a:buClrTx/>
+              <a:buSzTx/>
+              <a:buFontTx/>
+              <a:buNone/>
+              <a:tabLst/>
+            </a:pPr>
+            <a:r>
+              <a:rPr lang="en-GB" sz="1400" dirty="0">
+                <a:ln>
+                  <a:solidFill>
+                    <a:srgbClr val="003366"/>
+                  </a:solidFill>
+                </a:ln>
+                <a:solidFill>
+                  <a:srgbClr val="003366"/>
+                </a:solidFill>
+                <a:latin typeface="Calibri" panose="020F0502020204030204" pitchFamily="34" charset="0"/>
+                <a:cs typeface="Calibri" panose="020F0502020204030204" pitchFamily="34" charset="0"/>
+              </a:rPr>
+              <a:t>Lamparelli Andrea, </a:t>
+            </a:r>
+            <a:r>
+              <a:rPr lang="en-GB" sz="1400" dirty="0" err="1">
+                <a:ln>
+                  <a:solidFill>
+                    <a:srgbClr val="003366"/>
+                  </a:solidFill>
+                </a:ln>
+                <a:solidFill>
+                  <a:srgbClr val="003366"/>
+                </a:solidFill>
+                <a:latin typeface="Calibri" panose="020F0502020204030204" pitchFamily="34" charset="0"/>
+                <a:cs typeface="Calibri" panose="020F0502020204030204" pitchFamily="34" charset="0"/>
+              </a:rPr>
+              <a:t>Chittò</a:t>
+            </a:r>
+            <a:r>
+              <a:rPr lang="en-GB" sz="1400" dirty="0">
+                <a:ln>
+                  <a:solidFill>
+                    <a:srgbClr val="003366"/>
+                  </a:solidFill>
+                </a:ln>
+                <a:solidFill>
+                  <a:srgbClr val="003366"/>
+                </a:solidFill>
+                <a:latin typeface="Calibri" panose="020F0502020204030204" pitchFamily="34" charset="0"/>
+                <a:cs typeface="Calibri" panose="020F0502020204030204" pitchFamily="34" charset="0"/>
+              </a:rPr>
+              <a:t> Pietro</a:t>
+            </a:r>
+            <a:endParaRPr kumimoji="0" lang="en-GB" sz="1400" i="0" u="none" strike="noStrike" cap="none" normalizeH="0" baseline="0" dirty="0">
+              <a:ln>
+                <a:solidFill>
+                  <a:srgbClr val="003366"/>
+                </a:solidFill>
+              </a:ln>
+              <a:solidFill>
+                <a:srgbClr val="003366"/>
+              </a:solidFill>
+              <a:effectLst/>
+              <a:latin typeface="Calibri" panose="020F0502020204030204" pitchFamily="34" charset="0"/>
+              <a:cs typeface="Calibri" panose="020F0502020204030204" pitchFamily="34" charset="0"/>
+            </a:endParaRPr>
+          </a:p>
+        </p:txBody>
+      </p:sp>
     </p:spTree>
     <p:extLst>
       <p:ext uri="{BB962C8B-B14F-4D97-AF65-F5344CB8AC3E}">
@@ -6837,6 +7278,119 @@
           </a:prstGeom>
         </p:spPr>
       </p:pic>
+      <p:sp>
+        <p:nvSpPr>
+          <p:cNvPr id="5" name="Rettangolo 4">
+            <a:extLst>
+              <a:ext uri="{FF2B5EF4-FFF2-40B4-BE49-F238E27FC236}">
+                <a16:creationId xmlns:a16="http://schemas.microsoft.com/office/drawing/2014/main" id="{EFEAFFB7-997B-4EC3-A700-84EDBA11A0C5}"/>
+              </a:ext>
+            </a:extLst>
+          </p:cNvPr>
+          <p:cNvSpPr/>
+          <p:nvPr/>
+        </p:nvSpPr>
+        <p:spPr bwMode="auto">
+          <a:xfrm>
+            <a:off x="251520" y="6613524"/>
+            <a:ext cx="4374292" cy="244475"/>
+          </a:xfrm>
+          <a:prstGeom prst="rect">
+            <a:avLst/>
+          </a:prstGeom>
+          <a:solidFill>
+            <a:schemeClr val="bg1"/>
+          </a:solidFill>
+          <a:ln>
+            <a:noFill/>
+          </a:ln>
+          <a:effectLst/>
+        </p:spPr>
+        <p:txBody>
+          <a:bodyPr vert="horz" wrap="square" lIns="0" tIns="0" rIns="0" bIns="0" numCol="1" rtlCol="0" anchor="t" anchorCtr="0" compatLnSpc="1">
+            <a:prstTxWarp prst="textNoShape">
+              <a:avLst/>
+            </a:prstTxWarp>
+          </a:bodyPr>
+          <a:lstStyle/>
+          <a:p>
+            <a:pPr marL="0" marR="0" indent="0" algn="ctr" defTabSz="914400" rtl="0" eaLnBrk="0" fontAlgn="base" latinLnBrk="0" hangingPunct="0">
+              <a:lnSpc>
+                <a:spcPct val="100000"/>
+              </a:lnSpc>
+              <a:spcBef>
+                <a:spcPct val="20000"/>
+              </a:spcBef>
+              <a:spcAft>
+                <a:spcPct val="0"/>
+              </a:spcAft>
+              <a:buClrTx/>
+              <a:buSzTx/>
+              <a:buFontTx/>
+              <a:buNone/>
+              <a:tabLst/>
+            </a:pPr>
+            <a:r>
+              <a:rPr lang="en-GB" sz="1400" dirty="0">
+                <a:ln>
+                  <a:solidFill>
+                    <a:srgbClr val="003366"/>
+                  </a:solidFill>
+                </a:ln>
+                <a:solidFill>
+                  <a:srgbClr val="003366"/>
+                </a:solidFill>
+                <a:latin typeface="Calibri" panose="020F0502020204030204" pitchFamily="34" charset="0"/>
+                <a:cs typeface="Calibri" panose="020F0502020204030204" pitchFamily="34" charset="0"/>
+              </a:rPr>
+              <a:t>Lamparelli Andrea, </a:t>
+            </a:r>
+            <a:r>
+              <a:rPr lang="en-GB" sz="1400" dirty="0" err="1">
+                <a:ln>
+                  <a:solidFill>
+                    <a:srgbClr val="003366"/>
+                  </a:solidFill>
+                </a:ln>
+                <a:solidFill>
+                  <a:srgbClr val="003366"/>
+                </a:solidFill>
+                <a:latin typeface="Calibri" panose="020F0502020204030204" pitchFamily="34" charset="0"/>
+                <a:cs typeface="Calibri" panose="020F0502020204030204" pitchFamily="34" charset="0"/>
+              </a:rPr>
+              <a:t>Chittò</a:t>
+            </a:r>
+            <a:r>
+              <a:rPr lang="en-GB" sz="1400" dirty="0">
+                <a:ln>
+                  <a:solidFill>
+                    <a:srgbClr val="003366"/>
+                  </a:solidFill>
+                </a:ln>
+                <a:solidFill>
+                  <a:srgbClr val="003366"/>
+                </a:solidFill>
+                <a:latin typeface="Calibri" panose="020F0502020204030204" pitchFamily="34" charset="0"/>
+                <a:cs typeface="Calibri" panose="020F0502020204030204" pitchFamily="34" charset="0"/>
+              </a:rPr>
+              <a:t> Pietro</a:t>
+            </a:r>
+            <a:endParaRPr kumimoji="0" lang="en-GB" sz="1400" i="0" u="none" strike="noStrike" cap="none" normalizeH="0" baseline="0" dirty="0">
+              <a:ln>
+                <a:solidFill>
+                  <a:srgbClr val="003366"/>
+                </a:solidFill>
+              </a:ln>
+              <a:solidFill>
+                <a:srgbClr val="003366"/>
+              </a:solidFill>
+              <a:effectLst/>
+              <a:latin typeface="Calibri" panose="020F0502020204030204" pitchFamily="34" charset="0"/>
+              <a:cs typeface="Calibri" panose="020F0502020204030204" pitchFamily="34" charset="0"/>
+            </a:endParaRPr>
+          </a:p>
+        </p:txBody>
+      </p:sp>
     </p:spTree>
     <p:extLst>
       <p:ext uri="{BB962C8B-B14F-4D97-AF65-F5344CB8AC3E}">
@@ -6947,14 +7501,127 @@
         </p:blipFill>
         <p:spPr>
           <a:xfrm>
-            <a:off x="720672" y="1598232"/>
-            <a:ext cx="7857640" cy="3513010"/>
+            <a:off x="108605" y="1700808"/>
+            <a:ext cx="8926790" cy="3991008"/>
           </a:xfrm>
           <a:prstGeom prst="rect">
             <a:avLst/>
           </a:prstGeom>
         </p:spPr>
       </p:pic>
+      <p:sp>
+        <p:nvSpPr>
+          <p:cNvPr id="5" name="Rettangolo 4">
+            <a:extLst>
+              <a:ext uri="{FF2B5EF4-FFF2-40B4-BE49-F238E27FC236}">
+                <a16:creationId xmlns:a16="http://schemas.microsoft.com/office/drawing/2014/main" id="{8A88081B-28F3-4AFD-9275-D907B01CC92D}"/>
+              </a:ext>
+            </a:extLst>
+          </p:cNvPr>
+          <p:cNvSpPr/>
+          <p:nvPr/>
+        </p:nvSpPr>
+        <p:spPr bwMode="auto">
+          <a:xfrm>
+            <a:off x="251520" y="6613524"/>
+            <a:ext cx="4374292" cy="244475"/>
+          </a:xfrm>
+          <a:prstGeom prst="rect">
+            <a:avLst/>
+          </a:prstGeom>
+          <a:solidFill>
+            <a:schemeClr val="bg1"/>
+          </a:solidFill>
+          <a:ln>
+            <a:noFill/>
+          </a:ln>
+          <a:effectLst/>
+        </p:spPr>
+        <p:txBody>
+          <a:bodyPr vert="horz" wrap="square" lIns="0" tIns="0" rIns="0" bIns="0" numCol="1" rtlCol="0" anchor="t" anchorCtr="0" compatLnSpc="1">
+            <a:prstTxWarp prst="textNoShape">
+              <a:avLst/>
+            </a:prstTxWarp>
+          </a:bodyPr>
+          <a:lstStyle/>
+          <a:p>
+            <a:pPr marL="0" marR="0" indent="0" algn="ctr" defTabSz="914400" rtl="0" eaLnBrk="0" fontAlgn="base" latinLnBrk="0" hangingPunct="0">
+              <a:lnSpc>
+                <a:spcPct val="100000"/>
+              </a:lnSpc>
+              <a:spcBef>
+                <a:spcPct val="20000"/>
+              </a:spcBef>
+              <a:spcAft>
+                <a:spcPct val="0"/>
+              </a:spcAft>
+              <a:buClrTx/>
+              <a:buSzTx/>
+              <a:buFontTx/>
+              <a:buNone/>
+              <a:tabLst/>
+            </a:pPr>
+            <a:r>
+              <a:rPr lang="en-GB" sz="1400" dirty="0">
+                <a:ln>
+                  <a:solidFill>
+                    <a:srgbClr val="003366"/>
+                  </a:solidFill>
+                </a:ln>
+                <a:solidFill>
+                  <a:srgbClr val="003366"/>
+                </a:solidFill>
+                <a:latin typeface="Calibri" panose="020F0502020204030204" pitchFamily="34" charset="0"/>
+                <a:cs typeface="Calibri" panose="020F0502020204030204" pitchFamily="34" charset="0"/>
+              </a:rPr>
+              <a:t>Lamparelli Andrea, </a:t>
+            </a:r>
+            <a:r>
+              <a:rPr lang="en-GB" sz="1400" dirty="0" err="1">
+                <a:ln>
+                  <a:solidFill>
+                    <a:srgbClr val="003366"/>
+                  </a:solidFill>
+                </a:ln>
+                <a:solidFill>
+                  <a:srgbClr val="003366"/>
+                </a:solidFill>
+                <a:latin typeface="Calibri" panose="020F0502020204030204" pitchFamily="34" charset="0"/>
+                <a:cs typeface="Calibri" panose="020F0502020204030204" pitchFamily="34" charset="0"/>
+              </a:rPr>
+              <a:t>Chittò</a:t>
+            </a:r>
+            <a:r>
+              <a:rPr lang="en-GB" sz="1400" dirty="0">
+                <a:ln>
+                  <a:solidFill>
+                    <a:srgbClr val="003366"/>
+                  </a:solidFill>
+                </a:ln>
+                <a:solidFill>
+                  <a:srgbClr val="003366"/>
+                </a:solidFill>
+                <a:latin typeface="Calibri" panose="020F0502020204030204" pitchFamily="34" charset="0"/>
+                <a:cs typeface="Calibri" panose="020F0502020204030204" pitchFamily="34" charset="0"/>
+              </a:rPr>
+              <a:t> Pietro</a:t>
+            </a:r>
+            <a:endParaRPr kumimoji="0" lang="en-GB" sz="1400" i="0" u="none" strike="noStrike" cap="none" normalizeH="0" baseline="0" dirty="0">
+              <a:ln>
+                <a:solidFill>
+                  <a:srgbClr val="003366"/>
+                </a:solidFill>
+              </a:ln>
+              <a:solidFill>
+                <a:srgbClr val="003366"/>
+              </a:solidFill>
+              <a:effectLst/>
+              <a:latin typeface="Calibri" panose="020F0502020204030204" pitchFamily="34" charset="0"/>
+              <a:cs typeface="Calibri" panose="020F0502020204030204" pitchFamily="34" charset="0"/>
+            </a:endParaRPr>
+          </a:p>
+        </p:txBody>
+      </p:sp>
     </p:spTree>
     <p:extLst>
       <p:ext uri="{BB962C8B-B14F-4D97-AF65-F5344CB8AC3E}">
@@ -7183,7 +7850,7 @@
         </p:blipFill>
         <p:spPr>
           <a:xfrm>
-            <a:off x="2851688" y="1219874"/>
+            <a:off x="971600" y="1196752"/>
             <a:ext cx="6185114" cy="4896116"/>
           </a:xfrm>
           <a:prstGeom prst="rect">
@@ -7191,6 +7858,119 @@
           </a:prstGeom>
         </p:spPr>
       </p:pic>
+      <p:sp>
+        <p:nvSpPr>
+          <p:cNvPr id="6" name="Rettangolo 5">
+            <a:extLst>
+              <a:ext uri="{FF2B5EF4-FFF2-40B4-BE49-F238E27FC236}">
+                <a16:creationId xmlns:a16="http://schemas.microsoft.com/office/drawing/2014/main" id="{11CB302A-C755-4F69-BB2F-A19624056512}"/>
+              </a:ext>
+            </a:extLst>
+          </p:cNvPr>
+          <p:cNvSpPr/>
+          <p:nvPr/>
+        </p:nvSpPr>
+        <p:spPr bwMode="auto">
+          <a:xfrm>
+            <a:off x="251520" y="6613524"/>
+            <a:ext cx="4374292" cy="244475"/>
+          </a:xfrm>
+          <a:prstGeom prst="rect">
+            <a:avLst/>
+          </a:prstGeom>
+          <a:solidFill>
+            <a:schemeClr val="bg1"/>
+          </a:solidFill>
+          <a:ln>
+            <a:noFill/>
+          </a:ln>
+          <a:effectLst/>
+        </p:spPr>
+        <p:txBody>
+          <a:bodyPr vert="horz" wrap="square" lIns="0" tIns="0" rIns="0" bIns="0" numCol="1" rtlCol="0" anchor="t" anchorCtr="0" compatLnSpc="1">
+            <a:prstTxWarp prst="textNoShape">
+              <a:avLst/>
+            </a:prstTxWarp>
+          </a:bodyPr>
+          <a:lstStyle/>
+          <a:p>
+            <a:pPr marL="0" marR="0" indent="0" algn="ctr" defTabSz="914400" rtl="0" eaLnBrk="0" fontAlgn="base" latinLnBrk="0" hangingPunct="0">
+              <a:lnSpc>
+                <a:spcPct val="100000"/>
+              </a:lnSpc>
+              <a:spcBef>
+                <a:spcPct val="20000"/>
+              </a:spcBef>
+              <a:spcAft>
+                <a:spcPct val="0"/>
+              </a:spcAft>
+              <a:buClrTx/>
+              <a:buSzTx/>
+              <a:buFontTx/>
+              <a:buNone/>
+              <a:tabLst/>
+            </a:pPr>
+            <a:r>
+              <a:rPr lang="en-GB" sz="1400" dirty="0">
+                <a:ln>
+                  <a:solidFill>
+                    <a:srgbClr val="003366"/>
+                  </a:solidFill>
+                </a:ln>
+                <a:solidFill>
+                  <a:srgbClr val="003366"/>
+                </a:solidFill>
+                <a:latin typeface="Calibri" panose="020F0502020204030204" pitchFamily="34" charset="0"/>
+                <a:cs typeface="Calibri" panose="020F0502020204030204" pitchFamily="34" charset="0"/>
+              </a:rPr>
+              <a:t>Lamparelli Andrea, </a:t>
+            </a:r>
+            <a:r>
+              <a:rPr lang="en-GB" sz="1400" dirty="0" err="1">
+                <a:ln>
+                  <a:solidFill>
+                    <a:srgbClr val="003366"/>
+                  </a:solidFill>
+                </a:ln>
+                <a:solidFill>
+                  <a:srgbClr val="003366"/>
+                </a:solidFill>
+                <a:latin typeface="Calibri" panose="020F0502020204030204" pitchFamily="34" charset="0"/>
+                <a:cs typeface="Calibri" panose="020F0502020204030204" pitchFamily="34" charset="0"/>
+              </a:rPr>
+              <a:t>Chittò</a:t>
+            </a:r>
+            <a:r>
+              <a:rPr lang="en-GB" sz="1400" dirty="0">
+                <a:ln>
+                  <a:solidFill>
+                    <a:srgbClr val="003366"/>
+                  </a:solidFill>
+                </a:ln>
+                <a:solidFill>
+                  <a:srgbClr val="003366"/>
+                </a:solidFill>
+                <a:latin typeface="Calibri" panose="020F0502020204030204" pitchFamily="34" charset="0"/>
+                <a:cs typeface="Calibri" panose="020F0502020204030204" pitchFamily="34" charset="0"/>
+              </a:rPr>
+              <a:t> Pietro</a:t>
+            </a:r>
+            <a:endParaRPr kumimoji="0" lang="en-GB" sz="1400" i="0" u="none" strike="noStrike" cap="none" normalizeH="0" baseline="0" dirty="0">
+              <a:ln>
+                <a:solidFill>
+                  <a:srgbClr val="003366"/>
+                </a:solidFill>
+              </a:ln>
+              <a:solidFill>
+                <a:srgbClr val="003366"/>
+              </a:solidFill>
+              <a:effectLst/>
+              <a:latin typeface="Calibri" panose="020F0502020204030204" pitchFamily="34" charset="0"/>
+              <a:cs typeface="Calibri" panose="020F0502020204030204" pitchFamily="34" charset="0"/>
+            </a:endParaRPr>
+          </a:p>
+        </p:txBody>
+      </p:sp>
     </p:spTree>
     <p:extLst>
       <p:ext uri="{BB962C8B-B14F-4D97-AF65-F5344CB8AC3E}">
@@ -7311,6 +8091,119 @@
           </a:prstGeom>
         </p:spPr>
       </p:pic>
+      <p:sp>
+        <p:nvSpPr>
+          <p:cNvPr id="5" name="Rettangolo 4">
+            <a:extLst>
+              <a:ext uri="{FF2B5EF4-FFF2-40B4-BE49-F238E27FC236}">
+                <a16:creationId xmlns:a16="http://schemas.microsoft.com/office/drawing/2014/main" id="{A2ABE5D0-DBD9-46C1-914D-1C24D59C7825}"/>
+              </a:ext>
+            </a:extLst>
+          </p:cNvPr>
+          <p:cNvSpPr/>
+          <p:nvPr/>
+        </p:nvSpPr>
+        <p:spPr bwMode="auto">
+          <a:xfrm>
+            <a:off x="251520" y="6613524"/>
+            <a:ext cx="4374292" cy="244475"/>
+          </a:xfrm>
+          <a:prstGeom prst="rect">
+            <a:avLst/>
+          </a:prstGeom>
+          <a:solidFill>
+            <a:schemeClr val="bg1"/>
+          </a:solidFill>
+          <a:ln>
+            <a:noFill/>
+          </a:ln>
+          <a:effectLst/>
+        </p:spPr>
+        <p:txBody>
+          <a:bodyPr vert="horz" wrap="square" lIns="0" tIns="0" rIns="0" bIns="0" numCol="1" rtlCol="0" anchor="t" anchorCtr="0" compatLnSpc="1">
+            <a:prstTxWarp prst="textNoShape">
+              <a:avLst/>
+            </a:prstTxWarp>
+          </a:bodyPr>
+          <a:lstStyle/>
+          <a:p>
+            <a:pPr marL="0" marR="0" indent="0" algn="ctr" defTabSz="914400" rtl="0" eaLnBrk="0" fontAlgn="base" latinLnBrk="0" hangingPunct="0">
+              <a:lnSpc>
+                <a:spcPct val="100000"/>
+              </a:lnSpc>
+              <a:spcBef>
+                <a:spcPct val="20000"/>
+              </a:spcBef>
+              <a:spcAft>
+                <a:spcPct val="0"/>
+              </a:spcAft>
+              <a:buClrTx/>
+              <a:buSzTx/>
+              <a:buFontTx/>
+              <a:buNone/>
+              <a:tabLst/>
+            </a:pPr>
+            <a:r>
+              <a:rPr lang="en-GB" sz="1400" dirty="0">
+                <a:ln>
+                  <a:solidFill>
+                    <a:srgbClr val="003366"/>
+                  </a:solidFill>
+                </a:ln>
+                <a:solidFill>
+                  <a:srgbClr val="003366"/>
+                </a:solidFill>
+                <a:latin typeface="Calibri" panose="020F0502020204030204" pitchFamily="34" charset="0"/>
+                <a:cs typeface="Calibri" panose="020F0502020204030204" pitchFamily="34" charset="0"/>
+              </a:rPr>
+              <a:t>Lamparelli Andrea, </a:t>
+            </a:r>
+            <a:r>
+              <a:rPr lang="en-GB" sz="1400" dirty="0" err="1">
+                <a:ln>
+                  <a:solidFill>
+                    <a:srgbClr val="003366"/>
+                  </a:solidFill>
+                </a:ln>
+                <a:solidFill>
+                  <a:srgbClr val="003366"/>
+                </a:solidFill>
+                <a:latin typeface="Calibri" panose="020F0502020204030204" pitchFamily="34" charset="0"/>
+                <a:cs typeface="Calibri" panose="020F0502020204030204" pitchFamily="34" charset="0"/>
+              </a:rPr>
+              <a:t>Chittò</a:t>
+            </a:r>
+            <a:r>
+              <a:rPr lang="en-GB" sz="1400" dirty="0">
+                <a:ln>
+                  <a:solidFill>
+                    <a:srgbClr val="003366"/>
+                  </a:solidFill>
+                </a:ln>
+                <a:solidFill>
+                  <a:srgbClr val="003366"/>
+                </a:solidFill>
+                <a:latin typeface="Calibri" panose="020F0502020204030204" pitchFamily="34" charset="0"/>
+                <a:cs typeface="Calibri" panose="020F0502020204030204" pitchFamily="34" charset="0"/>
+              </a:rPr>
+              <a:t> Pietro</a:t>
+            </a:r>
+            <a:endParaRPr kumimoji="0" lang="en-GB" sz="1400" i="0" u="none" strike="noStrike" cap="none" normalizeH="0" baseline="0" dirty="0">
+              <a:ln>
+                <a:solidFill>
+                  <a:srgbClr val="003366"/>
+                </a:solidFill>
+              </a:ln>
+              <a:solidFill>
+                <a:srgbClr val="003366"/>
+              </a:solidFill>
+              <a:effectLst/>
+              <a:latin typeface="Calibri" panose="020F0502020204030204" pitchFamily="34" charset="0"/>
+              <a:cs typeface="Calibri" panose="020F0502020204030204" pitchFamily="34" charset="0"/>
+            </a:endParaRPr>
+          </a:p>
+        </p:txBody>
+      </p:sp>
     </p:spTree>
     <p:extLst>
       <p:ext uri="{BB962C8B-B14F-4D97-AF65-F5344CB8AC3E}">
@@ -7399,6 +8292,119 @@
           </a:p>
         </p:txBody>
       </p:sp>
+      <p:sp>
+        <p:nvSpPr>
+          <p:cNvPr id="5" name="Rettangolo 4">
+            <a:extLst>
+              <a:ext uri="{FF2B5EF4-FFF2-40B4-BE49-F238E27FC236}">
+                <a16:creationId xmlns:a16="http://schemas.microsoft.com/office/drawing/2014/main" id="{C6DECC1B-3B42-45F2-BF9F-08CD816FBD3B}"/>
+              </a:ext>
+            </a:extLst>
+          </p:cNvPr>
+          <p:cNvSpPr/>
+          <p:nvPr/>
+        </p:nvSpPr>
+        <p:spPr bwMode="auto">
+          <a:xfrm>
+            <a:off x="251520" y="6613524"/>
+            <a:ext cx="4374292" cy="244475"/>
+          </a:xfrm>
+          <a:prstGeom prst="rect">
+            <a:avLst/>
+          </a:prstGeom>
+          <a:solidFill>
+            <a:schemeClr val="bg1"/>
+          </a:solidFill>
+          <a:ln>
+            <a:noFill/>
+          </a:ln>
+          <a:effectLst/>
+        </p:spPr>
+        <p:txBody>
+          <a:bodyPr vert="horz" wrap="square" lIns="0" tIns="0" rIns="0" bIns="0" numCol="1" rtlCol="0" anchor="t" anchorCtr="0" compatLnSpc="1">
+            <a:prstTxWarp prst="textNoShape">
+              <a:avLst/>
+            </a:prstTxWarp>
+          </a:bodyPr>
+          <a:lstStyle/>
+          <a:p>
+            <a:pPr marL="0" marR="0" indent="0" algn="ctr" defTabSz="914400" rtl="0" eaLnBrk="0" fontAlgn="base" latinLnBrk="0" hangingPunct="0">
+              <a:lnSpc>
+                <a:spcPct val="100000"/>
+              </a:lnSpc>
+              <a:spcBef>
+                <a:spcPct val="20000"/>
+              </a:spcBef>
+              <a:spcAft>
+                <a:spcPct val="0"/>
+              </a:spcAft>
+              <a:buClrTx/>
+              <a:buSzTx/>
+              <a:buFontTx/>
+              <a:buNone/>
+              <a:tabLst/>
+            </a:pPr>
+            <a:r>
+              <a:rPr lang="en-GB" sz="1400" dirty="0">
+                <a:ln>
+                  <a:solidFill>
+                    <a:srgbClr val="003366"/>
+                  </a:solidFill>
+                </a:ln>
+                <a:solidFill>
+                  <a:srgbClr val="003366"/>
+                </a:solidFill>
+                <a:latin typeface="Calibri" panose="020F0502020204030204" pitchFamily="34" charset="0"/>
+                <a:cs typeface="Calibri" panose="020F0502020204030204" pitchFamily="34" charset="0"/>
+              </a:rPr>
+              <a:t>Lamparelli Andrea, </a:t>
+            </a:r>
+            <a:r>
+              <a:rPr lang="en-GB" sz="1400" dirty="0" err="1">
+                <a:ln>
+                  <a:solidFill>
+                    <a:srgbClr val="003366"/>
+                  </a:solidFill>
+                </a:ln>
+                <a:solidFill>
+                  <a:srgbClr val="003366"/>
+                </a:solidFill>
+                <a:latin typeface="Calibri" panose="020F0502020204030204" pitchFamily="34" charset="0"/>
+                <a:cs typeface="Calibri" panose="020F0502020204030204" pitchFamily="34" charset="0"/>
+              </a:rPr>
+              <a:t>Chittò</a:t>
+            </a:r>
+            <a:r>
+              <a:rPr lang="en-GB" sz="1400" dirty="0">
+                <a:ln>
+                  <a:solidFill>
+                    <a:srgbClr val="003366"/>
+                  </a:solidFill>
+                </a:ln>
+                <a:solidFill>
+                  <a:srgbClr val="003366"/>
+                </a:solidFill>
+                <a:latin typeface="Calibri" panose="020F0502020204030204" pitchFamily="34" charset="0"/>
+                <a:cs typeface="Calibri" panose="020F0502020204030204" pitchFamily="34" charset="0"/>
+              </a:rPr>
+              <a:t> Pietro</a:t>
+            </a:r>
+            <a:endParaRPr kumimoji="0" lang="en-GB" sz="1400" i="0" u="none" strike="noStrike" cap="none" normalizeH="0" baseline="0" dirty="0">
+              <a:ln>
+                <a:solidFill>
+                  <a:srgbClr val="003366"/>
+                </a:solidFill>
+              </a:ln>
+              <a:solidFill>
+                <a:srgbClr val="003366"/>
+              </a:solidFill>
+              <a:effectLst/>
+              <a:latin typeface="Calibri" panose="020F0502020204030204" pitchFamily="34" charset="0"/>
+              <a:cs typeface="Calibri" panose="020F0502020204030204" pitchFamily="34" charset="0"/>
+            </a:endParaRPr>
+          </a:p>
+        </p:txBody>
+      </p:sp>
     </p:spTree>
     <p:extLst>
       <p:ext uri="{BB962C8B-B14F-4D97-AF65-F5344CB8AC3E}">
@@ -7604,20 +8610,12 @@
               <a:buChar char="•"/>
             </a:pPr>
             <a:r>
-              <a:rPr lang="en-GB">
+              <a:rPr lang="en-GB" dirty="0">
                 <a:solidFill>
                   <a:srgbClr val="003F6E"/>
                 </a:solidFill>
               </a:rPr>
-              <a:t>QDocs</a:t>
-            </a:r>
-            <a:r>
-              <a:rPr lang="en-GB" dirty="0">
-                <a:solidFill>
-                  <a:srgbClr val="003F6E"/>
-                </a:solidFill>
-              </a:rPr>
-              <a:t> description</a:t>
+              <a:t>QDocs description</a:t>
             </a:r>
             <a:endParaRPr lang="en-GB" dirty="0">
               <a:solidFill>
@@ -7643,14 +8641,14 @@
               <a:buChar char="•"/>
             </a:pPr>
             <a:r>
-              <a:rPr lang="en-GB">
+              <a:rPr lang="en-GB" dirty="0">
                 <a:solidFill>
                   <a:srgbClr val="003F6E"/>
                 </a:solidFill>
               </a:rPr>
               <a:t>Overall Architecture </a:t>
             </a:r>
-            <a:endParaRPr lang="en-GB">
+            <a:endParaRPr lang="en-GB" dirty="0">
               <a:solidFill>
                 <a:srgbClr val="003F6E"/>
               </a:solidFill>
@@ -7737,7 +8735,7 @@
               <a:buChar char="•"/>
             </a:pPr>
             <a:r>
-              <a:rPr lang="en-GB">
+              <a:rPr lang="en-GB" dirty="0">
                 <a:solidFill>
                   <a:srgbClr val="003F6E"/>
                 </a:solidFill>
@@ -7775,6 +8773,119 @@
               <a:t>2</a:t>
             </a:fld>
             <a:endParaRPr lang="it-IT" altLang="en-US"/>
+          </a:p>
+        </p:txBody>
+      </p:sp>
+      <p:sp>
+        <p:nvSpPr>
+          <p:cNvPr id="5" name="Rettangolo 4">
+            <a:extLst>
+              <a:ext uri="{FF2B5EF4-FFF2-40B4-BE49-F238E27FC236}">
+                <a16:creationId xmlns:a16="http://schemas.microsoft.com/office/drawing/2014/main" id="{A079C4F0-8C25-48E1-9A2D-CBE1FD2DAAAC}"/>
+              </a:ext>
+            </a:extLst>
+          </p:cNvPr>
+          <p:cNvSpPr/>
+          <p:nvPr/>
+        </p:nvSpPr>
+        <p:spPr bwMode="auto">
+          <a:xfrm>
+            <a:off x="251520" y="6613524"/>
+            <a:ext cx="4374292" cy="244475"/>
+          </a:xfrm>
+          <a:prstGeom prst="rect">
+            <a:avLst/>
+          </a:prstGeom>
+          <a:solidFill>
+            <a:schemeClr val="bg1"/>
+          </a:solidFill>
+          <a:ln>
+            <a:noFill/>
+          </a:ln>
+          <a:effectLst/>
+        </p:spPr>
+        <p:txBody>
+          <a:bodyPr vert="horz" wrap="square" lIns="0" tIns="0" rIns="0" bIns="0" numCol="1" rtlCol="0" anchor="t" anchorCtr="0" compatLnSpc="1">
+            <a:prstTxWarp prst="textNoShape">
+              <a:avLst/>
+            </a:prstTxWarp>
+          </a:bodyPr>
+          <a:lstStyle/>
+          <a:p>
+            <a:pPr marL="0" marR="0" indent="0" algn="ctr" defTabSz="914400" rtl="0" eaLnBrk="0" fontAlgn="base" latinLnBrk="0" hangingPunct="0">
+              <a:lnSpc>
+                <a:spcPct val="100000"/>
+              </a:lnSpc>
+              <a:spcBef>
+                <a:spcPct val="20000"/>
+              </a:spcBef>
+              <a:spcAft>
+                <a:spcPct val="0"/>
+              </a:spcAft>
+              <a:buClrTx/>
+              <a:buSzTx/>
+              <a:buFontTx/>
+              <a:buNone/>
+              <a:tabLst/>
+            </a:pPr>
+            <a:r>
+              <a:rPr lang="en-GB" sz="1400" dirty="0">
+                <a:ln>
+                  <a:solidFill>
+                    <a:srgbClr val="003366"/>
+                  </a:solidFill>
+                </a:ln>
+                <a:solidFill>
+                  <a:srgbClr val="003366"/>
+                </a:solidFill>
+                <a:latin typeface="Calibri" panose="020F0502020204030204" pitchFamily="34" charset="0"/>
+                <a:cs typeface="Calibri" panose="020F0502020204030204" pitchFamily="34" charset="0"/>
+              </a:rPr>
+              <a:t>Lamparelli Andrea, </a:t>
+            </a:r>
+            <a:r>
+              <a:rPr lang="en-GB" sz="1400" dirty="0" err="1">
+                <a:ln>
+                  <a:solidFill>
+                    <a:srgbClr val="003366"/>
+                  </a:solidFill>
+                </a:ln>
+                <a:solidFill>
+                  <a:srgbClr val="003366"/>
+                </a:solidFill>
+                <a:latin typeface="Calibri" panose="020F0502020204030204" pitchFamily="34" charset="0"/>
+                <a:cs typeface="Calibri" panose="020F0502020204030204" pitchFamily="34" charset="0"/>
+              </a:rPr>
+              <a:t>Chittò</a:t>
+            </a:r>
+            <a:r>
+              <a:rPr lang="en-GB" sz="1400" dirty="0">
+                <a:ln>
+                  <a:solidFill>
+                    <a:srgbClr val="003366"/>
+                  </a:solidFill>
+                </a:ln>
+                <a:solidFill>
+                  <a:srgbClr val="003366"/>
+                </a:solidFill>
+                <a:latin typeface="Calibri" panose="020F0502020204030204" pitchFamily="34" charset="0"/>
+                <a:cs typeface="Calibri" panose="020F0502020204030204" pitchFamily="34" charset="0"/>
+              </a:rPr>
+              <a:t> Pietro</a:t>
+            </a:r>
+            <a:endParaRPr kumimoji="0" lang="en-GB" sz="1400" i="0" u="none" strike="noStrike" cap="none" normalizeH="0" baseline="0" dirty="0">
+              <a:ln>
+                <a:solidFill>
+                  <a:srgbClr val="003366"/>
+                </a:solidFill>
+              </a:ln>
+              <a:solidFill>
+                <a:srgbClr val="003366"/>
+              </a:solidFill>
+              <a:effectLst/>
+              <a:latin typeface="Calibri" panose="020F0502020204030204" pitchFamily="34" charset="0"/>
+              <a:cs typeface="Calibri" panose="020F0502020204030204" pitchFamily="34" charset="0"/>
+            </a:endParaRPr>
           </a:p>
         </p:txBody>
       </p:sp>
@@ -7838,36 +8949,6 @@
       </p:sp>
       <p:sp>
         <p:nvSpPr>
-          <p:cNvPr id="5" name="Segnaposto numero diapositiva 4">
-            <a:extLst>
-              <a:ext uri="{FF2B5EF4-FFF2-40B4-BE49-F238E27FC236}">
-                <a16:creationId xmlns:a16="http://schemas.microsoft.com/office/drawing/2014/main" id="{F77D4566-3A75-42D0-A1C3-1E92F007DECA}"/>
-              </a:ext>
-            </a:extLst>
-          </p:cNvPr>
-          <p:cNvSpPr>
-            <a:spLocks noGrp="1"/>
-          </p:cNvSpPr>
-          <p:nvPr>
-            <p:ph type="sldNum" sz="quarter" idx="10"/>
-          </p:nvPr>
-        </p:nvSpPr>
-        <p:spPr/>
-        <p:txBody>
-          <a:bodyPr/>
-          <a:lstStyle/>
-          <a:p>
-            <a:fld id="{890431D4-9664-4983-A38D-C80271325BDD}" type="slidenum">
-              <a:rPr lang="it-IT" altLang="en-US" smtClean="0"/>
-              <a:pPr/>
-              <a:t>20</a:t>
-            </a:fld>
-            <a:endParaRPr lang="it-IT" altLang="en-US"/>
-          </a:p>
-        </p:txBody>
-      </p:sp>
-      <p:sp>
-        <p:nvSpPr>
           <p:cNvPr id="13" name="Segnaposto contenuto 12">
             <a:extLst>
               <a:ext uri="{FF2B5EF4-FFF2-40B4-BE49-F238E27FC236}">
@@ -7891,6 +8972,19 @@
         <p:txBody>
           <a:bodyPr/>
           <a:lstStyle/>
+          <a:p>
+            <a:pPr marL="457200" indent="-457200">
+              <a:buFont typeface="Arial"/>
+              <a:buChar char="•"/>
+            </a:pPr>
+            <a:endParaRPr lang="it-IT" sz="2800" b="1" dirty="0">
+              <a:solidFill>
+                <a:srgbClr val="003F6E"/>
+              </a:solidFill>
+              <a:latin typeface="Calibri"/>
+              <a:cs typeface="Calibri"/>
+            </a:endParaRPr>
+          </a:p>
           <a:p>
             <a:pPr marL="457200" indent="-457200">
               <a:buFont typeface="Arial"/>
@@ -8076,69 +9170,152 @@
                 <a:latin typeface="Calibri"/>
                 <a:cs typeface="Calibri"/>
               </a:rPr>
-              <a:t> </a:t>
-            </a:r>
-            <a:r>
-              <a:rPr lang="it-IT" sz="2800" dirty="0" err="1">
-                <a:solidFill>
-                  <a:srgbClr val="003F6E"/>
-                </a:solidFill>
-                <a:latin typeface="Calibri"/>
-                <a:cs typeface="Calibri"/>
-              </a:rPr>
-              <a:t>MyFile</a:t>
-            </a:r>
-            <a:r>
-              <a:rPr lang="it-IT" sz="2800" dirty="0">
-                <a:solidFill>
-                  <a:srgbClr val="003F6E"/>
-                </a:solidFill>
-                <a:latin typeface="Calibri"/>
-                <a:cs typeface="Calibri"/>
-              </a:rPr>
-              <a:t>, </a:t>
-            </a:r>
-            <a:r>
-              <a:rPr lang="it-IT" sz="2800" dirty="0" err="1">
-                <a:solidFill>
-                  <a:srgbClr val="003F6E"/>
-                </a:solidFill>
-                <a:latin typeface="Calibri"/>
-                <a:cs typeface="Calibri"/>
-              </a:rPr>
-              <a:t>MyDirectory</a:t>
-            </a:r>
-            <a:r>
-              <a:rPr lang="it-IT" sz="2800" dirty="0">
-                <a:solidFill>
-                  <a:srgbClr val="003F6E"/>
-                </a:solidFill>
-                <a:latin typeface="Calibri"/>
-                <a:cs typeface="Calibri"/>
-              </a:rPr>
-              <a:t>, </a:t>
-            </a:r>
-            <a:r>
-              <a:rPr lang="it-IT" sz="2800" dirty="0" err="1">
-                <a:solidFill>
-                  <a:srgbClr val="003F6E"/>
-                </a:solidFill>
-                <a:latin typeface="Calibri"/>
-                <a:cs typeface="Calibri"/>
-              </a:rPr>
-              <a:t>StorageElement</a:t>
-            </a:r>
-            <a:r>
-              <a:rPr lang="it-IT" sz="2800" dirty="0">
-                <a:solidFill>
-                  <a:srgbClr val="003F6E"/>
-                </a:solidFill>
-                <a:latin typeface="Calibri"/>
-                <a:cs typeface="Calibri"/>
-              </a:rPr>
-              <a:t>, Utility</a:t>
-            </a:r>
-            <a:endParaRPr lang="it-IT"/>
+              <a:t> MyFile, MyDirectory, StorageElement, Utility</a:t>
+            </a:r>
+            <a:endParaRPr lang="it-IT" dirty="0"/>
+          </a:p>
+        </p:txBody>
+      </p:sp>
+      <p:sp>
+        <p:nvSpPr>
+          <p:cNvPr id="5" name="Segnaposto numero diapositiva 4">
+            <a:extLst>
+              <a:ext uri="{FF2B5EF4-FFF2-40B4-BE49-F238E27FC236}">
+                <a16:creationId xmlns:a16="http://schemas.microsoft.com/office/drawing/2014/main" id="{F77D4566-3A75-42D0-A1C3-1E92F007DECA}"/>
+              </a:ext>
+            </a:extLst>
+          </p:cNvPr>
+          <p:cNvSpPr>
+            <a:spLocks noGrp="1"/>
+          </p:cNvSpPr>
+          <p:nvPr>
+            <p:ph type="sldNum" sz="quarter" idx="10"/>
+          </p:nvPr>
+        </p:nvSpPr>
+        <p:spPr/>
+        <p:txBody>
+          <a:bodyPr/>
+          <a:lstStyle/>
+          <a:p>
+            <a:fld id="{890431D4-9664-4983-A38D-C80271325BDD}" type="slidenum">
+              <a:rPr lang="it-IT" altLang="en-US" smtClean="0"/>
+              <a:pPr/>
+              <a:t>20</a:t>
+            </a:fld>
+            <a:endParaRPr lang="it-IT" altLang="en-US"/>
+          </a:p>
+        </p:txBody>
+      </p:sp>
+      <p:sp>
+        <p:nvSpPr>
+          <p:cNvPr id="6" name="Rettangolo 5">
+            <a:extLst>
+              <a:ext uri="{FF2B5EF4-FFF2-40B4-BE49-F238E27FC236}">
+                <a16:creationId xmlns:a16="http://schemas.microsoft.com/office/drawing/2014/main" id="{630D41F3-9B2E-4EDD-A6E2-B551CA8422DC}"/>
+              </a:ext>
+            </a:extLst>
+          </p:cNvPr>
+          <p:cNvSpPr/>
+          <p:nvPr/>
+        </p:nvSpPr>
+        <p:spPr bwMode="auto">
+          <a:xfrm>
+            <a:off x="251520" y="6613524"/>
+            <a:ext cx="4374292" cy="244475"/>
+          </a:xfrm>
+          <a:prstGeom prst="rect">
+            <a:avLst/>
+          </a:prstGeom>
+          <a:solidFill>
+            <a:schemeClr val="bg1"/>
+          </a:solidFill>
+          <a:ln>
+            <a:noFill/>
+          </a:ln>
+          <a:effectLst/>
+        </p:spPr>
+        <p:txBody>
+          <a:bodyPr vert="horz" wrap="square" lIns="0" tIns="0" rIns="0" bIns="0" numCol="1" rtlCol="0" anchor="t" anchorCtr="0" compatLnSpc="1">
+            <a:prstTxWarp prst="textNoShape">
+              <a:avLst/>
+            </a:prstTxWarp>
+          </a:bodyPr>
+          <a:lstStyle/>
+          <a:p>
+            <a:pPr marL="0" marR="0" indent="0" algn="ctr" defTabSz="914400" rtl="0" eaLnBrk="0" fontAlgn="base" latinLnBrk="0" hangingPunct="0">
+              <a:lnSpc>
+                <a:spcPct val="100000"/>
+              </a:lnSpc>
+              <a:spcBef>
+                <a:spcPct val="20000"/>
+              </a:spcBef>
+              <a:spcAft>
+                <a:spcPct val="0"/>
+              </a:spcAft>
+              <a:buClrTx/>
+              <a:buSzTx/>
+              <a:buFontTx/>
+              <a:buNone/>
+              <a:tabLst/>
+            </a:pPr>
+            <a:r>
+              <a:rPr lang="en-GB" sz="1400" dirty="0">
+                <a:ln>
+                  <a:solidFill>
+                    <a:srgbClr val="003366"/>
+                  </a:solidFill>
+                </a:ln>
+                <a:solidFill>
+                  <a:srgbClr val="003366"/>
+                </a:solidFill>
+                <a:latin typeface="Calibri" panose="020F0502020204030204" pitchFamily="34" charset="0"/>
+                <a:cs typeface="Calibri" panose="020F0502020204030204" pitchFamily="34" charset="0"/>
+              </a:rPr>
+              <a:t>Lamparelli Andrea, </a:t>
+            </a:r>
+            <a:r>
+              <a:rPr lang="en-GB" sz="1400" dirty="0" err="1">
+                <a:ln>
+                  <a:solidFill>
+                    <a:srgbClr val="003366"/>
+                  </a:solidFill>
+                </a:ln>
+                <a:solidFill>
+                  <a:srgbClr val="003366"/>
+                </a:solidFill>
+                <a:latin typeface="Calibri" panose="020F0502020204030204" pitchFamily="34" charset="0"/>
+                <a:cs typeface="Calibri" panose="020F0502020204030204" pitchFamily="34" charset="0"/>
+              </a:rPr>
+              <a:t>Chittò</a:t>
+            </a:r>
+            <a:r>
+              <a:rPr lang="en-GB" sz="1400" dirty="0">
+                <a:ln>
+                  <a:solidFill>
+                    <a:srgbClr val="003366"/>
+                  </a:solidFill>
+                </a:ln>
+                <a:solidFill>
+                  <a:srgbClr val="003366"/>
+                </a:solidFill>
+                <a:latin typeface="Calibri" panose="020F0502020204030204" pitchFamily="34" charset="0"/>
+                <a:cs typeface="Calibri" panose="020F0502020204030204" pitchFamily="34" charset="0"/>
+              </a:rPr>
+              <a:t> Pietro</a:t>
+            </a:r>
+            <a:endParaRPr kumimoji="0" lang="en-GB" sz="1400" i="0" u="none" strike="noStrike" cap="none" normalizeH="0" baseline="0" dirty="0">
+              <a:ln>
+                <a:solidFill>
+                  <a:srgbClr val="003366"/>
+                </a:solidFill>
+              </a:ln>
+              <a:solidFill>
+                <a:srgbClr val="003366"/>
+              </a:solidFill>
+              <a:effectLst/>
+              <a:latin typeface="Calibri" panose="020F0502020204030204" pitchFamily="34" charset="0"/>
+              <a:cs typeface="Calibri" panose="020F0502020204030204" pitchFamily="34" charset="0"/>
+            </a:endParaRPr>
           </a:p>
         </p:txBody>
       </p:sp>
@@ -8202,36 +9379,6 @@
       </p:sp>
       <p:sp>
         <p:nvSpPr>
-          <p:cNvPr id="5" name="Segnaposto numero diapositiva 4">
-            <a:extLst>
-              <a:ext uri="{FF2B5EF4-FFF2-40B4-BE49-F238E27FC236}">
-                <a16:creationId xmlns:a16="http://schemas.microsoft.com/office/drawing/2014/main" id="{F77D4566-3A75-42D0-A1C3-1E92F007DECA}"/>
-              </a:ext>
-            </a:extLst>
-          </p:cNvPr>
-          <p:cNvSpPr>
-            <a:spLocks noGrp="1"/>
-          </p:cNvSpPr>
-          <p:nvPr>
-            <p:ph type="sldNum" sz="quarter" idx="10"/>
-          </p:nvPr>
-        </p:nvSpPr>
-        <p:spPr/>
-        <p:txBody>
-          <a:bodyPr/>
-          <a:lstStyle/>
-          <a:p>
-            <a:fld id="{890431D4-9664-4983-A38D-C80271325BDD}" type="slidenum">
-              <a:rPr lang="it-IT" altLang="en-US" smtClean="0"/>
-              <a:pPr/>
-              <a:t>21</a:t>
-            </a:fld>
-            <a:endParaRPr lang="it-IT" altLang="en-US"/>
-          </a:p>
-        </p:txBody>
-      </p:sp>
-      <p:sp>
-        <p:nvSpPr>
           <p:cNvPr id="13" name="Segnaposto contenuto 12">
             <a:extLst>
               <a:ext uri="{FF2B5EF4-FFF2-40B4-BE49-F238E27FC236}">
@@ -8255,6 +9402,19 @@
         <p:txBody>
           <a:bodyPr/>
           <a:lstStyle/>
+          <a:p>
+            <a:pPr marL="457200" indent="-457200">
+              <a:buFont typeface="Arial"/>
+              <a:buChar char="•"/>
+            </a:pPr>
+            <a:endParaRPr lang="it-IT" sz="2800" b="1" dirty="0">
+              <a:solidFill>
+                <a:srgbClr val="003F6E"/>
+              </a:solidFill>
+              <a:latin typeface="Calibri"/>
+              <a:cs typeface="Calibri"/>
+            </a:endParaRPr>
+          </a:p>
           <a:p>
             <a:pPr marL="457200" indent="-457200">
               <a:buFont typeface="Arial"/>
@@ -8541,6 +9701,149 @@
               </a:solidFill>
               <a:latin typeface="Calibri"/>
               <a:cs typeface="Calibri"/>
+            </a:endParaRPr>
+          </a:p>
+        </p:txBody>
+      </p:sp>
+      <p:sp>
+        <p:nvSpPr>
+          <p:cNvPr id="5" name="Segnaposto numero diapositiva 4">
+            <a:extLst>
+              <a:ext uri="{FF2B5EF4-FFF2-40B4-BE49-F238E27FC236}">
+                <a16:creationId xmlns:a16="http://schemas.microsoft.com/office/drawing/2014/main" id="{F77D4566-3A75-42D0-A1C3-1E92F007DECA}"/>
+              </a:ext>
+            </a:extLst>
+          </p:cNvPr>
+          <p:cNvSpPr>
+            <a:spLocks noGrp="1"/>
+          </p:cNvSpPr>
+          <p:nvPr>
+            <p:ph type="sldNum" sz="quarter" idx="10"/>
+          </p:nvPr>
+        </p:nvSpPr>
+        <p:spPr/>
+        <p:txBody>
+          <a:bodyPr/>
+          <a:lstStyle/>
+          <a:p>
+            <a:fld id="{890431D4-9664-4983-A38D-C80271325BDD}" type="slidenum">
+              <a:rPr lang="it-IT" altLang="en-US" smtClean="0"/>
+              <a:pPr/>
+              <a:t>21</a:t>
+            </a:fld>
+            <a:endParaRPr lang="it-IT" altLang="en-US"/>
+          </a:p>
+        </p:txBody>
+      </p:sp>
+      <p:sp>
+        <p:nvSpPr>
+          <p:cNvPr id="6" name="Rettangolo 5">
+            <a:extLst>
+              <a:ext uri="{FF2B5EF4-FFF2-40B4-BE49-F238E27FC236}">
+                <a16:creationId xmlns:a16="http://schemas.microsoft.com/office/drawing/2014/main" id="{4B00889B-CC50-4876-B0F6-E97C7FBEC04E}"/>
+              </a:ext>
+            </a:extLst>
+          </p:cNvPr>
+          <p:cNvSpPr/>
+          <p:nvPr/>
+        </p:nvSpPr>
+        <p:spPr bwMode="auto">
+          <a:xfrm>
+            <a:off x="251520" y="6613524"/>
+            <a:ext cx="4374292" cy="244475"/>
+          </a:xfrm>
+          <a:prstGeom prst="rect">
+            <a:avLst/>
+          </a:prstGeom>
+          <a:solidFill>
+            <a:schemeClr val="bg1"/>
+          </a:solidFill>
+          <a:ln>
+            <a:noFill/>
+          </a:ln>
+          <a:effectLst/>
+        </p:spPr>
+        <p:txBody>
+          <a:bodyPr vert="horz" wrap="square" lIns="0" tIns="0" rIns="0" bIns="0" numCol="1" rtlCol="0" anchor="t" anchorCtr="0" compatLnSpc="1">
+            <a:prstTxWarp prst="textNoShape">
+              <a:avLst/>
+            </a:prstTxWarp>
+          </a:bodyPr>
+          <a:lstStyle/>
+          <a:p>
+            <a:pPr marL="0" marR="0" indent="0" algn="ctr" defTabSz="914400" rtl="0" eaLnBrk="0" fontAlgn="base" latinLnBrk="0" hangingPunct="0">
+              <a:lnSpc>
+                <a:spcPct val="100000"/>
+              </a:lnSpc>
+              <a:spcBef>
+                <a:spcPct val="20000"/>
+              </a:spcBef>
+              <a:spcAft>
+                <a:spcPct val="0"/>
+              </a:spcAft>
+              <a:buClrTx/>
+              <a:buSzTx/>
+              <a:buFontTx/>
+              <a:buNone/>
+              <a:tabLst/>
+            </a:pPr>
+            <a:r>
+              <a:rPr lang="en-GB" sz="1400" dirty="0">
+                <a:ln>
+                  <a:solidFill>
+                    <a:srgbClr val="003366"/>
+                  </a:solidFill>
+                </a:ln>
+                <a:solidFill>
+                  <a:srgbClr val="003366"/>
+                </a:solidFill>
+                <a:latin typeface="Calibri" panose="020F0502020204030204" pitchFamily="34" charset="0"/>
+                <a:cs typeface="Calibri" panose="020F0502020204030204" pitchFamily="34" charset="0"/>
+              </a:rPr>
+              <a:t>Lamparelli Andrea, </a:t>
+            </a:r>
+            <a:r>
+              <a:rPr lang="en-GB" sz="1400" dirty="0" err="1">
+                <a:ln>
+                  <a:solidFill>
+                    <a:srgbClr val="003366"/>
+                  </a:solidFill>
+                </a:ln>
+                <a:solidFill>
+                  <a:srgbClr val="003366"/>
+                </a:solidFill>
+                <a:latin typeface="Calibri" panose="020F0502020204030204" pitchFamily="34" charset="0"/>
+                <a:cs typeface="Calibri" panose="020F0502020204030204" pitchFamily="34" charset="0"/>
+              </a:rPr>
+              <a:t>Chittò</a:t>
+            </a:r>
+            <a:r>
+              <a:rPr lang="en-GB" sz="1400" dirty="0">
+                <a:ln>
+                  <a:solidFill>
+                    <a:srgbClr val="003366"/>
+                  </a:solidFill>
+                </a:ln>
+                <a:solidFill>
+                  <a:srgbClr val="003366"/>
+                </a:solidFill>
+                <a:latin typeface="Calibri" panose="020F0502020204030204" pitchFamily="34" charset="0"/>
+                <a:cs typeface="Calibri" panose="020F0502020204030204" pitchFamily="34" charset="0"/>
+              </a:rPr>
+              <a:t> Pietro</a:t>
+            </a:r>
+            <a:endParaRPr kumimoji="0" lang="en-GB" sz="1400" i="0" u="none" strike="noStrike" cap="none" normalizeH="0" baseline="0" dirty="0">
+              <a:ln>
+                <a:solidFill>
+                  <a:srgbClr val="003366"/>
+                </a:solidFill>
+              </a:ln>
+              <a:solidFill>
+                <a:srgbClr val="003366"/>
+              </a:solidFill>
+              <a:effectLst/>
+              <a:latin typeface="Calibri" panose="020F0502020204030204" pitchFamily="34" charset="0"/>
+              <a:cs typeface="Calibri" panose="020F0502020204030204" pitchFamily="34" charset="0"/>
             </a:endParaRPr>
           </a:p>
         </p:txBody>
@@ -9210,6 +10513,119 @@
           </a:prstGeom>
         </p:spPr>
       </p:pic>
+      <p:sp>
+        <p:nvSpPr>
+          <p:cNvPr id="8" name="Rettangolo 7">
+            <a:extLst>
+              <a:ext uri="{FF2B5EF4-FFF2-40B4-BE49-F238E27FC236}">
+                <a16:creationId xmlns:a16="http://schemas.microsoft.com/office/drawing/2014/main" id="{D6F3CCD7-7678-4018-AC6A-61F81D03579E}"/>
+              </a:ext>
+            </a:extLst>
+          </p:cNvPr>
+          <p:cNvSpPr/>
+          <p:nvPr/>
+        </p:nvSpPr>
+        <p:spPr bwMode="auto">
+          <a:xfrm>
+            <a:off x="251520" y="6613524"/>
+            <a:ext cx="4374292" cy="244475"/>
+          </a:xfrm>
+          <a:prstGeom prst="rect">
+            <a:avLst/>
+          </a:prstGeom>
+          <a:solidFill>
+            <a:schemeClr val="bg1"/>
+          </a:solidFill>
+          <a:ln>
+            <a:noFill/>
+          </a:ln>
+          <a:effectLst/>
+        </p:spPr>
+        <p:txBody>
+          <a:bodyPr vert="horz" wrap="square" lIns="0" tIns="0" rIns="0" bIns="0" numCol="1" rtlCol="0" anchor="t" anchorCtr="0" compatLnSpc="1">
+            <a:prstTxWarp prst="textNoShape">
+              <a:avLst/>
+            </a:prstTxWarp>
+          </a:bodyPr>
+          <a:lstStyle/>
+          <a:p>
+            <a:pPr marL="0" marR="0" indent="0" algn="ctr" defTabSz="914400" rtl="0" eaLnBrk="0" fontAlgn="base" latinLnBrk="0" hangingPunct="0">
+              <a:lnSpc>
+                <a:spcPct val="100000"/>
+              </a:lnSpc>
+              <a:spcBef>
+                <a:spcPct val="20000"/>
+              </a:spcBef>
+              <a:spcAft>
+                <a:spcPct val="0"/>
+              </a:spcAft>
+              <a:buClrTx/>
+              <a:buSzTx/>
+              <a:buFontTx/>
+              <a:buNone/>
+              <a:tabLst/>
+            </a:pPr>
+            <a:r>
+              <a:rPr lang="en-GB" sz="1400" dirty="0">
+                <a:ln>
+                  <a:solidFill>
+                    <a:srgbClr val="003366"/>
+                  </a:solidFill>
+                </a:ln>
+                <a:solidFill>
+                  <a:srgbClr val="003366"/>
+                </a:solidFill>
+                <a:latin typeface="Calibri" panose="020F0502020204030204" pitchFamily="34" charset="0"/>
+                <a:cs typeface="Calibri" panose="020F0502020204030204" pitchFamily="34" charset="0"/>
+              </a:rPr>
+              <a:t>Lamparelli Andrea, </a:t>
+            </a:r>
+            <a:r>
+              <a:rPr lang="en-GB" sz="1400" dirty="0" err="1">
+                <a:ln>
+                  <a:solidFill>
+                    <a:srgbClr val="003366"/>
+                  </a:solidFill>
+                </a:ln>
+                <a:solidFill>
+                  <a:srgbClr val="003366"/>
+                </a:solidFill>
+                <a:latin typeface="Calibri" panose="020F0502020204030204" pitchFamily="34" charset="0"/>
+                <a:cs typeface="Calibri" panose="020F0502020204030204" pitchFamily="34" charset="0"/>
+              </a:rPr>
+              <a:t>Chittò</a:t>
+            </a:r>
+            <a:r>
+              <a:rPr lang="en-GB" sz="1400" dirty="0">
+                <a:ln>
+                  <a:solidFill>
+                    <a:srgbClr val="003366"/>
+                  </a:solidFill>
+                </a:ln>
+                <a:solidFill>
+                  <a:srgbClr val="003366"/>
+                </a:solidFill>
+                <a:latin typeface="Calibri" panose="020F0502020204030204" pitchFamily="34" charset="0"/>
+                <a:cs typeface="Calibri" panose="020F0502020204030204" pitchFamily="34" charset="0"/>
+              </a:rPr>
+              <a:t> Pietro</a:t>
+            </a:r>
+            <a:endParaRPr kumimoji="0" lang="en-GB" sz="1400" i="0" u="none" strike="noStrike" cap="none" normalizeH="0" baseline="0" dirty="0">
+              <a:ln>
+                <a:solidFill>
+                  <a:srgbClr val="003366"/>
+                </a:solidFill>
+              </a:ln>
+              <a:solidFill>
+                <a:srgbClr val="003366"/>
+              </a:solidFill>
+              <a:effectLst/>
+              <a:latin typeface="Calibri" panose="020F0502020204030204" pitchFamily="34" charset="0"/>
+              <a:cs typeface="Calibri" panose="020F0502020204030204" pitchFamily="34" charset="0"/>
+            </a:endParaRPr>
+          </a:p>
+        </p:txBody>
+      </p:sp>
     </p:spTree>
     <p:extLst>
       <p:ext uri="{BB962C8B-B14F-4D97-AF65-F5344CB8AC3E}">
@@ -9306,7 +10722,7 @@
               <a:buChar char="•"/>
             </a:pPr>
             <a:r>
-              <a:rPr lang="en-GB" sz="2400">
+              <a:rPr lang="en-GB" sz="2400" dirty="0">
                 <a:solidFill>
                   <a:srgbClr val="003F6E"/>
                 </a:solidFill>
@@ -9345,7 +10761,7 @@
               <a:buChar char="•"/>
             </a:pPr>
             <a:r>
-              <a:rPr lang="en-GB" sz="2400">
+              <a:rPr lang="en-GB" sz="2400" dirty="0">
                 <a:solidFill>
                   <a:srgbClr val="003F6E"/>
                 </a:solidFill>
@@ -9353,7 +10769,7 @@
               </a:rPr>
               <a:t>He can upload the digital file (e.g. pdf) on the system, print the generated QR code on his paper notes</a:t>
             </a:r>
-            <a:endParaRPr lang="en-GB"/>
+            <a:endParaRPr lang="en-GB" dirty="0"/>
           </a:p>
           <a:p>
             <a:pPr>
@@ -9385,7 +10801,7 @@
               <a:buChar char="•"/>
             </a:pPr>
             <a:r>
-              <a:rPr lang="en-GB" sz="2400">
+              <a:rPr lang="en-GB" sz="2400" dirty="0">
                 <a:solidFill>
                   <a:srgbClr val="003F6E"/>
                 </a:solidFill>
@@ -9393,12 +10809,6 @@
               </a:rPr>
               <a:t>Now he can, when studying, directly open the digital article, without spending time to find it, but simply scanning the QR code</a:t>
             </a:r>
-            <a:endParaRPr lang="en-GB" sz="2400" dirty="0">
-              <a:solidFill>
-                <a:srgbClr val="003F6E"/>
-              </a:solidFill>
-              <a:cs typeface="Arial"/>
-            </a:endParaRPr>
           </a:p>
           <a:p>
             <a:pPr>
@@ -9441,6 +10851,119 @@
               <a:t>5</a:t>
             </a:fld>
             <a:endParaRPr lang="it-IT" altLang="en-US"/>
+          </a:p>
+        </p:txBody>
+      </p:sp>
+      <p:sp>
+        <p:nvSpPr>
+          <p:cNvPr id="5" name="Rettangolo 4">
+            <a:extLst>
+              <a:ext uri="{FF2B5EF4-FFF2-40B4-BE49-F238E27FC236}">
+                <a16:creationId xmlns:a16="http://schemas.microsoft.com/office/drawing/2014/main" id="{8ADCF6B5-E2C8-4F22-A3FB-8048E93A6A10}"/>
+              </a:ext>
+            </a:extLst>
+          </p:cNvPr>
+          <p:cNvSpPr/>
+          <p:nvPr/>
+        </p:nvSpPr>
+        <p:spPr bwMode="auto">
+          <a:xfrm>
+            <a:off x="251520" y="6613524"/>
+            <a:ext cx="4374292" cy="244475"/>
+          </a:xfrm>
+          <a:prstGeom prst="rect">
+            <a:avLst/>
+          </a:prstGeom>
+          <a:solidFill>
+            <a:schemeClr val="bg1"/>
+          </a:solidFill>
+          <a:ln>
+            <a:noFill/>
+          </a:ln>
+          <a:effectLst/>
+        </p:spPr>
+        <p:txBody>
+          <a:bodyPr vert="horz" wrap="square" lIns="0" tIns="0" rIns="0" bIns="0" numCol="1" rtlCol="0" anchor="t" anchorCtr="0" compatLnSpc="1">
+            <a:prstTxWarp prst="textNoShape">
+              <a:avLst/>
+            </a:prstTxWarp>
+          </a:bodyPr>
+          <a:lstStyle/>
+          <a:p>
+            <a:pPr marL="0" marR="0" indent="0" algn="ctr" defTabSz="914400" rtl="0" eaLnBrk="0" fontAlgn="base" latinLnBrk="0" hangingPunct="0">
+              <a:lnSpc>
+                <a:spcPct val="100000"/>
+              </a:lnSpc>
+              <a:spcBef>
+                <a:spcPct val="20000"/>
+              </a:spcBef>
+              <a:spcAft>
+                <a:spcPct val="0"/>
+              </a:spcAft>
+              <a:buClrTx/>
+              <a:buSzTx/>
+              <a:buFontTx/>
+              <a:buNone/>
+              <a:tabLst/>
+            </a:pPr>
+            <a:r>
+              <a:rPr lang="en-GB" sz="1400" dirty="0">
+                <a:ln>
+                  <a:solidFill>
+                    <a:srgbClr val="003366"/>
+                  </a:solidFill>
+                </a:ln>
+                <a:solidFill>
+                  <a:srgbClr val="003366"/>
+                </a:solidFill>
+                <a:latin typeface="Calibri" panose="020F0502020204030204" pitchFamily="34" charset="0"/>
+                <a:cs typeface="Calibri" panose="020F0502020204030204" pitchFamily="34" charset="0"/>
+              </a:rPr>
+              <a:t>Lamparelli Andrea, </a:t>
+            </a:r>
+            <a:r>
+              <a:rPr lang="en-GB" sz="1400" dirty="0" err="1">
+                <a:ln>
+                  <a:solidFill>
+                    <a:srgbClr val="003366"/>
+                  </a:solidFill>
+                </a:ln>
+                <a:solidFill>
+                  <a:srgbClr val="003366"/>
+                </a:solidFill>
+                <a:latin typeface="Calibri" panose="020F0502020204030204" pitchFamily="34" charset="0"/>
+                <a:cs typeface="Calibri" panose="020F0502020204030204" pitchFamily="34" charset="0"/>
+              </a:rPr>
+              <a:t>Chittò</a:t>
+            </a:r>
+            <a:r>
+              <a:rPr lang="en-GB" sz="1400" dirty="0">
+                <a:ln>
+                  <a:solidFill>
+                    <a:srgbClr val="003366"/>
+                  </a:solidFill>
+                </a:ln>
+                <a:solidFill>
+                  <a:srgbClr val="003366"/>
+                </a:solidFill>
+                <a:latin typeface="Calibri" panose="020F0502020204030204" pitchFamily="34" charset="0"/>
+                <a:cs typeface="Calibri" panose="020F0502020204030204" pitchFamily="34" charset="0"/>
+              </a:rPr>
+              <a:t> Pietro</a:t>
+            </a:r>
+            <a:endParaRPr kumimoji="0" lang="en-GB" sz="1400" i="0" u="none" strike="noStrike" cap="none" normalizeH="0" baseline="0" dirty="0">
+              <a:ln>
+                <a:solidFill>
+                  <a:srgbClr val="003366"/>
+                </a:solidFill>
+              </a:ln>
+              <a:solidFill>
+                <a:srgbClr val="003366"/>
+              </a:solidFill>
+              <a:effectLst/>
+              <a:latin typeface="Calibri" panose="020F0502020204030204" pitchFamily="34" charset="0"/>
+              <a:cs typeface="Calibri" panose="020F0502020204030204" pitchFamily="34" charset="0"/>
+            </a:endParaRPr>
           </a:p>
         </p:txBody>
       </p:sp>
@@ -9772,6 +11295,119 @@
           </a:prstGeom>
         </p:spPr>
       </p:pic>
+      <p:sp>
+        <p:nvSpPr>
+          <p:cNvPr id="6" name="Rettangolo 5">
+            <a:extLst>
+              <a:ext uri="{FF2B5EF4-FFF2-40B4-BE49-F238E27FC236}">
+                <a16:creationId xmlns:a16="http://schemas.microsoft.com/office/drawing/2014/main" id="{2CA4DF65-388B-448F-9B03-33731427CA49}"/>
+              </a:ext>
+            </a:extLst>
+          </p:cNvPr>
+          <p:cNvSpPr/>
+          <p:nvPr/>
+        </p:nvSpPr>
+        <p:spPr bwMode="auto">
+          <a:xfrm>
+            <a:off x="251520" y="6613524"/>
+            <a:ext cx="4374292" cy="244475"/>
+          </a:xfrm>
+          <a:prstGeom prst="rect">
+            <a:avLst/>
+          </a:prstGeom>
+          <a:solidFill>
+            <a:schemeClr val="bg1"/>
+          </a:solidFill>
+          <a:ln>
+            <a:noFill/>
+          </a:ln>
+          <a:effectLst/>
+        </p:spPr>
+        <p:txBody>
+          <a:bodyPr vert="horz" wrap="square" lIns="0" tIns="0" rIns="0" bIns="0" numCol="1" rtlCol="0" anchor="t" anchorCtr="0" compatLnSpc="1">
+            <a:prstTxWarp prst="textNoShape">
+              <a:avLst/>
+            </a:prstTxWarp>
+          </a:bodyPr>
+          <a:lstStyle/>
+          <a:p>
+            <a:pPr marL="0" marR="0" indent="0" algn="ctr" defTabSz="914400" rtl="0" eaLnBrk="0" fontAlgn="base" latinLnBrk="0" hangingPunct="0">
+              <a:lnSpc>
+                <a:spcPct val="100000"/>
+              </a:lnSpc>
+              <a:spcBef>
+                <a:spcPct val="20000"/>
+              </a:spcBef>
+              <a:spcAft>
+                <a:spcPct val="0"/>
+              </a:spcAft>
+              <a:buClrTx/>
+              <a:buSzTx/>
+              <a:buFontTx/>
+              <a:buNone/>
+              <a:tabLst/>
+            </a:pPr>
+            <a:r>
+              <a:rPr lang="en-GB" sz="1400" dirty="0">
+                <a:ln>
+                  <a:solidFill>
+                    <a:srgbClr val="003366"/>
+                  </a:solidFill>
+                </a:ln>
+                <a:solidFill>
+                  <a:srgbClr val="003366"/>
+                </a:solidFill>
+                <a:latin typeface="Calibri" panose="020F0502020204030204" pitchFamily="34" charset="0"/>
+                <a:cs typeface="Calibri" panose="020F0502020204030204" pitchFamily="34" charset="0"/>
+              </a:rPr>
+              <a:t>Lamparelli Andrea, </a:t>
+            </a:r>
+            <a:r>
+              <a:rPr lang="en-GB" sz="1400" dirty="0" err="1">
+                <a:ln>
+                  <a:solidFill>
+                    <a:srgbClr val="003366"/>
+                  </a:solidFill>
+                </a:ln>
+                <a:solidFill>
+                  <a:srgbClr val="003366"/>
+                </a:solidFill>
+                <a:latin typeface="Calibri" panose="020F0502020204030204" pitchFamily="34" charset="0"/>
+                <a:cs typeface="Calibri" panose="020F0502020204030204" pitchFamily="34" charset="0"/>
+              </a:rPr>
+              <a:t>Chittò</a:t>
+            </a:r>
+            <a:r>
+              <a:rPr lang="en-GB" sz="1400" dirty="0">
+                <a:ln>
+                  <a:solidFill>
+                    <a:srgbClr val="003366"/>
+                  </a:solidFill>
+                </a:ln>
+                <a:solidFill>
+                  <a:srgbClr val="003366"/>
+                </a:solidFill>
+                <a:latin typeface="Calibri" panose="020F0502020204030204" pitchFamily="34" charset="0"/>
+                <a:cs typeface="Calibri" panose="020F0502020204030204" pitchFamily="34" charset="0"/>
+              </a:rPr>
+              <a:t> Pietro</a:t>
+            </a:r>
+            <a:endParaRPr kumimoji="0" lang="en-GB" sz="1400" i="0" u="none" strike="noStrike" cap="none" normalizeH="0" baseline="0" dirty="0">
+              <a:ln>
+                <a:solidFill>
+                  <a:srgbClr val="003366"/>
+                </a:solidFill>
+              </a:ln>
+              <a:solidFill>
+                <a:srgbClr val="003366"/>
+              </a:solidFill>
+              <a:effectLst/>
+              <a:latin typeface="Calibri" panose="020F0502020204030204" pitchFamily="34" charset="0"/>
+              <a:cs typeface="Calibri" panose="020F0502020204030204" pitchFamily="34" charset="0"/>
+            </a:endParaRPr>
+          </a:p>
+        </p:txBody>
+      </p:sp>
     </p:spTree>
     <p:extLst>
       <p:ext uri="{BB962C8B-B14F-4D97-AF65-F5344CB8AC3E}">
@@ -10339,6 +11975,119 @@
           </a:prstGeom>
         </p:spPr>
       </p:pic>
+      <p:sp>
+        <p:nvSpPr>
+          <p:cNvPr id="12" name="Rettangolo 11">
+            <a:extLst>
+              <a:ext uri="{FF2B5EF4-FFF2-40B4-BE49-F238E27FC236}">
+                <a16:creationId xmlns:a16="http://schemas.microsoft.com/office/drawing/2014/main" id="{2B14BF7A-D77E-4A1F-8B0E-63F0B2138B92}"/>
+              </a:ext>
+            </a:extLst>
+          </p:cNvPr>
+          <p:cNvSpPr/>
+          <p:nvPr/>
+        </p:nvSpPr>
+        <p:spPr bwMode="auto">
+          <a:xfrm>
+            <a:off x="251520" y="6613524"/>
+            <a:ext cx="4374292" cy="244475"/>
+          </a:xfrm>
+          <a:prstGeom prst="rect">
+            <a:avLst/>
+          </a:prstGeom>
+          <a:solidFill>
+            <a:schemeClr val="bg1"/>
+          </a:solidFill>
+          <a:ln>
+            <a:noFill/>
+          </a:ln>
+          <a:effectLst/>
+        </p:spPr>
+        <p:txBody>
+          <a:bodyPr vert="horz" wrap="square" lIns="0" tIns="0" rIns="0" bIns="0" numCol="1" rtlCol="0" anchor="t" anchorCtr="0" compatLnSpc="1">
+            <a:prstTxWarp prst="textNoShape">
+              <a:avLst/>
+            </a:prstTxWarp>
+          </a:bodyPr>
+          <a:lstStyle/>
+          <a:p>
+            <a:pPr marL="0" marR="0" indent="0" algn="ctr" defTabSz="914400" rtl="0" eaLnBrk="0" fontAlgn="base" latinLnBrk="0" hangingPunct="0">
+              <a:lnSpc>
+                <a:spcPct val="100000"/>
+              </a:lnSpc>
+              <a:spcBef>
+                <a:spcPct val="20000"/>
+              </a:spcBef>
+              <a:spcAft>
+                <a:spcPct val="0"/>
+              </a:spcAft>
+              <a:buClrTx/>
+              <a:buSzTx/>
+              <a:buFontTx/>
+              <a:buNone/>
+              <a:tabLst/>
+            </a:pPr>
+            <a:r>
+              <a:rPr lang="en-GB" sz="1400" dirty="0">
+                <a:ln>
+                  <a:solidFill>
+                    <a:srgbClr val="003366"/>
+                  </a:solidFill>
+                </a:ln>
+                <a:solidFill>
+                  <a:srgbClr val="003366"/>
+                </a:solidFill>
+                <a:latin typeface="Calibri" panose="020F0502020204030204" pitchFamily="34" charset="0"/>
+                <a:cs typeface="Calibri" panose="020F0502020204030204" pitchFamily="34" charset="0"/>
+              </a:rPr>
+              <a:t>Lamparelli Andrea, </a:t>
+            </a:r>
+            <a:r>
+              <a:rPr lang="en-GB" sz="1400" dirty="0" err="1">
+                <a:ln>
+                  <a:solidFill>
+                    <a:srgbClr val="003366"/>
+                  </a:solidFill>
+                </a:ln>
+                <a:solidFill>
+                  <a:srgbClr val="003366"/>
+                </a:solidFill>
+                <a:latin typeface="Calibri" panose="020F0502020204030204" pitchFamily="34" charset="0"/>
+                <a:cs typeface="Calibri" panose="020F0502020204030204" pitchFamily="34" charset="0"/>
+              </a:rPr>
+              <a:t>Chittò</a:t>
+            </a:r>
+            <a:r>
+              <a:rPr lang="en-GB" sz="1400" dirty="0">
+                <a:ln>
+                  <a:solidFill>
+                    <a:srgbClr val="003366"/>
+                  </a:solidFill>
+                </a:ln>
+                <a:solidFill>
+                  <a:srgbClr val="003366"/>
+                </a:solidFill>
+                <a:latin typeface="Calibri" panose="020F0502020204030204" pitchFamily="34" charset="0"/>
+                <a:cs typeface="Calibri" panose="020F0502020204030204" pitchFamily="34" charset="0"/>
+              </a:rPr>
+              <a:t> Pietro</a:t>
+            </a:r>
+            <a:endParaRPr kumimoji="0" lang="en-GB" sz="1400" i="0" u="none" strike="noStrike" cap="none" normalizeH="0" baseline="0" dirty="0">
+              <a:ln>
+                <a:solidFill>
+                  <a:srgbClr val="003366"/>
+                </a:solidFill>
+              </a:ln>
+              <a:solidFill>
+                <a:srgbClr val="003366"/>
+              </a:solidFill>
+              <a:effectLst/>
+              <a:latin typeface="Calibri" panose="020F0502020204030204" pitchFamily="34" charset="0"/>
+              <a:cs typeface="Calibri" panose="020F0502020204030204" pitchFamily="34" charset="0"/>
+            </a:endParaRPr>
+          </a:p>
+        </p:txBody>
+      </p:sp>
     </p:spTree>
     <p:extLst>
       <p:ext uri="{BB962C8B-B14F-4D97-AF65-F5344CB8AC3E}">
@@ -10386,7 +12135,7 @@
         <p:spPr bwMode="auto">
           <a:xfrm>
             <a:off x="1763688" y="4581128"/>
-            <a:ext cx="6248400" cy="861774"/>
+            <a:ext cx="6248400" cy="492443"/>
           </a:xfrm>
           <a:prstGeom prst="rect">
             <a:avLst/>
@@ -10437,48 +12186,15 @@
               </a:spcBef>
             </a:pPr>
             <a:r>
-              <a:rPr lang="it-IT" altLang="en-US" sz="3200" b="1">
+              <a:rPr lang="it-IT" altLang="en-US" sz="3200" b="1" dirty="0">
                 <a:solidFill>
                   <a:srgbClr val="003F6E"/>
                 </a:solidFill>
                 <a:latin typeface="Arial"/>
                 <a:cs typeface="Arial"/>
               </a:rPr>
-              <a:t>Mobile Application Architecture</a:t>
-            </a:r>
-            <a:r>
-              <a:rPr lang="it-IT" altLang="en-US" sz="3200" b="1" dirty="0">
-                <a:solidFill>
-                  <a:srgbClr val="003F6E"/>
-                </a:solidFill>
-                <a:latin typeface="Arial"/>
-                <a:cs typeface="Arial"/>
-              </a:rPr>
-              <a:t> </a:t>
-            </a:r>
-          </a:p>
-          <a:p>
-            <a:pPr algn="l">
-              <a:spcBef>
-                <a:spcPct val="50000"/>
-              </a:spcBef>
-            </a:pPr>
-            <a:r>
-              <a:rPr lang="it-IT" altLang="en-US" sz="1600" b="1">
-                <a:solidFill>
-                  <a:srgbClr val="003F6E"/>
-                </a:solidFill>
-                <a:latin typeface="Arial"/>
-                <a:cs typeface="Arial"/>
-              </a:rPr>
-              <a:t>QDocs</a:t>
-            </a:r>
-            <a:endParaRPr lang="it-IT" altLang="en-US" sz="1600" b="1">
-              <a:solidFill>
-                <a:srgbClr val="003F6E"/>
-              </a:solidFill>
-              <a:cs typeface="Arial"/>
-            </a:endParaRPr>
+              <a:t>Mobile Application Architecture </a:t>
+            </a:r>
           </a:p>
         </p:txBody>
       </p:sp>

--- a/documentation/presentation_qdocs.pptx
+++ b/documentation/presentation_qdocs.pptx
@@ -5,10 +5,10 @@
     <p:sldMasterId id="2147483648" r:id="rId1"/>
   </p:sldMasterIdLst>
   <p:notesMasterIdLst>
-    <p:notesMasterId r:id="rId23"/>
+    <p:notesMasterId r:id="rId27"/>
   </p:notesMasterIdLst>
   <p:handoutMasterIdLst>
-    <p:handoutMasterId r:id="rId24"/>
+    <p:handoutMasterId r:id="rId28"/>
   </p:handoutMasterIdLst>
   <p:sldIdLst>
     <p:sldId id="256" r:id="rId2"/>
@@ -25,13 +25,17 @@
     <p:sldId id="274" r:id="rId13"/>
     <p:sldId id="275" r:id="rId14"/>
     <p:sldId id="277" r:id="rId15"/>
-    <p:sldId id="293" r:id="rId16"/>
-    <p:sldId id="294" r:id="rId17"/>
-    <p:sldId id="278" r:id="rId18"/>
-    <p:sldId id="279" r:id="rId19"/>
-    <p:sldId id="289" r:id="rId20"/>
-    <p:sldId id="288" r:id="rId21"/>
-    <p:sldId id="296" r:id="rId22"/>
+    <p:sldId id="297" r:id="rId16"/>
+    <p:sldId id="298" r:id="rId17"/>
+    <p:sldId id="299" r:id="rId18"/>
+    <p:sldId id="293" r:id="rId19"/>
+    <p:sldId id="294" r:id="rId20"/>
+    <p:sldId id="300" r:id="rId21"/>
+    <p:sldId id="301" r:id="rId22"/>
+    <p:sldId id="278" r:id="rId23"/>
+    <p:sldId id="289" r:id="rId24"/>
+    <p:sldId id="288" r:id="rId25"/>
+    <p:sldId id="296" r:id="rId26"/>
   </p:sldIdLst>
   <p:sldSz cx="9144000" cy="6858000" type="screen4x3"/>
   <p:notesSz cx="6669088" cy="9928225"/>
@@ -174,6 +178,9 @@
           </p15:clr>
         </p15:guide>
       </p15:sldGuideLst>
+    </p:ext>
+    <p:ext uri="{2D200454-40CA-4A62-9FC3-DE9A4176ACB9}">
+      <p15:notesGuideLst xmlns:p15="http://schemas.microsoft.com/office/powerpoint/2012/main"/>
     </p:ext>
   </p:extLst>
 </p:presentation>
@@ -1669,7 +1676,7 @@
             <a:fld id="{AF277DBB-4E58-4C67-A2CD-2F1D5D299867}" type="slidenum">
               <a:rPr lang="it-IT" altLang="en-US"/>
               <a:pPr/>
-              <a:t>15</a:t>
+              <a:t>18</a:t>
             </a:fld>
             <a:endParaRPr lang="it-IT" altLang="en-US"/>
           </a:p>
@@ -1785,7 +1792,7 @@
             <a:fld id="{AF277DBB-4E58-4C67-A2CD-2F1D5D299867}" type="slidenum">
               <a:rPr lang="it-IT" altLang="en-US"/>
               <a:pPr/>
-              <a:t>19</a:t>
+              <a:t>23</a:t>
             </a:fld>
             <a:endParaRPr lang="it-IT" altLang="en-US"/>
           </a:p>
@@ -6256,7 +6263,7 @@
         </p:nvSpPr>
         <p:spPr>
           <a:xfrm>
-            <a:off x="539857" y="2315704"/>
+            <a:off x="539851" y="2695282"/>
             <a:ext cx="3931401" cy="2074414"/>
           </a:xfrm>
           <a:prstGeom prst="rect">
@@ -6364,8 +6371,8 @@
         </p:nvSpPr>
         <p:spPr>
           <a:xfrm>
-            <a:off x="1824924" y="1321230"/>
-            <a:ext cx="5875147" cy="523220"/>
+            <a:off x="1115616" y="1700808"/>
+            <a:ext cx="6768746" cy="523220"/>
           </a:xfrm>
           <a:prstGeom prst="rect">
             <a:avLst/>
@@ -6390,7 +6397,7 @@
                 <a:latin typeface="Calibri"/>
                 <a:cs typeface="Calibri"/>
               </a:rPr>
-              <a:t>   TYPE                                    REASON</a:t>
+              <a:t>    PERMISSION                       REASON</a:t>
             </a:r>
           </a:p>
         </p:txBody>
@@ -6409,7 +6416,7 @@
         </p:nvSpPr>
         <p:spPr>
           <a:xfrm>
-            <a:off x="4486274" y="2316511"/>
+            <a:off x="4486268" y="2696089"/>
             <a:ext cx="4002436" cy="2074414"/>
           </a:xfrm>
           <a:prstGeom prst="rect">
@@ -6661,15 +6668,15 @@
         </p:nvCxnSpPr>
         <p:spPr bwMode="auto">
           <a:xfrm>
-            <a:off x="755576" y="1988840"/>
+            <a:off x="755570" y="2368418"/>
             <a:ext cx="7632848" cy="0"/>
           </a:xfrm>
           <a:prstGeom prst="line">
             <a:avLst/>
           </a:prstGeom>
-          <a:ln>
+          <a:ln w="12700">
             <a:solidFill>
-              <a:srgbClr val="003366"/>
+              <a:srgbClr val="FF9900"/>
             </a:solidFill>
           </a:ln>
         </p:spPr>
@@ -6704,15 +6711,15 @@
         </p:nvCxnSpPr>
         <p:spPr bwMode="auto">
           <a:xfrm>
-            <a:off x="4355976" y="1196752"/>
+            <a:off x="4355970" y="1576330"/>
             <a:ext cx="0" cy="3528392"/>
           </a:xfrm>
           <a:prstGeom prst="line">
             <a:avLst/>
           </a:prstGeom>
-          <a:ln>
+          <a:ln w="12700">
             <a:solidFill>
-              <a:srgbClr val="003366"/>
+              <a:srgbClr val="FF9900"/>
             </a:solidFill>
           </a:ln>
         </p:spPr>
@@ -6911,7 +6918,7 @@
               </a:rPr>
               <a:t>logic</a:t>
             </a:r>
-            <a:endParaRPr lang="it-IT" sz="2800">
+            <a:endParaRPr lang="it-IT" sz="2800" dirty="0">
               <a:solidFill>
                 <a:srgbClr val="003F6E"/>
               </a:solidFill>
@@ -6974,7 +6981,7 @@
               </a:rPr>
               <a:t>interfaces</a:t>
             </a:r>
-            <a:endParaRPr lang="it-IT" sz="2800">
+            <a:endParaRPr lang="it-IT" sz="2800" dirty="0">
               <a:solidFill>
                 <a:srgbClr val="003F6E"/>
               </a:solidFill>
@@ -7654,86 +7661,346 @@
       </p:grpSpPr>
       <p:sp>
         <p:nvSpPr>
-          <p:cNvPr id="2063" name="Text Box 15">
-            <a:extLst>
-              <a:ext uri="{FF2B5EF4-FFF2-40B4-BE49-F238E27FC236}">
-                <a16:creationId xmlns:a16="http://schemas.microsoft.com/office/drawing/2014/main" id="{163E1146-9683-4D80-A948-17A524CE64E3}"/>
-              </a:ext>
-            </a:extLst>
-          </p:cNvPr>
-          <p:cNvSpPr txBox="1">
-            <a:spLocks noChangeArrowheads="1"/>
+          <p:cNvPr id="2" name="Titolo 1">
+            <a:extLst>
+              <a:ext uri="{FF2B5EF4-FFF2-40B4-BE49-F238E27FC236}">
+                <a16:creationId xmlns:a16="http://schemas.microsoft.com/office/drawing/2014/main" id="{4BE247A2-758D-4AC6-BF37-E19A51583476}"/>
+              </a:ext>
+            </a:extLst>
+          </p:cNvPr>
+          <p:cNvSpPr>
+            <a:spLocks noGrp="1"/>
           </p:cNvSpPr>
+          <p:nvPr>
+            <p:ph type="title"/>
+          </p:nvPr>
+        </p:nvSpPr>
+        <p:spPr/>
+        <p:txBody>
+          <a:bodyPr/>
+          <a:lstStyle/>
+          <a:p>
+            <a:r>
+              <a:rPr lang="en-GB" dirty="0"/>
+              <a:t>Activities Flowchart</a:t>
+            </a:r>
+          </a:p>
+        </p:txBody>
+      </p:sp>
+      <p:sp>
+        <p:nvSpPr>
+          <p:cNvPr id="4" name="Segnaposto numero diapositiva 3">
+            <a:extLst>
+              <a:ext uri="{FF2B5EF4-FFF2-40B4-BE49-F238E27FC236}">
+                <a16:creationId xmlns:a16="http://schemas.microsoft.com/office/drawing/2014/main" id="{1F42B96A-DC32-40CE-A5BB-9155421755F6}"/>
+              </a:ext>
+            </a:extLst>
+          </p:cNvPr>
+          <p:cNvSpPr>
+            <a:spLocks noGrp="1"/>
+          </p:cNvSpPr>
+          <p:nvPr>
+            <p:ph type="sldNum" sz="quarter" idx="10"/>
+          </p:nvPr>
+        </p:nvSpPr>
+        <p:spPr/>
+        <p:txBody>
+          <a:bodyPr/>
+          <a:lstStyle/>
+          <a:p>
+            <a:fld id="{FE575B20-646B-44A6-B32B-8B9F7AC502D9}" type="slidenum">
+              <a:rPr lang="it-IT" altLang="en-US" smtClean="0"/>
+              <a:pPr/>
+              <a:t>15</a:t>
+            </a:fld>
+            <a:endParaRPr lang="it-IT" altLang="en-US"/>
+          </a:p>
+        </p:txBody>
+      </p:sp>
+      <p:pic>
+        <p:nvPicPr>
+          <p:cNvPr id="3" name="Immagine 4" descr="Immagine che contiene mappa&#10;&#10;Descrizione generata con affidabilità elevata">
+            <a:extLst>
+              <a:ext uri="{FF2B5EF4-FFF2-40B4-BE49-F238E27FC236}">
+                <a16:creationId xmlns:a16="http://schemas.microsoft.com/office/drawing/2014/main" id="{5F67BAD8-5CD7-4E43-9621-54530CF23E77}"/>
+              </a:ext>
+            </a:extLst>
+          </p:cNvPr>
+          <p:cNvPicPr>
+            <a:picLocks noChangeAspect="1"/>
+          </p:cNvPicPr>
           <p:nvPr/>
-        </p:nvSpPr>
-        <p:spPr bwMode="auto">
+        </p:nvPicPr>
+        <p:blipFill>
+          <a:blip r:embed="rId2"/>
+          <a:stretch>
+            <a:fillRect/>
+          </a:stretch>
+        </p:blipFill>
+        <p:spPr>
           <a:xfrm>
-            <a:off x="1763688" y="4581128"/>
-            <a:ext cx="6248400" cy="492443"/>
+            <a:off x="108605" y="1700808"/>
+            <a:ext cx="8926790" cy="3991008"/>
           </a:xfrm>
           <a:prstGeom prst="rect">
             <a:avLst/>
           </a:prstGeom>
-          <a:noFill/>
+        </p:spPr>
+      </p:pic>
+      <p:sp>
+        <p:nvSpPr>
+          <p:cNvPr id="5" name="Rettangolo 4">
+            <a:extLst>
+              <a:ext uri="{FF2B5EF4-FFF2-40B4-BE49-F238E27FC236}">
+                <a16:creationId xmlns:a16="http://schemas.microsoft.com/office/drawing/2014/main" id="{8A88081B-28F3-4AFD-9275-D907B01CC92D}"/>
+              </a:ext>
+            </a:extLst>
+          </p:cNvPr>
+          <p:cNvSpPr/>
+          <p:nvPr/>
+        </p:nvSpPr>
+        <p:spPr bwMode="auto">
+          <a:xfrm>
+            <a:off x="251520" y="6613524"/>
+            <a:ext cx="4374292" cy="244475"/>
+          </a:xfrm>
+          <a:prstGeom prst="rect">
+            <a:avLst/>
+          </a:prstGeom>
+          <a:solidFill>
+            <a:schemeClr val="bg1"/>
+          </a:solidFill>
           <a:ln>
             <a:noFill/>
           </a:ln>
           <a:effectLst/>
-          <a:extLst>
-            <a:ext uri="{909E8E84-426E-40DD-AFC4-6F175D3DCCD1}">
-              <a14:hiddenFill xmlns:a14="http://schemas.microsoft.com/office/drawing/2010/main">
-                <a:solidFill>
-                  <a:srgbClr val="C7D7E9"/>
-                </a:solidFill>
-              </a14:hiddenFill>
-            </a:ext>
-            <a:ext uri="{91240B29-F687-4F45-9708-019B960494DF}">
-              <a14:hiddenLine xmlns:a14="http://schemas.microsoft.com/office/drawing/2010/main" w="9525">
-                <a:solidFill>
-                  <a:schemeClr val="tx1"/>
-                </a:solidFill>
-                <a:miter lim="800000"/>
-                <a:headEnd/>
-                <a:tailEnd/>
-              </a14:hiddenLine>
-            </a:ext>
-            <a:ext uri="{AF507438-7753-43E0-B8FC-AC1667EBCBE1}">
-              <a14:hiddenEffects xmlns:a14="http://schemas.microsoft.com/office/drawing/2010/main">
-                <a:effectLst>
-                  <a:outerShdw dist="35921" dir="2700000" algn="ctr" rotWithShape="0">
-                    <a:schemeClr val="bg2"/>
-                  </a:outerShdw>
-                </a:effectLst>
-              </a14:hiddenEffects>
-            </a:ext>
-          </a:extLst>
         </p:spPr>
         <p:txBody>
-          <a:bodyPr lIns="0" tIns="0" rIns="0" bIns="0" anchor="t">
-            <a:spAutoFit/>
+          <a:bodyPr vert="horz" wrap="square" lIns="0" tIns="0" rIns="0" bIns="0" numCol="1" rtlCol="0" anchor="t" anchorCtr="0" compatLnSpc="1">
+            <a:prstTxWarp prst="textNoShape">
+              <a:avLst/>
+            </a:prstTxWarp>
           </a:bodyPr>
           <a:lstStyle/>
           <a:p>
-            <a:pPr algn="l">
+            <a:pPr marL="0" marR="0" indent="0" algn="ctr" defTabSz="914400" rtl="0" eaLnBrk="0" fontAlgn="base" latinLnBrk="0" hangingPunct="0">
+              <a:lnSpc>
+                <a:spcPct val="100000"/>
+              </a:lnSpc>
               <a:spcBef>
-                <a:spcPct val="50000"/>
+                <a:spcPct val="20000"/>
               </a:spcBef>
+              <a:spcAft>
+                <a:spcPct val="0"/>
+              </a:spcAft>
+              <a:buClrTx/>
+              <a:buSzTx/>
+              <a:buFontTx/>
+              <a:buNone/>
+              <a:tabLst/>
             </a:pPr>
             <a:r>
-              <a:rPr lang="it-IT" altLang="en-US" sz="3200" b="1" dirty="0">
+              <a:rPr lang="en-GB" sz="1400" dirty="0">
+                <a:ln>
+                  <a:solidFill>
+                    <a:srgbClr val="003366"/>
+                  </a:solidFill>
+                </a:ln>
+                <a:solidFill>
+                  <a:srgbClr val="003366"/>
+                </a:solidFill>
+                <a:latin typeface="Calibri" panose="020F0502020204030204" pitchFamily="34" charset="0"/>
+                <a:cs typeface="Calibri" panose="020F0502020204030204" pitchFamily="34" charset="0"/>
+              </a:rPr>
+              <a:t>Lamparelli Andrea, </a:t>
+            </a:r>
+            <a:r>
+              <a:rPr lang="en-GB" sz="1400" dirty="0" err="1">
+                <a:ln>
+                  <a:solidFill>
+                    <a:srgbClr val="003366"/>
+                  </a:solidFill>
+                </a:ln>
+                <a:solidFill>
+                  <a:srgbClr val="003366"/>
+                </a:solidFill>
+                <a:latin typeface="Calibri" panose="020F0502020204030204" pitchFamily="34" charset="0"/>
+                <a:cs typeface="Calibri" panose="020F0502020204030204" pitchFamily="34" charset="0"/>
+              </a:rPr>
+              <a:t>Chittò</a:t>
+            </a:r>
+            <a:r>
+              <a:rPr lang="en-GB" sz="1400" dirty="0">
+                <a:ln>
+                  <a:solidFill>
+                    <a:srgbClr val="003366"/>
+                  </a:solidFill>
+                </a:ln>
+                <a:solidFill>
+                  <a:srgbClr val="003366"/>
+                </a:solidFill>
+                <a:latin typeface="Calibri" panose="020F0502020204030204" pitchFamily="34" charset="0"/>
+                <a:cs typeface="Calibri" panose="020F0502020204030204" pitchFamily="34" charset="0"/>
+              </a:rPr>
+              <a:t> Pietro</a:t>
+            </a:r>
+            <a:endParaRPr kumimoji="0" lang="en-GB" sz="1400" i="0" u="none" strike="noStrike" cap="none" normalizeH="0" baseline="0" dirty="0">
+              <a:ln>
+                <a:solidFill>
+                  <a:srgbClr val="003366"/>
+                </a:solidFill>
+              </a:ln>
+              <a:solidFill>
+                <a:srgbClr val="003366"/>
+              </a:solidFill>
+              <a:effectLst/>
+              <a:latin typeface="Calibri" panose="020F0502020204030204" pitchFamily="34" charset="0"/>
+              <a:cs typeface="Calibri" panose="020F0502020204030204" pitchFamily="34" charset="0"/>
+            </a:endParaRPr>
+          </a:p>
+        </p:txBody>
+      </p:sp>
+      <p:sp>
+        <p:nvSpPr>
+          <p:cNvPr id="6" name="Ovale 5">
+            <a:extLst>
+              <a:ext uri="{FF2B5EF4-FFF2-40B4-BE49-F238E27FC236}">
+                <a16:creationId xmlns:a16="http://schemas.microsoft.com/office/drawing/2014/main" id="{22B02383-5EE4-4F5D-A853-5FCF4A6FA12A}"/>
+              </a:ext>
+            </a:extLst>
+          </p:cNvPr>
+          <p:cNvSpPr/>
+          <p:nvPr/>
+        </p:nvSpPr>
+        <p:spPr bwMode="auto">
+          <a:xfrm>
+            <a:off x="323528" y="2060848"/>
+            <a:ext cx="1728192" cy="2304256"/>
+          </a:xfrm>
+          <a:prstGeom prst="ellipse">
+            <a:avLst/>
+          </a:prstGeom>
+          <a:solidFill>
+            <a:srgbClr val="FFCD4A">
+              <a:alpha val="40000"/>
+            </a:srgbClr>
+          </a:solidFill>
+          <a:ln>
+            <a:noFill/>
+          </a:ln>
+          <a:effectLst/>
+        </p:spPr>
+        <p:txBody>
+          <a:bodyPr vert="horz" wrap="square" lIns="0" tIns="0" rIns="0" bIns="0" numCol="1" rtlCol="0" anchor="t" anchorCtr="0" compatLnSpc="1">
+            <a:prstTxWarp prst="textNoShape">
+              <a:avLst/>
+            </a:prstTxWarp>
+          </a:bodyPr>
+          <a:lstStyle/>
+          <a:p>
+            <a:pPr marL="0" marR="0" indent="0" algn="ctr" defTabSz="914400" rtl="0" eaLnBrk="0" fontAlgn="base" latinLnBrk="0" hangingPunct="0">
+              <a:lnSpc>
+                <a:spcPct val="100000"/>
+              </a:lnSpc>
+              <a:spcBef>
+                <a:spcPct val="20000"/>
+              </a:spcBef>
+              <a:spcAft>
+                <a:spcPct val="0"/>
+              </a:spcAft>
+              <a:buClrTx/>
+              <a:buSzTx/>
+              <a:buFontTx/>
+              <a:buNone/>
+              <a:tabLst/>
+            </a:pPr>
+            <a:endParaRPr kumimoji="0" lang="en-GB" sz="2400" b="0" i="0" u="none" strike="noStrike" cap="none" normalizeH="0" baseline="0">
+              <a:ln>
+                <a:noFill/>
+              </a:ln>
+              <a:solidFill>
+                <a:schemeClr val="tx1"/>
+              </a:solidFill>
+              <a:effectLst/>
+              <a:latin typeface="Arial" panose="020B0604020202020204" pitchFamily="34" charset="0"/>
+            </a:endParaRPr>
+          </a:p>
+        </p:txBody>
+      </p:sp>
+      <p:sp>
+        <p:nvSpPr>
+          <p:cNvPr id="7" name="Fumetto: rettangolo con angoli arrotondati 6">
+            <a:extLst>
+              <a:ext uri="{FF2B5EF4-FFF2-40B4-BE49-F238E27FC236}">
+                <a16:creationId xmlns:a16="http://schemas.microsoft.com/office/drawing/2014/main" id="{D55DBCE7-31CF-45CB-8B0B-D721E1233026}"/>
+              </a:ext>
+            </a:extLst>
+          </p:cNvPr>
+          <p:cNvSpPr/>
+          <p:nvPr/>
+        </p:nvSpPr>
+        <p:spPr bwMode="auto">
+          <a:xfrm>
+            <a:off x="1245623" y="1351194"/>
+            <a:ext cx="1612193" cy="316838"/>
+          </a:xfrm>
+          <a:prstGeom prst="wedgeRoundRectCallout">
+            <a:avLst>
+              <a:gd name="adj1" fmla="val -45588"/>
+              <a:gd name="adj2" fmla="val 240772"/>
+              <a:gd name="adj3" fmla="val 16667"/>
+            </a:avLst>
+          </a:prstGeom>
+          <a:solidFill>
+            <a:srgbClr val="FFCD4A">
+              <a:alpha val="50000"/>
+            </a:srgbClr>
+          </a:solidFill>
+          <a:ln>
+            <a:noFill/>
+          </a:ln>
+          <a:effectLst/>
+        </p:spPr>
+        <p:txBody>
+          <a:bodyPr vert="horz" wrap="square" lIns="0" tIns="0" rIns="0" bIns="0" numCol="1" rtlCol="0" anchor="t" anchorCtr="0" compatLnSpc="1">
+            <a:prstTxWarp prst="textNoShape">
+              <a:avLst/>
+            </a:prstTxWarp>
+          </a:bodyPr>
+          <a:lstStyle/>
+          <a:p>
+            <a:pPr marL="0" marR="0" indent="0" algn="ctr" defTabSz="914400" rtl="0" eaLnBrk="0" fontAlgn="base" latinLnBrk="0" hangingPunct="0">
+              <a:lnSpc>
+                <a:spcPct val="100000"/>
+              </a:lnSpc>
+              <a:spcBef>
+                <a:spcPct val="20000"/>
+              </a:spcBef>
+              <a:spcAft>
+                <a:spcPct val="0"/>
+              </a:spcAft>
+              <a:buClrTx/>
+              <a:buSzTx/>
+              <a:buFontTx/>
+              <a:buNone/>
+              <a:tabLst/>
+            </a:pPr>
+            <a:r>
+              <a:rPr lang="en-GB" sz="1800" b="1" dirty="0">
                 <a:solidFill>
                   <a:srgbClr val="003F6E"/>
                 </a:solidFill>
-                <a:latin typeface="Arial"/>
-                <a:cs typeface="Arial"/>
-              </a:rPr>
-              <a:t>User Interface Design</a:t>
-            </a:r>
-            <a:endParaRPr lang="it-IT" altLang="en-US" sz="3200" b="1" dirty="0">
+                <a:latin typeface="Calibri"/>
+                <a:cs typeface="Calibri"/>
+              </a:rPr>
+              <a:t>Authentication</a:t>
+            </a:r>
+            <a:endParaRPr lang="en-GB" sz="1800" dirty="0">
               <a:solidFill>
                 <a:srgbClr val="003F6E"/>
               </a:solidFill>
-              <a:cs typeface="Arial"/>
+              <a:latin typeface="Calibri"/>
+              <a:cs typeface="Calibri"/>
             </a:endParaRPr>
           </a:p>
         </p:txBody>
@@ -7741,7 +8008,7 @@
     </p:spTree>
     <p:extLst>
       <p:ext uri="{BB962C8B-B14F-4D97-AF65-F5344CB8AC3E}">
-        <p14:creationId xmlns:p14="http://schemas.microsoft.com/office/powerpoint/2010/main" val="206376812"/>
+        <p14:creationId xmlns:p14="http://schemas.microsoft.com/office/powerpoint/2010/main" val="1192646701"/>
       </p:ext>
     </p:extLst>
   </p:cSld>
@@ -7790,10 +8057,8 @@
           <a:lstStyle/>
           <a:p>
             <a:r>
-              <a:rPr lang="en-GB" dirty="0">
-                <a:cs typeface="Arial"/>
-              </a:rPr>
-              <a:t>Application Start UI Design</a:t>
+              <a:rPr lang="en-GB" dirty="0"/>
+              <a:t>Activities Flowchart</a:t>
             </a:r>
           </a:p>
         </p:txBody>
@@ -7830,10 +8095,10 @@
       </p:sp>
       <p:pic>
         <p:nvPicPr>
-          <p:cNvPr id="5" name="Immagine 5" descr="Immagine che contiene screenshot&#10;&#10;Descrizione generata con affidabilità molto elevata">
-            <a:extLst>
-              <a:ext uri="{FF2B5EF4-FFF2-40B4-BE49-F238E27FC236}">
-                <a16:creationId xmlns:a16="http://schemas.microsoft.com/office/drawing/2014/main" id="{81F7D0D6-C0A6-430F-B0B1-5956E2898135}"/>
+          <p:cNvPr id="3" name="Immagine 4" descr="Immagine che contiene mappa&#10;&#10;Descrizione generata con affidabilità elevata">
+            <a:extLst>
+              <a:ext uri="{FF2B5EF4-FFF2-40B4-BE49-F238E27FC236}">
+                <a16:creationId xmlns:a16="http://schemas.microsoft.com/office/drawing/2014/main" id="{5F67BAD8-5CD7-4E43-9621-54530CF23E77}"/>
               </a:ext>
             </a:extLst>
           </p:cNvPr>
@@ -7850,8 +8115,8 @@
         </p:blipFill>
         <p:spPr>
           <a:xfrm>
-            <a:off x="971600" y="1196752"/>
-            <a:ext cx="6185114" cy="4896116"/>
+            <a:off x="108605" y="1700808"/>
+            <a:ext cx="8926790" cy="3991008"/>
           </a:xfrm>
           <a:prstGeom prst="rect">
             <a:avLst/>
@@ -7860,10 +8125,10 @@
       </p:pic>
       <p:sp>
         <p:nvSpPr>
-          <p:cNvPr id="6" name="Rettangolo 5">
-            <a:extLst>
-              <a:ext uri="{FF2B5EF4-FFF2-40B4-BE49-F238E27FC236}">
-                <a16:creationId xmlns:a16="http://schemas.microsoft.com/office/drawing/2014/main" id="{11CB302A-C755-4F69-BB2F-A19624056512}"/>
+          <p:cNvPr id="5" name="Rettangolo 4">
+            <a:extLst>
+              <a:ext uri="{FF2B5EF4-FFF2-40B4-BE49-F238E27FC236}">
+                <a16:creationId xmlns:a16="http://schemas.microsoft.com/office/drawing/2014/main" id="{8A88081B-28F3-4AFD-9275-D907B01CC92D}"/>
               </a:ext>
             </a:extLst>
           </p:cNvPr>
@@ -7971,10 +8236,243 @@
           </a:p>
         </p:txBody>
       </p:sp>
+      <p:sp>
+        <p:nvSpPr>
+          <p:cNvPr id="7" name="Fumetto: rettangolo con angoli arrotondati 6">
+            <a:extLst>
+              <a:ext uri="{FF2B5EF4-FFF2-40B4-BE49-F238E27FC236}">
+                <a16:creationId xmlns:a16="http://schemas.microsoft.com/office/drawing/2014/main" id="{D55DBCE7-31CF-45CB-8B0B-D721E1233026}"/>
+              </a:ext>
+            </a:extLst>
+          </p:cNvPr>
+          <p:cNvSpPr/>
+          <p:nvPr/>
+        </p:nvSpPr>
+        <p:spPr bwMode="auto">
+          <a:xfrm>
+            <a:off x="5364088" y="1110341"/>
+            <a:ext cx="1612193" cy="662475"/>
+          </a:xfrm>
+          <a:prstGeom prst="wedgeRoundRectCallout">
+            <a:avLst>
+              <a:gd name="adj1" fmla="val -54647"/>
+              <a:gd name="adj2" fmla="val 370519"/>
+              <a:gd name="adj3" fmla="val 16667"/>
+            </a:avLst>
+          </a:prstGeom>
+          <a:solidFill>
+            <a:srgbClr val="FFCD4A">
+              <a:alpha val="50000"/>
+            </a:srgbClr>
+          </a:solidFill>
+          <a:ln>
+            <a:noFill/>
+          </a:ln>
+          <a:effectLst/>
+        </p:spPr>
+        <p:txBody>
+          <a:bodyPr vert="horz" wrap="square" lIns="0" tIns="0" rIns="0" bIns="0" numCol="1" rtlCol="0" anchor="t" anchorCtr="0" compatLnSpc="1">
+            <a:prstTxWarp prst="textNoShape">
+              <a:avLst/>
+            </a:prstTxWarp>
+          </a:bodyPr>
+          <a:lstStyle/>
+          <a:p>
+            <a:pPr marL="0" marR="0" indent="0" algn="ctr" defTabSz="914400" rtl="0" eaLnBrk="0" fontAlgn="base" latinLnBrk="0" hangingPunct="0">
+              <a:lnSpc>
+                <a:spcPct val="100000"/>
+              </a:lnSpc>
+              <a:spcBef>
+                <a:spcPct val="20000"/>
+              </a:spcBef>
+              <a:spcAft>
+                <a:spcPct val="0"/>
+              </a:spcAft>
+              <a:buClrTx/>
+              <a:buSzTx/>
+              <a:buFontTx/>
+              <a:buNone/>
+              <a:tabLst/>
+            </a:pPr>
+            <a:r>
+              <a:rPr lang="en-GB" sz="1800" b="1" dirty="0">
+                <a:solidFill>
+                  <a:srgbClr val="003F6E"/>
+                </a:solidFill>
+                <a:latin typeface="Calibri"/>
+                <a:cs typeface="Calibri"/>
+              </a:rPr>
+              <a:t>Storage Scanning</a:t>
+            </a:r>
+            <a:endParaRPr lang="en-GB" sz="1800" dirty="0">
+              <a:solidFill>
+                <a:srgbClr val="003F6E"/>
+              </a:solidFill>
+              <a:latin typeface="Calibri"/>
+              <a:cs typeface="Calibri"/>
+            </a:endParaRPr>
+          </a:p>
+        </p:txBody>
+      </p:sp>
+      <p:grpSp>
+        <p:nvGrpSpPr>
+          <p:cNvPr id="9" name="Gruppo 8">
+            <a:extLst>
+              <a:ext uri="{FF2B5EF4-FFF2-40B4-BE49-F238E27FC236}">
+                <a16:creationId xmlns:a16="http://schemas.microsoft.com/office/drawing/2014/main" id="{6CA9260A-A4DB-4A89-82AB-97BA54164980}"/>
+              </a:ext>
+            </a:extLst>
+          </p:cNvPr>
+          <p:cNvGrpSpPr/>
+          <p:nvPr/>
+        </p:nvGrpSpPr>
+        <p:grpSpPr>
+          <a:xfrm>
+            <a:off x="539552" y="3645024"/>
+            <a:ext cx="8064896" cy="2448272"/>
+            <a:chOff x="539552" y="3645024"/>
+            <a:chExt cx="8064896" cy="2448272"/>
+          </a:xfrm>
+        </p:grpSpPr>
+        <p:sp>
+          <p:nvSpPr>
+            <p:cNvPr id="6" name="Ovale 5">
+              <a:extLst>
+                <a:ext uri="{FF2B5EF4-FFF2-40B4-BE49-F238E27FC236}">
+                  <a16:creationId xmlns:a16="http://schemas.microsoft.com/office/drawing/2014/main" id="{22B02383-5EE4-4F5D-A853-5FCF4A6FA12A}"/>
+                </a:ext>
+              </a:extLst>
+            </p:cNvPr>
+            <p:cNvSpPr/>
+            <p:nvPr/>
+          </p:nvSpPr>
+          <p:spPr bwMode="auto">
+            <a:xfrm>
+              <a:off x="539552" y="4653136"/>
+              <a:ext cx="8064896" cy="1440160"/>
+            </a:xfrm>
+            <a:prstGeom prst="ellipse">
+              <a:avLst/>
+            </a:prstGeom>
+            <a:solidFill>
+              <a:srgbClr val="FFCD4A">
+                <a:alpha val="40000"/>
+              </a:srgbClr>
+            </a:solidFill>
+            <a:ln>
+              <a:noFill/>
+            </a:ln>
+            <a:effectLst/>
+          </p:spPr>
+          <p:txBody>
+            <a:bodyPr vert="horz" wrap="square" lIns="0" tIns="0" rIns="0" bIns="0" numCol="1" rtlCol="0" anchor="t" anchorCtr="0" compatLnSpc="1">
+              <a:prstTxWarp prst="textNoShape">
+                <a:avLst/>
+              </a:prstTxWarp>
+            </a:bodyPr>
+            <a:lstStyle/>
+            <a:p>
+              <a:pPr marL="0" marR="0" indent="0" algn="ctr" defTabSz="914400" rtl="0" eaLnBrk="0" fontAlgn="base" latinLnBrk="0" hangingPunct="0">
+                <a:lnSpc>
+                  <a:spcPct val="100000"/>
+                </a:lnSpc>
+                <a:spcBef>
+                  <a:spcPct val="20000"/>
+                </a:spcBef>
+                <a:spcAft>
+                  <a:spcPct val="0"/>
+                </a:spcAft>
+                <a:buClrTx/>
+                <a:buSzTx/>
+                <a:buFontTx/>
+                <a:buNone/>
+                <a:tabLst/>
+              </a:pPr>
+              <a:endParaRPr kumimoji="0" lang="en-GB" sz="2400" b="0" i="0" u="none" strike="noStrike" cap="none" normalizeH="0" baseline="0">
+                <a:ln>
+                  <a:noFill/>
+                </a:ln>
+                <a:solidFill>
+                  <a:schemeClr val="tx1"/>
+                </a:solidFill>
+                <a:effectLst/>
+                <a:latin typeface="Arial" panose="020B0604020202020204" pitchFamily="34" charset="0"/>
+              </a:endParaRPr>
+            </a:p>
+          </p:txBody>
+        </p:sp>
+        <p:sp>
+          <p:nvSpPr>
+            <p:cNvPr id="8" name="Ovale 7">
+              <a:extLst>
+                <a:ext uri="{FF2B5EF4-FFF2-40B4-BE49-F238E27FC236}">
+                  <a16:creationId xmlns:a16="http://schemas.microsoft.com/office/drawing/2014/main" id="{6BCB1E18-3AE2-4C29-8700-E2A0DB0521F2}"/>
+                </a:ext>
+              </a:extLst>
+            </p:cNvPr>
+            <p:cNvSpPr/>
+            <p:nvPr/>
+          </p:nvSpPr>
+          <p:spPr bwMode="auto">
+            <a:xfrm>
+              <a:off x="3347864" y="3645024"/>
+              <a:ext cx="2592288" cy="1008112"/>
+            </a:xfrm>
+            <a:prstGeom prst="ellipse">
+              <a:avLst/>
+            </a:prstGeom>
+            <a:solidFill>
+              <a:srgbClr val="FFCD4A">
+                <a:alpha val="40000"/>
+              </a:srgbClr>
+            </a:solidFill>
+            <a:ln>
+              <a:noFill/>
+            </a:ln>
+            <a:effectLst/>
+          </p:spPr>
+          <p:txBody>
+            <a:bodyPr vert="horz" wrap="square" lIns="0" tIns="0" rIns="0" bIns="0" numCol="1" rtlCol="0" anchor="t" anchorCtr="0" compatLnSpc="1">
+              <a:prstTxWarp prst="textNoShape">
+                <a:avLst/>
+              </a:prstTxWarp>
+            </a:bodyPr>
+            <a:lstStyle/>
+            <a:p>
+              <a:pPr marL="0" marR="0" indent="0" algn="ctr" defTabSz="914400" rtl="0" eaLnBrk="0" fontAlgn="base" latinLnBrk="0" hangingPunct="0">
+                <a:lnSpc>
+                  <a:spcPct val="100000"/>
+                </a:lnSpc>
+                <a:spcBef>
+                  <a:spcPct val="20000"/>
+                </a:spcBef>
+                <a:spcAft>
+                  <a:spcPct val="0"/>
+                </a:spcAft>
+                <a:buClrTx/>
+                <a:buSzTx/>
+                <a:buFontTx/>
+                <a:buNone/>
+                <a:tabLst/>
+              </a:pPr>
+              <a:endParaRPr kumimoji="0" lang="en-GB" sz="2400" b="0" i="0" u="none" strike="noStrike" cap="none" normalizeH="0" baseline="0">
+                <a:ln>
+                  <a:noFill/>
+                </a:ln>
+                <a:solidFill>
+                  <a:schemeClr val="tx1"/>
+                </a:solidFill>
+                <a:effectLst/>
+                <a:latin typeface="Arial" panose="020B0604020202020204" pitchFamily="34" charset="0"/>
+              </a:endParaRPr>
+            </a:p>
+          </p:txBody>
+        </p:sp>
+      </p:grpSp>
     </p:spTree>
     <p:extLst>
       <p:ext uri="{BB962C8B-B14F-4D97-AF65-F5344CB8AC3E}">
-        <p14:creationId xmlns:p14="http://schemas.microsoft.com/office/powerpoint/2010/main" val="3176093941"/>
+        <p14:creationId xmlns:p14="http://schemas.microsoft.com/office/powerpoint/2010/main" val="3359115632"/>
       </p:ext>
     </p:extLst>
   </p:cSld>
@@ -8023,10 +8521,8 @@
           <a:lstStyle/>
           <a:p>
             <a:r>
-              <a:rPr lang="en-GB" dirty="0">
-                <a:cs typeface="Arial"/>
-              </a:rPr>
-              <a:t>Complete UI Design</a:t>
+              <a:rPr lang="en-GB" dirty="0"/>
+              <a:t>Activities Flowchart</a:t>
             </a:r>
           </a:p>
         </p:txBody>
@@ -8063,10 +8559,10 @@
       </p:sp>
       <p:pic>
         <p:nvPicPr>
-          <p:cNvPr id="3" name="Immagine 4" descr="Immagine che contiene screenshot&#10;&#10;Descrizione generata con affidabilità molto elevata">
-            <a:extLst>
-              <a:ext uri="{FF2B5EF4-FFF2-40B4-BE49-F238E27FC236}">
-                <a16:creationId xmlns:a16="http://schemas.microsoft.com/office/drawing/2014/main" id="{F71A1C92-B11A-4BCF-97A7-9D27942E905E}"/>
+          <p:cNvPr id="3" name="Immagine 4" descr="Immagine che contiene mappa&#10;&#10;Descrizione generata con affidabilità elevata">
+            <a:extLst>
+              <a:ext uri="{FF2B5EF4-FFF2-40B4-BE49-F238E27FC236}">
+                <a16:creationId xmlns:a16="http://schemas.microsoft.com/office/drawing/2014/main" id="{5F67BAD8-5CD7-4E43-9621-54530CF23E77}"/>
               </a:ext>
             </a:extLst>
           </p:cNvPr>
@@ -8083,8 +8579,8 @@
         </p:blipFill>
         <p:spPr>
           <a:xfrm>
-            <a:off x="100739" y="879127"/>
-            <a:ext cx="8884402" cy="5319304"/>
+            <a:off x="108605" y="1700808"/>
+            <a:ext cx="8926790" cy="3991008"/>
           </a:xfrm>
           <a:prstGeom prst="rect">
             <a:avLst/>
@@ -8096,7 +8592,7 @@
           <p:cNvPr id="5" name="Rettangolo 4">
             <a:extLst>
               <a:ext uri="{FF2B5EF4-FFF2-40B4-BE49-F238E27FC236}">
-                <a16:creationId xmlns:a16="http://schemas.microsoft.com/office/drawing/2014/main" id="{A2ABE5D0-DBD9-46C1-914D-1C24D59C7825}"/>
+                <a16:creationId xmlns:a16="http://schemas.microsoft.com/office/drawing/2014/main" id="{8A88081B-28F3-4AFD-9275-D907B01CC92D}"/>
               </a:ext>
             </a:extLst>
           </p:cNvPr>
@@ -8204,10 +8700,155 @@
           </a:p>
         </p:txBody>
       </p:sp>
+      <p:sp>
+        <p:nvSpPr>
+          <p:cNvPr id="6" name="Ovale 5">
+            <a:extLst>
+              <a:ext uri="{FF2B5EF4-FFF2-40B4-BE49-F238E27FC236}">
+                <a16:creationId xmlns:a16="http://schemas.microsoft.com/office/drawing/2014/main" id="{22B02383-5EE4-4F5D-A853-5FCF4A6FA12A}"/>
+              </a:ext>
+            </a:extLst>
+          </p:cNvPr>
+          <p:cNvSpPr/>
+          <p:nvPr/>
+        </p:nvSpPr>
+        <p:spPr bwMode="auto">
+          <a:xfrm>
+            <a:off x="6516216" y="2060848"/>
+            <a:ext cx="2016224" cy="2592288"/>
+          </a:xfrm>
+          <a:prstGeom prst="ellipse">
+            <a:avLst/>
+          </a:prstGeom>
+          <a:solidFill>
+            <a:srgbClr val="FFCD4A">
+              <a:alpha val="40000"/>
+            </a:srgbClr>
+          </a:solidFill>
+          <a:ln>
+            <a:noFill/>
+          </a:ln>
+          <a:effectLst/>
+        </p:spPr>
+        <p:txBody>
+          <a:bodyPr vert="horz" wrap="square" lIns="0" tIns="0" rIns="0" bIns="0" numCol="1" rtlCol="0" anchor="t" anchorCtr="0" compatLnSpc="1">
+            <a:prstTxWarp prst="textNoShape">
+              <a:avLst/>
+            </a:prstTxWarp>
+          </a:bodyPr>
+          <a:lstStyle/>
+          <a:p>
+            <a:pPr marL="0" marR="0" indent="0" algn="ctr" defTabSz="914400" rtl="0" eaLnBrk="0" fontAlgn="base" latinLnBrk="0" hangingPunct="0">
+              <a:lnSpc>
+                <a:spcPct val="100000"/>
+              </a:lnSpc>
+              <a:spcBef>
+                <a:spcPct val="20000"/>
+              </a:spcBef>
+              <a:spcAft>
+                <a:spcPct val="0"/>
+              </a:spcAft>
+              <a:buClrTx/>
+              <a:buSzTx/>
+              <a:buFontTx/>
+              <a:buNone/>
+              <a:tabLst/>
+            </a:pPr>
+            <a:endParaRPr kumimoji="0" lang="en-GB" sz="2400" b="0" i="0" u="none" strike="noStrike" cap="none" normalizeH="0" baseline="0">
+              <a:ln>
+                <a:noFill/>
+              </a:ln>
+              <a:solidFill>
+                <a:schemeClr val="tx1"/>
+              </a:solidFill>
+              <a:effectLst/>
+              <a:latin typeface="Arial" panose="020B0604020202020204" pitchFamily="34" charset="0"/>
+            </a:endParaRPr>
+          </a:p>
+        </p:txBody>
+      </p:sp>
+      <p:sp>
+        <p:nvSpPr>
+          <p:cNvPr id="7" name="Fumetto: rettangolo con angoli arrotondati 6">
+            <a:extLst>
+              <a:ext uri="{FF2B5EF4-FFF2-40B4-BE49-F238E27FC236}">
+                <a16:creationId xmlns:a16="http://schemas.microsoft.com/office/drawing/2014/main" id="{D55DBCE7-31CF-45CB-8B0B-D721E1233026}"/>
+              </a:ext>
+            </a:extLst>
+          </p:cNvPr>
+          <p:cNvSpPr/>
+          <p:nvPr/>
+        </p:nvSpPr>
+        <p:spPr bwMode="auto">
+          <a:xfrm>
+            <a:off x="5580112" y="1203950"/>
+            <a:ext cx="1612193" cy="316838"/>
+          </a:xfrm>
+          <a:prstGeom prst="wedgeRoundRectCallout">
+            <a:avLst>
+              <a:gd name="adj1" fmla="val 52093"/>
+              <a:gd name="adj2" fmla="val 276847"/>
+              <a:gd name="adj3" fmla="val 16667"/>
+            </a:avLst>
+          </a:prstGeom>
+          <a:solidFill>
+            <a:srgbClr val="FFCD4A">
+              <a:alpha val="50000"/>
+            </a:srgbClr>
+          </a:solidFill>
+          <a:ln>
+            <a:noFill/>
+          </a:ln>
+          <a:effectLst/>
+        </p:spPr>
+        <p:txBody>
+          <a:bodyPr vert="horz" wrap="square" lIns="0" tIns="0" rIns="0" bIns="0" numCol="1" rtlCol="0" anchor="t" anchorCtr="0" compatLnSpc="1">
+            <a:prstTxWarp prst="textNoShape">
+              <a:avLst/>
+            </a:prstTxWarp>
+          </a:bodyPr>
+          <a:lstStyle/>
+          <a:p>
+            <a:pPr marL="0" marR="0" indent="0" algn="ctr" defTabSz="914400" rtl="0" eaLnBrk="0" fontAlgn="base" latinLnBrk="0" hangingPunct="0">
+              <a:lnSpc>
+                <a:spcPct val="100000"/>
+              </a:lnSpc>
+              <a:spcBef>
+                <a:spcPct val="20000"/>
+              </a:spcBef>
+              <a:spcAft>
+                <a:spcPct val="0"/>
+              </a:spcAft>
+              <a:buClrTx/>
+              <a:buSzTx/>
+              <a:buFontTx/>
+              <a:buNone/>
+              <a:tabLst/>
+            </a:pPr>
+            <a:r>
+              <a:rPr lang="en-GB" sz="1800" b="1" dirty="0">
+                <a:solidFill>
+                  <a:srgbClr val="003F6E"/>
+                </a:solidFill>
+                <a:latin typeface="Calibri"/>
+                <a:cs typeface="Calibri"/>
+              </a:rPr>
+              <a:t>File Opening</a:t>
+            </a:r>
+            <a:endParaRPr lang="en-GB" sz="1800" dirty="0">
+              <a:solidFill>
+                <a:srgbClr val="003F6E"/>
+              </a:solidFill>
+              <a:latin typeface="Calibri"/>
+              <a:cs typeface="Calibri"/>
+            </a:endParaRPr>
+          </a:p>
+        </p:txBody>
+      </p:sp>
     </p:spTree>
     <p:extLst>
       <p:ext uri="{BB962C8B-B14F-4D97-AF65-F5344CB8AC3E}">
-        <p14:creationId xmlns:p14="http://schemas.microsoft.com/office/powerpoint/2010/main" val="3707133746"/>
+        <p14:creationId xmlns:p14="http://schemas.microsoft.com/office/powerpoint/2010/main" val="2184068219"/>
       </p:ext>
     </p:extLst>
   </p:cSld>
@@ -8236,171 +8877,86 @@
       </p:grpSpPr>
       <p:sp>
         <p:nvSpPr>
-          <p:cNvPr id="2" name="Titolo 1">
-            <a:extLst>
-              <a:ext uri="{FF2B5EF4-FFF2-40B4-BE49-F238E27FC236}">
-                <a16:creationId xmlns:a16="http://schemas.microsoft.com/office/drawing/2014/main" id="{4BE247A2-758D-4AC6-BF37-E19A51583476}"/>
-              </a:ext>
-            </a:extLst>
-          </p:cNvPr>
-          <p:cNvSpPr>
-            <a:spLocks noGrp="1"/>
+          <p:cNvPr id="2063" name="Text Box 15">
+            <a:extLst>
+              <a:ext uri="{FF2B5EF4-FFF2-40B4-BE49-F238E27FC236}">
+                <a16:creationId xmlns:a16="http://schemas.microsoft.com/office/drawing/2014/main" id="{163E1146-9683-4D80-A948-17A524CE64E3}"/>
+              </a:ext>
+            </a:extLst>
+          </p:cNvPr>
+          <p:cNvSpPr txBox="1">
+            <a:spLocks noChangeArrowheads="1"/>
           </p:cNvSpPr>
-          <p:nvPr>
-            <p:ph type="title"/>
-          </p:nvPr>
-        </p:nvSpPr>
-        <p:spPr/>
-        <p:txBody>
-          <a:bodyPr/>
-          <a:lstStyle/>
-          <a:p>
-            <a:r>
-              <a:rPr lang="en-GB" dirty="0"/>
-              <a:t>TODO</a:t>
-            </a:r>
-          </a:p>
-        </p:txBody>
-      </p:sp>
-      <p:sp>
-        <p:nvSpPr>
-          <p:cNvPr id="4" name="Segnaposto numero diapositiva 3">
-            <a:extLst>
-              <a:ext uri="{FF2B5EF4-FFF2-40B4-BE49-F238E27FC236}">
-                <a16:creationId xmlns:a16="http://schemas.microsoft.com/office/drawing/2014/main" id="{1F42B96A-DC32-40CE-A5BB-9155421755F6}"/>
-              </a:ext>
-            </a:extLst>
-          </p:cNvPr>
-          <p:cNvSpPr>
-            <a:spLocks noGrp="1"/>
-          </p:cNvSpPr>
-          <p:nvPr>
-            <p:ph type="sldNum" sz="quarter" idx="10"/>
-          </p:nvPr>
-        </p:nvSpPr>
-        <p:spPr/>
-        <p:txBody>
-          <a:bodyPr/>
-          <a:lstStyle/>
-          <a:p>
-            <a:fld id="{FE575B20-646B-44A6-B32B-8B9F7AC502D9}" type="slidenum">
-              <a:rPr lang="it-IT" altLang="en-US" smtClean="0"/>
-              <a:pPr/>
-              <a:t>18</a:t>
-            </a:fld>
-            <a:endParaRPr lang="it-IT" altLang="en-US"/>
-          </a:p>
-        </p:txBody>
-      </p:sp>
-      <p:sp>
-        <p:nvSpPr>
-          <p:cNvPr id="5" name="Rettangolo 4">
-            <a:extLst>
-              <a:ext uri="{FF2B5EF4-FFF2-40B4-BE49-F238E27FC236}">
-                <a16:creationId xmlns:a16="http://schemas.microsoft.com/office/drawing/2014/main" id="{C6DECC1B-3B42-45F2-BF9F-08CD816FBD3B}"/>
-              </a:ext>
-            </a:extLst>
-          </p:cNvPr>
-          <p:cNvSpPr/>
           <p:nvPr/>
         </p:nvSpPr>
         <p:spPr bwMode="auto">
           <a:xfrm>
-            <a:off x="251520" y="6613524"/>
-            <a:ext cx="4374292" cy="244475"/>
+            <a:off x="1763688" y="4581128"/>
+            <a:ext cx="6248400" cy="492443"/>
           </a:xfrm>
           <a:prstGeom prst="rect">
             <a:avLst/>
           </a:prstGeom>
-          <a:solidFill>
-            <a:schemeClr val="bg1"/>
-          </a:solidFill>
+          <a:noFill/>
           <a:ln>
             <a:noFill/>
           </a:ln>
           <a:effectLst/>
+          <a:extLst>
+            <a:ext uri="{909E8E84-426E-40DD-AFC4-6F175D3DCCD1}">
+              <a14:hiddenFill xmlns:a14="http://schemas.microsoft.com/office/drawing/2010/main">
+                <a:solidFill>
+                  <a:srgbClr val="C7D7E9"/>
+                </a:solidFill>
+              </a14:hiddenFill>
+            </a:ext>
+            <a:ext uri="{91240B29-F687-4F45-9708-019B960494DF}">
+              <a14:hiddenLine xmlns:a14="http://schemas.microsoft.com/office/drawing/2010/main" w="9525">
+                <a:solidFill>
+                  <a:schemeClr val="tx1"/>
+                </a:solidFill>
+                <a:miter lim="800000"/>
+                <a:headEnd/>
+                <a:tailEnd/>
+              </a14:hiddenLine>
+            </a:ext>
+            <a:ext uri="{AF507438-7753-43E0-B8FC-AC1667EBCBE1}">
+              <a14:hiddenEffects xmlns:a14="http://schemas.microsoft.com/office/drawing/2010/main">
+                <a:effectLst>
+                  <a:outerShdw dist="35921" dir="2700000" algn="ctr" rotWithShape="0">
+                    <a:schemeClr val="bg2"/>
+                  </a:outerShdw>
+                </a:effectLst>
+              </a14:hiddenEffects>
+            </a:ext>
+          </a:extLst>
         </p:spPr>
         <p:txBody>
-          <a:bodyPr vert="horz" wrap="square" lIns="0" tIns="0" rIns="0" bIns="0" numCol="1" rtlCol="0" anchor="t" anchorCtr="0" compatLnSpc="1">
-            <a:prstTxWarp prst="textNoShape">
-              <a:avLst/>
-            </a:prstTxWarp>
+          <a:bodyPr lIns="0" tIns="0" rIns="0" bIns="0" anchor="t">
+            <a:spAutoFit/>
           </a:bodyPr>
           <a:lstStyle/>
           <a:p>
-            <a:pPr marL="0" marR="0" indent="0" algn="ctr" defTabSz="914400" rtl="0" eaLnBrk="0" fontAlgn="base" latinLnBrk="0" hangingPunct="0">
-              <a:lnSpc>
-                <a:spcPct val="100000"/>
-              </a:lnSpc>
+            <a:pPr algn="l">
               <a:spcBef>
-                <a:spcPct val="20000"/>
+                <a:spcPct val="50000"/>
               </a:spcBef>
-              <a:spcAft>
-                <a:spcPct val="0"/>
-              </a:spcAft>
-              <a:buClrTx/>
-              <a:buSzTx/>
-              <a:buFontTx/>
-              <a:buNone/>
-              <a:tabLst/>
             </a:pPr>
             <a:r>
-              <a:rPr lang="en-GB" sz="1400" dirty="0">
-                <a:ln>
-                  <a:solidFill>
-                    <a:srgbClr val="003366"/>
-                  </a:solidFill>
-                </a:ln>
-                <a:solidFill>
-                  <a:srgbClr val="003366"/>
-                </a:solidFill>
-                <a:latin typeface="Calibri" panose="020F0502020204030204" pitchFamily="34" charset="0"/>
-                <a:cs typeface="Calibri" panose="020F0502020204030204" pitchFamily="34" charset="0"/>
-              </a:rPr>
-              <a:t>Lamparelli Andrea, </a:t>
-            </a:r>
-            <a:r>
-              <a:rPr lang="en-GB" sz="1400" dirty="0" err="1">
-                <a:ln>
-                  <a:solidFill>
-                    <a:srgbClr val="003366"/>
-                  </a:solidFill>
-                </a:ln>
-                <a:solidFill>
-                  <a:srgbClr val="003366"/>
-                </a:solidFill>
-                <a:latin typeface="Calibri" panose="020F0502020204030204" pitchFamily="34" charset="0"/>
-                <a:cs typeface="Calibri" panose="020F0502020204030204" pitchFamily="34" charset="0"/>
-              </a:rPr>
-              <a:t>Chittò</a:t>
-            </a:r>
-            <a:r>
-              <a:rPr lang="en-GB" sz="1400" dirty="0">
-                <a:ln>
-                  <a:solidFill>
-                    <a:srgbClr val="003366"/>
-                  </a:solidFill>
-                </a:ln>
-                <a:solidFill>
-                  <a:srgbClr val="003366"/>
-                </a:solidFill>
-                <a:latin typeface="Calibri" panose="020F0502020204030204" pitchFamily="34" charset="0"/>
-                <a:cs typeface="Calibri" panose="020F0502020204030204" pitchFamily="34" charset="0"/>
-              </a:rPr>
-              <a:t> Pietro</a:t>
-            </a:r>
-            <a:endParaRPr kumimoji="0" lang="en-GB" sz="1400" i="0" u="none" strike="noStrike" cap="none" normalizeH="0" baseline="0" dirty="0">
-              <a:ln>
-                <a:solidFill>
-                  <a:srgbClr val="003366"/>
-                </a:solidFill>
-              </a:ln>
+              <a:rPr lang="it-IT" altLang="en-US" sz="3200" b="1" dirty="0">
+                <a:solidFill>
+                  <a:srgbClr val="003F6E"/>
+                </a:solidFill>
+                <a:latin typeface="Arial"/>
+                <a:cs typeface="Arial"/>
+              </a:rPr>
+              <a:t>User Interface Design</a:t>
+            </a:r>
+            <a:endParaRPr lang="it-IT" altLang="en-US" sz="3200" b="1" dirty="0">
               <a:solidFill>
-                <a:srgbClr val="003366"/>
+                <a:srgbClr val="003F6E"/>
               </a:solidFill>
-              <a:effectLst/>
-              <a:latin typeface="Calibri" panose="020F0502020204030204" pitchFamily="34" charset="0"/>
-              <a:cs typeface="Calibri" panose="020F0502020204030204" pitchFamily="34" charset="0"/>
+              <a:cs typeface="Arial"/>
             </a:endParaRPr>
           </a:p>
         </p:txBody>
@@ -8408,7 +8964,7 @@
     </p:spTree>
     <p:extLst>
       <p:ext uri="{BB962C8B-B14F-4D97-AF65-F5344CB8AC3E}">
-        <p14:creationId xmlns:p14="http://schemas.microsoft.com/office/powerpoint/2010/main" val="4204706406"/>
+        <p14:creationId xmlns:p14="http://schemas.microsoft.com/office/powerpoint/2010/main" val="206376812"/>
       </p:ext>
     </p:extLst>
   </p:cSld>
@@ -8437,94 +8993,282 @@
       </p:grpSpPr>
       <p:sp>
         <p:nvSpPr>
-          <p:cNvPr id="2063" name="Text Box 15">
-            <a:extLst>
-              <a:ext uri="{FF2B5EF4-FFF2-40B4-BE49-F238E27FC236}">
-                <a16:creationId xmlns:a16="http://schemas.microsoft.com/office/drawing/2014/main" id="{163E1146-9683-4D80-A948-17A524CE64E3}"/>
-              </a:ext>
-            </a:extLst>
-          </p:cNvPr>
-          <p:cNvSpPr txBox="1">
-            <a:spLocks noChangeArrowheads="1"/>
+          <p:cNvPr id="2" name="Titolo 1">
+            <a:extLst>
+              <a:ext uri="{FF2B5EF4-FFF2-40B4-BE49-F238E27FC236}">
+                <a16:creationId xmlns:a16="http://schemas.microsoft.com/office/drawing/2014/main" id="{4BE247A2-758D-4AC6-BF37-E19A51583476}"/>
+              </a:ext>
+            </a:extLst>
+          </p:cNvPr>
+          <p:cNvSpPr>
+            <a:spLocks noGrp="1"/>
           </p:cNvSpPr>
+          <p:nvPr>
+            <p:ph type="title"/>
+          </p:nvPr>
+        </p:nvSpPr>
+        <p:spPr/>
+        <p:txBody>
+          <a:bodyPr/>
+          <a:lstStyle/>
+          <a:p>
+            <a:r>
+              <a:rPr lang="en-GB" dirty="0">
+                <a:cs typeface="Arial"/>
+              </a:rPr>
+              <a:t>Application Start UI Design</a:t>
+            </a:r>
+          </a:p>
+        </p:txBody>
+      </p:sp>
+      <p:sp>
+        <p:nvSpPr>
+          <p:cNvPr id="4" name="Segnaposto numero diapositiva 3">
+            <a:extLst>
+              <a:ext uri="{FF2B5EF4-FFF2-40B4-BE49-F238E27FC236}">
+                <a16:creationId xmlns:a16="http://schemas.microsoft.com/office/drawing/2014/main" id="{1F42B96A-DC32-40CE-A5BB-9155421755F6}"/>
+              </a:ext>
+            </a:extLst>
+          </p:cNvPr>
+          <p:cNvSpPr>
+            <a:spLocks noGrp="1"/>
+          </p:cNvSpPr>
+          <p:nvPr>
+            <p:ph type="sldNum" sz="quarter" idx="10"/>
+          </p:nvPr>
+        </p:nvSpPr>
+        <p:spPr/>
+        <p:txBody>
+          <a:bodyPr/>
+          <a:lstStyle/>
+          <a:p>
+            <a:fld id="{FE575B20-646B-44A6-B32B-8B9F7AC502D9}" type="slidenum">
+              <a:rPr lang="it-IT" altLang="en-US" smtClean="0"/>
+              <a:pPr/>
+              <a:t>19</a:t>
+            </a:fld>
+            <a:endParaRPr lang="it-IT" altLang="en-US"/>
+          </a:p>
+        </p:txBody>
+      </p:sp>
+      <p:pic>
+        <p:nvPicPr>
+          <p:cNvPr id="5" name="Immagine 5" descr="Immagine che contiene screenshot&#10;&#10;Descrizione generata con affidabilità molto elevata">
+            <a:extLst>
+              <a:ext uri="{FF2B5EF4-FFF2-40B4-BE49-F238E27FC236}">
+                <a16:creationId xmlns:a16="http://schemas.microsoft.com/office/drawing/2014/main" id="{81F7D0D6-C0A6-430F-B0B1-5956E2898135}"/>
+              </a:ext>
+            </a:extLst>
+          </p:cNvPr>
+          <p:cNvPicPr>
+            <a:picLocks noChangeAspect="1"/>
+          </p:cNvPicPr>
           <p:nvPr/>
-        </p:nvSpPr>
-        <p:spPr bwMode="auto">
+        </p:nvPicPr>
+        <p:blipFill>
+          <a:blip r:embed="rId2"/>
+          <a:stretch>
+            <a:fillRect/>
+          </a:stretch>
+        </p:blipFill>
+        <p:spPr>
           <a:xfrm>
-            <a:off x="1763688" y="4581128"/>
-            <a:ext cx="6248400" cy="492443"/>
+            <a:off x="1403648" y="1209218"/>
+            <a:ext cx="6624736" cy="5244119"/>
           </a:xfrm>
           <a:prstGeom prst="rect">
             <a:avLst/>
           </a:prstGeom>
-          <a:noFill/>
+        </p:spPr>
+      </p:pic>
+      <p:sp>
+        <p:nvSpPr>
+          <p:cNvPr id="6" name="Rettangolo 5">
+            <a:extLst>
+              <a:ext uri="{FF2B5EF4-FFF2-40B4-BE49-F238E27FC236}">
+                <a16:creationId xmlns:a16="http://schemas.microsoft.com/office/drawing/2014/main" id="{11CB302A-C755-4F69-BB2F-A19624056512}"/>
+              </a:ext>
+            </a:extLst>
+          </p:cNvPr>
+          <p:cNvSpPr/>
+          <p:nvPr/>
+        </p:nvSpPr>
+        <p:spPr bwMode="auto">
+          <a:xfrm>
+            <a:off x="251520" y="6613524"/>
+            <a:ext cx="4374292" cy="244475"/>
+          </a:xfrm>
+          <a:prstGeom prst="rect">
+            <a:avLst/>
+          </a:prstGeom>
+          <a:solidFill>
+            <a:schemeClr val="bg1"/>
+          </a:solidFill>
           <a:ln>
             <a:noFill/>
           </a:ln>
           <a:effectLst/>
-          <a:extLst>
-            <a:ext uri="{909E8E84-426E-40DD-AFC4-6F175D3DCCD1}">
-              <a14:hiddenFill xmlns:a14="http://schemas.microsoft.com/office/drawing/2010/main">
-                <a:solidFill>
-                  <a:srgbClr val="C7D7E9"/>
-                </a:solidFill>
-              </a14:hiddenFill>
-            </a:ext>
-            <a:ext uri="{91240B29-F687-4F45-9708-019B960494DF}">
-              <a14:hiddenLine xmlns:a14="http://schemas.microsoft.com/office/drawing/2010/main" w="9525">
-                <a:solidFill>
-                  <a:schemeClr val="tx1"/>
-                </a:solidFill>
-                <a:miter lim="800000"/>
-                <a:headEnd/>
-                <a:tailEnd/>
-              </a14:hiddenLine>
-            </a:ext>
-            <a:ext uri="{AF507438-7753-43E0-B8FC-AC1667EBCBE1}">
-              <a14:hiddenEffects xmlns:a14="http://schemas.microsoft.com/office/drawing/2010/main">
-                <a:effectLst>
-                  <a:outerShdw dist="35921" dir="2700000" algn="ctr" rotWithShape="0">
-                    <a:schemeClr val="bg2"/>
-                  </a:outerShdw>
-                </a:effectLst>
-              </a14:hiddenEffects>
-            </a:ext>
-          </a:extLst>
         </p:spPr>
         <p:txBody>
-          <a:bodyPr lIns="0" tIns="0" rIns="0" bIns="0" anchor="t">
-            <a:spAutoFit/>
+          <a:bodyPr vert="horz" wrap="square" lIns="0" tIns="0" rIns="0" bIns="0" numCol="1" rtlCol="0" anchor="t" anchorCtr="0" compatLnSpc="1">
+            <a:prstTxWarp prst="textNoShape">
+              <a:avLst/>
+            </a:prstTxWarp>
           </a:bodyPr>
           <a:lstStyle/>
           <a:p>
-            <a:pPr algn="l">
+            <a:pPr marL="0" marR="0" indent="0" algn="ctr" defTabSz="914400" rtl="0" eaLnBrk="0" fontAlgn="base" latinLnBrk="0" hangingPunct="0">
+              <a:lnSpc>
+                <a:spcPct val="100000"/>
+              </a:lnSpc>
               <a:spcBef>
-                <a:spcPct val="50000"/>
+                <a:spcPct val="20000"/>
               </a:spcBef>
+              <a:spcAft>
+                <a:spcPct val="0"/>
+              </a:spcAft>
+              <a:buClrTx/>
+              <a:buSzTx/>
+              <a:buFontTx/>
+              <a:buNone/>
+              <a:tabLst/>
             </a:pPr>
             <a:r>
-              <a:rPr lang="it-IT" altLang="en-US" sz="3200" b="1" dirty="0">
+              <a:rPr lang="en-GB" sz="1400" dirty="0">
+                <a:ln>
+                  <a:solidFill>
+                    <a:srgbClr val="003366"/>
+                  </a:solidFill>
+                </a:ln>
+                <a:solidFill>
+                  <a:srgbClr val="003366"/>
+                </a:solidFill>
+                <a:latin typeface="Calibri" panose="020F0502020204030204" pitchFamily="34" charset="0"/>
+                <a:cs typeface="Calibri" panose="020F0502020204030204" pitchFamily="34" charset="0"/>
+              </a:rPr>
+              <a:t>Lamparelli Andrea, </a:t>
+            </a:r>
+            <a:r>
+              <a:rPr lang="en-GB" sz="1400" dirty="0" err="1">
+                <a:ln>
+                  <a:solidFill>
+                    <a:srgbClr val="003366"/>
+                  </a:solidFill>
+                </a:ln>
+                <a:solidFill>
+                  <a:srgbClr val="003366"/>
+                </a:solidFill>
+                <a:latin typeface="Calibri" panose="020F0502020204030204" pitchFamily="34" charset="0"/>
+                <a:cs typeface="Calibri" panose="020F0502020204030204" pitchFamily="34" charset="0"/>
+              </a:rPr>
+              <a:t>Chittò</a:t>
+            </a:r>
+            <a:r>
+              <a:rPr lang="en-GB" sz="1400" dirty="0">
+                <a:ln>
+                  <a:solidFill>
+                    <a:srgbClr val="003366"/>
+                  </a:solidFill>
+                </a:ln>
+                <a:solidFill>
+                  <a:srgbClr val="003366"/>
+                </a:solidFill>
+                <a:latin typeface="Calibri" panose="020F0502020204030204" pitchFamily="34" charset="0"/>
+                <a:cs typeface="Calibri" panose="020F0502020204030204" pitchFamily="34" charset="0"/>
+              </a:rPr>
+              <a:t> Pietro</a:t>
+            </a:r>
+            <a:endParaRPr kumimoji="0" lang="en-GB" sz="1400" i="0" u="none" strike="noStrike" cap="none" normalizeH="0" baseline="0" dirty="0">
+              <a:ln>
+                <a:solidFill>
+                  <a:srgbClr val="003366"/>
+                </a:solidFill>
+              </a:ln>
+              <a:solidFill>
+                <a:srgbClr val="003366"/>
+              </a:solidFill>
+              <a:effectLst/>
+              <a:latin typeface="Calibri" panose="020F0502020204030204" pitchFamily="34" charset="0"/>
+              <a:cs typeface="Calibri" panose="020F0502020204030204" pitchFamily="34" charset="0"/>
+            </a:endParaRPr>
+          </a:p>
+        </p:txBody>
+      </p:sp>
+      <p:sp>
+        <p:nvSpPr>
+          <p:cNvPr id="3" name="Fumetto: rettangolo con angoli arrotondati 2">
+            <a:extLst>
+              <a:ext uri="{FF2B5EF4-FFF2-40B4-BE49-F238E27FC236}">
+                <a16:creationId xmlns:a16="http://schemas.microsoft.com/office/drawing/2014/main" id="{28A04269-AE21-4B87-973F-2F46BCC78228}"/>
+              </a:ext>
+            </a:extLst>
+          </p:cNvPr>
+          <p:cNvSpPr/>
+          <p:nvPr/>
+        </p:nvSpPr>
+        <p:spPr bwMode="auto">
+          <a:xfrm>
+            <a:off x="2370820" y="1196752"/>
+            <a:ext cx="2592288" cy="576064"/>
+          </a:xfrm>
+          <a:prstGeom prst="wedgeRoundRectCallout">
+            <a:avLst>
+              <a:gd name="adj1" fmla="val -70077"/>
+              <a:gd name="adj2" fmla="val 52579"/>
+              <a:gd name="adj3" fmla="val 16667"/>
+            </a:avLst>
+          </a:prstGeom>
+          <a:solidFill>
+            <a:srgbClr val="FFCD4A">
+              <a:alpha val="50000"/>
+            </a:srgbClr>
+          </a:solidFill>
+          <a:ln>
+            <a:noFill/>
+          </a:ln>
+          <a:effectLst/>
+        </p:spPr>
+        <p:txBody>
+          <a:bodyPr vert="horz" wrap="square" lIns="0" tIns="0" rIns="0" bIns="0" numCol="1" rtlCol="0" anchor="t" anchorCtr="0" compatLnSpc="1">
+            <a:prstTxWarp prst="textNoShape">
+              <a:avLst/>
+            </a:prstTxWarp>
+          </a:bodyPr>
+          <a:lstStyle/>
+          <a:p>
+            <a:pPr marL="0" marR="0" indent="0" algn="ctr" defTabSz="914400" rtl="0" eaLnBrk="0" fontAlgn="base" latinLnBrk="0" hangingPunct="0">
+              <a:lnSpc>
+                <a:spcPct val="100000"/>
+              </a:lnSpc>
+              <a:spcBef>
+                <a:spcPct val="20000"/>
+              </a:spcBef>
+              <a:spcAft>
+                <a:spcPct val="0"/>
+              </a:spcAft>
+              <a:buClrTx/>
+              <a:buSzTx/>
+              <a:buFontTx/>
+              <a:buNone/>
+              <a:tabLst/>
+            </a:pPr>
+            <a:r>
+              <a:rPr lang="en-GB" sz="1800" dirty="0">
                 <a:solidFill>
                   <a:srgbClr val="003F6E"/>
                 </a:solidFill>
-                <a:latin typeface="Arial"/>
-                <a:cs typeface="Arial"/>
-              </a:rPr>
-              <a:t>Testing</a:t>
-            </a:r>
-            <a:endParaRPr lang="it-IT" altLang="en-US" sz="3200" b="1" dirty="0">
-              <a:solidFill>
-                <a:srgbClr val="003F6E"/>
-              </a:solidFill>
-              <a:cs typeface="Arial"/>
-            </a:endParaRPr>
+                <a:latin typeface="Calibri"/>
+                <a:cs typeface="Calibri"/>
+              </a:rPr>
+              <a:t>Checks whether a user is already signed-in or not</a:t>
+            </a:r>
           </a:p>
         </p:txBody>
       </p:sp>
     </p:spTree>
     <p:extLst>
       <p:ext uri="{BB962C8B-B14F-4D97-AF65-F5344CB8AC3E}">
-        <p14:creationId xmlns:p14="http://schemas.microsoft.com/office/powerpoint/2010/main" val="742386879"/>
+        <p14:creationId xmlns:p14="http://schemas.microsoft.com/office/powerpoint/2010/main" val="3176093941"/>
       </p:ext>
     </p:extLst>
   </p:cSld>
@@ -8924,7 +9668,7 @@
           <p:cNvPr id="2" name="Titolo 1">
             <a:extLst>
               <a:ext uri="{FF2B5EF4-FFF2-40B4-BE49-F238E27FC236}">
-                <a16:creationId xmlns:a16="http://schemas.microsoft.com/office/drawing/2014/main" id="{70B5FF66-A04B-40FC-940F-F4CFEC092523}"/>
+                <a16:creationId xmlns:a16="http://schemas.microsoft.com/office/drawing/2014/main" id="{4BE247A2-758D-4AC6-BF37-E19A51583476}"/>
               </a:ext>
             </a:extLst>
           </p:cNvPr>
@@ -8941,247 +9685,20 @@
           <a:lstStyle/>
           <a:p>
             <a:r>
-              <a:rPr lang="en-GB" dirty="0"/>
-              <a:t>Unit Test</a:t>
-            </a:r>
-          </a:p>
-        </p:txBody>
-      </p:sp>
-      <p:sp>
-        <p:nvSpPr>
-          <p:cNvPr id="13" name="Segnaposto contenuto 12">
-            <a:extLst>
-              <a:ext uri="{FF2B5EF4-FFF2-40B4-BE49-F238E27FC236}">
-                <a16:creationId xmlns:a16="http://schemas.microsoft.com/office/drawing/2014/main" id="{ACFAC886-BCD4-4A22-A6CE-2BF95053A012}"/>
-              </a:ext>
-            </a:extLst>
-          </p:cNvPr>
-          <p:cNvSpPr>
-            <a:spLocks noGrp="1"/>
-          </p:cNvSpPr>
-          <p:nvPr>
-            <p:ph sz="half" idx="1"/>
-          </p:nvPr>
-        </p:nvSpPr>
-        <p:spPr>
-          <a:xfrm>
-            <a:off x="719138" y="1076325"/>
-            <a:ext cx="7712989" cy="4203916"/>
-          </a:xfrm>
-        </p:spPr>
-        <p:txBody>
-          <a:bodyPr/>
-          <a:lstStyle/>
-          <a:p>
-            <a:pPr marL="457200" indent="-457200">
-              <a:buFont typeface="Arial"/>
-              <a:buChar char="•"/>
-            </a:pPr>
-            <a:endParaRPr lang="it-IT" sz="2800" b="1" dirty="0">
-              <a:solidFill>
-                <a:srgbClr val="003F6E"/>
-              </a:solidFill>
-              <a:latin typeface="Calibri"/>
-              <a:cs typeface="Calibri"/>
-            </a:endParaRPr>
-          </a:p>
-          <a:p>
-            <a:pPr marL="457200" indent="-457200">
-              <a:buFont typeface="Arial"/>
-              <a:buChar char="•"/>
-            </a:pPr>
-            <a:r>
-              <a:rPr lang="it-IT" sz="2800" b="1" dirty="0">
-                <a:solidFill>
-                  <a:srgbClr val="003F6E"/>
-                </a:solidFill>
-                <a:latin typeface="Calibri"/>
-                <a:cs typeface="Calibri"/>
-              </a:rPr>
-              <a:t>Local </a:t>
-            </a:r>
-            <a:r>
-              <a:rPr lang="it-IT" sz="2800" b="1" dirty="0" err="1">
-                <a:solidFill>
-                  <a:srgbClr val="003F6E"/>
-                </a:solidFill>
-                <a:latin typeface="Calibri"/>
-                <a:cs typeface="Calibri"/>
-              </a:rPr>
-              <a:t>tests</a:t>
-            </a:r>
-            <a:r>
-              <a:rPr lang="it-IT" sz="2800" b="1" dirty="0">
-                <a:solidFill>
-                  <a:srgbClr val="003F6E"/>
-                </a:solidFill>
-                <a:latin typeface="Calibri"/>
-                <a:cs typeface="Calibri"/>
-              </a:rPr>
-              <a:t>: </a:t>
-            </a:r>
-            <a:r>
-              <a:rPr lang="it-IT" sz="2800" dirty="0" err="1">
-                <a:solidFill>
-                  <a:srgbClr val="003F6E"/>
-                </a:solidFill>
-                <a:latin typeface="Calibri"/>
-                <a:cs typeface="Calibri"/>
-              </a:rPr>
-              <a:t>used</a:t>
-            </a:r>
-            <a:r>
-              <a:rPr lang="it-IT" sz="2800" dirty="0">
-                <a:solidFill>
-                  <a:srgbClr val="003F6E"/>
-                </a:solidFill>
-                <a:latin typeface="Calibri"/>
-                <a:cs typeface="Calibri"/>
-              </a:rPr>
-              <a:t> to test </a:t>
-            </a:r>
-            <a:r>
-              <a:rPr lang="it-IT" sz="2800" dirty="0" err="1">
-                <a:solidFill>
-                  <a:srgbClr val="003F6E"/>
-                </a:solidFill>
-                <a:latin typeface="Calibri"/>
-                <a:cs typeface="Calibri"/>
-              </a:rPr>
-              <a:t>local</a:t>
-            </a:r>
-            <a:r>
-              <a:rPr lang="it-IT" sz="2800" dirty="0">
-                <a:solidFill>
-                  <a:srgbClr val="003F6E"/>
-                </a:solidFill>
-                <a:latin typeface="Calibri"/>
-                <a:cs typeface="Calibri"/>
-              </a:rPr>
-              <a:t> classes </a:t>
-            </a:r>
-            <a:r>
-              <a:rPr lang="it-IT" sz="2800" dirty="0" err="1">
-                <a:solidFill>
-                  <a:srgbClr val="003F6E"/>
-                </a:solidFill>
-                <a:latin typeface="Calibri"/>
-                <a:cs typeface="Calibri"/>
-              </a:rPr>
-              <a:t>functionalities</a:t>
-            </a:r>
-            <a:endParaRPr lang="it-IT" sz="2800" dirty="0">
-              <a:solidFill>
-                <a:srgbClr val="003F6E"/>
-              </a:solidFill>
-              <a:latin typeface="Calibri"/>
-              <a:cs typeface="Calibri"/>
-            </a:endParaRPr>
-          </a:p>
-          <a:p>
-            <a:pPr marL="457200" indent="-457200">
-              <a:buFont typeface="Arial"/>
-              <a:buChar char="•"/>
-            </a:pPr>
-            <a:endParaRPr lang="it-IT" sz="2800" dirty="0">
-              <a:solidFill>
-                <a:srgbClr val="003F6E"/>
-              </a:solidFill>
-              <a:latin typeface="Calibri"/>
-              <a:cs typeface="Calibri"/>
-            </a:endParaRPr>
-          </a:p>
-          <a:p>
-            <a:pPr marL="457200" indent="-457200">
-              <a:buFont typeface="Arial"/>
-              <a:buChar char="•"/>
-            </a:pPr>
-            <a:r>
-              <a:rPr lang="it-IT" sz="2800" b="1" dirty="0">
-                <a:solidFill>
-                  <a:srgbClr val="003F6E"/>
-                </a:solidFill>
-                <a:latin typeface="Calibri"/>
-                <a:cs typeface="Calibri"/>
-              </a:rPr>
-              <a:t>Tools:</a:t>
-            </a:r>
-            <a:r>
-              <a:rPr lang="it-IT" sz="2800" dirty="0">
-                <a:solidFill>
-                  <a:srgbClr val="003F6E"/>
-                </a:solidFill>
-                <a:latin typeface="Calibri"/>
-                <a:cs typeface="Calibri"/>
-              </a:rPr>
-              <a:t> JUnit4 and </a:t>
-            </a:r>
-            <a:r>
-              <a:rPr lang="it-IT" sz="2800" dirty="0" err="1">
-                <a:solidFill>
-                  <a:srgbClr val="003F6E"/>
-                </a:solidFill>
-                <a:latin typeface="Calibri"/>
-                <a:cs typeface="Calibri"/>
-              </a:rPr>
-              <a:t>PoweredMockito</a:t>
-            </a:r>
-            <a:endParaRPr lang="it-IT" sz="2800" dirty="0">
-              <a:solidFill>
-                <a:srgbClr val="003F6E"/>
-              </a:solidFill>
-              <a:latin typeface="Calibri"/>
-              <a:cs typeface="Calibri"/>
-            </a:endParaRPr>
-          </a:p>
-          <a:p>
-            <a:pPr marL="457200" indent="-457200">
-              <a:buFont typeface="Arial"/>
-              <a:buChar char="•"/>
-            </a:pPr>
-            <a:endParaRPr lang="it-IT" sz="2800" b="1" dirty="0">
-              <a:solidFill>
-                <a:srgbClr val="003F6E"/>
-              </a:solidFill>
-              <a:latin typeface="Calibri"/>
-              <a:cs typeface="Calibri"/>
-            </a:endParaRPr>
-          </a:p>
-          <a:p>
-            <a:pPr marL="457200" indent="-457200">
-              <a:buFont typeface="Arial"/>
-              <a:buChar char="•"/>
-            </a:pPr>
-            <a:r>
-              <a:rPr lang="it-IT" sz="2800" b="1" dirty="0">
-                <a:solidFill>
-                  <a:srgbClr val="003F6E"/>
-                </a:solidFill>
-                <a:latin typeface="Calibri"/>
-                <a:cs typeface="Calibri"/>
-              </a:rPr>
-              <a:t>Classes:</a:t>
-            </a:r>
-            <a:r>
-              <a:rPr lang="it-IT" sz="2800" dirty="0">
-                <a:solidFill>
-                  <a:srgbClr val="003F6E"/>
-                </a:solidFill>
-                <a:latin typeface="Calibri"/>
-                <a:cs typeface="Calibri"/>
-              </a:rPr>
-              <a:t> MyFile, MyDirectory, StorageElement, Utility</a:t>
-            </a:r>
-            <a:endParaRPr lang="it-IT" dirty="0"/>
-          </a:p>
-        </p:txBody>
-      </p:sp>
-      <p:sp>
-        <p:nvSpPr>
-          <p:cNvPr id="5" name="Segnaposto numero diapositiva 4">
-            <a:extLst>
-              <a:ext uri="{FF2B5EF4-FFF2-40B4-BE49-F238E27FC236}">
-                <a16:creationId xmlns:a16="http://schemas.microsoft.com/office/drawing/2014/main" id="{F77D4566-3A75-42D0-A1C3-1E92F007DECA}"/>
+              <a:rPr lang="en-GB" dirty="0">
+                <a:cs typeface="Arial"/>
+              </a:rPr>
+              <a:t>Application Start UI Design</a:t>
+            </a:r>
+          </a:p>
+        </p:txBody>
+      </p:sp>
+      <p:sp>
+        <p:nvSpPr>
+          <p:cNvPr id="4" name="Segnaposto numero diapositiva 3">
+            <a:extLst>
+              <a:ext uri="{FF2B5EF4-FFF2-40B4-BE49-F238E27FC236}">
+                <a16:creationId xmlns:a16="http://schemas.microsoft.com/office/drawing/2014/main" id="{1F42B96A-DC32-40CE-A5BB-9155421755F6}"/>
               </a:ext>
             </a:extLst>
           </p:cNvPr>
@@ -9197,7 +9714,7 @@
           <a:bodyPr/>
           <a:lstStyle/>
           <a:p>
-            <a:fld id="{890431D4-9664-4983-A38D-C80271325BDD}" type="slidenum">
+            <a:fld id="{FE575B20-646B-44A6-B32B-8B9F7AC502D9}" type="slidenum">
               <a:rPr lang="it-IT" altLang="en-US" smtClean="0"/>
               <a:pPr/>
               <a:t>20</a:t>
@@ -9206,12 +9723,42 @@
           </a:p>
         </p:txBody>
       </p:sp>
+      <p:pic>
+        <p:nvPicPr>
+          <p:cNvPr id="5" name="Immagine 5" descr="Immagine che contiene screenshot&#10;&#10;Descrizione generata con affidabilità molto elevata">
+            <a:extLst>
+              <a:ext uri="{FF2B5EF4-FFF2-40B4-BE49-F238E27FC236}">
+                <a16:creationId xmlns:a16="http://schemas.microsoft.com/office/drawing/2014/main" id="{81F7D0D6-C0A6-430F-B0B1-5956E2898135}"/>
+              </a:ext>
+            </a:extLst>
+          </p:cNvPr>
+          <p:cNvPicPr>
+            <a:picLocks noChangeAspect="1"/>
+          </p:cNvPicPr>
+          <p:nvPr/>
+        </p:nvPicPr>
+        <p:blipFill>
+          <a:blip r:embed="rId2"/>
+          <a:stretch>
+            <a:fillRect/>
+          </a:stretch>
+        </p:blipFill>
+        <p:spPr>
+          <a:xfrm>
+            <a:off x="1403648" y="1209218"/>
+            <a:ext cx="6624736" cy="5244119"/>
+          </a:xfrm>
+          <a:prstGeom prst="rect">
+            <a:avLst/>
+          </a:prstGeom>
+        </p:spPr>
+      </p:pic>
       <p:sp>
         <p:nvSpPr>
           <p:cNvPr id="6" name="Rettangolo 5">
             <a:extLst>
               <a:ext uri="{FF2B5EF4-FFF2-40B4-BE49-F238E27FC236}">
-                <a16:creationId xmlns:a16="http://schemas.microsoft.com/office/drawing/2014/main" id="{630D41F3-9B2E-4EDD-A6E2-B551CA8422DC}"/>
+                <a16:creationId xmlns:a16="http://schemas.microsoft.com/office/drawing/2014/main" id="{11CB302A-C755-4F69-BB2F-A19624056512}"/>
               </a:ext>
             </a:extLst>
           </p:cNvPr>
@@ -9319,10 +9866,172 @@
           </a:p>
         </p:txBody>
       </p:sp>
+      <p:sp>
+        <p:nvSpPr>
+          <p:cNvPr id="7" name="Fumetto: rettangolo con angoli arrotondati 6">
+            <a:extLst>
+              <a:ext uri="{FF2B5EF4-FFF2-40B4-BE49-F238E27FC236}">
+                <a16:creationId xmlns:a16="http://schemas.microsoft.com/office/drawing/2014/main" id="{9653585F-9FC8-4C75-8D9E-D5743F8F3D04}"/>
+              </a:ext>
+            </a:extLst>
+          </p:cNvPr>
+          <p:cNvSpPr/>
+          <p:nvPr/>
+        </p:nvSpPr>
+        <p:spPr bwMode="auto">
+          <a:xfrm>
+            <a:off x="5870650" y="1172357"/>
+            <a:ext cx="1584176" cy="588677"/>
+          </a:xfrm>
+          <a:prstGeom prst="wedgeRoundRectCallout">
+            <a:avLst>
+              <a:gd name="adj1" fmla="val -65276"/>
+              <a:gd name="adj2" fmla="val 105774"/>
+              <a:gd name="adj3" fmla="val 16667"/>
+            </a:avLst>
+          </a:prstGeom>
+          <a:solidFill>
+            <a:srgbClr val="FFCD4A">
+              <a:alpha val="50000"/>
+            </a:srgbClr>
+          </a:solidFill>
+          <a:ln>
+            <a:noFill/>
+          </a:ln>
+          <a:effectLst/>
+        </p:spPr>
+        <p:txBody>
+          <a:bodyPr vert="horz" wrap="square" lIns="0" tIns="0" rIns="0" bIns="0" numCol="1" rtlCol="0" anchor="t" anchorCtr="0" compatLnSpc="1">
+            <a:prstTxWarp prst="textNoShape">
+              <a:avLst/>
+            </a:prstTxWarp>
+          </a:bodyPr>
+          <a:lstStyle/>
+          <a:p>
+            <a:pPr marL="0" marR="0" indent="0" algn="ctr" defTabSz="914400" rtl="0" eaLnBrk="0" fontAlgn="base" latinLnBrk="0" hangingPunct="0">
+              <a:lnSpc>
+                <a:spcPct val="100000"/>
+              </a:lnSpc>
+              <a:spcBef>
+                <a:spcPct val="20000"/>
+              </a:spcBef>
+              <a:spcAft>
+                <a:spcPct val="0"/>
+              </a:spcAft>
+              <a:buClrTx/>
+              <a:buSzTx/>
+              <a:buFontTx/>
+              <a:buNone/>
+              <a:tabLst/>
+            </a:pPr>
+            <a:r>
+              <a:rPr lang="en-GB" sz="1800" b="1" dirty="0">
+                <a:solidFill>
+                  <a:srgbClr val="003F6E"/>
+                </a:solidFill>
+                <a:latin typeface="Calibri"/>
+                <a:cs typeface="Calibri"/>
+              </a:rPr>
+              <a:t>If yes</a:t>
+            </a:r>
+            <a:r>
+              <a:rPr lang="en-GB" sz="1800" dirty="0">
+                <a:solidFill>
+                  <a:srgbClr val="003F6E"/>
+                </a:solidFill>
+                <a:latin typeface="Calibri"/>
+                <a:cs typeface="Calibri"/>
+              </a:rPr>
+              <a:t>, open scanner</a:t>
+            </a:r>
+          </a:p>
+        </p:txBody>
+      </p:sp>
+      <p:sp>
+        <p:nvSpPr>
+          <p:cNvPr id="8" name="Fumetto: rettangolo con angoli arrotondati 7">
+            <a:extLst>
+              <a:ext uri="{FF2B5EF4-FFF2-40B4-BE49-F238E27FC236}">
+                <a16:creationId xmlns:a16="http://schemas.microsoft.com/office/drawing/2014/main" id="{63B2736A-BC30-4C18-AEF5-534165A98FD2}"/>
+              </a:ext>
+            </a:extLst>
+          </p:cNvPr>
+          <p:cNvSpPr/>
+          <p:nvPr/>
+        </p:nvSpPr>
+        <p:spPr bwMode="auto">
+          <a:xfrm>
+            <a:off x="107504" y="1988840"/>
+            <a:ext cx="1352178" cy="576064"/>
+          </a:xfrm>
+          <a:prstGeom prst="wedgeRoundRectCallout">
+            <a:avLst>
+              <a:gd name="adj1" fmla="val 71482"/>
+              <a:gd name="adj2" fmla="val 27226"/>
+              <a:gd name="adj3" fmla="val 16667"/>
+            </a:avLst>
+          </a:prstGeom>
+          <a:solidFill>
+            <a:srgbClr val="FFCD4A">
+              <a:alpha val="50000"/>
+            </a:srgbClr>
+          </a:solidFill>
+          <a:ln>
+            <a:noFill/>
+          </a:ln>
+          <a:effectLst/>
+        </p:spPr>
+        <p:txBody>
+          <a:bodyPr vert="horz" wrap="square" lIns="0" tIns="0" rIns="0" bIns="0" numCol="1" rtlCol="0" anchor="t" anchorCtr="0" compatLnSpc="1">
+            <a:prstTxWarp prst="textNoShape">
+              <a:avLst/>
+            </a:prstTxWarp>
+          </a:bodyPr>
+          <a:lstStyle/>
+          <a:p>
+            <a:pPr marL="0" marR="0" indent="0" algn="ctr" defTabSz="914400" rtl="0" eaLnBrk="0" fontAlgn="base" latinLnBrk="0" hangingPunct="0">
+              <a:lnSpc>
+                <a:spcPct val="100000"/>
+              </a:lnSpc>
+              <a:spcBef>
+                <a:spcPct val="20000"/>
+              </a:spcBef>
+              <a:spcAft>
+                <a:spcPct val="0"/>
+              </a:spcAft>
+              <a:buClrTx/>
+              <a:buSzTx/>
+              <a:buFontTx/>
+              <a:buNone/>
+              <a:tabLst/>
+            </a:pPr>
+            <a:r>
+              <a:rPr lang="en-GB" sz="1800" b="1" dirty="0">
+                <a:solidFill>
+                  <a:srgbClr val="003F6E"/>
+                </a:solidFill>
+                <a:latin typeface="Calibri"/>
+                <a:cs typeface="Calibri"/>
+              </a:rPr>
+              <a:t>If no</a:t>
+            </a:r>
+            <a:r>
+              <a:rPr lang="en-GB" sz="1800" dirty="0">
+                <a:solidFill>
+                  <a:srgbClr val="003F6E"/>
+                </a:solidFill>
+                <a:latin typeface="Calibri"/>
+                <a:cs typeface="Calibri"/>
+              </a:rPr>
+              <a:t>, open login</a:t>
+            </a:r>
+          </a:p>
+        </p:txBody>
+      </p:sp>
     </p:spTree>
     <p:extLst>
       <p:ext uri="{BB962C8B-B14F-4D97-AF65-F5344CB8AC3E}">
-        <p14:creationId xmlns:p14="http://schemas.microsoft.com/office/powerpoint/2010/main" val="203669010"/>
+        <p14:creationId xmlns:p14="http://schemas.microsoft.com/office/powerpoint/2010/main" val="982369504"/>
       </p:ext>
     </p:extLst>
   </p:cSld>
@@ -9354,7 +10063,7 @@
           <p:cNvPr id="2" name="Titolo 1">
             <a:extLst>
               <a:ext uri="{FF2B5EF4-FFF2-40B4-BE49-F238E27FC236}">
-                <a16:creationId xmlns:a16="http://schemas.microsoft.com/office/drawing/2014/main" id="{70B5FF66-A04B-40FC-940F-F4CFEC092523}"/>
+                <a16:creationId xmlns:a16="http://schemas.microsoft.com/office/drawing/2014/main" id="{4BE247A2-758D-4AC6-BF37-E19A51583476}"/>
               </a:ext>
             </a:extLst>
           </p:cNvPr>
@@ -9371,8 +10080,803 @@
           <a:lstStyle/>
           <a:p>
             <a:r>
+              <a:rPr lang="en-GB" dirty="0">
+                <a:cs typeface="Arial"/>
+              </a:rPr>
+              <a:t>Application Start UI Design</a:t>
+            </a:r>
+          </a:p>
+        </p:txBody>
+      </p:sp>
+      <p:sp>
+        <p:nvSpPr>
+          <p:cNvPr id="4" name="Segnaposto numero diapositiva 3">
+            <a:extLst>
+              <a:ext uri="{FF2B5EF4-FFF2-40B4-BE49-F238E27FC236}">
+                <a16:creationId xmlns:a16="http://schemas.microsoft.com/office/drawing/2014/main" id="{1F42B96A-DC32-40CE-A5BB-9155421755F6}"/>
+              </a:ext>
+            </a:extLst>
+          </p:cNvPr>
+          <p:cNvSpPr>
+            <a:spLocks noGrp="1"/>
+          </p:cNvSpPr>
+          <p:nvPr>
+            <p:ph type="sldNum" sz="quarter" idx="10"/>
+          </p:nvPr>
+        </p:nvSpPr>
+        <p:spPr/>
+        <p:txBody>
+          <a:bodyPr/>
+          <a:lstStyle/>
+          <a:p>
+            <a:fld id="{FE575B20-646B-44A6-B32B-8B9F7AC502D9}" type="slidenum">
+              <a:rPr lang="it-IT" altLang="en-US" smtClean="0"/>
+              <a:pPr/>
+              <a:t>21</a:t>
+            </a:fld>
+            <a:endParaRPr lang="it-IT" altLang="en-US"/>
+          </a:p>
+        </p:txBody>
+      </p:sp>
+      <p:pic>
+        <p:nvPicPr>
+          <p:cNvPr id="5" name="Immagine 5" descr="Immagine che contiene screenshot&#10;&#10;Descrizione generata con affidabilità molto elevata">
+            <a:extLst>
+              <a:ext uri="{FF2B5EF4-FFF2-40B4-BE49-F238E27FC236}">
+                <a16:creationId xmlns:a16="http://schemas.microsoft.com/office/drawing/2014/main" id="{81F7D0D6-C0A6-430F-B0B1-5956E2898135}"/>
+              </a:ext>
+            </a:extLst>
+          </p:cNvPr>
+          <p:cNvPicPr>
+            <a:picLocks noChangeAspect="1"/>
+          </p:cNvPicPr>
+          <p:nvPr/>
+        </p:nvPicPr>
+        <p:blipFill>
+          <a:blip r:embed="rId2"/>
+          <a:stretch>
+            <a:fillRect/>
+          </a:stretch>
+        </p:blipFill>
+        <p:spPr>
+          <a:xfrm>
+            <a:off x="1403648" y="1209218"/>
+            <a:ext cx="6624736" cy="5244119"/>
+          </a:xfrm>
+          <a:prstGeom prst="rect">
+            <a:avLst/>
+          </a:prstGeom>
+        </p:spPr>
+      </p:pic>
+      <p:sp>
+        <p:nvSpPr>
+          <p:cNvPr id="6" name="Rettangolo 5">
+            <a:extLst>
+              <a:ext uri="{FF2B5EF4-FFF2-40B4-BE49-F238E27FC236}">
+                <a16:creationId xmlns:a16="http://schemas.microsoft.com/office/drawing/2014/main" id="{11CB302A-C755-4F69-BB2F-A19624056512}"/>
+              </a:ext>
+            </a:extLst>
+          </p:cNvPr>
+          <p:cNvSpPr/>
+          <p:nvPr/>
+        </p:nvSpPr>
+        <p:spPr bwMode="auto">
+          <a:xfrm>
+            <a:off x="251520" y="6613524"/>
+            <a:ext cx="4374292" cy="244475"/>
+          </a:xfrm>
+          <a:prstGeom prst="rect">
+            <a:avLst/>
+          </a:prstGeom>
+          <a:solidFill>
+            <a:schemeClr val="bg1"/>
+          </a:solidFill>
+          <a:ln>
+            <a:noFill/>
+          </a:ln>
+          <a:effectLst/>
+        </p:spPr>
+        <p:txBody>
+          <a:bodyPr vert="horz" wrap="square" lIns="0" tIns="0" rIns="0" bIns="0" numCol="1" rtlCol="0" anchor="t" anchorCtr="0" compatLnSpc="1">
+            <a:prstTxWarp prst="textNoShape">
+              <a:avLst/>
+            </a:prstTxWarp>
+          </a:bodyPr>
+          <a:lstStyle/>
+          <a:p>
+            <a:pPr marL="0" marR="0" indent="0" algn="ctr" defTabSz="914400" rtl="0" eaLnBrk="0" fontAlgn="base" latinLnBrk="0" hangingPunct="0">
+              <a:lnSpc>
+                <a:spcPct val="100000"/>
+              </a:lnSpc>
+              <a:spcBef>
+                <a:spcPct val="20000"/>
+              </a:spcBef>
+              <a:spcAft>
+                <a:spcPct val="0"/>
+              </a:spcAft>
+              <a:buClrTx/>
+              <a:buSzTx/>
+              <a:buFontTx/>
+              <a:buNone/>
+              <a:tabLst/>
+            </a:pPr>
+            <a:r>
+              <a:rPr lang="en-GB" sz="1400" dirty="0">
+                <a:ln>
+                  <a:solidFill>
+                    <a:srgbClr val="003366"/>
+                  </a:solidFill>
+                </a:ln>
+                <a:solidFill>
+                  <a:srgbClr val="003366"/>
+                </a:solidFill>
+                <a:latin typeface="Calibri" panose="020F0502020204030204" pitchFamily="34" charset="0"/>
+                <a:cs typeface="Calibri" panose="020F0502020204030204" pitchFamily="34" charset="0"/>
+              </a:rPr>
+              <a:t>Lamparelli Andrea, </a:t>
+            </a:r>
+            <a:r>
+              <a:rPr lang="en-GB" sz="1400" dirty="0" err="1">
+                <a:ln>
+                  <a:solidFill>
+                    <a:srgbClr val="003366"/>
+                  </a:solidFill>
+                </a:ln>
+                <a:solidFill>
+                  <a:srgbClr val="003366"/>
+                </a:solidFill>
+                <a:latin typeface="Calibri" panose="020F0502020204030204" pitchFamily="34" charset="0"/>
+                <a:cs typeface="Calibri" panose="020F0502020204030204" pitchFamily="34" charset="0"/>
+              </a:rPr>
+              <a:t>Chittò</a:t>
+            </a:r>
+            <a:r>
+              <a:rPr lang="en-GB" sz="1400" dirty="0">
+                <a:ln>
+                  <a:solidFill>
+                    <a:srgbClr val="003366"/>
+                  </a:solidFill>
+                </a:ln>
+                <a:solidFill>
+                  <a:srgbClr val="003366"/>
+                </a:solidFill>
+                <a:latin typeface="Calibri" panose="020F0502020204030204" pitchFamily="34" charset="0"/>
+                <a:cs typeface="Calibri" panose="020F0502020204030204" pitchFamily="34" charset="0"/>
+              </a:rPr>
+              <a:t> Pietro</a:t>
+            </a:r>
+            <a:endParaRPr kumimoji="0" lang="en-GB" sz="1400" i="0" u="none" strike="noStrike" cap="none" normalizeH="0" baseline="0" dirty="0">
+              <a:ln>
+                <a:solidFill>
+                  <a:srgbClr val="003366"/>
+                </a:solidFill>
+              </a:ln>
+              <a:solidFill>
+                <a:srgbClr val="003366"/>
+              </a:solidFill>
+              <a:effectLst/>
+              <a:latin typeface="Calibri" panose="020F0502020204030204" pitchFamily="34" charset="0"/>
+              <a:cs typeface="Calibri" panose="020F0502020204030204" pitchFamily="34" charset="0"/>
+            </a:endParaRPr>
+          </a:p>
+        </p:txBody>
+      </p:sp>
+      <p:sp>
+        <p:nvSpPr>
+          <p:cNvPr id="10" name="Fumetto: rettangolo con angoli arrotondati 9">
+            <a:extLst>
+              <a:ext uri="{FF2B5EF4-FFF2-40B4-BE49-F238E27FC236}">
+                <a16:creationId xmlns:a16="http://schemas.microsoft.com/office/drawing/2014/main" id="{35992C45-16AF-4226-96DA-318995EEEC1D}"/>
+              </a:ext>
+            </a:extLst>
+          </p:cNvPr>
+          <p:cNvSpPr/>
+          <p:nvPr/>
+        </p:nvSpPr>
+        <p:spPr bwMode="auto">
+          <a:xfrm>
+            <a:off x="6050582" y="1844824"/>
+            <a:ext cx="2699792" cy="588677"/>
+          </a:xfrm>
+          <a:prstGeom prst="wedgeRoundRectCallout">
+            <a:avLst>
+              <a:gd name="adj1" fmla="val -40573"/>
+              <a:gd name="adj2" fmla="val 221194"/>
+              <a:gd name="adj3" fmla="val 16667"/>
+            </a:avLst>
+          </a:prstGeom>
+          <a:solidFill>
+            <a:srgbClr val="FFCD4A">
+              <a:alpha val="50000"/>
+            </a:srgbClr>
+          </a:solidFill>
+          <a:ln>
+            <a:noFill/>
+          </a:ln>
+          <a:effectLst/>
+        </p:spPr>
+        <p:txBody>
+          <a:bodyPr vert="horz" wrap="square" lIns="0" tIns="0" rIns="0" bIns="0" numCol="1" rtlCol="0" anchor="t" anchorCtr="0" compatLnSpc="1">
+            <a:prstTxWarp prst="textNoShape">
+              <a:avLst/>
+            </a:prstTxWarp>
+          </a:bodyPr>
+          <a:lstStyle/>
+          <a:p>
+            <a:pPr marL="0" marR="0" indent="0" algn="ctr" defTabSz="914400" rtl="0" eaLnBrk="0" fontAlgn="base" latinLnBrk="0" hangingPunct="0">
+              <a:lnSpc>
+                <a:spcPct val="100000"/>
+              </a:lnSpc>
+              <a:spcBef>
+                <a:spcPct val="20000"/>
+              </a:spcBef>
+              <a:spcAft>
+                <a:spcPct val="0"/>
+              </a:spcAft>
+              <a:buClrTx/>
+              <a:buSzTx/>
+              <a:buFontTx/>
+              <a:buNone/>
+              <a:tabLst/>
+            </a:pPr>
+            <a:r>
+              <a:rPr lang="en-GB" sz="1800" dirty="0">
+                <a:solidFill>
+                  <a:srgbClr val="003F6E"/>
+                </a:solidFill>
+                <a:latin typeface="Calibri"/>
+                <a:cs typeface="Calibri"/>
+              </a:rPr>
+              <a:t>Users can switch among these screens as they want</a:t>
+            </a:r>
+          </a:p>
+        </p:txBody>
+      </p:sp>
+      <p:sp>
+        <p:nvSpPr>
+          <p:cNvPr id="11" name="Fumetto: rettangolo con angoli arrotondati 10">
+            <a:extLst>
+              <a:ext uri="{FF2B5EF4-FFF2-40B4-BE49-F238E27FC236}">
+                <a16:creationId xmlns:a16="http://schemas.microsoft.com/office/drawing/2014/main" id="{0358A251-9689-4289-B8C5-12F7F54D170F}"/>
+              </a:ext>
+            </a:extLst>
+          </p:cNvPr>
+          <p:cNvSpPr/>
+          <p:nvPr/>
+        </p:nvSpPr>
+        <p:spPr bwMode="auto">
+          <a:xfrm>
+            <a:off x="35496" y="4221089"/>
+            <a:ext cx="1216583" cy="1440160"/>
+          </a:xfrm>
+          <a:prstGeom prst="wedgeRoundRectCallout">
+            <a:avLst>
+              <a:gd name="adj1" fmla="val 92255"/>
+              <a:gd name="adj2" fmla="val -31395"/>
+              <a:gd name="adj3" fmla="val 16667"/>
+            </a:avLst>
+          </a:prstGeom>
+          <a:solidFill>
+            <a:srgbClr val="FFCD4A">
+              <a:alpha val="50000"/>
+            </a:srgbClr>
+          </a:solidFill>
+          <a:ln>
+            <a:noFill/>
+          </a:ln>
+          <a:effectLst/>
+        </p:spPr>
+        <p:txBody>
+          <a:bodyPr vert="horz" wrap="square" lIns="0" tIns="0" rIns="0" bIns="0" numCol="1" rtlCol="0" anchor="t" anchorCtr="0" compatLnSpc="1">
+            <a:prstTxWarp prst="textNoShape">
+              <a:avLst/>
+            </a:prstTxWarp>
+          </a:bodyPr>
+          <a:lstStyle/>
+          <a:p>
+            <a:pPr marL="0" marR="0" indent="0" algn="ctr" defTabSz="914400" rtl="0" eaLnBrk="0" fontAlgn="base" latinLnBrk="0" hangingPunct="0">
+              <a:lnSpc>
+                <a:spcPct val="100000"/>
+              </a:lnSpc>
+              <a:spcBef>
+                <a:spcPct val="20000"/>
+              </a:spcBef>
+              <a:spcAft>
+                <a:spcPct val="0"/>
+              </a:spcAft>
+              <a:buClrTx/>
+              <a:buSzTx/>
+              <a:buFontTx/>
+              <a:buNone/>
+              <a:tabLst/>
+            </a:pPr>
+            <a:r>
+              <a:rPr lang="en-GB" sz="1800" dirty="0">
+                <a:solidFill>
+                  <a:srgbClr val="003F6E"/>
+                </a:solidFill>
+                <a:latin typeface="Calibri"/>
+                <a:cs typeface="Calibri"/>
+              </a:rPr>
+              <a:t>User can switch between registration and login</a:t>
+            </a:r>
+          </a:p>
+        </p:txBody>
+      </p:sp>
+      <p:sp>
+        <p:nvSpPr>
+          <p:cNvPr id="12" name="Fumetto: rettangolo con angoli arrotondati 11">
+            <a:extLst>
+              <a:ext uri="{FF2B5EF4-FFF2-40B4-BE49-F238E27FC236}">
+                <a16:creationId xmlns:a16="http://schemas.microsoft.com/office/drawing/2014/main" id="{5F3A13BE-0328-435E-9715-E21A16A03592}"/>
+              </a:ext>
+            </a:extLst>
+          </p:cNvPr>
+          <p:cNvSpPr/>
+          <p:nvPr/>
+        </p:nvSpPr>
+        <p:spPr bwMode="auto">
+          <a:xfrm>
+            <a:off x="3347864" y="5821436"/>
+            <a:ext cx="2592288" cy="576064"/>
+          </a:xfrm>
+          <a:prstGeom prst="wedgeRoundRectCallout">
+            <a:avLst>
+              <a:gd name="adj1" fmla="val -36274"/>
+              <a:gd name="adj2" fmla="val -144734"/>
+              <a:gd name="adj3" fmla="val 16667"/>
+            </a:avLst>
+          </a:prstGeom>
+          <a:solidFill>
+            <a:srgbClr val="FFCD4A">
+              <a:alpha val="50000"/>
+            </a:srgbClr>
+          </a:solidFill>
+          <a:ln>
+            <a:noFill/>
+          </a:ln>
+          <a:effectLst/>
+        </p:spPr>
+        <p:txBody>
+          <a:bodyPr vert="horz" wrap="square" lIns="0" tIns="0" rIns="0" bIns="0" numCol="1" rtlCol="0" anchor="t" anchorCtr="0" compatLnSpc="1">
+            <a:prstTxWarp prst="textNoShape">
+              <a:avLst/>
+            </a:prstTxWarp>
+          </a:bodyPr>
+          <a:lstStyle/>
+          <a:p>
+            <a:pPr marL="0" marR="0" indent="0" algn="ctr" defTabSz="914400" rtl="0" eaLnBrk="0" fontAlgn="base" latinLnBrk="0" hangingPunct="0">
+              <a:lnSpc>
+                <a:spcPct val="100000"/>
+              </a:lnSpc>
+              <a:spcBef>
+                <a:spcPct val="20000"/>
+              </a:spcBef>
+              <a:spcAft>
+                <a:spcPct val="0"/>
+              </a:spcAft>
+              <a:buClrTx/>
+              <a:buSzTx/>
+              <a:buFontTx/>
+              <a:buNone/>
+              <a:tabLst/>
+            </a:pPr>
+            <a:r>
+              <a:rPr lang="en-GB" sz="1800" dirty="0">
+                <a:solidFill>
+                  <a:srgbClr val="003F6E"/>
+                </a:solidFill>
+                <a:latin typeface="Calibri"/>
+                <a:cs typeface="Calibri"/>
+              </a:rPr>
+              <a:t>From home page, user can logout from the system</a:t>
+            </a:r>
+          </a:p>
+        </p:txBody>
+      </p:sp>
+    </p:spTree>
+    <p:extLst>
+      <p:ext uri="{BB962C8B-B14F-4D97-AF65-F5344CB8AC3E}">
+        <p14:creationId xmlns:p14="http://schemas.microsoft.com/office/powerpoint/2010/main" val="3695555086"/>
+      </p:ext>
+    </p:extLst>
+  </p:cSld>
+  <p:clrMapOvr>
+    <a:masterClrMapping/>
+  </p:clrMapOvr>
+</p:sld>
+</file>
+
+<file path=ppt/slides/slide22.xml><?xml version="1.0" encoding="utf-8"?>
+<p:sld xmlns:a="http://schemas.openxmlformats.org/drawingml/2006/main" xmlns:r="http://schemas.openxmlformats.org/officeDocument/2006/relationships" xmlns:p="http://schemas.openxmlformats.org/presentationml/2006/main">
+  <p:cSld>
+    <p:spTree>
+      <p:nvGrpSpPr>
+        <p:cNvPr id="1" name=""/>
+        <p:cNvGrpSpPr/>
+        <p:nvPr/>
+      </p:nvGrpSpPr>
+      <p:grpSpPr>
+        <a:xfrm>
+          <a:off x="0" y="0"/>
+          <a:ext cx="0" cy="0"/>
+          <a:chOff x="0" y="0"/>
+          <a:chExt cx="0" cy="0"/>
+        </a:xfrm>
+      </p:grpSpPr>
+      <p:sp>
+        <p:nvSpPr>
+          <p:cNvPr id="2" name="Titolo 1">
+            <a:extLst>
+              <a:ext uri="{FF2B5EF4-FFF2-40B4-BE49-F238E27FC236}">
+                <a16:creationId xmlns:a16="http://schemas.microsoft.com/office/drawing/2014/main" id="{4BE247A2-758D-4AC6-BF37-E19A51583476}"/>
+              </a:ext>
+            </a:extLst>
+          </p:cNvPr>
+          <p:cNvSpPr>
+            <a:spLocks noGrp="1"/>
+          </p:cNvSpPr>
+          <p:nvPr>
+            <p:ph type="title"/>
+          </p:nvPr>
+        </p:nvSpPr>
+        <p:spPr/>
+        <p:txBody>
+          <a:bodyPr/>
+          <a:lstStyle/>
+          <a:p>
+            <a:r>
+              <a:rPr lang="en-GB" dirty="0">
+                <a:cs typeface="Arial"/>
+              </a:rPr>
+              <a:t>Complete UI Design</a:t>
+            </a:r>
+          </a:p>
+        </p:txBody>
+      </p:sp>
+      <p:sp>
+        <p:nvSpPr>
+          <p:cNvPr id="4" name="Segnaposto numero diapositiva 3">
+            <a:extLst>
+              <a:ext uri="{FF2B5EF4-FFF2-40B4-BE49-F238E27FC236}">
+                <a16:creationId xmlns:a16="http://schemas.microsoft.com/office/drawing/2014/main" id="{1F42B96A-DC32-40CE-A5BB-9155421755F6}"/>
+              </a:ext>
+            </a:extLst>
+          </p:cNvPr>
+          <p:cNvSpPr>
+            <a:spLocks noGrp="1"/>
+          </p:cNvSpPr>
+          <p:nvPr>
+            <p:ph type="sldNum" sz="quarter" idx="10"/>
+          </p:nvPr>
+        </p:nvSpPr>
+        <p:spPr/>
+        <p:txBody>
+          <a:bodyPr/>
+          <a:lstStyle/>
+          <a:p>
+            <a:fld id="{FE575B20-646B-44A6-B32B-8B9F7AC502D9}" type="slidenum">
+              <a:rPr lang="it-IT" altLang="en-US" smtClean="0"/>
+              <a:pPr/>
+              <a:t>22</a:t>
+            </a:fld>
+            <a:endParaRPr lang="it-IT" altLang="en-US"/>
+          </a:p>
+        </p:txBody>
+      </p:sp>
+      <p:pic>
+        <p:nvPicPr>
+          <p:cNvPr id="3" name="Immagine 4" descr="Immagine che contiene screenshot&#10;&#10;Descrizione generata con affidabilità molto elevata">
+            <a:extLst>
+              <a:ext uri="{FF2B5EF4-FFF2-40B4-BE49-F238E27FC236}">
+                <a16:creationId xmlns:a16="http://schemas.microsoft.com/office/drawing/2014/main" id="{F71A1C92-B11A-4BCF-97A7-9D27942E905E}"/>
+              </a:ext>
+            </a:extLst>
+          </p:cNvPr>
+          <p:cNvPicPr>
+            <a:picLocks noChangeAspect="1"/>
+          </p:cNvPicPr>
+          <p:nvPr/>
+        </p:nvPicPr>
+        <p:blipFill>
+          <a:blip r:embed="rId2"/>
+          <a:stretch>
+            <a:fillRect/>
+          </a:stretch>
+        </p:blipFill>
+        <p:spPr>
+          <a:xfrm>
+            <a:off x="100739" y="879127"/>
+            <a:ext cx="8884402" cy="5319304"/>
+          </a:xfrm>
+          <a:prstGeom prst="rect">
+            <a:avLst/>
+          </a:prstGeom>
+        </p:spPr>
+      </p:pic>
+      <p:sp>
+        <p:nvSpPr>
+          <p:cNvPr id="5" name="Rettangolo 4">
+            <a:extLst>
+              <a:ext uri="{FF2B5EF4-FFF2-40B4-BE49-F238E27FC236}">
+                <a16:creationId xmlns:a16="http://schemas.microsoft.com/office/drawing/2014/main" id="{A2ABE5D0-DBD9-46C1-914D-1C24D59C7825}"/>
+              </a:ext>
+            </a:extLst>
+          </p:cNvPr>
+          <p:cNvSpPr/>
+          <p:nvPr/>
+        </p:nvSpPr>
+        <p:spPr bwMode="auto">
+          <a:xfrm>
+            <a:off x="251520" y="6613524"/>
+            <a:ext cx="4374292" cy="244475"/>
+          </a:xfrm>
+          <a:prstGeom prst="rect">
+            <a:avLst/>
+          </a:prstGeom>
+          <a:solidFill>
+            <a:schemeClr val="bg1"/>
+          </a:solidFill>
+          <a:ln>
+            <a:noFill/>
+          </a:ln>
+          <a:effectLst/>
+        </p:spPr>
+        <p:txBody>
+          <a:bodyPr vert="horz" wrap="square" lIns="0" tIns="0" rIns="0" bIns="0" numCol="1" rtlCol="0" anchor="t" anchorCtr="0" compatLnSpc="1">
+            <a:prstTxWarp prst="textNoShape">
+              <a:avLst/>
+            </a:prstTxWarp>
+          </a:bodyPr>
+          <a:lstStyle/>
+          <a:p>
+            <a:pPr marL="0" marR="0" indent="0" algn="ctr" defTabSz="914400" rtl="0" eaLnBrk="0" fontAlgn="base" latinLnBrk="0" hangingPunct="0">
+              <a:lnSpc>
+                <a:spcPct val="100000"/>
+              </a:lnSpc>
+              <a:spcBef>
+                <a:spcPct val="20000"/>
+              </a:spcBef>
+              <a:spcAft>
+                <a:spcPct val="0"/>
+              </a:spcAft>
+              <a:buClrTx/>
+              <a:buSzTx/>
+              <a:buFontTx/>
+              <a:buNone/>
+              <a:tabLst/>
+            </a:pPr>
+            <a:r>
+              <a:rPr lang="en-GB" sz="1400" dirty="0">
+                <a:ln>
+                  <a:solidFill>
+                    <a:srgbClr val="003366"/>
+                  </a:solidFill>
+                </a:ln>
+                <a:solidFill>
+                  <a:srgbClr val="003366"/>
+                </a:solidFill>
+                <a:latin typeface="Calibri" panose="020F0502020204030204" pitchFamily="34" charset="0"/>
+                <a:cs typeface="Calibri" panose="020F0502020204030204" pitchFamily="34" charset="0"/>
+              </a:rPr>
+              <a:t>Lamparelli Andrea, </a:t>
+            </a:r>
+            <a:r>
+              <a:rPr lang="en-GB" sz="1400" dirty="0" err="1">
+                <a:ln>
+                  <a:solidFill>
+                    <a:srgbClr val="003366"/>
+                  </a:solidFill>
+                </a:ln>
+                <a:solidFill>
+                  <a:srgbClr val="003366"/>
+                </a:solidFill>
+                <a:latin typeface="Calibri" panose="020F0502020204030204" pitchFamily="34" charset="0"/>
+                <a:cs typeface="Calibri" panose="020F0502020204030204" pitchFamily="34" charset="0"/>
+              </a:rPr>
+              <a:t>Chittò</a:t>
+            </a:r>
+            <a:r>
+              <a:rPr lang="en-GB" sz="1400" dirty="0">
+                <a:ln>
+                  <a:solidFill>
+                    <a:srgbClr val="003366"/>
+                  </a:solidFill>
+                </a:ln>
+                <a:solidFill>
+                  <a:srgbClr val="003366"/>
+                </a:solidFill>
+                <a:latin typeface="Calibri" panose="020F0502020204030204" pitchFamily="34" charset="0"/>
+                <a:cs typeface="Calibri" panose="020F0502020204030204" pitchFamily="34" charset="0"/>
+              </a:rPr>
+              <a:t> Pietro</a:t>
+            </a:r>
+            <a:endParaRPr kumimoji="0" lang="en-GB" sz="1400" i="0" u="none" strike="noStrike" cap="none" normalizeH="0" baseline="0" dirty="0">
+              <a:ln>
+                <a:solidFill>
+                  <a:srgbClr val="003366"/>
+                </a:solidFill>
+              </a:ln>
+              <a:solidFill>
+                <a:srgbClr val="003366"/>
+              </a:solidFill>
+              <a:effectLst/>
+              <a:latin typeface="Calibri" panose="020F0502020204030204" pitchFamily="34" charset="0"/>
+              <a:cs typeface="Calibri" panose="020F0502020204030204" pitchFamily="34" charset="0"/>
+            </a:endParaRPr>
+          </a:p>
+        </p:txBody>
+      </p:sp>
+    </p:spTree>
+    <p:extLst>
+      <p:ext uri="{BB962C8B-B14F-4D97-AF65-F5344CB8AC3E}">
+        <p14:creationId xmlns:p14="http://schemas.microsoft.com/office/powerpoint/2010/main" val="3707133746"/>
+      </p:ext>
+    </p:extLst>
+  </p:cSld>
+  <p:clrMapOvr>
+    <a:masterClrMapping/>
+  </p:clrMapOvr>
+</p:sld>
+</file>
+
+<file path=ppt/slides/slide23.xml><?xml version="1.0" encoding="utf-8"?>
+<p:sld xmlns:a="http://schemas.openxmlformats.org/drawingml/2006/main" xmlns:r="http://schemas.openxmlformats.org/officeDocument/2006/relationships" xmlns:p="http://schemas.openxmlformats.org/presentationml/2006/main">
+  <p:cSld>
+    <p:spTree>
+      <p:nvGrpSpPr>
+        <p:cNvPr id="1" name=""/>
+        <p:cNvGrpSpPr/>
+        <p:nvPr/>
+      </p:nvGrpSpPr>
+      <p:grpSpPr>
+        <a:xfrm>
+          <a:off x="0" y="0"/>
+          <a:ext cx="0" cy="0"/>
+          <a:chOff x="0" y="0"/>
+          <a:chExt cx="0" cy="0"/>
+        </a:xfrm>
+      </p:grpSpPr>
+      <p:sp>
+        <p:nvSpPr>
+          <p:cNvPr id="2063" name="Text Box 15">
+            <a:extLst>
+              <a:ext uri="{FF2B5EF4-FFF2-40B4-BE49-F238E27FC236}">
+                <a16:creationId xmlns:a16="http://schemas.microsoft.com/office/drawing/2014/main" id="{163E1146-9683-4D80-A948-17A524CE64E3}"/>
+              </a:ext>
+            </a:extLst>
+          </p:cNvPr>
+          <p:cNvSpPr txBox="1">
+            <a:spLocks noChangeArrowheads="1"/>
+          </p:cNvSpPr>
+          <p:nvPr/>
+        </p:nvSpPr>
+        <p:spPr bwMode="auto">
+          <a:xfrm>
+            <a:off x="1763688" y="4581128"/>
+            <a:ext cx="6248400" cy="492443"/>
+          </a:xfrm>
+          <a:prstGeom prst="rect">
+            <a:avLst/>
+          </a:prstGeom>
+          <a:noFill/>
+          <a:ln>
+            <a:noFill/>
+          </a:ln>
+          <a:effectLst/>
+          <a:extLst>
+            <a:ext uri="{909E8E84-426E-40DD-AFC4-6F175D3DCCD1}">
+              <a14:hiddenFill xmlns:a14="http://schemas.microsoft.com/office/drawing/2010/main">
+                <a:solidFill>
+                  <a:srgbClr val="C7D7E9"/>
+                </a:solidFill>
+              </a14:hiddenFill>
+            </a:ext>
+            <a:ext uri="{91240B29-F687-4F45-9708-019B960494DF}">
+              <a14:hiddenLine xmlns:a14="http://schemas.microsoft.com/office/drawing/2010/main" w="9525">
+                <a:solidFill>
+                  <a:schemeClr val="tx1"/>
+                </a:solidFill>
+                <a:miter lim="800000"/>
+                <a:headEnd/>
+                <a:tailEnd/>
+              </a14:hiddenLine>
+            </a:ext>
+            <a:ext uri="{AF507438-7753-43E0-B8FC-AC1667EBCBE1}">
+              <a14:hiddenEffects xmlns:a14="http://schemas.microsoft.com/office/drawing/2010/main">
+                <a:effectLst>
+                  <a:outerShdw dist="35921" dir="2700000" algn="ctr" rotWithShape="0">
+                    <a:schemeClr val="bg2"/>
+                  </a:outerShdw>
+                </a:effectLst>
+              </a14:hiddenEffects>
+            </a:ext>
+          </a:extLst>
+        </p:spPr>
+        <p:txBody>
+          <a:bodyPr lIns="0" tIns="0" rIns="0" bIns="0" anchor="t">
+            <a:spAutoFit/>
+          </a:bodyPr>
+          <a:lstStyle/>
+          <a:p>
+            <a:pPr algn="l">
+              <a:spcBef>
+                <a:spcPct val="50000"/>
+              </a:spcBef>
+            </a:pPr>
+            <a:r>
+              <a:rPr lang="it-IT" altLang="en-US" sz="3200" b="1" dirty="0">
+                <a:solidFill>
+                  <a:srgbClr val="003F6E"/>
+                </a:solidFill>
+                <a:latin typeface="Arial"/>
+                <a:cs typeface="Arial"/>
+              </a:rPr>
+              <a:t>Testing</a:t>
+            </a:r>
+            <a:endParaRPr lang="it-IT" altLang="en-US" sz="3200" b="1" dirty="0">
+              <a:solidFill>
+                <a:srgbClr val="003F6E"/>
+              </a:solidFill>
+              <a:cs typeface="Arial"/>
+            </a:endParaRPr>
+          </a:p>
+        </p:txBody>
+      </p:sp>
+    </p:spTree>
+    <p:extLst>
+      <p:ext uri="{BB962C8B-B14F-4D97-AF65-F5344CB8AC3E}">
+        <p14:creationId xmlns:p14="http://schemas.microsoft.com/office/powerpoint/2010/main" val="742386879"/>
+      </p:ext>
+    </p:extLst>
+  </p:cSld>
+  <p:clrMapOvr>
+    <a:masterClrMapping/>
+  </p:clrMapOvr>
+</p:sld>
+</file>
+
+<file path=ppt/slides/slide24.xml><?xml version="1.0" encoding="utf-8"?>
+<p:sld xmlns:a="http://schemas.openxmlformats.org/drawingml/2006/main" xmlns:r="http://schemas.openxmlformats.org/officeDocument/2006/relationships" xmlns:p="http://schemas.openxmlformats.org/presentationml/2006/main">
+  <p:cSld>
+    <p:spTree>
+      <p:nvGrpSpPr>
+        <p:cNvPr id="1" name=""/>
+        <p:cNvGrpSpPr/>
+        <p:nvPr/>
+      </p:nvGrpSpPr>
+      <p:grpSpPr>
+        <a:xfrm>
+          <a:off x="0" y="0"/>
+          <a:ext cx="0" cy="0"/>
+          <a:chOff x="0" y="0"/>
+          <a:chExt cx="0" cy="0"/>
+        </a:xfrm>
+      </p:grpSpPr>
+      <p:sp>
+        <p:nvSpPr>
+          <p:cNvPr id="2" name="Titolo 1">
+            <a:extLst>
+              <a:ext uri="{FF2B5EF4-FFF2-40B4-BE49-F238E27FC236}">
+                <a16:creationId xmlns:a16="http://schemas.microsoft.com/office/drawing/2014/main" id="{70B5FF66-A04B-40FC-940F-F4CFEC092523}"/>
+              </a:ext>
+            </a:extLst>
+          </p:cNvPr>
+          <p:cNvSpPr>
+            <a:spLocks noGrp="1"/>
+          </p:cNvSpPr>
+          <p:nvPr>
+            <p:ph type="title"/>
+          </p:nvPr>
+        </p:nvSpPr>
+        <p:spPr/>
+        <p:txBody>
+          <a:bodyPr/>
+          <a:lstStyle/>
+          <a:p>
+            <a:r>
               <a:rPr lang="en-GB" dirty="0"/>
-              <a:t>Instrumentation Test</a:t>
+              <a:t>Unit Test</a:t>
             </a:r>
           </a:p>
         </p:txBody>
@@ -9428,7 +10932,7 @@
                 <a:latin typeface="Calibri"/>
                 <a:cs typeface="Calibri"/>
               </a:rPr>
-              <a:t>UI </a:t>
+              <a:t>Local </a:t>
             </a:r>
             <a:r>
               <a:rPr lang="it-IT" sz="2800" b="1" dirty="0" err="1">
@@ -9478,7 +10982,7 @@
                 <a:latin typeface="Calibri"/>
                 <a:cs typeface="Calibri"/>
               </a:rPr>
-              <a:t>graphical</a:t>
+              <a:t>local</a:t>
             </a:r>
             <a:r>
               <a:rPr lang="it-IT" sz="2800" dirty="0">
@@ -9488,7 +10992,7 @@
                 <a:latin typeface="Calibri"/>
                 <a:cs typeface="Calibri"/>
               </a:rPr>
-              <a:t> </a:t>
+              <a:t> classes </a:t>
             </a:r>
             <a:r>
               <a:rPr lang="it-IT" sz="2800" dirty="0" err="1">
@@ -9498,27 +11002,7 @@
                 <a:latin typeface="Calibri"/>
                 <a:cs typeface="Calibri"/>
               </a:rPr>
-              <a:t>aspects</a:t>
-            </a:r>
-            <a:r>
-              <a:rPr lang="it-IT" sz="2800" dirty="0">
-                <a:solidFill>
-                  <a:srgbClr val="003F6E"/>
-                </a:solidFill>
-                <a:latin typeface="Calibri"/>
-                <a:cs typeface="Calibri"/>
-              </a:rPr>
-              <a:t> of the user </a:t>
-            </a:r>
-            <a:r>
-              <a:rPr lang="it-IT" sz="2800" dirty="0" err="1">
-                <a:solidFill>
-                  <a:srgbClr val="003F6E"/>
-                </a:solidFill>
-                <a:latin typeface="Calibri"/>
-                <a:cs typeface="Calibri"/>
-              </a:rPr>
-              <a:t>interfaces</a:t>
+              <a:t>functionalities</a:t>
             </a:r>
             <a:endParaRPr lang="it-IT" sz="2800" dirty="0">
               <a:solidFill>
@@ -9564,7 +11048,7 @@
                 <a:latin typeface="Calibri"/>
                 <a:cs typeface="Calibri"/>
               </a:rPr>
-              <a:t> Espresso and </a:t>
+              <a:t> JUnit4 and </a:t>
             </a:r>
             <a:r>
               <a:rPr lang="it-IT" sz="2800" dirty="0" err="1">
@@ -9574,18 +11058,15 @@
                 <a:latin typeface="Calibri"/>
                 <a:cs typeface="Calibri"/>
               </a:rPr>
-              <a:t>Firebase</a:t>
-            </a:r>
-            <a:r>
-              <a:rPr lang="it-IT" sz="2800" dirty="0">
-                <a:solidFill>
-                  <a:srgbClr val="003F6E"/>
-                </a:solidFill>
-                <a:latin typeface="Calibri"/>
-                <a:cs typeface="Calibri"/>
-              </a:rPr>
-              <a:t> Test Lab</a:t>
-            </a:r>
+              <a:t>PoweredMockito</a:t>
+            </a:r>
+            <a:endParaRPr lang="it-IT" sz="2800" dirty="0">
+              <a:solidFill>
+                <a:srgbClr val="003F6E"/>
+              </a:solidFill>
+              <a:latin typeface="Calibri"/>
+              <a:cs typeface="Calibri"/>
+            </a:endParaRPr>
           </a:p>
           <a:p>
             <a:pPr marL="457200" indent="-457200">
@@ -9623,77 +11104,355 @@
                 <a:latin typeface="Calibri"/>
                 <a:cs typeface="Calibri"/>
               </a:rPr>
-              <a:t> </a:t>
-            </a:r>
-            <a:r>
-              <a:rPr lang="it-IT" sz="2800" dirty="0" err="1">
+              <a:t> MyFile, MyDirectory, StorageElement, Utility</a:t>
+            </a:r>
+            <a:endParaRPr lang="it-IT" dirty="0"/>
+          </a:p>
+        </p:txBody>
+      </p:sp>
+      <p:sp>
+        <p:nvSpPr>
+          <p:cNvPr id="5" name="Segnaposto numero diapositiva 4">
+            <a:extLst>
+              <a:ext uri="{FF2B5EF4-FFF2-40B4-BE49-F238E27FC236}">
+                <a16:creationId xmlns:a16="http://schemas.microsoft.com/office/drawing/2014/main" id="{F77D4566-3A75-42D0-A1C3-1E92F007DECA}"/>
+              </a:ext>
+            </a:extLst>
+          </p:cNvPr>
+          <p:cNvSpPr>
+            <a:spLocks noGrp="1"/>
+          </p:cNvSpPr>
+          <p:nvPr>
+            <p:ph type="sldNum" sz="quarter" idx="10"/>
+          </p:nvPr>
+        </p:nvSpPr>
+        <p:spPr/>
+        <p:txBody>
+          <a:bodyPr/>
+          <a:lstStyle/>
+          <a:p>
+            <a:fld id="{890431D4-9664-4983-A38D-C80271325BDD}" type="slidenum">
+              <a:rPr lang="it-IT" altLang="en-US" smtClean="0"/>
+              <a:pPr/>
+              <a:t>24</a:t>
+            </a:fld>
+            <a:endParaRPr lang="it-IT" altLang="en-US"/>
+          </a:p>
+        </p:txBody>
+      </p:sp>
+      <p:sp>
+        <p:nvSpPr>
+          <p:cNvPr id="6" name="Rettangolo 5">
+            <a:extLst>
+              <a:ext uri="{FF2B5EF4-FFF2-40B4-BE49-F238E27FC236}">
+                <a16:creationId xmlns:a16="http://schemas.microsoft.com/office/drawing/2014/main" id="{630D41F3-9B2E-4EDD-A6E2-B551CA8422DC}"/>
+              </a:ext>
+            </a:extLst>
+          </p:cNvPr>
+          <p:cNvSpPr/>
+          <p:nvPr/>
+        </p:nvSpPr>
+        <p:spPr bwMode="auto">
+          <a:xfrm>
+            <a:off x="251520" y="6613524"/>
+            <a:ext cx="4374292" cy="244475"/>
+          </a:xfrm>
+          <a:prstGeom prst="rect">
+            <a:avLst/>
+          </a:prstGeom>
+          <a:solidFill>
+            <a:schemeClr val="bg1"/>
+          </a:solidFill>
+          <a:ln>
+            <a:noFill/>
+          </a:ln>
+          <a:effectLst/>
+        </p:spPr>
+        <p:txBody>
+          <a:bodyPr vert="horz" wrap="square" lIns="0" tIns="0" rIns="0" bIns="0" numCol="1" rtlCol="0" anchor="t" anchorCtr="0" compatLnSpc="1">
+            <a:prstTxWarp prst="textNoShape">
+              <a:avLst/>
+            </a:prstTxWarp>
+          </a:bodyPr>
+          <a:lstStyle/>
+          <a:p>
+            <a:pPr marL="0" marR="0" indent="0" algn="ctr" defTabSz="914400" rtl="0" eaLnBrk="0" fontAlgn="base" latinLnBrk="0" hangingPunct="0">
+              <a:lnSpc>
+                <a:spcPct val="100000"/>
+              </a:lnSpc>
+              <a:spcBef>
+                <a:spcPct val="20000"/>
+              </a:spcBef>
+              <a:spcAft>
+                <a:spcPct val="0"/>
+              </a:spcAft>
+              <a:buClrTx/>
+              <a:buSzTx/>
+              <a:buFontTx/>
+              <a:buNone/>
+              <a:tabLst/>
+            </a:pPr>
+            <a:r>
+              <a:rPr lang="en-GB" sz="1400" dirty="0">
+                <a:ln>
+                  <a:solidFill>
+                    <a:srgbClr val="003366"/>
+                  </a:solidFill>
+                </a:ln>
+                <a:solidFill>
+                  <a:srgbClr val="003366"/>
+                </a:solidFill>
+                <a:latin typeface="Calibri" panose="020F0502020204030204" pitchFamily="34" charset="0"/>
+                <a:cs typeface="Calibri" panose="020F0502020204030204" pitchFamily="34" charset="0"/>
+              </a:rPr>
+              <a:t>Lamparelli Andrea, </a:t>
+            </a:r>
+            <a:r>
+              <a:rPr lang="en-GB" sz="1400" dirty="0" err="1">
+                <a:ln>
+                  <a:solidFill>
+                    <a:srgbClr val="003366"/>
+                  </a:solidFill>
+                </a:ln>
+                <a:solidFill>
+                  <a:srgbClr val="003366"/>
+                </a:solidFill>
+                <a:latin typeface="Calibri" panose="020F0502020204030204" pitchFamily="34" charset="0"/>
+                <a:cs typeface="Calibri" panose="020F0502020204030204" pitchFamily="34" charset="0"/>
+              </a:rPr>
+              <a:t>Chittò</a:t>
+            </a:r>
+            <a:r>
+              <a:rPr lang="en-GB" sz="1400" dirty="0">
+                <a:ln>
+                  <a:solidFill>
+                    <a:srgbClr val="003366"/>
+                  </a:solidFill>
+                </a:ln>
+                <a:solidFill>
+                  <a:srgbClr val="003366"/>
+                </a:solidFill>
+                <a:latin typeface="Calibri" panose="020F0502020204030204" pitchFamily="34" charset="0"/>
+                <a:cs typeface="Calibri" panose="020F0502020204030204" pitchFamily="34" charset="0"/>
+              </a:rPr>
+              <a:t> Pietro</a:t>
+            </a:r>
+            <a:endParaRPr kumimoji="0" lang="en-GB" sz="1400" i="0" u="none" strike="noStrike" cap="none" normalizeH="0" baseline="0" dirty="0">
+              <a:ln>
+                <a:solidFill>
+                  <a:srgbClr val="003366"/>
+                </a:solidFill>
+              </a:ln>
+              <a:solidFill>
+                <a:srgbClr val="003366"/>
+              </a:solidFill>
+              <a:effectLst/>
+              <a:latin typeface="Calibri" panose="020F0502020204030204" pitchFamily="34" charset="0"/>
+              <a:cs typeface="Calibri" panose="020F0502020204030204" pitchFamily="34" charset="0"/>
+            </a:endParaRPr>
+          </a:p>
+        </p:txBody>
+      </p:sp>
+    </p:spTree>
+    <p:extLst>
+      <p:ext uri="{BB962C8B-B14F-4D97-AF65-F5344CB8AC3E}">
+        <p14:creationId xmlns:p14="http://schemas.microsoft.com/office/powerpoint/2010/main" val="203669010"/>
+      </p:ext>
+    </p:extLst>
+  </p:cSld>
+  <p:clrMapOvr>
+    <a:masterClrMapping/>
+  </p:clrMapOvr>
+</p:sld>
+</file>
+
+<file path=ppt/slides/slide25.xml><?xml version="1.0" encoding="utf-8"?>
+<p:sld xmlns:a="http://schemas.openxmlformats.org/drawingml/2006/main" xmlns:r="http://schemas.openxmlformats.org/officeDocument/2006/relationships" xmlns:p="http://schemas.openxmlformats.org/presentationml/2006/main">
+  <p:cSld>
+    <p:spTree>
+      <p:nvGrpSpPr>
+        <p:cNvPr id="1" name=""/>
+        <p:cNvGrpSpPr/>
+        <p:nvPr/>
+      </p:nvGrpSpPr>
+      <p:grpSpPr>
+        <a:xfrm>
+          <a:off x="0" y="0"/>
+          <a:ext cx="0" cy="0"/>
+          <a:chOff x="0" y="0"/>
+          <a:chExt cx="0" cy="0"/>
+        </a:xfrm>
+      </p:grpSpPr>
+      <p:sp>
+        <p:nvSpPr>
+          <p:cNvPr id="2" name="Titolo 1">
+            <a:extLst>
+              <a:ext uri="{FF2B5EF4-FFF2-40B4-BE49-F238E27FC236}">
+                <a16:creationId xmlns:a16="http://schemas.microsoft.com/office/drawing/2014/main" id="{70B5FF66-A04B-40FC-940F-F4CFEC092523}"/>
+              </a:ext>
+            </a:extLst>
+          </p:cNvPr>
+          <p:cNvSpPr>
+            <a:spLocks noGrp="1"/>
+          </p:cNvSpPr>
+          <p:nvPr>
+            <p:ph type="title"/>
+          </p:nvPr>
+        </p:nvSpPr>
+        <p:spPr/>
+        <p:txBody>
+          <a:bodyPr/>
+          <a:lstStyle/>
+          <a:p>
+            <a:r>
+              <a:rPr lang="en-GB" dirty="0"/>
+              <a:t>Instrumentation Test</a:t>
+            </a:r>
+          </a:p>
+        </p:txBody>
+      </p:sp>
+      <p:sp>
+        <p:nvSpPr>
+          <p:cNvPr id="13" name="Segnaposto contenuto 12">
+            <a:extLst>
+              <a:ext uri="{FF2B5EF4-FFF2-40B4-BE49-F238E27FC236}">
+                <a16:creationId xmlns:a16="http://schemas.microsoft.com/office/drawing/2014/main" id="{ACFAC886-BCD4-4A22-A6CE-2BF95053A012}"/>
+              </a:ext>
+            </a:extLst>
+          </p:cNvPr>
+          <p:cNvSpPr>
+            <a:spLocks noGrp="1"/>
+          </p:cNvSpPr>
+          <p:nvPr>
+            <p:ph sz="half" idx="1"/>
+          </p:nvPr>
+        </p:nvSpPr>
+        <p:spPr>
+          <a:xfrm>
+            <a:off x="719138" y="1076324"/>
+            <a:ext cx="7712989" cy="4296891"/>
+          </a:xfrm>
+        </p:spPr>
+        <p:txBody>
+          <a:bodyPr/>
+          <a:lstStyle/>
+          <a:p>
+            <a:pPr marL="457200" indent="-457200">
+              <a:buFont typeface="Arial"/>
+              <a:buChar char="•"/>
+            </a:pPr>
+            <a:endParaRPr lang="it-IT" sz="2800" b="1" dirty="0">
+              <a:solidFill>
+                <a:srgbClr val="003F6E"/>
+              </a:solidFill>
+              <a:latin typeface="Calibri"/>
+              <a:cs typeface="Calibri"/>
+            </a:endParaRPr>
+          </a:p>
+          <a:p>
+            <a:pPr marL="457200" indent="-457200">
+              <a:buFont typeface="Arial"/>
+              <a:buChar char="•"/>
+            </a:pPr>
+            <a:r>
+              <a:rPr lang="it-IT" sz="2800" b="1" dirty="0">
                 <a:solidFill>
                   <a:srgbClr val="003F6E"/>
                 </a:solidFill>
                 <a:latin typeface="Calibri"/>
                 <a:cs typeface="Calibri"/>
               </a:rPr>
-              <a:t>RegistrationActivity</a:t>
-            </a:r>
-            <a:r>
-              <a:rPr lang="it-IT" sz="2800" dirty="0">
+              <a:t>UI </a:t>
+            </a:r>
+            <a:r>
+              <a:rPr lang="it-IT" sz="2800" b="1" dirty="0" err="1">
                 <a:solidFill>
                   <a:srgbClr val="003F6E"/>
                 </a:solidFill>
                 <a:latin typeface="Calibri"/>
                 <a:cs typeface="Calibri"/>
               </a:rPr>
-              <a:t>, </a:t>
-            </a:r>
-            <a:r>
-              <a:rPr lang="it-IT" sz="2800" dirty="0" err="1">
+              <a:t>tests</a:t>
+            </a:r>
+            <a:r>
+              <a:rPr lang="it-IT" sz="2800" b="1" dirty="0">
                 <a:solidFill>
                   <a:srgbClr val="003F6E"/>
                 </a:solidFill>
                 <a:latin typeface="Calibri"/>
                 <a:cs typeface="Calibri"/>
               </a:rPr>
-              <a:t>LoginActivity</a:t>
-            </a:r>
-            <a:r>
-              <a:rPr lang="it-IT" sz="2800" dirty="0">
+              <a:t>: </a:t>
+            </a:r>
+            <a:r>
+              <a:rPr lang="it-IT" sz="2800" dirty="0" err="1">
                 <a:solidFill>
                   <a:srgbClr val="003F6E"/>
                 </a:solidFill>
                 <a:latin typeface="Calibri"/>
                 <a:cs typeface="Calibri"/>
               </a:rPr>
-              <a:t>, </a:t>
-            </a:r>
-            <a:r>
-              <a:rPr lang="it-IT" sz="2800" dirty="0" err="1">
+              <a:t>used</a:t>
+            </a:r>
+            <a:r>
+              <a:rPr lang="it-IT" sz="2800" dirty="0">
                 <a:solidFill>
                   <a:srgbClr val="003F6E"/>
                 </a:solidFill>
                 <a:latin typeface="Calibri"/>
                 <a:cs typeface="Calibri"/>
               </a:rPr>
-              <a:t>MainActivity</a:t>
-            </a:r>
-            <a:r>
-              <a:rPr lang="it-IT" sz="2800" dirty="0">
+              <a:t> to test </a:t>
+            </a:r>
+            <a:r>
+              <a:rPr lang="it-IT" sz="2800" dirty="0" err="1">
                 <a:solidFill>
                   <a:srgbClr val="003F6E"/>
                 </a:solidFill>
                 <a:latin typeface="Calibri"/>
                 <a:cs typeface="Calibri"/>
               </a:rPr>
-              <a:t> and </a:t>
-            </a:r>
-            <a:r>
-              <a:rPr lang="it-IT" sz="2800" dirty="0" err="1">
+              <a:t>graphical</a:t>
+            </a:r>
+            <a:r>
+              <a:rPr lang="it-IT" sz="2800" dirty="0">
                 <a:solidFill>
                   <a:srgbClr val="003F6E"/>
                 </a:solidFill>
                 <a:latin typeface="Calibri"/>
                 <a:cs typeface="Calibri"/>
               </a:rPr>
-              <a:t>StorageFragment</a:t>
+              <a:t> </a:t>
+            </a:r>
+            <a:r>
+              <a:rPr lang="it-IT" sz="2800" dirty="0" err="1">
+                <a:solidFill>
+                  <a:srgbClr val="003F6E"/>
+                </a:solidFill>
+                <a:latin typeface="Calibri"/>
+                <a:cs typeface="Calibri"/>
+              </a:rPr>
+              <a:t>aspects</a:t>
+            </a:r>
+            <a:r>
+              <a:rPr lang="it-IT" sz="2800" dirty="0">
+                <a:solidFill>
+                  <a:srgbClr val="003F6E"/>
+                </a:solidFill>
+                <a:latin typeface="Calibri"/>
+                <a:cs typeface="Calibri"/>
+              </a:rPr>
+              <a:t> of the user </a:t>
+            </a:r>
+            <a:r>
+              <a:rPr lang="it-IT" sz="2800" dirty="0" err="1">
+                <a:solidFill>
+                  <a:srgbClr val="003F6E"/>
+                </a:solidFill>
+                <a:latin typeface="Calibri"/>
+                <a:cs typeface="Calibri"/>
+              </a:rPr>
+              <a:t>interfaces</a:t>
             </a:r>
             <a:endParaRPr lang="it-IT" sz="2800" dirty="0">
               <a:solidFill>
@@ -9703,6 +11462,181 @@
               <a:cs typeface="Calibri"/>
             </a:endParaRPr>
           </a:p>
+          <a:p>
+            <a:pPr marL="457200" indent="-457200">
+              <a:buFont typeface="Arial"/>
+              <a:buChar char="•"/>
+            </a:pPr>
+            <a:endParaRPr lang="it-IT" sz="2800" dirty="0">
+              <a:solidFill>
+                <a:srgbClr val="003F6E"/>
+              </a:solidFill>
+              <a:latin typeface="Calibri"/>
+              <a:cs typeface="Calibri"/>
+            </a:endParaRPr>
+          </a:p>
+          <a:p>
+            <a:pPr marL="457200" indent="-457200">
+              <a:buFont typeface="Arial"/>
+              <a:buChar char="•"/>
+            </a:pPr>
+            <a:r>
+              <a:rPr lang="it-IT" sz="2800" b="1" dirty="0">
+                <a:solidFill>
+                  <a:srgbClr val="003F6E"/>
+                </a:solidFill>
+                <a:latin typeface="Calibri"/>
+                <a:cs typeface="Calibri"/>
+              </a:rPr>
+              <a:t>Tools:</a:t>
+            </a:r>
+            <a:r>
+              <a:rPr lang="it-IT" sz="2800" dirty="0">
+                <a:solidFill>
+                  <a:srgbClr val="003F6E"/>
+                </a:solidFill>
+                <a:latin typeface="Calibri"/>
+                <a:cs typeface="Calibri"/>
+              </a:rPr>
+              <a:t> Espresso, Espresso Recorder and </a:t>
+            </a:r>
+            <a:r>
+              <a:rPr lang="it-IT" sz="2800" dirty="0" err="1">
+                <a:solidFill>
+                  <a:srgbClr val="003F6E"/>
+                </a:solidFill>
+                <a:latin typeface="Calibri"/>
+                <a:cs typeface="Calibri"/>
+              </a:rPr>
+              <a:t>Firebase</a:t>
+            </a:r>
+            <a:r>
+              <a:rPr lang="it-IT" sz="2800" dirty="0">
+                <a:solidFill>
+                  <a:srgbClr val="003F6E"/>
+                </a:solidFill>
+                <a:latin typeface="Calibri"/>
+                <a:cs typeface="Calibri"/>
+              </a:rPr>
+              <a:t> Test Lab</a:t>
+            </a:r>
+          </a:p>
+          <a:p>
+            <a:pPr marL="457200" indent="-457200">
+              <a:buFont typeface="Arial"/>
+              <a:buChar char="•"/>
+            </a:pPr>
+            <a:endParaRPr lang="it-IT" sz="2800" b="1" dirty="0">
+              <a:solidFill>
+                <a:srgbClr val="003F6E"/>
+              </a:solidFill>
+              <a:latin typeface="Calibri"/>
+              <a:cs typeface="Calibri"/>
+            </a:endParaRPr>
+          </a:p>
+          <a:p>
+            <a:pPr marL="457200" indent="-457200">
+              <a:buFont typeface="Arial"/>
+              <a:buChar char="•"/>
+            </a:pPr>
+            <a:r>
+              <a:rPr lang="it-IT" sz="2800" b="1" dirty="0">
+                <a:solidFill>
+                  <a:srgbClr val="003F6E"/>
+                </a:solidFill>
+                <a:latin typeface="Calibri"/>
+                <a:cs typeface="Calibri"/>
+              </a:rPr>
+              <a:t>Classes:</a:t>
+            </a:r>
+            <a:r>
+              <a:rPr lang="it-IT" sz="2800" dirty="0">
+                <a:solidFill>
+                  <a:srgbClr val="003F6E"/>
+                </a:solidFill>
+                <a:latin typeface="Calibri"/>
+                <a:cs typeface="Calibri"/>
+              </a:rPr>
+              <a:t> </a:t>
+            </a:r>
+            <a:r>
+              <a:rPr lang="it-IT" sz="2800" dirty="0" err="1">
+                <a:solidFill>
+                  <a:srgbClr val="003F6E"/>
+                </a:solidFill>
+                <a:latin typeface="Calibri"/>
+                <a:cs typeface="Calibri"/>
+              </a:rPr>
+              <a:t>RegistrationActivity</a:t>
+            </a:r>
+            <a:r>
+              <a:rPr lang="it-IT" sz="2800" dirty="0">
+                <a:solidFill>
+                  <a:srgbClr val="003F6E"/>
+                </a:solidFill>
+                <a:latin typeface="Calibri"/>
+                <a:cs typeface="Calibri"/>
+              </a:rPr>
+              <a:t>, </a:t>
+            </a:r>
+            <a:r>
+              <a:rPr lang="it-IT" sz="2800" dirty="0" err="1">
+                <a:solidFill>
+                  <a:srgbClr val="003F6E"/>
+                </a:solidFill>
+                <a:latin typeface="Calibri"/>
+                <a:cs typeface="Calibri"/>
+              </a:rPr>
+              <a:t>LoginActivity</a:t>
+            </a:r>
+            <a:r>
+              <a:rPr lang="it-IT" sz="2800" dirty="0">
+                <a:solidFill>
+                  <a:srgbClr val="003F6E"/>
+                </a:solidFill>
+                <a:latin typeface="Calibri"/>
+                <a:cs typeface="Calibri"/>
+              </a:rPr>
+              <a:t>, </a:t>
+            </a:r>
+            <a:r>
+              <a:rPr lang="it-IT" sz="2800" dirty="0" err="1">
+                <a:solidFill>
+                  <a:srgbClr val="003F6E"/>
+                </a:solidFill>
+                <a:latin typeface="Calibri"/>
+                <a:cs typeface="Calibri"/>
+              </a:rPr>
+              <a:t>MainActivity</a:t>
+            </a:r>
+            <a:r>
+              <a:rPr lang="it-IT" sz="2800" dirty="0">
+                <a:solidFill>
+                  <a:srgbClr val="003F6E"/>
+                </a:solidFill>
+                <a:latin typeface="Calibri"/>
+                <a:cs typeface="Calibri"/>
+              </a:rPr>
+              <a:t> and </a:t>
+            </a:r>
+            <a:r>
+              <a:rPr lang="it-IT" sz="2800" dirty="0" err="1">
+                <a:solidFill>
+                  <a:srgbClr val="003F6E"/>
+                </a:solidFill>
+                <a:latin typeface="Calibri"/>
+                <a:cs typeface="Calibri"/>
+              </a:rPr>
+              <a:t>StorageFragment</a:t>
+            </a:r>
+            <a:endParaRPr lang="it-IT" sz="2800" dirty="0">
+              <a:solidFill>
+                <a:srgbClr val="003F6E"/>
+              </a:solidFill>
+              <a:latin typeface="Calibri"/>
+              <a:cs typeface="Calibri"/>
+            </a:endParaRPr>
+          </a:p>
         </p:txBody>
       </p:sp>
       <p:sp>
@@ -9729,7 +11663,7 @@
             <a:fld id="{890431D4-9664-4983-A38D-C80271325BDD}" type="slidenum">
               <a:rPr lang="it-IT" altLang="en-US" smtClean="0"/>
               <a:pPr/>
-              <a:t>21</a:t>
+              <a:t>25</a:t>
             </a:fld>
             <a:endParaRPr lang="it-IT" altLang="en-US"/>
           </a:p>

--- a/documentation/presentation_qdocs.pptx
+++ b/documentation/presentation_qdocs.pptx
@@ -5,10 +5,10 @@
     <p:sldMasterId id="2147483648" r:id="rId1"/>
   </p:sldMasterIdLst>
   <p:notesMasterIdLst>
-    <p:notesMasterId r:id="rId27"/>
+    <p:notesMasterId r:id="rId26"/>
   </p:notesMasterIdLst>
   <p:handoutMasterIdLst>
-    <p:handoutMasterId r:id="rId28"/>
+    <p:handoutMasterId r:id="rId27"/>
   </p:handoutMasterIdLst>
   <p:sldIdLst>
     <p:sldId id="256" r:id="rId2"/>
@@ -22,20 +22,19 @@
     <p:sldId id="271" r:id="rId10"/>
     <p:sldId id="272" r:id="rId11"/>
     <p:sldId id="273" r:id="rId12"/>
-    <p:sldId id="274" r:id="rId13"/>
-    <p:sldId id="275" r:id="rId14"/>
-    <p:sldId id="277" r:id="rId15"/>
-    <p:sldId id="297" r:id="rId16"/>
-    <p:sldId id="298" r:id="rId17"/>
-    <p:sldId id="299" r:id="rId18"/>
-    <p:sldId id="293" r:id="rId19"/>
-    <p:sldId id="294" r:id="rId20"/>
-    <p:sldId id="300" r:id="rId21"/>
-    <p:sldId id="301" r:id="rId22"/>
-    <p:sldId id="278" r:id="rId23"/>
-    <p:sldId id="289" r:id="rId24"/>
-    <p:sldId id="288" r:id="rId25"/>
-    <p:sldId id="296" r:id="rId26"/>
+    <p:sldId id="275" r:id="rId13"/>
+    <p:sldId id="277" r:id="rId14"/>
+    <p:sldId id="297" r:id="rId15"/>
+    <p:sldId id="298" r:id="rId16"/>
+    <p:sldId id="299" r:id="rId17"/>
+    <p:sldId id="293" r:id="rId18"/>
+    <p:sldId id="294" r:id="rId19"/>
+    <p:sldId id="300" r:id="rId20"/>
+    <p:sldId id="301" r:id="rId21"/>
+    <p:sldId id="278" r:id="rId22"/>
+    <p:sldId id="289" r:id="rId23"/>
+    <p:sldId id="288" r:id="rId24"/>
+    <p:sldId id="296" r:id="rId25"/>
   </p:sldIdLst>
   <p:sldSz cx="9144000" cy="6858000" type="screen4x3"/>
   <p:notesSz cx="6669088" cy="9928225"/>
@@ -1676,7 +1675,7 @@
             <a:fld id="{AF277DBB-4E58-4C67-A2CD-2F1D5D299867}" type="slidenum">
               <a:rPr lang="it-IT" altLang="en-US"/>
               <a:pPr/>
-              <a:t>18</a:t>
+              <a:t>17</a:t>
             </a:fld>
             <a:endParaRPr lang="it-IT" altLang="en-US"/>
           </a:p>
@@ -1792,7 +1791,7 @@
             <a:fld id="{AF277DBB-4E58-4C67-A2CD-2F1D5D299867}" type="slidenum">
               <a:rPr lang="it-IT" altLang="en-US"/>
               <a:pPr/>
-              <a:t>23</a:t>
+              <a:t>22</a:t>
             </a:fld>
             <a:endParaRPr lang="it-IT" altLang="en-US"/>
           </a:p>
@@ -6790,10 +6789,9 @@
           <a:lstStyle/>
           <a:p>
             <a:r>
-              <a:rPr lang="en-GB"/>
-              <a:t>Design : FMVC</a:t>
-            </a:r>
-            <a:endParaRPr lang="en-GB" dirty="0"/>
+              <a:rPr lang="en-GB" dirty="0"/>
+              <a:t>Packages organization</a:t>
+            </a:r>
           </a:p>
         </p:txBody>
       </p:sp>
@@ -6827,209 +6825,12 @@
           </a:p>
         </p:txBody>
       </p:sp>
-      <p:sp>
-        <p:nvSpPr>
-          <p:cNvPr id="3" name="CasellaDiTesto 2">
-            <a:extLst>
-              <a:ext uri="{FF2B5EF4-FFF2-40B4-BE49-F238E27FC236}">
-                <a16:creationId xmlns:a16="http://schemas.microsoft.com/office/drawing/2014/main" id="{E8440F2A-A4FA-40CA-BB9A-5E07C15FC853}"/>
-              </a:ext>
-            </a:extLst>
-          </p:cNvPr>
-          <p:cNvSpPr txBox="1"/>
-          <p:nvPr/>
-        </p:nvSpPr>
-        <p:spPr>
-          <a:xfrm>
-            <a:off x="578602" y="1172704"/>
-            <a:ext cx="7676824" cy="2074414"/>
-          </a:xfrm>
-          <a:prstGeom prst="rect">
-            <a:avLst/>
-          </a:prstGeom>
-          <a:noFill/>
-        </p:spPr>
-        <p:txBody>
-          <a:bodyPr rot="0" spcFirstLastPara="0" vertOverflow="overflow" horzOverflow="overflow" vert="horz" wrap="square" lIns="91440" tIns="45720" rIns="91440" bIns="45720" numCol="1" spcCol="0" rtlCol="0" fromWordArt="0" anchor="t" anchorCtr="0" forceAA="0" compatLnSpc="1">
-            <a:prstTxWarp prst="textNoShape">
-              <a:avLst/>
-            </a:prstTxWarp>
-            <a:spAutoFit/>
-          </a:bodyPr>
-          <a:lstStyle/>
-          <a:p>
-            <a:pPr marL="457200" indent="-457200" algn="l">
-              <a:buFont typeface="Arial"/>
-              <a:buChar char="•"/>
-            </a:pPr>
-            <a:r>
-              <a:rPr lang="it-IT" sz="2800" b="1" dirty="0">
-                <a:solidFill>
-                  <a:srgbClr val="003F6E"/>
-                </a:solidFill>
-                <a:latin typeface="Calibri"/>
-                <a:cs typeface="Calibri"/>
-              </a:rPr>
-              <a:t>Framework</a:t>
-            </a:r>
-            <a:r>
-              <a:rPr lang="it-IT" sz="2800" dirty="0">
-                <a:solidFill>
-                  <a:srgbClr val="003F6E"/>
-                </a:solidFill>
-                <a:latin typeface="Calibri"/>
-                <a:cs typeface="Calibri"/>
-              </a:rPr>
-              <a:t>, Android OS </a:t>
-            </a:r>
-          </a:p>
-          <a:p>
-            <a:pPr marL="457200" indent="-457200" algn="l">
-              <a:buFont typeface="Arial"/>
-              <a:buChar char="•"/>
-            </a:pPr>
-            <a:r>
-              <a:rPr lang="it-IT" sz="2800" b="1" dirty="0">
-                <a:solidFill>
-                  <a:srgbClr val="003F6E"/>
-                </a:solidFill>
-                <a:latin typeface="Calibri"/>
-                <a:cs typeface="Calibri"/>
-              </a:rPr>
-              <a:t>Model</a:t>
-            </a:r>
-            <a:r>
-              <a:rPr lang="it-IT" sz="2800" dirty="0">
-                <a:solidFill>
-                  <a:srgbClr val="003F6E"/>
-                </a:solidFill>
-                <a:latin typeface="Calibri"/>
-                <a:cs typeface="Calibri"/>
-              </a:rPr>
-              <a:t>, Business </a:t>
-            </a:r>
-            <a:r>
-              <a:rPr lang="it-IT" sz="2800" dirty="0" err="1">
-                <a:solidFill>
-                  <a:srgbClr val="003F6E"/>
-                </a:solidFill>
-                <a:latin typeface="Calibri"/>
-                <a:cs typeface="Calibri"/>
-              </a:rPr>
-              <a:t>logic</a:t>
-            </a:r>
-            <a:endParaRPr lang="it-IT" sz="2800" dirty="0">
-              <a:solidFill>
-                <a:srgbClr val="003F6E"/>
-              </a:solidFill>
-              <a:latin typeface="Calibri"/>
-              <a:cs typeface="Calibri"/>
-            </a:endParaRPr>
-          </a:p>
-          <a:p>
-            <a:pPr marL="457200" indent="-457200" algn="l">
-              <a:buFont typeface="Arial"/>
-              <a:buChar char="•"/>
-            </a:pPr>
-            <a:r>
-              <a:rPr lang="it-IT" sz="2800" b="1" dirty="0" err="1">
-                <a:solidFill>
-                  <a:srgbClr val="003F6E"/>
-                </a:solidFill>
-                <a:latin typeface="Calibri"/>
-                <a:cs typeface="Calibri"/>
-              </a:rPr>
-              <a:t>View</a:t>
-            </a:r>
-            <a:r>
-              <a:rPr lang="it-IT" sz="2800" dirty="0">
-                <a:solidFill>
-                  <a:srgbClr val="003F6E"/>
-                </a:solidFill>
-                <a:latin typeface="Calibri"/>
-                <a:cs typeface="Calibri"/>
-              </a:rPr>
-              <a:t>, </a:t>
-            </a:r>
-            <a:r>
-              <a:rPr lang="it-IT" sz="2800" dirty="0" err="1">
-                <a:solidFill>
-                  <a:srgbClr val="003F6E"/>
-                </a:solidFill>
-                <a:latin typeface="Calibri"/>
-                <a:cs typeface="Calibri"/>
-              </a:rPr>
-              <a:t>Static</a:t>
-            </a:r>
-            <a:r>
-              <a:rPr lang="it-IT" sz="2800" dirty="0">
-                <a:solidFill>
-                  <a:srgbClr val="003F6E"/>
-                </a:solidFill>
-                <a:latin typeface="Calibri"/>
-                <a:cs typeface="Calibri"/>
-              </a:rPr>
-              <a:t> user </a:t>
-            </a:r>
-            <a:r>
-              <a:rPr lang="it-IT" sz="2800" dirty="0" err="1">
-                <a:solidFill>
-                  <a:srgbClr val="003F6E"/>
-                </a:solidFill>
-                <a:latin typeface="Calibri"/>
-                <a:cs typeface="Calibri"/>
-              </a:rPr>
-              <a:t>interfaces</a:t>
-            </a:r>
-            <a:endParaRPr lang="it-IT" sz="2800" dirty="0">
-              <a:solidFill>
-                <a:srgbClr val="003F6E"/>
-              </a:solidFill>
-              <a:latin typeface="Calibri"/>
-              <a:cs typeface="Calibri"/>
-            </a:endParaRPr>
-          </a:p>
-          <a:p>
-            <a:pPr marL="457200" indent="-457200" algn="l">
-              <a:buFont typeface="Arial"/>
-              <a:buChar char="•"/>
-            </a:pPr>
-            <a:r>
-              <a:rPr lang="it-IT" sz="2800" b="1" dirty="0">
-                <a:solidFill>
-                  <a:srgbClr val="003F6E"/>
-                </a:solidFill>
-                <a:latin typeface="Calibri"/>
-                <a:cs typeface="Calibri"/>
-              </a:rPr>
-              <a:t>Controller</a:t>
-            </a:r>
-            <a:r>
-              <a:rPr lang="it-IT" sz="2800" dirty="0">
-                <a:solidFill>
-                  <a:srgbClr val="003F6E"/>
-                </a:solidFill>
-                <a:latin typeface="Calibri"/>
-                <a:cs typeface="Calibri"/>
-              </a:rPr>
-              <a:t>, Handle events and update UI</a:t>
-            </a:r>
-            <a:endParaRPr lang="it-IT" sz="2800" b="1" dirty="0">
-              <a:solidFill>
-                <a:srgbClr val="003F6E"/>
-              </a:solidFill>
-              <a:latin typeface="Calibri"/>
-              <a:cs typeface="Calibri"/>
-            </a:endParaRPr>
-          </a:p>
-        </p:txBody>
-      </p:sp>
       <p:pic>
         <p:nvPicPr>
-          <p:cNvPr id="10" name="Immagine 11" descr="Immagine che contiene mappa, testo&#10;&#10;Descrizione generata con affidabilità elevata">
-            <a:extLst>
-              <a:ext uri="{FF2B5EF4-FFF2-40B4-BE49-F238E27FC236}">
-                <a16:creationId xmlns:a16="http://schemas.microsoft.com/office/drawing/2014/main" id="{80C35EFA-6081-4CD1-B060-27B09E296F18}"/>
+          <p:cNvPr id="3" name="Immagine 4" descr="Immagine che contiene testo&#10;&#10;Descrizione generata con affidabilità molto elevata">
+            <a:extLst>
+              <a:ext uri="{FF2B5EF4-FFF2-40B4-BE49-F238E27FC236}">
+                <a16:creationId xmlns:a16="http://schemas.microsoft.com/office/drawing/2014/main" id="{A97D867E-255C-473C-A5A6-E9A84F1D5CFE}"/>
               </a:ext>
             </a:extLst>
           </p:cNvPr>
@@ -7046,8 +6847,8 @@
         </p:blipFill>
         <p:spPr>
           <a:xfrm>
-            <a:off x="2716079" y="4013859"/>
-            <a:ext cx="3537487" cy="1820162"/>
+            <a:off x="1579536" y="1114041"/>
+            <a:ext cx="5842860" cy="5017374"/>
           </a:xfrm>
           <a:prstGeom prst="rect">
             <a:avLst/>
@@ -7056,10 +6857,10 @@
       </p:pic>
       <p:sp>
         <p:nvSpPr>
-          <p:cNvPr id="6" name="Rettangolo 5">
-            <a:extLst>
-              <a:ext uri="{FF2B5EF4-FFF2-40B4-BE49-F238E27FC236}">
-                <a16:creationId xmlns:a16="http://schemas.microsoft.com/office/drawing/2014/main" id="{66A32BC0-4C48-4B6C-98F0-5AC3B9E2C901}"/>
+          <p:cNvPr id="5" name="Rettangolo 4">
+            <a:extLst>
+              <a:ext uri="{FF2B5EF4-FFF2-40B4-BE49-F238E27FC236}">
+                <a16:creationId xmlns:a16="http://schemas.microsoft.com/office/drawing/2014/main" id="{EFEAFFB7-997B-4EC3-A700-84EDBA11A0C5}"/>
               </a:ext>
             </a:extLst>
           </p:cNvPr>
@@ -7170,7 +6971,7 @@
     </p:spTree>
     <p:extLst>
       <p:ext uri="{BB962C8B-B14F-4D97-AF65-F5344CB8AC3E}">
-        <p14:creationId xmlns:p14="http://schemas.microsoft.com/office/powerpoint/2010/main" val="2809067694"/>
+        <p14:creationId xmlns:p14="http://schemas.microsoft.com/office/powerpoint/2010/main" val="3297353621"/>
       </p:ext>
     </p:extLst>
   </p:cSld>
@@ -7220,7 +7021,7 @@
           <a:p>
             <a:r>
               <a:rPr lang="en-GB" dirty="0"/>
-              <a:t>Packages organization</a:t>
+              <a:t>Activities Flowchart</a:t>
             </a:r>
           </a:p>
         </p:txBody>
@@ -7257,10 +7058,10 @@
       </p:sp>
       <p:pic>
         <p:nvPicPr>
-          <p:cNvPr id="3" name="Immagine 4" descr="Immagine che contiene testo&#10;&#10;Descrizione generata con affidabilità molto elevata">
-            <a:extLst>
-              <a:ext uri="{FF2B5EF4-FFF2-40B4-BE49-F238E27FC236}">
-                <a16:creationId xmlns:a16="http://schemas.microsoft.com/office/drawing/2014/main" id="{A97D867E-255C-473C-A5A6-E9A84F1D5CFE}"/>
+          <p:cNvPr id="3" name="Immagine 4" descr="Immagine che contiene mappa&#10;&#10;Descrizione generata con affidabilità elevata">
+            <a:extLst>
+              <a:ext uri="{FF2B5EF4-FFF2-40B4-BE49-F238E27FC236}">
+                <a16:creationId xmlns:a16="http://schemas.microsoft.com/office/drawing/2014/main" id="{5F67BAD8-5CD7-4E43-9621-54530CF23E77}"/>
               </a:ext>
             </a:extLst>
           </p:cNvPr>
@@ -7277,8 +7078,8 @@
         </p:blipFill>
         <p:spPr>
           <a:xfrm>
-            <a:off x="1579536" y="1114041"/>
-            <a:ext cx="5842860" cy="5017374"/>
+            <a:off x="108605" y="1700808"/>
+            <a:ext cx="8926790" cy="3991008"/>
           </a:xfrm>
           <a:prstGeom prst="rect">
             <a:avLst/>
@@ -7290,7 +7091,7 @@
           <p:cNvPr id="5" name="Rettangolo 4">
             <a:extLst>
               <a:ext uri="{FF2B5EF4-FFF2-40B4-BE49-F238E27FC236}">
-                <a16:creationId xmlns:a16="http://schemas.microsoft.com/office/drawing/2014/main" id="{EFEAFFB7-997B-4EC3-A700-84EDBA11A0C5}"/>
+                <a16:creationId xmlns:a16="http://schemas.microsoft.com/office/drawing/2014/main" id="{8A88081B-28F3-4AFD-9275-D907B01CC92D}"/>
               </a:ext>
             </a:extLst>
           </p:cNvPr>
@@ -7401,7 +7202,7 @@
     </p:spTree>
     <p:extLst>
       <p:ext uri="{BB962C8B-B14F-4D97-AF65-F5344CB8AC3E}">
-        <p14:creationId xmlns:p14="http://schemas.microsoft.com/office/powerpoint/2010/main" val="3297353621"/>
+        <p14:creationId xmlns:p14="http://schemas.microsoft.com/office/powerpoint/2010/main" val="3738312806"/>
       </p:ext>
     </p:extLst>
   </p:cSld>
@@ -7629,10 +7430,155 @@
           </a:p>
         </p:txBody>
       </p:sp>
+      <p:sp>
+        <p:nvSpPr>
+          <p:cNvPr id="6" name="Ovale 5">
+            <a:extLst>
+              <a:ext uri="{FF2B5EF4-FFF2-40B4-BE49-F238E27FC236}">
+                <a16:creationId xmlns:a16="http://schemas.microsoft.com/office/drawing/2014/main" id="{22B02383-5EE4-4F5D-A853-5FCF4A6FA12A}"/>
+              </a:ext>
+            </a:extLst>
+          </p:cNvPr>
+          <p:cNvSpPr/>
+          <p:nvPr/>
+        </p:nvSpPr>
+        <p:spPr bwMode="auto">
+          <a:xfrm>
+            <a:off x="323528" y="2060848"/>
+            <a:ext cx="1728192" cy="2304256"/>
+          </a:xfrm>
+          <a:prstGeom prst="ellipse">
+            <a:avLst/>
+          </a:prstGeom>
+          <a:solidFill>
+            <a:srgbClr val="FFCD4A">
+              <a:alpha val="40000"/>
+            </a:srgbClr>
+          </a:solidFill>
+          <a:ln>
+            <a:noFill/>
+          </a:ln>
+          <a:effectLst/>
+        </p:spPr>
+        <p:txBody>
+          <a:bodyPr vert="horz" wrap="square" lIns="0" tIns="0" rIns="0" bIns="0" numCol="1" rtlCol="0" anchor="t" anchorCtr="0" compatLnSpc="1">
+            <a:prstTxWarp prst="textNoShape">
+              <a:avLst/>
+            </a:prstTxWarp>
+          </a:bodyPr>
+          <a:lstStyle/>
+          <a:p>
+            <a:pPr marL="0" marR="0" indent="0" algn="ctr" defTabSz="914400" rtl="0" eaLnBrk="0" fontAlgn="base" latinLnBrk="0" hangingPunct="0">
+              <a:lnSpc>
+                <a:spcPct val="100000"/>
+              </a:lnSpc>
+              <a:spcBef>
+                <a:spcPct val="20000"/>
+              </a:spcBef>
+              <a:spcAft>
+                <a:spcPct val="0"/>
+              </a:spcAft>
+              <a:buClrTx/>
+              <a:buSzTx/>
+              <a:buFontTx/>
+              <a:buNone/>
+              <a:tabLst/>
+            </a:pPr>
+            <a:endParaRPr kumimoji="0" lang="en-GB" sz="2400" b="0" i="0" u="none" strike="noStrike" cap="none" normalizeH="0" baseline="0">
+              <a:ln>
+                <a:noFill/>
+              </a:ln>
+              <a:solidFill>
+                <a:schemeClr val="tx1"/>
+              </a:solidFill>
+              <a:effectLst/>
+              <a:latin typeface="Arial" panose="020B0604020202020204" pitchFamily="34" charset="0"/>
+            </a:endParaRPr>
+          </a:p>
+        </p:txBody>
+      </p:sp>
+      <p:sp>
+        <p:nvSpPr>
+          <p:cNvPr id="7" name="Fumetto: rettangolo con angoli arrotondati 6">
+            <a:extLst>
+              <a:ext uri="{FF2B5EF4-FFF2-40B4-BE49-F238E27FC236}">
+                <a16:creationId xmlns:a16="http://schemas.microsoft.com/office/drawing/2014/main" id="{D55DBCE7-31CF-45CB-8B0B-D721E1233026}"/>
+              </a:ext>
+            </a:extLst>
+          </p:cNvPr>
+          <p:cNvSpPr/>
+          <p:nvPr/>
+        </p:nvSpPr>
+        <p:spPr bwMode="auto">
+          <a:xfrm>
+            <a:off x="1245623" y="1351194"/>
+            <a:ext cx="1612193" cy="316838"/>
+          </a:xfrm>
+          <a:prstGeom prst="wedgeRoundRectCallout">
+            <a:avLst>
+              <a:gd name="adj1" fmla="val -45588"/>
+              <a:gd name="adj2" fmla="val 240772"/>
+              <a:gd name="adj3" fmla="val 16667"/>
+            </a:avLst>
+          </a:prstGeom>
+          <a:solidFill>
+            <a:srgbClr val="FFCD4A">
+              <a:alpha val="50000"/>
+            </a:srgbClr>
+          </a:solidFill>
+          <a:ln>
+            <a:noFill/>
+          </a:ln>
+          <a:effectLst/>
+        </p:spPr>
+        <p:txBody>
+          <a:bodyPr vert="horz" wrap="square" lIns="0" tIns="0" rIns="0" bIns="0" numCol="1" rtlCol="0" anchor="t" anchorCtr="0" compatLnSpc="1">
+            <a:prstTxWarp prst="textNoShape">
+              <a:avLst/>
+            </a:prstTxWarp>
+          </a:bodyPr>
+          <a:lstStyle/>
+          <a:p>
+            <a:pPr marL="0" marR="0" indent="0" algn="ctr" defTabSz="914400" rtl="0" eaLnBrk="0" fontAlgn="base" latinLnBrk="0" hangingPunct="0">
+              <a:lnSpc>
+                <a:spcPct val="100000"/>
+              </a:lnSpc>
+              <a:spcBef>
+                <a:spcPct val="20000"/>
+              </a:spcBef>
+              <a:spcAft>
+                <a:spcPct val="0"/>
+              </a:spcAft>
+              <a:buClrTx/>
+              <a:buSzTx/>
+              <a:buFontTx/>
+              <a:buNone/>
+              <a:tabLst/>
+            </a:pPr>
+            <a:r>
+              <a:rPr lang="en-GB" sz="1800" b="1" dirty="0">
+                <a:solidFill>
+                  <a:srgbClr val="003F6E"/>
+                </a:solidFill>
+                <a:latin typeface="Calibri"/>
+                <a:cs typeface="Calibri"/>
+              </a:rPr>
+              <a:t>Authentication</a:t>
+            </a:r>
+            <a:endParaRPr lang="en-GB" sz="1800" dirty="0">
+              <a:solidFill>
+                <a:srgbClr val="003F6E"/>
+              </a:solidFill>
+              <a:latin typeface="Calibri"/>
+              <a:cs typeface="Calibri"/>
+            </a:endParaRPr>
+          </a:p>
+        </p:txBody>
+      </p:sp>
     </p:spTree>
     <p:extLst>
       <p:ext uri="{BB962C8B-B14F-4D97-AF65-F5344CB8AC3E}">
-        <p14:creationId xmlns:p14="http://schemas.microsoft.com/office/powerpoint/2010/main" val="3738312806"/>
+        <p14:creationId xmlns:p14="http://schemas.microsoft.com/office/powerpoint/2010/main" val="1192646701"/>
       </p:ext>
     </p:extLst>
   </p:cSld>
@@ -7712,382 +7658,6 @@
               <a:rPr lang="it-IT" altLang="en-US" smtClean="0"/>
               <a:pPr/>
               <a:t>15</a:t>
-            </a:fld>
-            <a:endParaRPr lang="it-IT" altLang="en-US"/>
-          </a:p>
-        </p:txBody>
-      </p:sp>
-      <p:pic>
-        <p:nvPicPr>
-          <p:cNvPr id="3" name="Immagine 4" descr="Immagine che contiene mappa&#10;&#10;Descrizione generata con affidabilità elevata">
-            <a:extLst>
-              <a:ext uri="{FF2B5EF4-FFF2-40B4-BE49-F238E27FC236}">
-                <a16:creationId xmlns:a16="http://schemas.microsoft.com/office/drawing/2014/main" id="{5F67BAD8-5CD7-4E43-9621-54530CF23E77}"/>
-              </a:ext>
-            </a:extLst>
-          </p:cNvPr>
-          <p:cNvPicPr>
-            <a:picLocks noChangeAspect="1"/>
-          </p:cNvPicPr>
-          <p:nvPr/>
-        </p:nvPicPr>
-        <p:blipFill>
-          <a:blip r:embed="rId2"/>
-          <a:stretch>
-            <a:fillRect/>
-          </a:stretch>
-        </p:blipFill>
-        <p:spPr>
-          <a:xfrm>
-            <a:off x="108605" y="1700808"/>
-            <a:ext cx="8926790" cy="3991008"/>
-          </a:xfrm>
-          <a:prstGeom prst="rect">
-            <a:avLst/>
-          </a:prstGeom>
-        </p:spPr>
-      </p:pic>
-      <p:sp>
-        <p:nvSpPr>
-          <p:cNvPr id="5" name="Rettangolo 4">
-            <a:extLst>
-              <a:ext uri="{FF2B5EF4-FFF2-40B4-BE49-F238E27FC236}">
-                <a16:creationId xmlns:a16="http://schemas.microsoft.com/office/drawing/2014/main" id="{8A88081B-28F3-4AFD-9275-D907B01CC92D}"/>
-              </a:ext>
-            </a:extLst>
-          </p:cNvPr>
-          <p:cNvSpPr/>
-          <p:nvPr/>
-        </p:nvSpPr>
-        <p:spPr bwMode="auto">
-          <a:xfrm>
-            <a:off x="251520" y="6613524"/>
-            <a:ext cx="4374292" cy="244475"/>
-          </a:xfrm>
-          <a:prstGeom prst="rect">
-            <a:avLst/>
-          </a:prstGeom>
-          <a:solidFill>
-            <a:schemeClr val="bg1"/>
-          </a:solidFill>
-          <a:ln>
-            <a:noFill/>
-          </a:ln>
-          <a:effectLst/>
-        </p:spPr>
-        <p:txBody>
-          <a:bodyPr vert="horz" wrap="square" lIns="0" tIns="0" rIns="0" bIns="0" numCol="1" rtlCol="0" anchor="t" anchorCtr="0" compatLnSpc="1">
-            <a:prstTxWarp prst="textNoShape">
-              <a:avLst/>
-            </a:prstTxWarp>
-          </a:bodyPr>
-          <a:lstStyle/>
-          <a:p>
-            <a:pPr marL="0" marR="0" indent="0" algn="ctr" defTabSz="914400" rtl="0" eaLnBrk="0" fontAlgn="base" latinLnBrk="0" hangingPunct="0">
-              <a:lnSpc>
-                <a:spcPct val="100000"/>
-              </a:lnSpc>
-              <a:spcBef>
-                <a:spcPct val="20000"/>
-              </a:spcBef>
-              <a:spcAft>
-                <a:spcPct val="0"/>
-              </a:spcAft>
-              <a:buClrTx/>
-              <a:buSzTx/>
-              <a:buFontTx/>
-              <a:buNone/>
-              <a:tabLst/>
-            </a:pPr>
-            <a:r>
-              <a:rPr lang="en-GB" sz="1400" dirty="0">
-                <a:ln>
-                  <a:solidFill>
-                    <a:srgbClr val="003366"/>
-                  </a:solidFill>
-                </a:ln>
-                <a:solidFill>
-                  <a:srgbClr val="003366"/>
-                </a:solidFill>
-                <a:latin typeface="Calibri" panose="020F0502020204030204" pitchFamily="34" charset="0"/>
-                <a:cs typeface="Calibri" panose="020F0502020204030204" pitchFamily="34" charset="0"/>
-              </a:rPr>
-              <a:t>Lamparelli Andrea, </a:t>
-            </a:r>
-            <a:r>
-              <a:rPr lang="en-GB" sz="1400" dirty="0" err="1">
-                <a:ln>
-                  <a:solidFill>
-                    <a:srgbClr val="003366"/>
-                  </a:solidFill>
-                </a:ln>
-                <a:solidFill>
-                  <a:srgbClr val="003366"/>
-                </a:solidFill>
-                <a:latin typeface="Calibri" panose="020F0502020204030204" pitchFamily="34" charset="0"/>
-                <a:cs typeface="Calibri" panose="020F0502020204030204" pitchFamily="34" charset="0"/>
-              </a:rPr>
-              <a:t>Chittò</a:t>
-            </a:r>
-            <a:r>
-              <a:rPr lang="en-GB" sz="1400" dirty="0">
-                <a:ln>
-                  <a:solidFill>
-                    <a:srgbClr val="003366"/>
-                  </a:solidFill>
-                </a:ln>
-                <a:solidFill>
-                  <a:srgbClr val="003366"/>
-                </a:solidFill>
-                <a:latin typeface="Calibri" panose="020F0502020204030204" pitchFamily="34" charset="0"/>
-                <a:cs typeface="Calibri" panose="020F0502020204030204" pitchFamily="34" charset="0"/>
-              </a:rPr>
-              <a:t> Pietro</a:t>
-            </a:r>
-            <a:endParaRPr kumimoji="0" lang="en-GB" sz="1400" i="0" u="none" strike="noStrike" cap="none" normalizeH="0" baseline="0" dirty="0">
-              <a:ln>
-                <a:solidFill>
-                  <a:srgbClr val="003366"/>
-                </a:solidFill>
-              </a:ln>
-              <a:solidFill>
-                <a:srgbClr val="003366"/>
-              </a:solidFill>
-              <a:effectLst/>
-              <a:latin typeface="Calibri" panose="020F0502020204030204" pitchFamily="34" charset="0"/>
-              <a:cs typeface="Calibri" panose="020F0502020204030204" pitchFamily="34" charset="0"/>
-            </a:endParaRPr>
-          </a:p>
-        </p:txBody>
-      </p:sp>
-      <p:sp>
-        <p:nvSpPr>
-          <p:cNvPr id="6" name="Ovale 5">
-            <a:extLst>
-              <a:ext uri="{FF2B5EF4-FFF2-40B4-BE49-F238E27FC236}">
-                <a16:creationId xmlns:a16="http://schemas.microsoft.com/office/drawing/2014/main" id="{22B02383-5EE4-4F5D-A853-5FCF4A6FA12A}"/>
-              </a:ext>
-            </a:extLst>
-          </p:cNvPr>
-          <p:cNvSpPr/>
-          <p:nvPr/>
-        </p:nvSpPr>
-        <p:spPr bwMode="auto">
-          <a:xfrm>
-            <a:off x="323528" y="2060848"/>
-            <a:ext cx="1728192" cy="2304256"/>
-          </a:xfrm>
-          <a:prstGeom prst="ellipse">
-            <a:avLst/>
-          </a:prstGeom>
-          <a:solidFill>
-            <a:srgbClr val="FFCD4A">
-              <a:alpha val="40000"/>
-            </a:srgbClr>
-          </a:solidFill>
-          <a:ln>
-            <a:noFill/>
-          </a:ln>
-          <a:effectLst/>
-        </p:spPr>
-        <p:txBody>
-          <a:bodyPr vert="horz" wrap="square" lIns="0" tIns="0" rIns="0" bIns="0" numCol="1" rtlCol="0" anchor="t" anchorCtr="0" compatLnSpc="1">
-            <a:prstTxWarp prst="textNoShape">
-              <a:avLst/>
-            </a:prstTxWarp>
-          </a:bodyPr>
-          <a:lstStyle/>
-          <a:p>
-            <a:pPr marL="0" marR="0" indent="0" algn="ctr" defTabSz="914400" rtl="0" eaLnBrk="0" fontAlgn="base" latinLnBrk="0" hangingPunct="0">
-              <a:lnSpc>
-                <a:spcPct val="100000"/>
-              </a:lnSpc>
-              <a:spcBef>
-                <a:spcPct val="20000"/>
-              </a:spcBef>
-              <a:spcAft>
-                <a:spcPct val="0"/>
-              </a:spcAft>
-              <a:buClrTx/>
-              <a:buSzTx/>
-              <a:buFontTx/>
-              <a:buNone/>
-              <a:tabLst/>
-            </a:pPr>
-            <a:endParaRPr kumimoji="0" lang="en-GB" sz="2400" b="0" i="0" u="none" strike="noStrike" cap="none" normalizeH="0" baseline="0">
-              <a:ln>
-                <a:noFill/>
-              </a:ln>
-              <a:solidFill>
-                <a:schemeClr val="tx1"/>
-              </a:solidFill>
-              <a:effectLst/>
-              <a:latin typeface="Arial" panose="020B0604020202020204" pitchFamily="34" charset="0"/>
-            </a:endParaRPr>
-          </a:p>
-        </p:txBody>
-      </p:sp>
-      <p:sp>
-        <p:nvSpPr>
-          <p:cNvPr id="7" name="Fumetto: rettangolo con angoli arrotondati 6">
-            <a:extLst>
-              <a:ext uri="{FF2B5EF4-FFF2-40B4-BE49-F238E27FC236}">
-                <a16:creationId xmlns:a16="http://schemas.microsoft.com/office/drawing/2014/main" id="{D55DBCE7-31CF-45CB-8B0B-D721E1233026}"/>
-              </a:ext>
-            </a:extLst>
-          </p:cNvPr>
-          <p:cNvSpPr/>
-          <p:nvPr/>
-        </p:nvSpPr>
-        <p:spPr bwMode="auto">
-          <a:xfrm>
-            <a:off x="1245623" y="1351194"/>
-            <a:ext cx="1612193" cy="316838"/>
-          </a:xfrm>
-          <a:prstGeom prst="wedgeRoundRectCallout">
-            <a:avLst>
-              <a:gd name="adj1" fmla="val -45588"/>
-              <a:gd name="adj2" fmla="val 240772"/>
-              <a:gd name="adj3" fmla="val 16667"/>
-            </a:avLst>
-          </a:prstGeom>
-          <a:solidFill>
-            <a:srgbClr val="FFCD4A">
-              <a:alpha val="50000"/>
-            </a:srgbClr>
-          </a:solidFill>
-          <a:ln>
-            <a:noFill/>
-          </a:ln>
-          <a:effectLst/>
-        </p:spPr>
-        <p:txBody>
-          <a:bodyPr vert="horz" wrap="square" lIns="0" tIns="0" rIns="0" bIns="0" numCol="1" rtlCol="0" anchor="t" anchorCtr="0" compatLnSpc="1">
-            <a:prstTxWarp prst="textNoShape">
-              <a:avLst/>
-            </a:prstTxWarp>
-          </a:bodyPr>
-          <a:lstStyle/>
-          <a:p>
-            <a:pPr marL="0" marR="0" indent="0" algn="ctr" defTabSz="914400" rtl="0" eaLnBrk="0" fontAlgn="base" latinLnBrk="0" hangingPunct="0">
-              <a:lnSpc>
-                <a:spcPct val="100000"/>
-              </a:lnSpc>
-              <a:spcBef>
-                <a:spcPct val="20000"/>
-              </a:spcBef>
-              <a:spcAft>
-                <a:spcPct val="0"/>
-              </a:spcAft>
-              <a:buClrTx/>
-              <a:buSzTx/>
-              <a:buFontTx/>
-              <a:buNone/>
-              <a:tabLst/>
-            </a:pPr>
-            <a:r>
-              <a:rPr lang="en-GB" sz="1800" b="1" dirty="0">
-                <a:solidFill>
-                  <a:srgbClr val="003F6E"/>
-                </a:solidFill>
-                <a:latin typeface="Calibri"/>
-                <a:cs typeface="Calibri"/>
-              </a:rPr>
-              <a:t>Authentication</a:t>
-            </a:r>
-            <a:endParaRPr lang="en-GB" sz="1800" dirty="0">
-              <a:solidFill>
-                <a:srgbClr val="003F6E"/>
-              </a:solidFill>
-              <a:latin typeface="Calibri"/>
-              <a:cs typeface="Calibri"/>
-            </a:endParaRPr>
-          </a:p>
-        </p:txBody>
-      </p:sp>
-    </p:spTree>
-    <p:extLst>
-      <p:ext uri="{BB962C8B-B14F-4D97-AF65-F5344CB8AC3E}">
-        <p14:creationId xmlns:p14="http://schemas.microsoft.com/office/powerpoint/2010/main" val="1192646701"/>
-      </p:ext>
-    </p:extLst>
-  </p:cSld>
-  <p:clrMapOvr>
-    <a:masterClrMapping/>
-  </p:clrMapOvr>
-</p:sld>
-</file>
-
-<file path=ppt/slides/slide16.xml><?xml version="1.0" encoding="utf-8"?>
-<p:sld xmlns:a="http://schemas.openxmlformats.org/drawingml/2006/main" xmlns:r="http://schemas.openxmlformats.org/officeDocument/2006/relationships" xmlns:p="http://schemas.openxmlformats.org/presentationml/2006/main">
-  <p:cSld>
-    <p:spTree>
-      <p:nvGrpSpPr>
-        <p:cNvPr id="1" name=""/>
-        <p:cNvGrpSpPr/>
-        <p:nvPr/>
-      </p:nvGrpSpPr>
-      <p:grpSpPr>
-        <a:xfrm>
-          <a:off x="0" y="0"/>
-          <a:ext cx="0" cy="0"/>
-          <a:chOff x="0" y="0"/>
-          <a:chExt cx="0" cy="0"/>
-        </a:xfrm>
-      </p:grpSpPr>
-      <p:sp>
-        <p:nvSpPr>
-          <p:cNvPr id="2" name="Titolo 1">
-            <a:extLst>
-              <a:ext uri="{FF2B5EF4-FFF2-40B4-BE49-F238E27FC236}">
-                <a16:creationId xmlns:a16="http://schemas.microsoft.com/office/drawing/2014/main" id="{4BE247A2-758D-4AC6-BF37-E19A51583476}"/>
-              </a:ext>
-            </a:extLst>
-          </p:cNvPr>
-          <p:cNvSpPr>
-            <a:spLocks noGrp="1"/>
-          </p:cNvSpPr>
-          <p:nvPr>
-            <p:ph type="title"/>
-          </p:nvPr>
-        </p:nvSpPr>
-        <p:spPr/>
-        <p:txBody>
-          <a:bodyPr/>
-          <a:lstStyle/>
-          <a:p>
-            <a:r>
-              <a:rPr lang="en-GB" dirty="0"/>
-              <a:t>Activities Flowchart</a:t>
-            </a:r>
-          </a:p>
-        </p:txBody>
-      </p:sp>
-      <p:sp>
-        <p:nvSpPr>
-          <p:cNvPr id="4" name="Segnaposto numero diapositiva 3">
-            <a:extLst>
-              <a:ext uri="{FF2B5EF4-FFF2-40B4-BE49-F238E27FC236}">
-                <a16:creationId xmlns:a16="http://schemas.microsoft.com/office/drawing/2014/main" id="{1F42B96A-DC32-40CE-A5BB-9155421755F6}"/>
-              </a:ext>
-            </a:extLst>
-          </p:cNvPr>
-          <p:cNvSpPr>
-            <a:spLocks noGrp="1"/>
-          </p:cNvSpPr>
-          <p:nvPr>
-            <p:ph type="sldNum" sz="quarter" idx="10"/>
-          </p:nvPr>
-        </p:nvSpPr>
-        <p:spPr/>
-        <p:txBody>
-          <a:bodyPr/>
-          <a:lstStyle/>
-          <a:p>
-            <a:fld id="{FE575B20-646B-44A6-B32B-8B9F7AC502D9}" type="slidenum">
-              <a:rPr lang="it-IT" altLang="en-US" smtClean="0"/>
-              <a:pPr/>
-              <a:t>16</a:t>
             </a:fld>
             <a:endParaRPr lang="it-IT" altLang="en-US"/>
           </a:p>
@@ -8482,7 +8052,7 @@
 </p:sld>
 </file>
 
-<file path=ppt/slides/slide17.xml><?xml version="1.0" encoding="utf-8"?>
+<file path=ppt/slides/slide16.xml><?xml version="1.0" encoding="utf-8"?>
 <p:sld xmlns:a="http://schemas.openxmlformats.org/drawingml/2006/main" xmlns:r="http://schemas.openxmlformats.org/officeDocument/2006/relationships" xmlns:p="http://schemas.openxmlformats.org/presentationml/2006/main">
   <p:cSld>
     <p:spTree>
@@ -8551,7 +8121,7 @@
             <a:fld id="{FE575B20-646B-44A6-B32B-8B9F7AC502D9}" type="slidenum">
               <a:rPr lang="it-IT" altLang="en-US" smtClean="0"/>
               <a:pPr/>
-              <a:t>17</a:t>
+              <a:t>16</a:t>
             </a:fld>
             <a:endParaRPr lang="it-IT" altLang="en-US"/>
           </a:p>
@@ -8858,6 +8428,122 @@
 </p:sld>
 </file>
 
+<file path=ppt/slides/slide17.xml><?xml version="1.0" encoding="utf-8"?>
+<p:sld xmlns:a="http://schemas.openxmlformats.org/drawingml/2006/main" xmlns:r="http://schemas.openxmlformats.org/officeDocument/2006/relationships" xmlns:p="http://schemas.openxmlformats.org/presentationml/2006/main">
+  <p:cSld>
+    <p:spTree>
+      <p:nvGrpSpPr>
+        <p:cNvPr id="1" name=""/>
+        <p:cNvGrpSpPr/>
+        <p:nvPr/>
+      </p:nvGrpSpPr>
+      <p:grpSpPr>
+        <a:xfrm>
+          <a:off x="0" y="0"/>
+          <a:ext cx="0" cy="0"/>
+          <a:chOff x="0" y="0"/>
+          <a:chExt cx="0" cy="0"/>
+        </a:xfrm>
+      </p:grpSpPr>
+      <p:sp>
+        <p:nvSpPr>
+          <p:cNvPr id="2063" name="Text Box 15">
+            <a:extLst>
+              <a:ext uri="{FF2B5EF4-FFF2-40B4-BE49-F238E27FC236}">
+                <a16:creationId xmlns:a16="http://schemas.microsoft.com/office/drawing/2014/main" id="{163E1146-9683-4D80-A948-17A524CE64E3}"/>
+              </a:ext>
+            </a:extLst>
+          </p:cNvPr>
+          <p:cNvSpPr txBox="1">
+            <a:spLocks noChangeArrowheads="1"/>
+          </p:cNvSpPr>
+          <p:nvPr/>
+        </p:nvSpPr>
+        <p:spPr bwMode="auto">
+          <a:xfrm>
+            <a:off x="1763688" y="4581128"/>
+            <a:ext cx="6248400" cy="492443"/>
+          </a:xfrm>
+          <a:prstGeom prst="rect">
+            <a:avLst/>
+          </a:prstGeom>
+          <a:noFill/>
+          <a:ln>
+            <a:noFill/>
+          </a:ln>
+          <a:effectLst/>
+          <a:extLst>
+            <a:ext uri="{909E8E84-426E-40DD-AFC4-6F175D3DCCD1}">
+              <a14:hiddenFill xmlns:a14="http://schemas.microsoft.com/office/drawing/2010/main">
+                <a:solidFill>
+                  <a:srgbClr val="C7D7E9"/>
+                </a:solidFill>
+              </a14:hiddenFill>
+            </a:ext>
+            <a:ext uri="{91240B29-F687-4F45-9708-019B960494DF}">
+              <a14:hiddenLine xmlns:a14="http://schemas.microsoft.com/office/drawing/2010/main" w="9525">
+                <a:solidFill>
+                  <a:schemeClr val="tx1"/>
+                </a:solidFill>
+                <a:miter lim="800000"/>
+                <a:headEnd/>
+                <a:tailEnd/>
+              </a14:hiddenLine>
+            </a:ext>
+            <a:ext uri="{AF507438-7753-43E0-B8FC-AC1667EBCBE1}">
+              <a14:hiddenEffects xmlns:a14="http://schemas.microsoft.com/office/drawing/2010/main">
+                <a:effectLst>
+                  <a:outerShdw dist="35921" dir="2700000" algn="ctr" rotWithShape="0">
+                    <a:schemeClr val="bg2"/>
+                  </a:outerShdw>
+                </a:effectLst>
+              </a14:hiddenEffects>
+            </a:ext>
+          </a:extLst>
+        </p:spPr>
+        <p:txBody>
+          <a:bodyPr lIns="0" tIns="0" rIns="0" bIns="0" anchor="t">
+            <a:spAutoFit/>
+          </a:bodyPr>
+          <a:lstStyle/>
+          <a:p>
+            <a:pPr algn="l">
+              <a:spcBef>
+                <a:spcPct val="50000"/>
+              </a:spcBef>
+            </a:pPr>
+            <a:r>
+              <a:rPr lang="it-IT" altLang="en-US" sz="3200" b="1" dirty="0">
+                <a:solidFill>
+                  <a:srgbClr val="003F6E"/>
+                </a:solidFill>
+                <a:latin typeface="Arial"/>
+                <a:cs typeface="Arial"/>
+              </a:rPr>
+              <a:t>User Interface Design</a:t>
+            </a:r>
+            <a:endParaRPr lang="it-IT" altLang="en-US" sz="3200" b="1" dirty="0">
+              <a:solidFill>
+                <a:srgbClr val="003F6E"/>
+              </a:solidFill>
+              <a:cs typeface="Arial"/>
+            </a:endParaRPr>
+          </a:p>
+        </p:txBody>
+      </p:sp>
+    </p:spTree>
+    <p:extLst>
+      <p:ext uri="{BB962C8B-B14F-4D97-AF65-F5344CB8AC3E}">
+        <p14:creationId xmlns:p14="http://schemas.microsoft.com/office/powerpoint/2010/main" val="206376812"/>
+      </p:ext>
+    </p:extLst>
+  </p:cSld>
+  <p:clrMapOvr>
+    <a:masterClrMapping/>
+  </p:clrMapOvr>
+</p:sld>
+</file>
+
 <file path=ppt/slides/slide18.xml><?xml version="1.0" encoding="utf-8"?>
 <p:sld xmlns:a="http://schemas.openxmlformats.org/drawingml/2006/main" xmlns:r="http://schemas.openxmlformats.org/officeDocument/2006/relationships" xmlns:p="http://schemas.openxmlformats.org/presentationml/2006/main">
   <p:cSld>
@@ -8877,94 +8563,282 @@
       </p:grpSpPr>
       <p:sp>
         <p:nvSpPr>
-          <p:cNvPr id="2063" name="Text Box 15">
-            <a:extLst>
-              <a:ext uri="{FF2B5EF4-FFF2-40B4-BE49-F238E27FC236}">
-                <a16:creationId xmlns:a16="http://schemas.microsoft.com/office/drawing/2014/main" id="{163E1146-9683-4D80-A948-17A524CE64E3}"/>
-              </a:ext>
-            </a:extLst>
-          </p:cNvPr>
-          <p:cNvSpPr txBox="1">
-            <a:spLocks noChangeArrowheads="1"/>
+          <p:cNvPr id="2" name="Titolo 1">
+            <a:extLst>
+              <a:ext uri="{FF2B5EF4-FFF2-40B4-BE49-F238E27FC236}">
+                <a16:creationId xmlns:a16="http://schemas.microsoft.com/office/drawing/2014/main" id="{4BE247A2-758D-4AC6-BF37-E19A51583476}"/>
+              </a:ext>
+            </a:extLst>
+          </p:cNvPr>
+          <p:cNvSpPr>
+            <a:spLocks noGrp="1"/>
           </p:cNvSpPr>
+          <p:nvPr>
+            <p:ph type="title"/>
+          </p:nvPr>
+        </p:nvSpPr>
+        <p:spPr/>
+        <p:txBody>
+          <a:bodyPr/>
+          <a:lstStyle/>
+          <a:p>
+            <a:r>
+              <a:rPr lang="en-GB" dirty="0">
+                <a:cs typeface="Arial"/>
+              </a:rPr>
+              <a:t>Application Start UI Design</a:t>
+            </a:r>
+          </a:p>
+        </p:txBody>
+      </p:sp>
+      <p:sp>
+        <p:nvSpPr>
+          <p:cNvPr id="4" name="Segnaposto numero diapositiva 3">
+            <a:extLst>
+              <a:ext uri="{FF2B5EF4-FFF2-40B4-BE49-F238E27FC236}">
+                <a16:creationId xmlns:a16="http://schemas.microsoft.com/office/drawing/2014/main" id="{1F42B96A-DC32-40CE-A5BB-9155421755F6}"/>
+              </a:ext>
+            </a:extLst>
+          </p:cNvPr>
+          <p:cNvSpPr>
+            <a:spLocks noGrp="1"/>
+          </p:cNvSpPr>
+          <p:nvPr>
+            <p:ph type="sldNum" sz="quarter" idx="10"/>
+          </p:nvPr>
+        </p:nvSpPr>
+        <p:spPr/>
+        <p:txBody>
+          <a:bodyPr/>
+          <a:lstStyle/>
+          <a:p>
+            <a:fld id="{FE575B20-646B-44A6-B32B-8B9F7AC502D9}" type="slidenum">
+              <a:rPr lang="it-IT" altLang="en-US" smtClean="0"/>
+              <a:pPr/>
+              <a:t>18</a:t>
+            </a:fld>
+            <a:endParaRPr lang="it-IT" altLang="en-US"/>
+          </a:p>
+        </p:txBody>
+      </p:sp>
+      <p:pic>
+        <p:nvPicPr>
+          <p:cNvPr id="5" name="Immagine 5" descr="Immagine che contiene screenshot&#10;&#10;Descrizione generata con affidabilità molto elevata">
+            <a:extLst>
+              <a:ext uri="{FF2B5EF4-FFF2-40B4-BE49-F238E27FC236}">
+                <a16:creationId xmlns:a16="http://schemas.microsoft.com/office/drawing/2014/main" id="{81F7D0D6-C0A6-430F-B0B1-5956E2898135}"/>
+              </a:ext>
+            </a:extLst>
+          </p:cNvPr>
+          <p:cNvPicPr>
+            <a:picLocks noChangeAspect="1"/>
+          </p:cNvPicPr>
           <p:nvPr/>
-        </p:nvSpPr>
-        <p:spPr bwMode="auto">
+        </p:nvPicPr>
+        <p:blipFill>
+          <a:blip r:embed="rId2"/>
+          <a:stretch>
+            <a:fillRect/>
+          </a:stretch>
+        </p:blipFill>
+        <p:spPr>
           <a:xfrm>
-            <a:off x="1763688" y="4581128"/>
-            <a:ext cx="6248400" cy="492443"/>
+            <a:off x="1403648" y="1209218"/>
+            <a:ext cx="6624736" cy="5244119"/>
           </a:xfrm>
           <a:prstGeom prst="rect">
             <a:avLst/>
           </a:prstGeom>
-          <a:noFill/>
+        </p:spPr>
+      </p:pic>
+      <p:sp>
+        <p:nvSpPr>
+          <p:cNvPr id="6" name="Rettangolo 5">
+            <a:extLst>
+              <a:ext uri="{FF2B5EF4-FFF2-40B4-BE49-F238E27FC236}">
+                <a16:creationId xmlns:a16="http://schemas.microsoft.com/office/drawing/2014/main" id="{11CB302A-C755-4F69-BB2F-A19624056512}"/>
+              </a:ext>
+            </a:extLst>
+          </p:cNvPr>
+          <p:cNvSpPr/>
+          <p:nvPr/>
+        </p:nvSpPr>
+        <p:spPr bwMode="auto">
+          <a:xfrm>
+            <a:off x="251520" y="6613524"/>
+            <a:ext cx="4374292" cy="244475"/>
+          </a:xfrm>
+          <a:prstGeom prst="rect">
+            <a:avLst/>
+          </a:prstGeom>
+          <a:solidFill>
+            <a:schemeClr val="bg1"/>
+          </a:solidFill>
           <a:ln>
             <a:noFill/>
           </a:ln>
           <a:effectLst/>
-          <a:extLst>
-            <a:ext uri="{909E8E84-426E-40DD-AFC4-6F175D3DCCD1}">
-              <a14:hiddenFill xmlns:a14="http://schemas.microsoft.com/office/drawing/2010/main">
-                <a:solidFill>
-                  <a:srgbClr val="C7D7E9"/>
-                </a:solidFill>
-              </a14:hiddenFill>
-            </a:ext>
-            <a:ext uri="{91240B29-F687-4F45-9708-019B960494DF}">
-              <a14:hiddenLine xmlns:a14="http://schemas.microsoft.com/office/drawing/2010/main" w="9525">
-                <a:solidFill>
-                  <a:schemeClr val="tx1"/>
-                </a:solidFill>
-                <a:miter lim="800000"/>
-                <a:headEnd/>
-                <a:tailEnd/>
-              </a14:hiddenLine>
-            </a:ext>
-            <a:ext uri="{AF507438-7753-43E0-B8FC-AC1667EBCBE1}">
-              <a14:hiddenEffects xmlns:a14="http://schemas.microsoft.com/office/drawing/2010/main">
-                <a:effectLst>
-                  <a:outerShdw dist="35921" dir="2700000" algn="ctr" rotWithShape="0">
-                    <a:schemeClr val="bg2"/>
-                  </a:outerShdw>
-                </a:effectLst>
-              </a14:hiddenEffects>
-            </a:ext>
-          </a:extLst>
         </p:spPr>
         <p:txBody>
-          <a:bodyPr lIns="0" tIns="0" rIns="0" bIns="0" anchor="t">
-            <a:spAutoFit/>
+          <a:bodyPr vert="horz" wrap="square" lIns="0" tIns="0" rIns="0" bIns="0" numCol="1" rtlCol="0" anchor="t" anchorCtr="0" compatLnSpc="1">
+            <a:prstTxWarp prst="textNoShape">
+              <a:avLst/>
+            </a:prstTxWarp>
           </a:bodyPr>
           <a:lstStyle/>
           <a:p>
-            <a:pPr algn="l">
+            <a:pPr marL="0" marR="0" indent="0" algn="ctr" defTabSz="914400" rtl="0" eaLnBrk="0" fontAlgn="base" latinLnBrk="0" hangingPunct="0">
+              <a:lnSpc>
+                <a:spcPct val="100000"/>
+              </a:lnSpc>
               <a:spcBef>
-                <a:spcPct val="50000"/>
+                <a:spcPct val="20000"/>
               </a:spcBef>
+              <a:spcAft>
+                <a:spcPct val="0"/>
+              </a:spcAft>
+              <a:buClrTx/>
+              <a:buSzTx/>
+              <a:buFontTx/>
+              <a:buNone/>
+              <a:tabLst/>
             </a:pPr>
             <a:r>
-              <a:rPr lang="it-IT" altLang="en-US" sz="3200" b="1" dirty="0">
+              <a:rPr lang="en-GB" sz="1400" dirty="0">
+                <a:ln>
+                  <a:solidFill>
+                    <a:srgbClr val="003366"/>
+                  </a:solidFill>
+                </a:ln>
+                <a:solidFill>
+                  <a:srgbClr val="003366"/>
+                </a:solidFill>
+                <a:latin typeface="Calibri" panose="020F0502020204030204" pitchFamily="34" charset="0"/>
+                <a:cs typeface="Calibri" panose="020F0502020204030204" pitchFamily="34" charset="0"/>
+              </a:rPr>
+              <a:t>Lamparelli Andrea, </a:t>
+            </a:r>
+            <a:r>
+              <a:rPr lang="en-GB" sz="1400" dirty="0" err="1">
+                <a:ln>
+                  <a:solidFill>
+                    <a:srgbClr val="003366"/>
+                  </a:solidFill>
+                </a:ln>
+                <a:solidFill>
+                  <a:srgbClr val="003366"/>
+                </a:solidFill>
+                <a:latin typeface="Calibri" panose="020F0502020204030204" pitchFamily="34" charset="0"/>
+                <a:cs typeface="Calibri" panose="020F0502020204030204" pitchFamily="34" charset="0"/>
+              </a:rPr>
+              <a:t>Chittò</a:t>
+            </a:r>
+            <a:r>
+              <a:rPr lang="en-GB" sz="1400" dirty="0">
+                <a:ln>
+                  <a:solidFill>
+                    <a:srgbClr val="003366"/>
+                  </a:solidFill>
+                </a:ln>
+                <a:solidFill>
+                  <a:srgbClr val="003366"/>
+                </a:solidFill>
+                <a:latin typeface="Calibri" panose="020F0502020204030204" pitchFamily="34" charset="0"/>
+                <a:cs typeface="Calibri" panose="020F0502020204030204" pitchFamily="34" charset="0"/>
+              </a:rPr>
+              <a:t> Pietro</a:t>
+            </a:r>
+            <a:endParaRPr kumimoji="0" lang="en-GB" sz="1400" i="0" u="none" strike="noStrike" cap="none" normalizeH="0" baseline="0" dirty="0">
+              <a:ln>
+                <a:solidFill>
+                  <a:srgbClr val="003366"/>
+                </a:solidFill>
+              </a:ln>
+              <a:solidFill>
+                <a:srgbClr val="003366"/>
+              </a:solidFill>
+              <a:effectLst/>
+              <a:latin typeface="Calibri" panose="020F0502020204030204" pitchFamily="34" charset="0"/>
+              <a:cs typeface="Calibri" panose="020F0502020204030204" pitchFamily="34" charset="0"/>
+            </a:endParaRPr>
+          </a:p>
+        </p:txBody>
+      </p:sp>
+      <p:sp>
+        <p:nvSpPr>
+          <p:cNvPr id="3" name="Fumetto: rettangolo con angoli arrotondati 2">
+            <a:extLst>
+              <a:ext uri="{FF2B5EF4-FFF2-40B4-BE49-F238E27FC236}">
+                <a16:creationId xmlns:a16="http://schemas.microsoft.com/office/drawing/2014/main" id="{28A04269-AE21-4B87-973F-2F46BCC78228}"/>
+              </a:ext>
+            </a:extLst>
+          </p:cNvPr>
+          <p:cNvSpPr/>
+          <p:nvPr/>
+        </p:nvSpPr>
+        <p:spPr bwMode="auto">
+          <a:xfrm>
+            <a:off x="2370820" y="1196752"/>
+            <a:ext cx="2592288" cy="576064"/>
+          </a:xfrm>
+          <a:prstGeom prst="wedgeRoundRectCallout">
+            <a:avLst>
+              <a:gd name="adj1" fmla="val -70077"/>
+              <a:gd name="adj2" fmla="val 52579"/>
+              <a:gd name="adj3" fmla="val 16667"/>
+            </a:avLst>
+          </a:prstGeom>
+          <a:solidFill>
+            <a:srgbClr val="FFCD4A">
+              <a:alpha val="50000"/>
+            </a:srgbClr>
+          </a:solidFill>
+          <a:ln>
+            <a:noFill/>
+          </a:ln>
+          <a:effectLst/>
+        </p:spPr>
+        <p:txBody>
+          <a:bodyPr vert="horz" wrap="square" lIns="0" tIns="0" rIns="0" bIns="0" numCol="1" rtlCol="0" anchor="t" anchorCtr="0" compatLnSpc="1">
+            <a:prstTxWarp prst="textNoShape">
+              <a:avLst/>
+            </a:prstTxWarp>
+          </a:bodyPr>
+          <a:lstStyle/>
+          <a:p>
+            <a:pPr marL="0" marR="0" indent="0" algn="ctr" defTabSz="914400" rtl="0" eaLnBrk="0" fontAlgn="base" latinLnBrk="0" hangingPunct="0">
+              <a:lnSpc>
+                <a:spcPct val="100000"/>
+              </a:lnSpc>
+              <a:spcBef>
+                <a:spcPct val="20000"/>
+              </a:spcBef>
+              <a:spcAft>
+                <a:spcPct val="0"/>
+              </a:spcAft>
+              <a:buClrTx/>
+              <a:buSzTx/>
+              <a:buFontTx/>
+              <a:buNone/>
+              <a:tabLst/>
+            </a:pPr>
+            <a:r>
+              <a:rPr lang="en-GB" sz="1800" dirty="0">
                 <a:solidFill>
                   <a:srgbClr val="003F6E"/>
                 </a:solidFill>
-                <a:latin typeface="Arial"/>
-                <a:cs typeface="Arial"/>
-              </a:rPr>
-              <a:t>User Interface Design</a:t>
-            </a:r>
-            <a:endParaRPr lang="it-IT" altLang="en-US" sz="3200" b="1" dirty="0">
-              <a:solidFill>
-                <a:srgbClr val="003F6E"/>
-              </a:solidFill>
-              <a:cs typeface="Arial"/>
-            </a:endParaRPr>
+                <a:latin typeface="Calibri"/>
+                <a:cs typeface="Calibri"/>
+              </a:rPr>
+              <a:t>Checks whether a user is already signed-in or not</a:t>
+            </a:r>
           </a:p>
         </p:txBody>
       </p:sp>
     </p:spTree>
     <p:extLst>
       <p:ext uri="{BB962C8B-B14F-4D97-AF65-F5344CB8AC3E}">
-        <p14:creationId xmlns:p14="http://schemas.microsoft.com/office/powerpoint/2010/main" val="206376812"/>
+        <p14:creationId xmlns:p14="http://schemas.microsoft.com/office/powerpoint/2010/main" val="3176093941"/>
       </p:ext>
     </p:extLst>
   </p:cSld>
@@ -9196,10 +9070,10 @@
       </p:sp>
       <p:sp>
         <p:nvSpPr>
-          <p:cNvPr id="3" name="Fumetto: rettangolo con angoli arrotondati 2">
-            <a:extLst>
-              <a:ext uri="{FF2B5EF4-FFF2-40B4-BE49-F238E27FC236}">
-                <a16:creationId xmlns:a16="http://schemas.microsoft.com/office/drawing/2014/main" id="{28A04269-AE21-4B87-973F-2F46BCC78228}"/>
+          <p:cNvPr id="7" name="Fumetto: rettangolo con angoli arrotondati 6">
+            <a:extLst>
+              <a:ext uri="{FF2B5EF4-FFF2-40B4-BE49-F238E27FC236}">
+                <a16:creationId xmlns:a16="http://schemas.microsoft.com/office/drawing/2014/main" id="{9653585F-9FC8-4C75-8D9E-D5743F8F3D04}"/>
               </a:ext>
             </a:extLst>
           </p:cNvPr>
@@ -9208,13 +9082,13 @@
         </p:nvSpPr>
         <p:spPr bwMode="auto">
           <a:xfrm>
-            <a:off x="2370820" y="1196752"/>
-            <a:ext cx="2592288" cy="576064"/>
+            <a:off x="5870650" y="1172357"/>
+            <a:ext cx="1584176" cy="588677"/>
           </a:xfrm>
           <a:prstGeom prst="wedgeRoundRectCallout">
             <a:avLst>
-              <a:gd name="adj1" fmla="val -70077"/>
-              <a:gd name="adj2" fmla="val 52579"/>
+              <a:gd name="adj1" fmla="val -65276"/>
+              <a:gd name="adj2" fmla="val 105774"/>
               <a:gd name="adj3" fmla="val 16667"/>
             </a:avLst>
           </a:prstGeom>
@@ -9253,14 +9127,105 @@
               <a:tabLst/>
             </a:pPr>
             <a:r>
-              <a:rPr lang="en-GB" sz="1800" dirty="0">
+              <a:rPr lang="en-GB" sz="1800" b="1" dirty="0">
                 <a:solidFill>
                   <a:srgbClr val="003F6E"/>
                 </a:solidFill>
                 <a:latin typeface="Calibri"/>
                 <a:cs typeface="Calibri"/>
               </a:rPr>
-              <a:t>Checks whether a user is already signed-in or not</a:t>
+              <a:t>If yes</a:t>
+            </a:r>
+            <a:r>
+              <a:rPr lang="en-GB" sz="1800" dirty="0">
+                <a:solidFill>
+                  <a:srgbClr val="003F6E"/>
+                </a:solidFill>
+                <a:latin typeface="Calibri"/>
+                <a:cs typeface="Calibri"/>
+              </a:rPr>
+              <a:t>, open scanner</a:t>
+            </a:r>
+          </a:p>
+        </p:txBody>
+      </p:sp>
+      <p:sp>
+        <p:nvSpPr>
+          <p:cNvPr id="8" name="Fumetto: rettangolo con angoli arrotondati 7">
+            <a:extLst>
+              <a:ext uri="{FF2B5EF4-FFF2-40B4-BE49-F238E27FC236}">
+                <a16:creationId xmlns:a16="http://schemas.microsoft.com/office/drawing/2014/main" id="{63B2736A-BC30-4C18-AEF5-534165A98FD2}"/>
+              </a:ext>
+            </a:extLst>
+          </p:cNvPr>
+          <p:cNvSpPr/>
+          <p:nvPr/>
+        </p:nvSpPr>
+        <p:spPr bwMode="auto">
+          <a:xfrm>
+            <a:off x="107504" y="1988840"/>
+            <a:ext cx="1352178" cy="576064"/>
+          </a:xfrm>
+          <a:prstGeom prst="wedgeRoundRectCallout">
+            <a:avLst>
+              <a:gd name="adj1" fmla="val 71482"/>
+              <a:gd name="adj2" fmla="val 27226"/>
+              <a:gd name="adj3" fmla="val 16667"/>
+            </a:avLst>
+          </a:prstGeom>
+          <a:solidFill>
+            <a:srgbClr val="FFCD4A">
+              <a:alpha val="50000"/>
+            </a:srgbClr>
+          </a:solidFill>
+          <a:ln>
+            <a:noFill/>
+          </a:ln>
+          <a:effectLst/>
+        </p:spPr>
+        <p:txBody>
+          <a:bodyPr vert="horz" wrap="square" lIns="0" tIns="0" rIns="0" bIns="0" numCol="1" rtlCol="0" anchor="t" anchorCtr="0" compatLnSpc="1">
+            <a:prstTxWarp prst="textNoShape">
+              <a:avLst/>
+            </a:prstTxWarp>
+          </a:bodyPr>
+          <a:lstStyle/>
+          <a:p>
+            <a:pPr marL="0" marR="0" indent="0" algn="ctr" defTabSz="914400" rtl="0" eaLnBrk="0" fontAlgn="base" latinLnBrk="0" hangingPunct="0">
+              <a:lnSpc>
+                <a:spcPct val="100000"/>
+              </a:lnSpc>
+              <a:spcBef>
+                <a:spcPct val="20000"/>
+              </a:spcBef>
+              <a:spcAft>
+                <a:spcPct val="0"/>
+              </a:spcAft>
+              <a:buClrTx/>
+              <a:buSzTx/>
+              <a:buFontTx/>
+              <a:buNone/>
+              <a:tabLst/>
+            </a:pPr>
+            <a:r>
+              <a:rPr lang="en-GB" sz="1800" b="1" dirty="0">
+                <a:solidFill>
+                  <a:srgbClr val="003F6E"/>
+                </a:solidFill>
+                <a:latin typeface="Calibri"/>
+                <a:cs typeface="Calibri"/>
+              </a:rPr>
+              <a:t>If no</a:t>
+            </a:r>
+            <a:r>
+              <a:rPr lang="en-GB" sz="1800" dirty="0">
+                <a:solidFill>
+                  <a:srgbClr val="003F6E"/>
+                </a:solidFill>
+                <a:latin typeface="Calibri"/>
+                <a:cs typeface="Calibri"/>
+              </a:rPr>
+              <a:t>, open login</a:t>
             </a:r>
           </a:p>
         </p:txBody>
@@ -9268,7 +9233,7 @@
     </p:spTree>
     <p:extLst>
       <p:ext uri="{BB962C8B-B14F-4D97-AF65-F5344CB8AC3E}">
-        <p14:creationId xmlns:p14="http://schemas.microsoft.com/office/powerpoint/2010/main" val="3176093941"/>
+        <p14:creationId xmlns:p14="http://schemas.microsoft.com/office/powerpoint/2010/main" val="982369504"/>
       </p:ext>
     </p:extLst>
   </p:cSld>
@@ -9868,10 +9833,10 @@
       </p:sp>
       <p:sp>
         <p:nvSpPr>
-          <p:cNvPr id="7" name="Fumetto: rettangolo con angoli arrotondati 6">
-            <a:extLst>
-              <a:ext uri="{FF2B5EF4-FFF2-40B4-BE49-F238E27FC236}">
-                <a16:creationId xmlns:a16="http://schemas.microsoft.com/office/drawing/2014/main" id="{9653585F-9FC8-4C75-8D9E-D5743F8F3D04}"/>
+          <p:cNvPr id="10" name="Fumetto: rettangolo con angoli arrotondati 9">
+            <a:extLst>
+              <a:ext uri="{FF2B5EF4-FFF2-40B4-BE49-F238E27FC236}">
+                <a16:creationId xmlns:a16="http://schemas.microsoft.com/office/drawing/2014/main" id="{35992C45-16AF-4226-96DA-318995EEEC1D}"/>
               </a:ext>
             </a:extLst>
           </p:cNvPr>
@@ -9880,13 +9845,13 @@
         </p:nvSpPr>
         <p:spPr bwMode="auto">
           <a:xfrm>
-            <a:off x="5870650" y="1172357"/>
-            <a:ext cx="1584176" cy="588677"/>
+            <a:off x="6050582" y="1844824"/>
+            <a:ext cx="2699792" cy="588677"/>
           </a:xfrm>
           <a:prstGeom prst="wedgeRoundRectCallout">
             <a:avLst>
-              <a:gd name="adj1" fmla="val -65276"/>
-              <a:gd name="adj2" fmla="val 105774"/>
+              <a:gd name="adj1" fmla="val -40573"/>
+              <a:gd name="adj2" fmla="val 221194"/>
               <a:gd name="adj3" fmla="val 16667"/>
             </a:avLst>
           </a:prstGeom>
@@ -9925,34 +9890,24 @@
               <a:tabLst/>
             </a:pPr>
             <a:r>
-              <a:rPr lang="en-GB" sz="1800" b="1" dirty="0">
+              <a:rPr lang="en-GB" sz="1800" dirty="0">
                 <a:solidFill>
                   <a:srgbClr val="003F6E"/>
                 </a:solidFill>
                 <a:latin typeface="Calibri"/>
                 <a:cs typeface="Calibri"/>
               </a:rPr>
-              <a:t>If yes</a:t>
-            </a:r>
-            <a:r>
-              <a:rPr lang="en-GB" sz="1800" dirty="0">
-                <a:solidFill>
-                  <a:srgbClr val="003F6E"/>
-                </a:solidFill>
-                <a:latin typeface="Calibri"/>
-                <a:cs typeface="Calibri"/>
-              </a:rPr>
-              <a:t>, open scanner</a:t>
-            </a:r>
-          </a:p>
-        </p:txBody>
-      </p:sp>
-      <p:sp>
-        <p:nvSpPr>
-          <p:cNvPr id="8" name="Fumetto: rettangolo con angoli arrotondati 7">
-            <a:extLst>
-              <a:ext uri="{FF2B5EF4-FFF2-40B4-BE49-F238E27FC236}">
-                <a16:creationId xmlns:a16="http://schemas.microsoft.com/office/drawing/2014/main" id="{63B2736A-BC30-4C18-AEF5-534165A98FD2}"/>
+              <a:t>Users can switch among these screens as they want</a:t>
+            </a:r>
+          </a:p>
+        </p:txBody>
+      </p:sp>
+      <p:sp>
+        <p:nvSpPr>
+          <p:cNvPr id="11" name="Fumetto: rettangolo con angoli arrotondati 10">
+            <a:extLst>
+              <a:ext uri="{FF2B5EF4-FFF2-40B4-BE49-F238E27FC236}">
+                <a16:creationId xmlns:a16="http://schemas.microsoft.com/office/drawing/2014/main" id="{0358A251-9689-4289-B8C5-12F7F54D170F}"/>
               </a:ext>
             </a:extLst>
           </p:cNvPr>
@@ -9961,13 +9916,13 @@
         </p:nvSpPr>
         <p:spPr bwMode="auto">
           <a:xfrm>
-            <a:off x="107504" y="1988840"/>
-            <a:ext cx="1352178" cy="576064"/>
+            <a:off x="35496" y="4221089"/>
+            <a:ext cx="1216583" cy="1440160"/>
           </a:xfrm>
           <a:prstGeom prst="wedgeRoundRectCallout">
             <a:avLst>
-              <a:gd name="adj1" fmla="val 71482"/>
-              <a:gd name="adj2" fmla="val 27226"/>
+              <a:gd name="adj1" fmla="val 92255"/>
+              <a:gd name="adj2" fmla="val -31395"/>
               <a:gd name="adj3" fmla="val 16667"/>
             </a:avLst>
           </a:prstGeom>
@@ -10006,15 +9961,76 @@
               <a:tabLst/>
             </a:pPr>
             <a:r>
-              <a:rPr lang="en-GB" sz="1800" b="1" dirty="0">
+              <a:rPr lang="en-GB" sz="1800" dirty="0">
                 <a:solidFill>
                   <a:srgbClr val="003F6E"/>
                 </a:solidFill>
                 <a:latin typeface="Calibri"/>
                 <a:cs typeface="Calibri"/>
               </a:rPr>
-              <a:t>If no</a:t>
-            </a:r>
+              <a:t>User can switch between registration and login</a:t>
+            </a:r>
+          </a:p>
+        </p:txBody>
+      </p:sp>
+      <p:sp>
+        <p:nvSpPr>
+          <p:cNvPr id="12" name="Fumetto: rettangolo con angoli arrotondati 11">
+            <a:extLst>
+              <a:ext uri="{FF2B5EF4-FFF2-40B4-BE49-F238E27FC236}">
+                <a16:creationId xmlns:a16="http://schemas.microsoft.com/office/drawing/2014/main" id="{5F3A13BE-0328-435E-9715-E21A16A03592}"/>
+              </a:ext>
+            </a:extLst>
+          </p:cNvPr>
+          <p:cNvSpPr/>
+          <p:nvPr/>
+        </p:nvSpPr>
+        <p:spPr bwMode="auto">
+          <a:xfrm>
+            <a:off x="3347864" y="5821436"/>
+            <a:ext cx="2592288" cy="576064"/>
+          </a:xfrm>
+          <a:prstGeom prst="wedgeRoundRectCallout">
+            <a:avLst>
+              <a:gd name="adj1" fmla="val -36274"/>
+              <a:gd name="adj2" fmla="val -144734"/>
+              <a:gd name="adj3" fmla="val 16667"/>
+            </a:avLst>
+          </a:prstGeom>
+          <a:solidFill>
+            <a:srgbClr val="FFCD4A">
+              <a:alpha val="50000"/>
+            </a:srgbClr>
+          </a:solidFill>
+          <a:ln>
+            <a:noFill/>
+          </a:ln>
+          <a:effectLst/>
+        </p:spPr>
+        <p:txBody>
+          <a:bodyPr vert="horz" wrap="square" lIns="0" tIns="0" rIns="0" bIns="0" numCol="1" rtlCol="0" anchor="t" anchorCtr="0" compatLnSpc="1">
+            <a:prstTxWarp prst="textNoShape">
+              <a:avLst/>
+            </a:prstTxWarp>
+          </a:bodyPr>
+          <a:lstStyle/>
+          <a:p>
+            <a:pPr marL="0" marR="0" indent="0" algn="ctr" defTabSz="914400" rtl="0" eaLnBrk="0" fontAlgn="base" latinLnBrk="0" hangingPunct="0">
+              <a:lnSpc>
+                <a:spcPct val="100000"/>
+              </a:lnSpc>
+              <a:spcBef>
+                <a:spcPct val="20000"/>
+              </a:spcBef>
+              <a:spcAft>
+                <a:spcPct val="0"/>
+              </a:spcAft>
+              <a:buClrTx/>
+              <a:buSzTx/>
+              <a:buFontTx/>
+              <a:buNone/>
+              <a:tabLst/>
+            </a:pPr>
             <a:r>
               <a:rPr lang="en-GB" sz="1800" dirty="0">
                 <a:solidFill>
@@ -10023,7 +10039,7 @@
                 <a:latin typeface="Calibri"/>
                 <a:cs typeface="Calibri"/>
               </a:rPr>
-              <a:t>, open login</a:t>
+              <a:t>From home page, user can logout from the system</a:t>
             </a:r>
           </a:p>
         </p:txBody>
@@ -10031,7 +10047,7 @@
     </p:spTree>
     <p:extLst>
       <p:ext uri="{BB962C8B-B14F-4D97-AF65-F5344CB8AC3E}">
-        <p14:creationId xmlns:p14="http://schemas.microsoft.com/office/powerpoint/2010/main" val="982369504"/>
+        <p14:creationId xmlns:p14="http://schemas.microsoft.com/office/powerpoint/2010/main" val="3695555086"/>
       </p:ext>
     </p:extLst>
   </p:cSld>
@@ -10083,7 +10099,7 @@
               <a:rPr lang="en-GB" dirty="0">
                 <a:cs typeface="Arial"/>
               </a:rPr>
-              <a:t>Application Start UI Design</a:t>
+              <a:t>Complete UI Design</a:t>
             </a:r>
           </a:p>
         </p:txBody>
@@ -10120,10 +10136,10 @@
       </p:sp>
       <p:pic>
         <p:nvPicPr>
-          <p:cNvPr id="5" name="Immagine 5" descr="Immagine che contiene screenshot&#10;&#10;Descrizione generata con affidabilità molto elevata">
-            <a:extLst>
-              <a:ext uri="{FF2B5EF4-FFF2-40B4-BE49-F238E27FC236}">
-                <a16:creationId xmlns:a16="http://schemas.microsoft.com/office/drawing/2014/main" id="{81F7D0D6-C0A6-430F-B0B1-5956E2898135}"/>
+          <p:cNvPr id="3" name="Immagine 4" descr="Immagine che contiene screenshot&#10;&#10;Descrizione generata con affidabilità molto elevata">
+            <a:extLst>
+              <a:ext uri="{FF2B5EF4-FFF2-40B4-BE49-F238E27FC236}">
+                <a16:creationId xmlns:a16="http://schemas.microsoft.com/office/drawing/2014/main" id="{F71A1C92-B11A-4BCF-97A7-9D27942E905E}"/>
               </a:ext>
             </a:extLst>
           </p:cNvPr>
@@ -10140,8 +10156,8 @@
         </p:blipFill>
         <p:spPr>
           <a:xfrm>
-            <a:off x="1403648" y="1209218"/>
-            <a:ext cx="6624736" cy="5244119"/>
+            <a:off x="100739" y="879127"/>
+            <a:ext cx="8884402" cy="5319304"/>
           </a:xfrm>
           <a:prstGeom prst="rect">
             <a:avLst/>
@@ -10150,10 +10166,10 @@
       </p:pic>
       <p:sp>
         <p:nvSpPr>
-          <p:cNvPr id="6" name="Rettangolo 5">
-            <a:extLst>
-              <a:ext uri="{FF2B5EF4-FFF2-40B4-BE49-F238E27FC236}">
-                <a16:creationId xmlns:a16="http://schemas.microsoft.com/office/drawing/2014/main" id="{11CB302A-C755-4F69-BB2F-A19624056512}"/>
+          <p:cNvPr id="5" name="Rettangolo 4">
+            <a:extLst>
+              <a:ext uri="{FF2B5EF4-FFF2-40B4-BE49-F238E27FC236}">
+                <a16:creationId xmlns:a16="http://schemas.microsoft.com/office/drawing/2014/main" id="{A2ABE5D0-DBD9-46C1-914D-1C24D59C7825}"/>
               </a:ext>
             </a:extLst>
           </p:cNvPr>
@@ -10261,223 +10277,10 @@
           </a:p>
         </p:txBody>
       </p:sp>
-      <p:sp>
-        <p:nvSpPr>
-          <p:cNvPr id="10" name="Fumetto: rettangolo con angoli arrotondati 9">
-            <a:extLst>
-              <a:ext uri="{FF2B5EF4-FFF2-40B4-BE49-F238E27FC236}">
-                <a16:creationId xmlns:a16="http://schemas.microsoft.com/office/drawing/2014/main" id="{35992C45-16AF-4226-96DA-318995EEEC1D}"/>
-              </a:ext>
-            </a:extLst>
-          </p:cNvPr>
-          <p:cNvSpPr/>
-          <p:nvPr/>
-        </p:nvSpPr>
-        <p:spPr bwMode="auto">
-          <a:xfrm>
-            <a:off x="6050582" y="1844824"/>
-            <a:ext cx="2699792" cy="588677"/>
-          </a:xfrm>
-          <a:prstGeom prst="wedgeRoundRectCallout">
-            <a:avLst>
-              <a:gd name="adj1" fmla="val -40573"/>
-              <a:gd name="adj2" fmla="val 221194"/>
-              <a:gd name="adj3" fmla="val 16667"/>
-            </a:avLst>
-          </a:prstGeom>
-          <a:solidFill>
-            <a:srgbClr val="FFCD4A">
-              <a:alpha val="50000"/>
-            </a:srgbClr>
-          </a:solidFill>
-          <a:ln>
-            <a:noFill/>
-          </a:ln>
-          <a:effectLst/>
-        </p:spPr>
-        <p:txBody>
-          <a:bodyPr vert="horz" wrap="square" lIns="0" tIns="0" rIns="0" bIns="0" numCol="1" rtlCol="0" anchor="t" anchorCtr="0" compatLnSpc="1">
-            <a:prstTxWarp prst="textNoShape">
-              <a:avLst/>
-            </a:prstTxWarp>
-          </a:bodyPr>
-          <a:lstStyle/>
-          <a:p>
-            <a:pPr marL="0" marR="0" indent="0" algn="ctr" defTabSz="914400" rtl="0" eaLnBrk="0" fontAlgn="base" latinLnBrk="0" hangingPunct="0">
-              <a:lnSpc>
-                <a:spcPct val="100000"/>
-              </a:lnSpc>
-              <a:spcBef>
-                <a:spcPct val="20000"/>
-              </a:spcBef>
-              <a:spcAft>
-                <a:spcPct val="0"/>
-              </a:spcAft>
-              <a:buClrTx/>
-              <a:buSzTx/>
-              <a:buFontTx/>
-              <a:buNone/>
-              <a:tabLst/>
-            </a:pPr>
-            <a:r>
-              <a:rPr lang="en-GB" sz="1800" dirty="0">
-                <a:solidFill>
-                  <a:srgbClr val="003F6E"/>
-                </a:solidFill>
-                <a:latin typeface="Calibri"/>
-                <a:cs typeface="Calibri"/>
-              </a:rPr>
-              <a:t>Users can switch among these screens as they want</a:t>
-            </a:r>
-          </a:p>
-        </p:txBody>
-      </p:sp>
-      <p:sp>
-        <p:nvSpPr>
-          <p:cNvPr id="11" name="Fumetto: rettangolo con angoli arrotondati 10">
-            <a:extLst>
-              <a:ext uri="{FF2B5EF4-FFF2-40B4-BE49-F238E27FC236}">
-                <a16:creationId xmlns:a16="http://schemas.microsoft.com/office/drawing/2014/main" id="{0358A251-9689-4289-B8C5-12F7F54D170F}"/>
-              </a:ext>
-            </a:extLst>
-          </p:cNvPr>
-          <p:cNvSpPr/>
-          <p:nvPr/>
-        </p:nvSpPr>
-        <p:spPr bwMode="auto">
-          <a:xfrm>
-            <a:off x="35496" y="4221089"/>
-            <a:ext cx="1216583" cy="1440160"/>
-          </a:xfrm>
-          <a:prstGeom prst="wedgeRoundRectCallout">
-            <a:avLst>
-              <a:gd name="adj1" fmla="val 92255"/>
-              <a:gd name="adj2" fmla="val -31395"/>
-              <a:gd name="adj3" fmla="val 16667"/>
-            </a:avLst>
-          </a:prstGeom>
-          <a:solidFill>
-            <a:srgbClr val="FFCD4A">
-              <a:alpha val="50000"/>
-            </a:srgbClr>
-          </a:solidFill>
-          <a:ln>
-            <a:noFill/>
-          </a:ln>
-          <a:effectLst/>
-        </p:spPr>
-        <p:txBody>
-          <a:bodyPr vert="horz" wrap="square" lIns="0" tIns="0" rIns="0" bIns="0" numCol="1" rtlCol="0" anchor="t" anchorCtr="0" compatLnSpc="1">
-            <a:prstTxWarp prst="textNoShape">
-              <a:avLst/>
-            </a:prstTxWarp>
-          </a:bodyPr>
-          <a:lstStyle/>
-          <a:p>
-            <a:pPr marL="0" marR="0" indent="0" algn="ctr" defTabSz="914400" rtl="0" eaLnBrk="0" fontAlgn="base" latinLnBrk="0" hangingPunct="0">
-              <a:lnSpc>
-                <a:spcPct val="100000"/>
-              </a:lnSpc>
-              <a:spcBef>
-                <a:spcPct val="20000"/>
-              </a:spcBef>
-              <a:spcAft>
-                <a:spcPct val="0"/>
-              </a:spcAft>
-              <a:buClrTx/>
-              <a:buSzTx/>
-              <a:buFontTx/>
-              <a:buNone/>
-              <a:tabLst/>
-            </a:pPr>
-            <a:r>
-              <a:rPr lang="en-GB" sz="1800" dirty="0">
-                <a:solidFill>
-                  <a:srgbClr val="003F6E"/>
-                </a:solidFill>
-                <a:latin typeface="Calibri"/>
-                <a:cs typeface="Calibri"/>
-              </a:rPr>
-              <a:t>User can switch between registration and login</a:t>
-            </a:r>
-          </a:p>
-        </p:txBody>
-      </p:sp>
-      <p:sp>
-        <p:nvSpPr>
-          <p:cNvPr id="12" name="Fumetto: rettangolo con angoli arrotondati 11">
-            <a:extLst>
-              <a:ext uri="{FF2B5EF4-FFF2-40B4-BE49-F238E27FC236}">
-                <a16:creationId xmlns:a16="http://schemas.microsoft.com/office/drawing/2014/main" id="{5F3A13BE-0328-435E-9715-E21A16A03592}"/>
-              </a:ext>
-            </a:extLst>
-          </p:cNvPr>
-          <p:cNvSpPr/>
-          <p:nvPr/>
-        </p:nvSpPr>
-        <p:spPr bwMode="auto">
-          <a:xfrm>
-            <a:off x="3347864" y="5821436"/>
-            <a:ext cx="2592288" cy="576064"/>
-          </a:xfrm>
-          <a:prstGeom prst="wedgeRoundRectCallout">
-            <a:avLst>
-              <a:gd name="adj1" fmla="val -36274"/>
-              <a:gd name="adj2" fmla="val -144734"/>
-              <a:gd name="adj3" fmla="val 16667"/>
-            </a:avLst>
-          </a:prstGeom>
-          <a:solidFill>
-            <a:srgbClr val="FFCD4A">
-              <a:alpha val="50000"/>
-            </a:srgbClr>
-          </a:solidFill>
-          <a:ln>
-            <a:noFill/>
-          </a:ln>
-          <a:effectLst/>
-        </p:spPr>
-        <p:txBody>
-          <a:bodyPr vert="horz" wrap="square" lIns="0" tIns="0" rIns="0" bIns="0" numCol="1" rtlCol="0" anchor="t" anchorCtr="0" compatLnSpc="1">
-            <a:prstTxWarp prst="textNoShape">
-              <a:avLst/>
-            </a:prstTxWarp>
-          </a:bodyPr>
-          <a:lstStyle/>
-          <a:p>
-            <a:pPr marL="0" marR="0" indent="0" algn="ctr" defTabSz="914400" rtl="0" eaLnBrk="0" fontAlgn="base" latinLnBrk="0" hangingPunct="0">
-              <a:lnSpc>
-                <a:spcPct val="100000"/>
-              </a:lnSpc>
-              <a:spcBef>
-                <a:spcPct val="20000"/>
-              </a:spcBef>
-              <a:spcAft>
-                <a:spcPct val="0"/>
-              </a:spcAft>
-              <a:buClrTx/>
-              <a:buSzTx/>
-              <a:buFontTx/>
-              <a:buNone/>
-              <a:tabLst/>
-            </a:pPr>
-            <a:r>
-              <a:rPr lang="en-GB" sz="1800" dirty="0">
-                <a:solidFill>
-                  <a:srgbClr val="003F6E"/>
-                </a:solidFill>
-                <a:latin typeface="Calibri"/>
-                <a:cs typeface="Calibri"/>
-              </a:rPr>
-              <a:t>From home page, user can logout from the system</a:t>
-            </a:r>
-          </a:p>
-        </p:txBody>
-      </p:sp>
     </p:spTree>
     <p:extLst>
       <p:ext uri="{BB962C8B-B14F-4D97-AF65-F5344CB8AC3E}">
-        <p14:creationId xmlns:p14="http://schemas.microsoft.com/office/powerpoint/2010/main" val="3695555086"/>
+        <p14:creationId xmlns:p14="http://schemas.microsoft.com/office/powerpoint/2010/main" val="3707133746"/>
       </p:ext>
     </p:extLst>
   </p:cSld>
@@ -10506,203 +10309,86 @@
       </p:grpSpPr>
       <p:sp>
         <p:nvSpPr>
-          <p:cNvPr id="2" name="Titolo 1">
-            <a:extLst>
-              <a:ext uri="{FF2B5EF4-FFF2-40B4-BE49-F238E27FC236}">
-                <a16:creationId xmlns:a16="http://schemas.microsoft.com/office/drawing/2014/main" id="{4BE247A2-758D-4AC6-BF37-E19A51583476}"/>
-              </a:ext>
-            </a:extLst>
-          </p:cNvPr>
-          <p:cNvSpPr>
-            <a:spLocks noGrp="1"/>
+          <p:cNvPr id="2063" name="Text Box 15">
+            <a:extLst>
+              <a:ext uri="{FF2B5EF4-FFF2-40B4-BE49-F238E27FC236}">
+                <a16:creationId xmlns:a16="http://schemas.microsoft.com/office/drawing/2014/main" id="{163E1146-9683-4D80-A948-17A524CE64E3}"/>
+              </a:ext>
+            </a:extLst>
+          </p:cNvPr>
+          <p:cNvSpPr txBox="1">
+            <a:spLocks noChangeArrowheads="1"/>
           </p:cNvSpPr>
-          <p:nvPr>
-            <p:ph type="title"/>
-          </p:nvPr>
-        </p:nvSpPr>
-        <p:spPr/>
-        <p:txBody>
-          <a:bodyPr/>
-          <a:lstStyle/>
-          <a:p>
-            <a:r>
-              <a:rPr lang="en-GB" dirty="0">
-                <a:cs typeface="Arial"/>
-              </a:rPr>
-              <a:t>Complete UI Design</a:t>
-            </a:r>
-          </a:p>
-        </p:txBody>
-      </p:sp>
-      <p:sp>
-        <p:nvSpPr>
-          <p:cNvPr id="4" name="Segnaposto numero diapositiva 3">
-            <a:extLst>
-              <a:ext uri="{FF2B5EF4-FFF2-40B4-BE49-F238E27FC236}">
-                <a16:creationId xmlns:a16="http://schemas.microsoft.com/office/drawing/2014/main" id="{1F42B96A-DC32-40CE-A5BB-9155421755F6}"/>
-              </a:ext>
-            </a:extLst>
-          </p:cNvPr>
-          <p:cNvSpPr>
-            <a:spLocks noGrp="1"/>
-          </p:cNvSpPr>
-          <p:nvPr>
-            <p:ph type="sldNum" sz="quarter" idx="10"/>
-          </p:nvPr>
-        </p:nvSpPr>
-        <p:spPr/>
-        <p:txBody>
-          <a:bodyPr/>
-          <a:lstStyle/>
-          <a:p>
-            <a:fld id="{FE575B20-646B-44A6-B32B-8B9F7AC502D9}" type="slidenum">
-              <a:rPr lang="it-IT" altLang="en-US" smtClean="0"/>
-              <a:pPr/>
-              <a:t>22</a:t>
-            </a:fld>
-            <a:endParaRPr lang="it-IT" altLang="en-US"/>
-          </a:p>
-        </p:txBody>
-      </p:sp>
-      <p:pic>
-        <p:nvPicPr>
-          <p:cNvPr id="3" name="Immagine 4" descr="Immagine che contiene screenshot&#10;&#10;Descrizione generata con affidabilità molto elevata">
-            <a:extLst>
-              <a:ext uri="{FF2B5EF4-FFF2-40B4-BE49-F238E27FC236}">
-                <a16:creationId xmlns:a16="http://schemas.microsoft.com/office/drawing/2014/main" id="{F71A1C92-B11A-4BCF-97A7-9D27942E905E}"/>
-              </a:ext>
-            </a:extLst>
-          </p:cNvPr>
-          <p:cNvPicPr>
-            <a:picLocks noChangeAspect="1"/>
-          </p:cNvPicPr>
           <p:nvPr/>
-        </p:nvPicPr>
-        <p:blipFill>
-          <a:blip r:embed="rId2"/>
-          <a:stretch>
-            <a:fillRect/>
-          </a:stretch>
-        </p:blipFill>
-        <p:spPr>
+        </p:nvSpPr>
+        <p:spPr bwMode="auto">
           <a:xfrm>
-            <a:off x="100739" y="879127"/>
-            <a:ext cx="8884402" cy="5319304"/>
+            <a:off x="1763688" y="4581128"/>
+            <a:ext cx="6248400" cy="492443"/>
           </a:xfrm>
           <a:prstGeom prst="rect">
             <a:avLst/>
           </a:prstGeom>
-        </p:spPr>
-      </p:pic>
-      <p:sp>
-        <p:nvSpPr>
-          <p:cNvPr id="5" name="Rettangolo 4">
-            <a:extLst>
-              <a:ext uri="{FF2B5EF4-FFF2-40B4-BE49-F238E27FC236}">
-                <a16:creationId xmlns:a16="http://schemas.microsoft.com/office/drawing/2014/main" id="{A2ABE5D0-DBD9-46C1-914D-1C24D59C7825}"/>
-              </a:ext>
-            </a:extLst>
-          </p:cNvPr>
-          <p:cNvSpPr/>
-          <p:nvPr/>
-        </p:nvSpPr>
-        <p:spPr bwMode="auto">
-          <a:xfrm>
-            <a:off x="251520" y="6613524"/>
-            <a:ext cx="4374292" cy="244475"/>
-          </a:xfrm>
-          <a:prstGeom prst="rect">
-            <a:avLst/>
-          </a:prstGeom>
-          <a:solidFill>
-            <a:schemeClr val="bg1"/>
-          </a:solidFill>
+          <a:noFill/>
           <a:ln>
             <a:noFill/>
           </a:ln>
           <a:effectLst/>
+          <a:extLst>
+            <a:ext uri="{909E8E84-426E-40DD-AFC4-6F175D3DCCD1}">
+              <a14:hiddenFill xmlns:a14="http://schemas.microsoft.com/office/drawing/2010/main">
+                <a:solidFill>
+                  <a:srgbClr val="C7D7E9"/>
+                </a:solidFill>
+              </a14:hiddenFill>
+            </a:ext>
+            <a:ext uri="{91240B29-F687-4F45-9708-019B960494DF}">
+              <a14:hiddenLine xmlns:a14="http://schemas.microsoft.com/office/drawing/2010/main" w="9525">
+                <a:solidFill>
+                  <a:schemeClr val="tx1"/>
+                </a:solidFill>
+                <a:miter lim="800000"/>
+                <a:headEnd/>
+                <a:tailEnd/>
+              </a14:hiddenLine>
+            </a:ext>
+            <a:ext uri="{AF507438-7753-43E0-B8FC-AC1667EBCBE1}">
+              <a14:hiddenEffects xmlns:a14="http://schemas.microsoft.com/office/drawing/2010/main">
+                <a:effectLst>
+                  <a:outerShdw dist="35921" dir="2700000" algn="ctr" rotWithShape="0">
+                    <a:schemeClr val="bg2"/>
+                  </a:outerShdw>
+                </a:effectLst>
+              </a14:hiddenEffects>
+            </a:ext>
+          </a:extLst>
         </p:spPr>
         <p:txBody>
-          <a:bodyPr vert="horz" wrap="square" lIns="0" tIns="0" rIns="0" bIns="0" numCol="1" rtlCol="0" anchor="t" anchorCtr="0" compatLnSpc="1">
-            <a:prstTxWarp prst="textNoShape">
-              <a:avLst/>
-            </a:prstTxWarp>
+          <a:bodyPr lIns="0" tIns="0" rIns="0" bIns="0" anchor="t">
+            <a:spAutoFit/>
           </a:bodyPr>
           <a:lstStyle/>
           <a:p>
-            <a:pPr marL="0" marR="0" indent="0" algn="ctr" defTabSz="914400" rtl="0" eaLnBrk="0" fontAlgn="base" latinLnBrk="0" hangingPunct="0">
-              <a:lnSpc>
-                <a:spcPct val="100000"/>
-              </a:lnSpc>
+            <a:pPr algn="l">
               <a:spcBef>
-                <a:spcPct val="20000"/>
+                <a:spcPct val="50000"/>
               </a:spcBef>
-              <a:spcAft>
-                <a:spcPct val="0"/>
-              </a:spcAft>
-              <a:buClrTx/>
-              <a:buSzTx/>
-              <a:buFontTx/>
-              <a:buNone/>
-              <a:tabLst/>
             </a:pPr>
             <a:r>
-              <a:rPr lang="en-GB" sz="1400" dirty="0">
-                <a:ln>
-                  <a:solidFill>
-                    <a:srgbClr val="003366"/>
-                  </a:solidFill>
-                </a:ln>
-                <a:solidFill>
-                  <a:srgbClr val="003366"/>
-                </a:solidFill>
-                <a:latin typeface="Calibri" panose="020F0502020204030204" pitchFamily="34" charset="0"/>
-                <a:cs typeface="Calibri" panose="020F0502020204030204" pitchFamily="34" charset="0"/>
-              </a:rPr>
-              <a:t>Lamparelli Andrea, </a:t>
-            </a:r>
-            <a:r>
-              <a:rPr lang="en-GB" sz="1400" dirty="0" err="1">
-                <a:ln>
-                  <a:solidFill>
-                    <a:srgbClr val="003366"/>
-                  </a:solidFill>
-                </a:ln>
-                <a:solidFill>
-                  <a:srgbClr val="003366"/>
-                </a:solidFill>
-                <a:latin typeface="Calibri" panose="020F0502020204030204" pitchFamily="34" charset="0"/>
-                <a:cs typeface="Calibri" panose="020F0502020204030204" pitchFamily="34" charset="0"/>
-              </a:rPr>
-              <a:t>Chittò</a:t>
-            </a:r>
-            <a:r>
-              <a:rPr lang="en-GB" sz="1400" dirty="0">
-                <a:ln>
-                  <a:solidFill>
-                    <a:srgbClr val="003366"/>
-                  </a:solidFill>
-                </a:ln>
-                <a:solidFill>
-                  <a:srgbClr val="003366"/>
-                </a:solidFill>
-                <a:latin typeface="Calibri" panose="020F0502020204030204" pitchFamily="34" charset="0"/>
-                <a:cs typeface="Calibri" panose="020F0502020204030204" pitchFamily="34" charset="0"/>
-              </a:rPr>
-              <a:t> Pietro</a:t>
-            </a:r>
-            <a:endParaRPr kumimoji="0" lang="en-GB" sz="1400" i="0" u="none" strike="noStrike" cap="none" normalizeH="0" baseline="0" dirty="0">
-              <a:ln>
-                <a:solidFill>
-                  <a:srgbClr val="003366"/>
-                </a:solidFill>
-              </a:ln>
+              <a:rPr lang="it-IT" altLang="en-US" sz="3200" b="1" dirty="0">
+                <a:solidFill>
+                  <a:srgbClr val="003F6E"/>
+                </a:solidFill>
+                <a:latin typeface="Arial"/>
+                <a:cs typeface="Arial"/>
+              </a:rPr>
+              <a:t>Testing</a:t>
+            </a:r>
+            <a:endParaRPr lang="it-IT" altLang="en-US" sz="3200" b="1" dirty="0">
               <a:solidFill>
-                <a:srgbClr val="003366"/>
+                <a:srgbClr val="003F6E"/>
               </a:solidFill>
-              <a:effectLst/>
-              <a:latin typeface="Calibri" panose="020F0502020204030204" pitchFamily="34" charset="0"/>
-              <a:cs typeface="Calibri" panose="020F0502020204030204" pitchFamily="34" charset="0"/>
+              <a:cs typeface="Arial"/>
             </a:endParaRPr>
           </a:p>
         </p:txBody>
@@ -10710,7 +10396,7 @@
     </p:spTree>
     <p:extLst>
       <p:ext uri="{BB962C8B-B14F-4D97-AF65-F5344CB8AC3E}">
-        <p14:creationId xmlns:p14="http://schemas.microsoft.com/office/powerpoint/2010/main" val="3707133746"/>
+        <p14:creationId xmlns:p14="http://schemas.microsoft.com/office/powerpoint/2010/main" val="742386879"/>
       </p:ext>
     </p:extLst>
   </p:cSld>
@@ -10739,86 +10425,400 @@
       </p:grpSpPr>
       <p:sp>
         <p:nvSpPr>
-          <p:cNvPr id="2063" name="Text Box 15">
-            <a:extLst>
-              <a:ext uri="{FF2B5EF4-FFF2-40B4-BE49-F238E27FC236}">
-                <a16:creationId xmlns:a16="http://schemas.microsoft.com/office/drawing/2014/main" id="{163E1146-9683-4D80-A948-17A524CE64E3}"/>
-              </a:ext>
-            </a:extLst>
-          </p:cNvPr>
-          <p:cNvSpPr txBox="1">
-            <a:spLocks noChangeArrowheads="1"/>
+          <p:cNvPr id="2" name="Titolo 1">
+            <a:extLst>
+              <a:ext uri="{FF2B5EF4-FFF2-40B4-BE49-F238E27FC236}">
+                <a16:creationId xmlns:a16="http://schemas.microsoft.com/office/drawing/2014/main" id="{70B5FF66-A04B-40FC-940F-F4CFEC092523}"/>
+              </a:ext>
+            </a:extLst>
+          </p:cNvPr>
+          <p:cNvSpPr>
+            <a:spLocks noGrp="1"/>
           </p:cNvSpPr>
+          <p:nvPr>
+            <p:ph type="title"/>
+          </p:nvPr>
+        </p:nvSpPr>
+        <p:spPr/>
+        <p:txBody>
+          <a:bodyPr/>
+          <a:lstStyle/>
+          <a:p>
+            <a:r>
+              <a:rPr lang="en-GB" dirty="0"/>
+              <a:t>Unit Test</a:t>
+            </a:r>
+          </a:p>
+        </p:txBody>
+      </p:sp>
+      <p:sp>
+        <p:nvSpPr>
+          <p:cNvPr id="13" name="Segnaposto contenuto 12">
+            <a:extLst>
+              <a:ext uri="{FF2B5EF4-FFF2-40B4-BE49-F238E27FC236}">
+                <a16:creationId xmlns:a16="http://schemas.microsoft.com/office/drawing/2014/main" id="{ACFAC886-BCD4-4A22-A6CE-2BF95053A012}"/>
+              </a:ext>
+            </a:extLst>
+          </p:cNvPr>
+          <p:cNvSpPr>
+            <a:spLocks noGrp="1"/>
+          </p:cNvSpPr>
+          <p:nvPr>
+            <p:ph sz="half" idx="1"/>
+          </p:nvPr>
+        </p:nvSpPr>
+        <p:spPr>
+          <a:xfrm>
+            <a:off x="719138" y="1076325"/>
+            <a:ext cx="7712989" cy="4203916"/>
+          </a:xfrm>
+        </p:spPr>
+        <p:txBody>
+          <a:bodyPr/>
+          <a:lstStyle/>
+          <a:p>
+            <a:pPr marL="457200" indent="-457200">
+              <a:buFont typeface="Arial"/>
+              <a:buChar char="•"/>
+            </a:pPr>
+            <a:endParaRPr lang="it-IT" sz="2800" b="1" dirty="0">
+              <a:solidFill>
+                <a:srgbClr val="003F6E"/>
+              </a:solidFill>
+              <a:latin typeface="Calibri"/>
+              <a:cs typeface="Calibri"/>
+            </a:endParaRPr>
+          </a:p>
+          <a:p>
+            <a:pPr marL="457200" indent="-457200">
+              <a:buFont typeface="Arial"/>
+              <a:buChar char="•"/>
+            </a:pPr>
+            <a:r>
+              <a:rPr lang="it-IT" sz="2800" b="1" dirty="0">
+                <a:solidFill>
+                  <a:srgbClr val="003F6E"/>
+                </a:solidFill>
+                <a:latin typeface="Calibri"/>
+                <a:cs typeface="Calibri"/>
+              </a:rPr>
+              <a:t>Local </a:t>
+            </a:r>
+            <a:r>
+              <a:rPr lang="it-IT" sz="2800" b="1" dirty="0" err="1">
+                <a:solidFill>
+                  <a:srgbClr val="003F6E"/>
+                </a:solidFill>
+                <a:latin typeface="Calibri"/>
+                <a:cs typeface="Calibri"/>
+              </a:rPr>
+              <a:t>tests</a:t>
+            </a:r>
+            <a:r>
+              <a:rPr lang="it-IT" sz="2800" b="1" dirty="0">
+                <a:solidFill>
+                  <a:srgbClr val="003F6E"/>
+                </a:solidFill>
+                <a:latin typeface="Calibri"/>
+                <a:cs typeface="Calibri"/>
+              </a:rPr>
+              <a:t>: </a:t>
+            </a:r>
+            <a:r>
+              <a:rPr lang="it-IT" sz="2800" dirty="0" err="1">
+                <a:solidFill>
+                  <a:srgbClr val="003F6E"/>
+                </a:solidFill>
+                <a:latin typeface="Calibri"/>
+                <a:cs typeface="Calibri"/>
+              </a:rPr>
+              <a:t>used</a:t>
+            </a:r>
+            <a:r>
+              <a:rPr lang="it-IT" sz="2800" dirty="0">
+                <a:solidFill>
+                  <a:srgbClr val="003F6E"/>
+                </a:solidFill>
+                <a:latin typeface="Calibri"/>
+                <a:cs typeface="Calibri"/>
+              </a:rPr>
+              <a:t> to test </a:t>
+            </a:r>
+            <a:r>
+              <a:rPr lang="it-IT" sz="2800" dirty="0" err="1">
+                <a:solidFill>
+                  <a:srgbClr val="003F6E"/>
+                </a:solidFill>
+                <a:latin typeface="Calibri"/>
+                <a:cs typeface="Calibri"/>
+              </a:rPr>
+              <a:t>local</a:t>
+            </a:r>
+            <a:r>
+              <a:rPr lang="it-IT" sz="2800" dirty="0">
+                <a:solidFill>
+                  <a:srgbClr val="003F6E"/>
+                </a:solidFill>
+                <a:latin typeface="Calibri"/>
+                <a:cs typeface="Calibri"/>
+              </a:rPr>
+              <a:t> classes </a:t>
+            </a:r>
+            <a:r>
+              <a:rPr lang="it-IT" sz="2800" dirty="0" err="1">
+                <a:solidFill>
+                  <a:srgbClr val="003F6E"/>
+                </a:solidFill>
+                <a:latin typeface="Calibri"/>
+                <a:cs typeface="Calibri"/>
+              </a:rPr>
+              <a:t>functionalities</a:t>
+            </a:r>
+            <a:endParaRPr lang="it-IT" sz="2800" dirty="0">
+              <a:solidFill>
+                <a:srgbClr val="003F6E"/>
+              </a:solidFill>
+              <a:latin typeface="Calibri"/>
+              <a:cs typeface="Calibri"/>
+            </a:endParaRPr>
+          </a:p>
+          <a:p>
+            <a:pPr marL="457200" indent="-457200">
+              <a:buFont typeface="Arial"/>
+              <a:buChar char="•"/>
+            </a:pPr>
+            <a:endParaRPr lang="it-IT" sz="2800" dirty="0">
+              <a:solidFill>
+                <a:srgbClr val="003F6E"/>
+              </a:solidFill>
+              <a:latin typeface="Calibri"/>
+              <a:cs typeface="Calibri"/>
+            </a:endParaRPr>
+          </a:p>
+          <a:p>
+            <a:pPr marL="457200" indent="-457200">
+              <a:buFont typeface="Arial"/>
+              <a:buChar char="•"/>
+            </a:pPr>
+            <a:r>
+              <a:rPr lang="it-IT" sz="2800" b="1" dirty="0">
+                <a:solidFill>
+                  <a:srgbClr val="003F6E"/>
+                </a:solidFill>
+                <a:latin typeface="Calibri"/>
+                <a:cs typeface="Calibri"/>
+              </a:rPr>
+              <a:t>Tools:</a:t>
+            </a:r>
+            <a:r>
+              <a:rPr lang="it-IT" sz="2800" dirty="0">
+                <a:solidFill>
+                  <a:srgbClr val="003F6E"/>
+                </a:solidFill>
+                <a:latin typeface="Calibri"/>
+                <a:cs typeface="Calibri"/>
+              </a:rPr>
+              <a:t> JUnit4 and </a:t>
+            </a:r>
+            <a:r>
+              <a:rPr lang="it-IT" sz="2800" dirty="0" err="1">
+                <a:solidFill>
+                  <a:srgbClr val="003F6E"/>
+                </a:solidFill>
+                <a:latin typeface="Calibri"/>
+                <a:cs typeface="Calibri"/>
+              </a:rPr>
+              <a:t>PoweredMockito</a:t>
+            </a:r>
+            <a:endParaRPr lang="it-IT" sz="2800" dirty="0">
+              <a:solidFill>
+                <a:srgbClr val="003F6E"/>
+              </a:solidFill>
+              <a:latin typeface="Calibri"/>
+              <a:cs typeface="Calibri"/>
+            </a:endParaRPr>
+          </a:p>
+          <a:p>
+            <a:pPr marL="457200" indent="-457200">
+              <a:buFont typeface="Arial"/>
+              <a:buChar char="•"/>
+            </a:pPr>
+            <a:endParaRPr lang="it-IT" sz="2800" b="1" dirty="0">
+              <a:solidFill>
+                <a:srgbClr val="003F6E"/>
+              </a:solidFill>
+              <a:latin typeface="Calibri"/>
+              <a:cs typeface="Calibri"/>
+            </a:endParaRPr>
+          </a:p>
+          <a:p>
+            <a:pPr marL="457200" indent="-457200">
+              <a:buFont typeface="Arial"/>
+              <a:buChar char="•"/>
+            </a:pPr>
+            <a:r>
+              <a:rPr lang="it-IT" sz="2800" b="1" dirty="0">
+                <a:solidFill>
+                  <a:srgbClr val="003F6E"/>
+                </a:solidFill>
+                <a:latin typeface="Calibri"/>
+                <a:cs typeface="Calibri"/>
+              </a:rPr>
+              <a:t>Classes:</a:t>
+            </a:r>
+            <a:r>
+              <a:rPr lang="it-IT" sz="2800" dirty="0">
+                <a:solidFill>
+                  <a:srgbClr val="003F6E"/>
+                </a:solidFill>
+                <a:latin typeface="Calibri"/>
+                <a:cs typeface="Calibri"/>
+              </a:rPr>
+              <a:t> MyFile, MyDirectory, StorageElement, Utility</a:t>
+            </a:r>
+            <a:endParaRPr lang="it-IT" dirty="0"/>
+          </a:p>
+        </p:txBody>
+      </p:sp>
+      <p:sp>
+        <p:nvSpPr>
+          <p:cNvPr id="5" name="Segnaposto numero diapositiva 4">
+            <a:extLst>
+              <a:ext uri="{FF2B5EF4-FFF2-40B4-BE49-F238E27FC236}">
+                <a16:creationId xmlns:a16="http://schemas.microsoft.com/office/drawing/2014/main" id="{F77D4566-3A75-42D0-A1C3-1E92F007DECA}"/>
+              </a:ext>
+            </a:extLst>
+          </p:cNvPr>
+          <p:cNvSpPr>
+            <a:spLocks noGrp="1"/>
+          </p:cNvSpPr>
+          <p:nvPr>
+            <p:ph type="sldNum" sz="quarter" idx="10"/>
+          </p:nvPr>
+        </p:nvSpPr>
+        <p:spPr/>
+        <p:txBody>
+          <a:bodyPr/>
+          <a:lstStyle/>
+          <a:p>
+            <a:fld id="{890431D4-9664-4983-A38D-C80271325BDD}" type="slidenum">
+              <a:rPr lang="it-IT" altLang="en-US" smtClean="0"/>
+              <a:pPr/>
+              <a:t>23</a:t>
+            </a:fld>
+            <a:endParaRPr lang="it-IT" altLang="en-US"/>
+          </a:p>
+        </p:txBody>
+      </p:sp>
+      <p:sp>
+        <p:nvSpPr>
+          <p:cNvPr id="6" name="Rettangolo 5">
+            <a:extLst>
+              <a:ext uri="{FF2B5EF4-FFF2-40B4-BE49-F238E27FC236}">
+                <a16:creationId xmlns:a16="http://schemas.microsoft.com/office/drawing/2014/main" id="{630D41F3-9B2E-4EDD-A6E2-B551CA8422DC}"/>
+              </a:ext>
+            </a:extLst>
+          </p:cNvPr>
+          <p:cNvSpPr/>
           <p:nvPr/>
         </p:nvSpPr>
         <p:spPr bwMode="auto">
           <a:xfrm>
-            <a:off x="1763688" y="4581128"/>
-            <a:ext cx="6248400" cy="492443"/>
+            <a:off x="251520" y="6613524"/>
+            <a:ext cx="4374292" cy="244475"/>
           </a:xfrm>
           <a:prstGeom prst="rect">
             <a:avLst/>
           </a:prstGeom>
-          <a:noFill/>
+          <a:solidFill>
+            <a:schemeClr val="bg1"/>
+          </a:solidFill>
           <a:ln>
             <a:noFill/>
           </a:ln>
           <a:effectLst/>
-          <a:extLst>
-            <a:ext uri="{909E8E84-426E-40DD-AFC4-6F175D3DCCD1}">
-              <a14:hiddenFill xmlns:a14="http://schemas.microsoft.com/office/drawing/2010/main">
-                <a:solidFill>
-                  <a:srgbClr val="C7D7E9"/>
-                </a:solidFill>
-              </a14:hiddenFill>
-            </a:ext>
-            <a:ext uri="{91240B29-F687-4F45-9708-019B960494DF}">
-              <a14:hiddenLine xmlns:a14="http://schemas.microsoft.com/office/drawing/2010/main" w="9525">
-                <a:solidFill>
-                  <a:schemeClr val="tx1"/>
-                </a:solidFill>
-                <a:miter lim="800000"/>
-                <a:headEnd/>
-                <a:tailEnd/>
-              </a14:hiddenLine>
-            </a:ext>
-            <a:ext uri="{AF507438-7753-43E0-B8FC-AC1667EBCBE1}">
-              <a14:hiddenEffects xmlns:a14="http://schemas.microsoft.com/office/drawing/2010/main">
-                <a:effectLst>
-                  <a:outerShdw dist="35921" dir="2700000" algn="ctr" rotWithShape="0">
-                    <a:schemeClr val="bg2"/>
-                  </a:outerShdw>
-                </a:effectLst>
-              </a14:hiddenEffects>
-            </a:ext>
-          </a:extLst>
         </p:spPr>
         <p:txBody>
-          <a:bodyPr lIns="0" tIns="0" rIns="0" bIns="0" anchor="t">
-            <a:spAutoFit/>
+          <a:bodyPr vert="horz" wrap="square" lIns="0" tIns="0" rIns="0" bIns="0" numCol="1" rtlCol="0" anchor="t" anchorCtr="0" compatLnSpc="1">
+            <a:prstTxWarp prst="textNoShape">
+              <a:avLst/>
+            </a:prstTxWarp>
           </a:bodyPr>
           <a:lstStyle/>
           <a:p>
-            <a:pPr algn="l">
+            <a:pPr marL="0" marR="0" indent="0" algn="ctr" defTabSz="914400" rtl="0" eaLnBrk="0" fontAlgn="base" latinLnBrk="0" hangingPunct="0">
+              <a:lnSpc>
+                <a:spcPct val="100000"/>
+              </a:lnSpc>
               <a:spcBef>
-                <a:spcPct val="50000"/>
+                <a:spcPct val="20000"/>
               </a:spcBef>
+              <a:spcAft>
+                <a:spcPct val="0"/>
+              </a:spcAft>
+              <a:buClrTx/>
+              <a:buSzTx/>
+              <a:buFontTx/>
+              <a:buNone/>
+              <a:tabLst/>
             </a:pPr>
             <a:r>
-              <a:rPr lang="it-IT" altLang="en-US" sz="3200" b="1" dirty="0">
-                <a:solidFill>
-                  <a:srgbClr val="003F6E"/>
-                </a:solidFill>
-                <a:latin typeface="Arial"/>
-                <a:cs typeface="Arial"/>
-              </a:rPr>
-              <a:t>Testing</a:t>
-            </a:r>
-            <a:endParaRPr lang="it-IT" altLang="en-US" sz="3200" b="1" dirty="0">
+              <a:rPr lang="en-GB" sz="1400" dirty="0">
+                <a:ln>
+                  <a:solidFill>
+                    <a:srgbClr val="003366"/>
+                  </a:solidFill>
+                </a:ln>
+                <a:solidFill>
+                  <a:srgbClr val="003366"/>
+                </a:solidFill>
+                <a:latin typeface="Calibri" panose="020F0502020204030204" pitchFamily="34" charset="0"/>
+                <a:cs typeface="Calibri" panose="020F0502020204030204" pitchFamily="34" charset="0"/>
+              </a:rPr>
+              <a:t>Lamparelli Andrea, </a:t>
+            </a:r>
+            <a:r>
+              <a:rPr lang="en-GB" sz="1400" dirty="0" err="1">
+                <a:ln>
+                  <a:solidFill>
+                    <a:srgbClr val="003366"/>
+                  </a:solidFill>
+                </a:ln>
+                <a:solidFill>
+                  <a:srgbClr val="003366"/>
+                </a:solidFill>
+                <a:latin typeface="Calibri" panose="020F0502020204030204" pitchFamily="34" charset="0"/>
+                <a:cs typeface="Calibri" panose="020F0502020204030204" pitchFamily="34" charset="0"/>
+              </a:rPr>
+              <a:t>Chittò</a:t>
+            </a:r>
+            <a:r>
+              <a:rPr lang="en-GB" sz="1400" dirty="0">
+                <a:ln>
+                  <a:solidFill>
+                    <a:srgbClr val="003366"/>
+                  </a:solidFill>
+                </a:ln>
+                <a:solidFill>
+                  <a:srgbClr val="003366"/>
+                </a:solidFill>
+                <a:latin typeface="Calibri" panose="020F0502020204030204" pitchFamily="34" charset="0"/>
+                <a:cs typeface="Calibri" panose="020F0502020204030204" pitchFamily="34" charset="0"/>
+              </a:rPr>
+              <a:t> Pietro</a:t>
+            </a:r>
+            <a:endParaRPr kumimoji="0" lang="en-GB" sz="1400" i="0" u="none" strike="noStrike" cap="none" normalizeH="0" baseline="0" dirty="0">
+              <a:ln>
+                <a:solidFill>
+                  <a:srgbClr val="003366"/>
+                </a:solidFill>
+              </a:ln>
               <a:solidFill>
-                <a:srgbClr val="003F6E"/>
+                <a:srgbClr val="003366"/>
               </a:solidFill>
-              <a:cs typeface="Arial"/>
+              <a:effectLst/>
+              <a:latin typeface="Calibri" panose="020F0502020204030204" pitchFamily="34" charset="0"/>
+              <a:cs typeface="Calibri" panose="020F0502020204030204" pitchFamily="34" charset="0"/>
             </a:endParaRPr>
           </a:p>
         </p:txBody>
@@ -10826,7 +10826,7 @@
     </p:spTree>
     <p:extLst>
       <p:ext uri="{BB962C8B-B14F-4D97-AF65-F5344CB8AC3E}">
-        <p14:creationId xmlns:p14="http://schemas.microsoft.com/office/powerpoint/2010/main" val="742386879"/>
+        <p14:creationId xmlns:p14="http://schemas.microsoft.com/office/powerpoint/2010/main" val="203669010"/>
       </p:ext>
     </p:extLst>
   </p:cSld>
@@ -10876,7 +10876,7 @@
           <a:p>
             <a:r>
               <a:rPr lang="en-GB" dirty="0"/>
-              <a:t>Unit Test</a:t>
+              <a:t>Instrumentation Test</a:t>
             </a:r>
           </a:p>
         </p:txBody>
@@ -10899,8 +10899,8 @@
         </p:nvSpPr>
         <p:spPr>
           <a:xfrm>
-            <a:off x="719138" y="1076325"/>
-            <a:ext cx="7712989" cy="4203916"/>
+            <a:off x="719138" y="1076324"/>
+            <a:ext cx="7712989" cy="4296891"/>
           </a:xfrm>
         </p:spPr>
         <p:txBody>
@@ -10932,7 +10932,7 @@
                 <a:latin typeface="Calibri"/>
                 <a:cs typeface="Calibri"/>
               </a:rPr>
-              <a:t>Local </a:t>
+              <a:t>UI </a:t>
             </a:r>
             <a:r>
               <a:rPr lang="it-IT" sz="2800" b="1" dirty="0" err="1">
@@ -10982,7 +10982,7 @@
                 <a:latin typeface="Calibri"/>
                 <a:cs typeface="Calibri"/>
               </a:rPr>
-              <a:t>local</a:t>
+              <a:t>graphical</a:t>
             </a:r>
             <a:r>
               <a:rPr lang="it-IT" sz="2800" dirty="0">
@@ -10992,7 +10992,7 @@
                 <a:latin typeface="Calibri"/>
                 <a:cs typeface="Calibri"/>
               </a:rPr>
-              <a:t> classes </a:t>
+              <a:t> </a:t>
             </a:r>
             <a:r>
               <a:rPr lang="it-IT" sz="2800" dirty="0" err="1">
@@ -11002,7 +11002,27 @@
                 <a:latin typeface="Calibri"/>
                 <a:cs typeface="Calibri"/>
               </a:rPr>
-              <a:t>functionalities</a:t>
+              <a:t>aspects</a:t>
+            </a:r>
+            <a:r>
+              <a:rPr lang="it-IT" sz="2800" dirty="0">
+                <a:solidFill>
+                  <a:srgbClr val="003F6E"/>
+                </a:solidFill>
+                <a:latin typeface="Calibri"/>
+                <a:cs typeface="Calibri"/>
+              </a:rPr>
+              <a:t> of the user </a:t>
+            </a:r>
+            <a:r>
+              <a:rPr lang="it-IT" sz="2800" dirty="0" err="1">
+                <a:solidFill>
+                  <a:srgbClr val="003F6E"/>
+                </a:solidFill>
+                <a:latin typeface="Calibri"/>
+                <a:cs typeface="Calibri"/>
+              </a:rPr>
+              <a:t>interfaces</a:t>
             </a:r>
             <a:endParaRPr lang="it-IT" sz="2800" dirty="0">
               <a:solidFill>
@@ -11048,7 +11068,7 @@
                 <a:latin typeface="Calibri"/>
                 <a:cs typeface="Calibri"/>
               </a:rPr>
-              <a:t> JUnit4 and </a:t>
+              <a:t> Espresso, Espresso Recorder and </a:t>
             </a:r>
             <a:r>
               <a:rPr lang="it-IT" sz="2800" dirty="0" err="1">
@@ -11058,15 +11078,18 @@
                 <a:latin typeface="Calibri"/>
                 <a:cs typeface="Calibri"/>
               </a:rPr>
-              <a:t>PoweredMockito</a:t>
-            </a:r>
-            <a:endParaRPr lang="it-IT" sz="2800" dirty="0">
-              <a:solidFill>
-                <a:srgbClr val="003F6E"/>
-              </a:solidFill>
-              <a:latin typeface="Calibri"/>
-              <a:cs typeface="Calibri"/>
-            </a:endParaRPr>
+              <a:t>Firebase</a:t>
+            </a:r>
+            <a:r>
+              <a:rPr lang="it-IT" sz="2800" dirty="0">
+                <a:solidFill>
+                  <a:srgbClr val="003F6E"/>
+                </a:solidFill>
+                <a:latin typeface="Calibri"/>
+                <a:cs typeface="Calibri"/>
+              </a:rPr>
+              <a:t> Test Lab</a:t>
+            </a:r>
           </a:p>
           <a:p>
             <a:pPr marL="457200" indent="-457200">
@@ -11104,355 +11127,77 @@
                 <a:latin typeface="Calibri"/>
                 <a:cs typeface="Calibri"/>
               </a:rPr>
-              <a:t> MyFile, MyDirectory, StorageElement, Utility</a:t>
-            </a:r>
-            <a:endParaRPr lang="it-IT" dirty="0"/>
-          </a:p>
-        </p:txBody>
-      </p:sp>
-      <p:sp>
-        <p:nvSpPr>
-          <p:cNvPr id="5" name="Segnaposto numero diapositiva 4">
-            <a:extLst>
-              <a:ext uri="{FF2B5EF4-FFF2-40B4-BE49-F238E27FC236}">
-                <a16:creationId xmlns:a16="http://schemas.microsoft.com/office/drawing/2014/main" id="{F77D4566-3A75-42D0-A1C3-1E92F007DECA}"/>
-              </a:ext>
-            </a:extLst>
-          </p:cNvPr>
-          <p:cNvSpPr>
-            <a:spLocks noGrp="1"/>
-          </p:cNvSpPr>
-          <p:nvPr>
-            <p:ph type="sldNum" sz="quarter" idx="10"/>
-          </p:nvPr>
-        </p:nvSpPr>
-        <p:spPr/>
-        <p:txBody>
-          <a:bodyPr/>
-          <a:lstStyle/>
-          <a:p>
-            <a:fld id="{890431D4-9664-4983-A38D-C80271325BDD}" type="slidenum">
-              <a:rPr lang="it-IT" altLang="en-US" smtClean="0"/>
-              <a:pPr/>
-              <a:t>24</a:t>
-            </a:fld>
-            <a:endParaRPr lang="it-IT" altLang="en-US"/>
-          </a:p>
-        </p:txBody>
-      </p:sp>
-      <p:sp>
-        <p:nvSpPr>
-          <p:cNvPr id="6" name="Rettangolo 5">
-            <a:extLst>
-              <a:ext uri="{FF2B5EF4-FFF2-40B4-BE49-F238E27FC236}">
-                <a16:creationId xmlns:a16="http://schemas.microsoft.com/office/drawing/2014/main" id="{630D41F3-9B2E-4EDD-A6E2-B551CA8422DC}"/>
-              </a:ext>
-            </a:extLst>
-          </p:cNvPr>
-          <p:cNvSpPr/>
-          <p:nvPr/>
-        </p:nvSpPr>
-        <p:spPr bwMode="auto">
-          <a:xfrm>
-            <a:off x="251520" y="6613524"/>
-            <a:ext cx="4374292" cy="244475"/>
-          </a:xfrm>
-          <a:prstGeom prst="rect">
-            <a:avLst/>
-          </a:prstGeom>
-          <a:solidFill>
-            <a:schemeClr val="bg1"/>
-          </a:solidFill>
-          <a:ln>
-            <a:noFill/>
-          </a:ln>
-          <a:effectLst/>
-        </p:spPr>
-        <p:txBody>
-          <a:bodyPr vert="horz" wrap="square" lIns="0" tIns="0" rIns="0" bIns="0" numCol="1" rtlCol="0" anchor="t" anchorCtr="0" compatLnSpc="1">
-            <a:prstTxWarp prst="textNoShape">
-              <a:avLst/>
-            </a:prstTxWarp>
-          </a:bodyPr>
-          <a:lstStyle/>
-          <a:p>
-            <a:pPr marL="0" marR="0" indent="0" algn="ctr" defTabSz="914400" rtl="0" eaLnBrk="0" fontAlgn="base" latinLnBrk="0" hangingPunct="0">
-              <a:lnSpc>
-                <a:spcPct val="100000"/>
-              </a:lnSpc>
-              <a:spcBef>
-                <a:spcPct val="20000"/>
-              </a:spcBef>
-              <a:spcAft>
-                <a:spcPct val="0"/>
-              </a:spcAft>
-              <a:buClrTx/>
-              <a:buSzTx/>
-              <a:buFontTx/>
-              <a:buNone/>
-              <a:tabLst/>
-            </a:pPr>
-            <a:r>
-              <a:rPr lang="en-GB" sz="1400" dirty="0">
-                <a:ln>
-                  <a:solidFill>
-                    <a:srgbClr val="003366"/>
-                  </a:solidFill>
-                </a:ln>
-                <a:solidFill>
-                  <a:srgbClr val="003366"/>
-                </a:solidFill>
-                <a:latin typeface="Calibri" panose="020F0502020204030204" pitchFamily="34" charset="0"/>
-                <a:cs typeface="Calibri" panose="020F0502020204030204" pitchFamily="34" charset="0"/>
-              </a:rPr>
-              <a:t>Lamparelli Andrea, </a:t>
-            </a:r>
-            <a:r>
-              <a:rPr lang="en-GB" sz="1400" dirty="0" err="1">
-                <a:ln>
-                  <a:solidFill>
-                    <a:srgbClr val="003366"/>
-                  </a:solidFill>
-                </a:ln>
-                <a:solidFill>
-                  <a:srgbClr val="003366"/>
-                </a:solidFill>
-                <a:latin typeface="Calibri" panose="020F0502020204030204" pitchFamily="34" charset="0"/>
-                <a:cs typeface="Calibri" panose="020F0502020204030204" pitchFamily="34" charset="0"/>
-              </a:rPr>
-              <a:t>Chittò</a:t>
-            </a:r>
-            <a:r>
-              <a:rPr lang="en-GB" sz="1400" dirty="0">
-                <a:ln>
-                  <a:solidFill>
-                    <a:srgbClr val="003366"/>
-                  </a:solidFill>
-                </a:ln>
-                <a:solidFill>
-                  <a:srgbClr val="003366"/>
-                </a:solidFill>
-                <a:latin typeface="Calibri" panose="020F0502020204030204" pitchFamily="34" charset="0"/>
-                <a:cs typeface="Calibri" panose="020F0502020204030204" pitchFamily="34" charset="0"/>
-              </a:rPr>
-              <a:t> Pietro</a:t>
-            </a:r>
-            <a:endParaRPr kumimoji="0" lang="en-GB" sz="1400" i="0" u="none" strike="noStrike" cap="none" normalizeH="0" baseline="0" dirty="0">
-              <a:ln>
-                <a:solidFill>
-                  <a:srgbClr val="003366"/>
-                </a:solidFill>
-              </a:ln>
-              <a:solidFill>
-                <a:srgbClr val="003366"/>
-              </a:solidFill>
-              <a:effectLst/>
-              <a:latin typeface="Calibri" panose="020F0502020204030204" pitchFamily="34" charset="0"/>
-              <a:cs typeface="Calibri" panose="020F0502020204030204" pitchFamily="34" charset="0"/>
-            </a:endParaRPr>
-          </a:p>
-        </p:txBody>
-      </p:sp>
-    </p:spTree>
-    <p:extLst>
-      <p:ext uri="{BB962C8B-B14F-4D97-AF65-F5344CB8AC3E}">
-        <p14:creationId xmlns:p14="http://schemas.microsoft.com/office/powerpoint/2010/main" val="203669010"/>
-      </p:ext>
-    </p:extLst>
-  </p:cSld>
-  <p:clrMapOvr>
-    <a:masterClrMapping/>
-  </p:clrMapOvr>
-</p:sld>
-</file>
-
-<file path=ppt/slides/slide25.xml><?xml version="1.0" encoding="utf-8"?>
-<p:sld xmlns:a="http://schemas.openxmlformats.org/drawingml/2006/main" xmlns:r="http://schemas.openxmlformats.org/officeDocument/2006/relationships" xmlns:p="http://schemas.openxmlformats.org/presentationml/2006/main">
-  <p:cSld>
-    <p:spTree>
-      <p:nvGrpSpPr>
-        <p:cNvPr id="1" name=""/>
-        <p:cNvGrpSpPr/>
-        <p:nvPr/>
-      </p:nvGrpSpPr>
-      <p:grpSpPr>
-        <a:xfrm>
-          <a:off x="0" y="0"/>
-          <a:ext cx="0" cy="0"/>
-          <a:chOff x="0" y="0"/>
-          <a:chExt cx="0" cy="0"/>
-        </a:xfrm>
-      </p:grpSpPr>
-      <p:sp>
-        <p:nvSpPr>
-          <p:cNvPr id="2" name="Titolo 1">
-            <a:extLst>
-              <a:ext uri="{FF2B5EF4-FFF2-40B4-BE49-F238E27FC236}">
-                <a16:creationId xmlns:a16="http://schemas.microsoft.com/office/drawing/2014/main" id="{70B5FF66-A04B-40FC-940F-F4CFEC092523}"/>
-              </a:ext>
-            </a:extLst>
-          </p:cNvPr>
-          <p:cNvSpPr>
-            <a:spLocks noGrp="1"/>
-          </p:cNvSpPr>
-          <p:nvPr>
-            <p:ph type="title"/>
-          </p:nvPr>
-        </p:nvSpPr>
-        <p:spPr/>
-        <p:txBody>
-          <a:bodyPr/>
-          <a:lstStyle/>
-          <a:p>
-            <a:r>
-              <a:rPr lang="en-GB" dirty="0"/>
-              <a:t>Instrumentation Test</a:t>
-            </a:r>
-          </a:p>
-        </p:txBody>
-      </p:sp>
-      <p:sp>
-        <p:nvSpPr>
-          <p:cNvPr id="13" name="Segnaposto contenuto 12">
-            <a:extLst>
-              <a:ext uri="{FF2B5EF4-FFF2-40B4-BE49-F238E27FC236}">
-                <a16:creationId xmlns:a16="http://schemas.microsoft.com/office/drawing/2014/main" id="{ACFAC886-BCD4-4A22-A6CE-2BF95053A012}"/>
-              </a:ext>
-            </a:extLst>
-          </p:cNvPr>
-          <p:cNvSpPr>
-            <a:spLocks noGrp="1"/>
-          </p:cNvSpPr>
-          <p:nvPr>
-            <p:ph sz="half" idx="1"/>
-          </p:nvPr>
-        </p:nvSpPr>
-        <p:spPr>
-          <a:xfrm>
-            <a:off x="719138" y="1076324"/>
-            <a:ext cx="7712989" cy="4296891"/>
-          </a:xfrm>
-        </p:spPr>
-        <p:txBody>
-          <a:bodyPr/>
-          <a:lstStyle/>
-          <a:p>
-            <a:pPr marL="457200" indent="-457200">
-              <a:buFont typeface="Arial"/>
-              <a:buChar char="•"/>
-            </a:pPr>
-            <a:endParaRPr lang="it-IT" sz="2800" b="1" dirty="0">
-              <a:solidFill>
-                <a:srgbClr val="003F6E"/>
-              </a:solidFill>
-              <a:latin typeface="Calibri"/>
-              <a:cs typeface="Calibri"/>
-            </a:endParaRPr>
-          </a:p>
-          <a:p>
-            <a:pPr marL="457200" indent="-457200">
-              <a:buFont typeface="Arial"/>
-              <a:buChar char="•"/>
-            </a:pPr>
-            <a:r>
-              <a:rPr lang="it-IT" sz="2800" b="1" dirty="0">
+              <a:t> </a:t>
+            </a:r>
+            <a:r>
+              <a:rPr lang="it-IT" sz="2800" dirty="0" err="1">
                 <a:solidFill>
                   <a:srgbClr val="003F6E"/>
                 </a:solidFill>
                 <a:latin typeface="Calibri"/>
                 <a:cs typeface="Calibri"/>
               </a:rPr>
-              <a:t>UI </a:t>
-            </a:r>
-            <a:r>
-              <a:rPr lang="it-IT" sz="2800" b="1" dirty="0" err="1">
+              <a:t>RegistrationActivity</a:t>
+            </a:r>
+            <a:r>
+              <a:rPr lang="it-IT" sz="2800" dirty="0">
                 <a:solidFill>
                   <a:srgbClr val="003F6E"/>
                 </a:solidFill>
                 <a:latin typeface="Calibri"/>
                 <a:cs typeface="Calibri"/>
               </a:rPr>
-              <a:t>tests</a:t>
-            </a:r>
-            <a:r>
-              <a:rPr lang="it-IT" sz="2800" b="1" dirty="0">
+              <a:t>, </a:t>
+            </a:r>
+            <a:r>
+              <a:rPr lang="it-IT" sz="2800" dirty="0" err="1">
                 <a:solidFill>
                   <a:srgbClr val="003F6E"/>
                 </a:solidFill>
                 <a:latin typeface="Calibri"/>
                 <a:cs typeface="Calibri"/>
               </a:rPr>
-              <a:t>: </a:t>
-            </a:r>
-            <a:r>
-              <a:rPr lang="it-IT" sz="2800" dirty="0" err="1">
+              <a:t>LoginActivity</a:t>
+            </a:r>
+            <a:r>
+              <a:rPr lang="it-IT" sz="2800" dirty="0">
                 <a:solidFill>
                   <a:srgbClr val="003F6E"/>
                 </a:solidFill>
                 <a:latin typeface="Calibri"/>
                 <a:cs typeface="Calibri"/>
               </a:rPr>
-              <a:t>used</a:t>
-            </a:r>
-            <a:r>
-              <a:rPr lang="it-IT" sz="2800" dirty="0">
+              <a:t>, </a:t>
+            </a:r>
+            <a:r>
+              <a:rPr lang="it-IT" sz="2800" dirty="0" err="1">
                 <a:solidFill>
                   <a:srgbClr val="003F6E"/>
                 </a:solidFill>
                 <a:latin typeface="Calibri"/>
                 <a:cs typeface="Calibri"/>
               </a:rPr>
-              <a:t> to test </a:t>
-            </a:r>
-            <a:r>
-              <a:rPr lang="it-IT" sz="2800" dirty="0" err="1">
+              <a:t>MainActivity</a:t>
+            </a:r>
+            <a:r>
+              <a:rPr lang="it-IT" sz="2800" dirty="0">
                 <a:solidFill>
                   <a:srgbClr val="003F6E"/>
                 </a:solidFill>
                 <a:latin typeface="Calibri"/>
                 <a:cs typeface="Calibri"/>
               </a:rPr>
-              <a:t>graphical</a:t>
-            </a:r>
-            <a:r>
-              <a:rPr lang="it-IT" sz="2800" dirty="0">
+              <a:t> and </a:t>
+            </a:r>
+            <a:r>
+              <a:rPr lang="it-IT" sz="2800" dirty="0" err="1">
                 <a:solidFill>
                   <a:srgbClr val="003F6E"/>
                 </a:solidFill>
                 <a:latin typeface="Calibri"/>
                 <a:cs typeface="Calibri"/>
               </a:rPr>
-              <a:t> </a:t>
-            </a:r>
-            <a:r>
-              <a:rPr lang="it-IT" sz="2800" dirty="0" err="1">
-                <a:solidFill>
-                  <a:srgbClr val="003F6E"/>
-                </a:solidFill>
-                <a:latin typeface="Calibri"/>
-                <a:cs typeface="Calibri"/>
-              </a:rPr>
-              <a:t>aspects</a:t>
-            </a:r>
-            <a:r>
-              <a:rPr lang="it-IT" sz="2800" dirty="0">
-                <a:solidFill>
-                  <a:srgbClr val="003F6E"/>
-                </a:solidFill>
-                <a:latin typeface="Calibri"/>
-                <a:cs typeface="Calibri"/>
-              </a:rPr>
-              <a:t> of the user </a:t>
-            </a:r>
-            <a:r>
-              <a:rPr lang="it-IT" sz="2800" dirty="0" err="1">
-                <a:solidFill>
-                  <a:srgbClr val="003F6E"/>
-                </a:solidFill>
-                <a:latin typeface="Calibri"/>
-                <a:cs typeface="Calibri"/>
-              </a:rPr>
-              <a:t>interfaces</a:t>
+              <a:t>StorageFragment</a:t>
             </a:r>
             <a:endParaRPr lang="it-IT" sz="2800" dirty="0">
               <a:solidFill>
@@ -11462,181 +11207,6 @@
               <a:cs typeface="Calibri"/>
             </a:endParaRPr>
           </a:p>
-          <a:p>
-            <a:pPr marL="457200" indent="-457200">
-              <a:buFont typeface="Arial"/>
-              <a:buChar char="•"/>
-            </a:pPr>
-            <a:endParaRPr lang="it-IT" sz="2800" dirty="0">
-              <a:solidFill>
-                <a:srgbClr val="003F6E"/>
-              </a:solidFill>
-              <a:latin typeface="Calibri"/>
-              <a:cs typeface="Calibri"/>
-            </a:endParaRPr>
-          </a:p>
-          <a:p>
-            <a:pPr marL="457200" indent="-457200">
-              <a:buFont typeface="Arial"/>
-              <a:buChar char="•"/>
-            </a:pPr>
-            <a:r>
-              <a:rPr lang="it-IT" sz="2800" b="1" dirty="0">
-                <a:solidFill>
-                  <a:srgbClr val="003F6E"/>
-                </a:solidFill>
-                <a:latin typeface="Calibri"/>
-                <a:cs typeface="Calibri"/>
-              </a:rPr>
-              <a:t>Tools:</a:t>
-            </a:r>
-            <a:r>
-              <a:rPr lang="it-IT" sz="2800" dirty="0">
-                <a:solidFill>
-                  <a:srgbClr val="003F6E"/>
-                </a:solidFill>
-                <a:latin typeface="Calibri"/>
-                <a:cs typeface="Calibri"/>
-              </a:rPr>
-              <a:t> Espresso, Espresso Recorder and </a:t>
-            </a:r>
-            <a:r>
-              <a:rPr lang="it-IT" sz="2800" dirty="0" err="1">
-                <a:solidFill>
-                  <a:srgbClr val="003F6E"/>
-                </a:solidFill>
-                <a:latin typeface="Calibri"/>
-                <a:cs typeface="Calibri"/>
-              </a:rPr>
-              <a:t>Firebase</a:t>
-            </a:r>
-            <a:r>
-              <a:rPr lang="it-IT" sz="2800" dirty="0">
-                <a:solidFill>
-                  <a:srgbClr val="003F6E"/>
-                </a:solidFill>
-                <a:latin typeface="Calibri"/>
-                <a:cs typeface="Calibri"/>
-              </a:rPr>
-              <a:t> Test Lab</a:t>
-            </a:r>
-          </a:p>
-          <a:p>
-            <a:pPr marL="457200" indent="-457200">
-              <a:buFont typeface="Arial"/>
-              <a:buChar char="•"/>
-            </a:pPr>
-            <a:endParaRPr lang="it-IT" sz="2800" b="1" dirty="0">
-              <a:solidFill>
-                <a:srgbClr val="003F6E"/>
-              </a:solidFill>
-              <a:latin typeface="Calibri"/>
-              <a:cs typeface="Calibri"/>
-            </a:endParaRPr>
-          </a:p>
-          <a:p>
-            <a:pPr marL="457200" indent="-457200">
-              <a:buFont typeface="Arial"/>
-              <a:buChar char="•"/>
-            </a:pPr>
-            <a:r>
-              <a:rPr lang="it-IT" sz="2800" b="1" dirty="0">
-                <a:solidFill>
-                  <a:srgbClr val="003F6E"/>
-                </a:solidFill>
-                <a:latin typeface="Calibri"/>
-                <a:cs typeface="Calibri"/>
-              </a:rPr>
-              <a:t>Classes:</a:t>
-            </a:r>
-            <a:r>
-              <a:rPr lang="it-IT" sz="2800" dirty="0">
-                <a:solidFill>
-                  <a:srgbClr val="003F6E"/>
-                </a:solidFill>
-                <a:latin typeface="Calibri"/>
-                <a:cs typeface="Calibri"/>
-              </a:rPr>
-              <a:t> </a:t>
-            </a:r>
-            <a:r>
-              <a:rPr lang="it-IT" sz="2800" dirty="0" err="1">
-                <a:solidFill>
-                  <a:srgbClr val="003F6E"/>
-                </a:solidFill>
-                <a:latin typeface="Calibri"/>
-                <a:cs typeface="Calibri"/>
-              </a:rPr>
-              <a:t>RegistrationActivity</a:t>
-            </a:r>
-            <a:r>
-              <a:rPr lang="it-IT" sz="2800" dirty="0">
-                <a:solidFill>
-                  <a:srgbClr val="003F6E"/>
-                </a:solidFill>
-                <a:latin typeface="Calibri"/>
-                <a:cs typeface="Calibri"/>
-              </a:rPr>
-              <a:t>, </a:t>
-            </a:r>
-            <a:r>
-              <a:rPr lang="it-IT" sz="2800" dirty="0" err="1">
-                <a:solidFill>
-                  <a:srgbClr val="003F6E"/>
-                </a:solidFill>
-                <a:latin typeface="Calibri"/>
-                <a:cs typeface="Calibri"/>
-              </a:rPr>
-              <a:t>LoginActivity</a:t>
-            </a:r>
-            <a:r>
-              <a:rPr lang="it-IT" sz="2800" dirty="0">
-                <a:solidFill>
-                  <a:srgbClr val="003F6E"/>
-                </a:solidFill>
-                <a:latin typeface="Calibri"/>
-                <a:cs typeface="Calibri"/>
-              </a:rPr>
-              <a:t>, </a:t>
-            </a:r>
-            <a:r>
-              <a:rPr lang="it-IT" sz="2800" dirty="0" err="1">
-                <a:solidFill>
-                  <a:srgbClr val="003F6E"/>
-                </a:solidFill>
-                <a:latin typeface="Calibri"/>
-                <a:cs typeface="Calibri"/>
-              </a:rPr>
-              <a:t>MainActivity</a:t>
-            </a:r>
-            <a:r>
-              <a:rPr lang="it-IT" sz="2800" dirty="0">
-                <a:solidFill>
-                  <a:srgbClr val="003F6E"/>
-                </a:solidFill>
-                <a:latin typeface="Calibri"/>
-                <a:cs typeface="Calibri"/>
-              </a:rPr>
-              <a:t> and </a:t>
-            </a:r>
-            <a:r>
-              <a:rPr lang="it-IT" sz="2800" dirty="0" err="1">
-                <a:solidFill>
-                  <a:srgbClr val="003F6E"/>
-                </a:solidFill>
-                <a:latin typeface="Calibri"/>
-                <a:cs typeface="Calibri"/>
-              </a:rPr>
-              <a:t>StorageFragment</a:t>
-            </a:r>
-            <a:endParaRPr lang="it-IT" sz="2800" dirty="0">
-              <a:solidFill>
-                <a:srgbClr val="003F6E"/>
-              </a:solidFill>
-              <a:latin typeface="Calibri"/>
-              <a:cs typeface="Calibri"/>
-            </a:endParaRPr>
-          </a:p>
         </p:txBody>
       </p:sp>
       <p:sp>
@@ -11663,7 +11233,7 @@
             <a:fld id="{890431D4-9664-4983-A38D-C80271325BDD}" type="slidenum">
               <a:rPr lang="it-IT" altLang="en-US" smtClean="0"/>
               <a:pPr/>
-              <a:t>25</a:t>
+              <a:t>24</a:t>
             </a:fld>
             <a:endParaRPr lang="it-IT" altLang="en-US"/>
           </a:p>
